--- a/pres/DBandyopadhyay_FigChanges_eLNB_revision_2019.pptx
+++ b/pres/DBandyopadhyay_FigChanges_eLNB_revision_2019.pptx
@@ -8,18 +8,19 @@
     <p:sldMasterId id="2147483712" r:id="rId4"/>
   </p:sldMasterIdLst>
   <p:notesMasterIdLst>
-    <p:notesMasterId r:id="rId14"/>
+    <p:notesMasterId r:id="rId15"/>
   </p:notesMasterIdLst>
   <p:sldIdLst>
     <p:sldId id="256" r:id="rId5"/>
-    <p:sldId id="279" r:id="rId6"/>
-    <p:sldId id="297" r:id="rId7"/>
-    <p:sldId id="298" r:id="rId8"/>
-    <p:sldId id="299" r:id="rId9"/>
-    <p:sldId id="300" r:id="rId10"/>
-    <p:sldId id="259" r:id="rId11"/>
-    <p:sldId id="302" r:id="rId12"/>
-    <p:sldId id="301" r:id="rId13"/>
+    <p:sldId id="303" r:id="rId6"/>
+    <p:sldId id="279" r:id="rId7"/>
+    <p:sldId id="297" r:id="rId8"/>
+    <p:sldId id="298" r:id="rId9"/>
+    <p:sldId id="299" r:id="rId10"/>
+    <p:sldId id="300" r:id="rId11"/>
+    <p:sldId id="259" r:id="rId12"/>
+    <p:sldId id="302" r:id="rId13"/>
+    <p:sldId id="301" r:id="rId14"/>
   </p:sldIdLst>
   <p:sldSz cx="9144000" cy="6858000" type="screen4x3"/>
   <p:notesSz cx="6858000" cy="9144000"/>
@@ -220,7 +221,7 @@
             <a:fld id="{BCD41C7E-9E99-465F-BA13-33F82FBE97E5}" type="datetimeFigureOut">
               <a:rPr lang="en-US" smtClean="0"/>
               <a:pPr/>
-              <a:t>6/9/2019</a:t>
+              <a:t>6/17/2019</a:t>
             </a:fld>
             <a:endParaRPr lang="en-US"/>
           </a:p>
@@ -556,7 +557,7 @@
             <a:fld id="{4C8C9167-E136-4C18-8FF2-A53C2728C27B}" type="slidenum">
               <a:rPr lang="en-US" smtClean="0"/>
               <a:pPr/>
-              <a:t>2</a:t>
+              <a:t>3</a:t>
             </a:fld>
             <a:endParaRPr lang="en-US"/>
           </a:p>
@@ -756,7 +757,7 @@
                 </a:solidFill>
               </a:rPr>
               <a:pPr/>
-              <a:t>7</a:t>
+              <a:t>8</a:t>
             </a:fld>
             <a:endParaRPr lang="en-US">
               <a:solidFill>
@@ -796,191 +797,7 @@
           <a:chExt cx="0" cy="0"/>
         </a:xfrm>
       </p:grpSpPr>
-      <p:sp>
-        <p:nvSpPr>
-          <p:cNvPr id="2" name="Slide Image Placeholder 1"/>
-          <p:cNvSpPr>
-            <a:spLocks noGrp="1" noRot="1" noChangeAspect="1"/>
-          </p:cNvSpPr>
-          <p:nvPr>
-            <p:ph type="sldImg"/>
-          </p:nvPr>
-        </p:nvSpPr>
-        <p:spPr/>
-      </p:sp>
-      <p:sp>
-        <p:nvSpPr>
-          <p:cNvPr id="3" name="Notes Placeholder 2"/>
-          <p:cNvSpPr>
-            <a:spLocks noGrp="1"/>
-          </p:cNvSpPr>
-          <p:nvPr>
-            <p:ph type="body" idx="1"/>
-          </p:nvPr>
-        </p:nvSpPr>
-        <p:spPr/>
-        <p:txBody>
-          <a:bodyPr>
-            <a:normAutofit/>
-          </a:bodyPr>
-          <a:lstStyle/>
-          <a:p>
-            <a:r>
-              <a:rPr lang="en-US" dirty="0"/>
-              <a:t>Stats:</a:t>
-            </a:r>
-          </a:p>
-          <a:p>
-            <a:pPr lvl="0"/>
-            <a:r>
-              <a:rPr lang="en-US" sz="1200" kern="1200" dirty="0">
-                <a:solidFill>
-                  <a:schemeClr val="tx1"/>
-                </a:solidFill>
-                <a:latin typeface="+mn-lt"/>
-                <a:ea typeface="+mn-ea"/>
-                <a:cs typeface="+mn-cs"/>
-              </a:rPr>
-              <a:t>The two methods allow you to access different sets of molecules starting from any molecule in TCAMS (average overlap in coverage is 40%).</a:t>
-            </a:r>
-          </a:p>
-          <a:p>
-            <a:pPr lvl="0"/>
-            <a:r>
-              <a:rPr lang="en-US" sz="1200" kern="1200" dirty="0">
-                <a:solidFill>
-                  <a:schemeClr val="tx1"/>
-                </a:solidFill>
-                <a:latin typeface="+mn-lt"/>
-                <a:ea typeface="+mn-ea"/>
-                <a:cs typeface="+mn-cs"/>
-              </a:rPr>
-              <a:t>On the aggregate (average/median), you can link to about twice as many molecules with the frameworks, however, this is because on the aggregate there are 6 times more frameworks than NCATS scaffolds, so the “fragment efficiency” is actually 3 times greater for NCATS scaffolds. One could also argue that many of the framework-only links (</a:t>
-            </a:r>
-            <a:r>
-              <a:rPr lang="en-US" sz="1200" kern="1200" dirty="0" err="1">
-                <a:solidFill>
-                  <a:schemeClr val="tx1"/>
-                </a:solidFill>
-                <a:latin typeface="+mn-lt"/>
-                <a:ea typeface="+mn-ea"/>
-                <a:cs typeface="+mn-cs"/>
-              </a:rPr>
-              <a:t>eg</a:t>
-            </a:r>
-            <a:r>
-              <a:rPr lang="en-US" sz="1200" kern="1200" dirty="0">
-                <a:solidFill>
-                  <a:schemeClr val="tx1"/>
-                </a:solidFill>
-                <a:latin typeface="+mn-lt"/>
-                <a:ea typeface="+mn-ea"/>
-                <a:cs typeface="+mn-cs"/>
-              </a:rPr>
-              <a:t>. variously decorated benzene rings) are not useful.</a:t>
-            </a:r>
-          </a:p>
-          <a:p>
-            <a:pPr lvl="0"/>
-            <a:r>
-              <a:rPr lang="en-US" sz="1200" kern="1200" dirty="0">
-                <a:solidFill>
-                  <a:schemeClr val="tx1"/>
-                </a:solidFill>
-                <a:latin typeface="+mn-lt"/>
-                <a:ea typeface="+mn-ea"/>
-                <a:cs typeface="+mn-cs"/>
-              </a:rPr>
-              <a:t>The outliers are interesting: compounds in a rare </a:t>
-            </a:r>
-            <a:r>
-              <a:rPr lang="en-US" sz="1200" kern="1200" dirty="0" err="1">
-                <a:solidFill>
-                  <a:schemeClr val="tx1"/>
-                </a:solidFill>
-                <a:latin typeface="+mn-lt"/>
-                <a:ea typeface="+mn-ea"/>
-                <a:cs typeface="+mn-cs"/>
-              </a:rPr>
-              <a:t>tautomer</a:t>
-            </a:r>
-            <a:r>
-              <a:rPr lang="en-US" sz="1200" kern="1200" dirty="0">
-                <a:solidFill>
-                  <a:schemeClr val="tx1"/>
-                </a:solidFill>
-                <a:latin typeface="+mn-lt"/>
-                <a:ea typeface="+mn-ea"/>
-                <a:cs typeface="+mn-cs"/>
-              </a:rPr>
-              <a:t> are unified with the dominant one by the NCATS tool, but left as singletons by the frameworks. And compounds whose only link with other molecules would be </a:t>
-            </a:r>
-            <a:r>
-              <a:rPr lang="en-US" sz="1200" kern="1200" dirty="0" err="1">
-                <a:solidFill>
-                  <a:schemeClr val="tx1"/>
-                </a:solidFill>
-                <a:latin typeface="+mn-lt"/>
-                <a:ea typeface="+mn-ea"/>
-                <a:cs typeface="+mn-cs"/>
-              </a:rPr>
-              <a:t>eg</a:t>
-            </a:r>
-            <a:r>
-              <a:rPr lang="en-US" sz="1200" kern="1200" dirty="0">
-                <a:solidFill>
-                  <a:schemeClr val="tx1"/>
-                </a:solidFill>
-                <a:latin typeface="+mn-lt"/>
-                <a:ea typeface="+mn-ea"/>
-                <a:cs typeface="+mn-cs"/>
-              </a:rPr>
-              <a:t>. a benzene ring remain singletons with the R-group tool.</a:t>
-            </a:r>
-          </a:p>
-          <a:p>
-            <a:endParaRPr lang="en-US" dirty="0"/>
-          </a:p>
-        </p:txBody>
-      </p:sp>
-      <p:sp>
-        <p:nvSpPr>
-          <p:cNvPr id="4" name="Slide Number Placeholder 3"/>
-          <p:cNvSpPr>
-            <a:spLocks noGrp="1"/>
-          </p:cNvSpPr>
-          <p:nvPr>
-            <p:ph type="sldNum" sz="quarter" idx="10"/>
-          </p:nvPr>
-        </p:nvSpPr>
-        <p:spPr/>
-        <p:txBody>
-          <a:bodyPr/>
-          <a:lstStyle/>
-          <a:p>
-            <a:fld id="{4C8C9167-E136-4C18-8FF2-A53C2728C27B}" type="slidenum">
-              <a:rPr lang="en-US" smtClean="0">
-                <a:solidFill>
-                  <a:prstClr val="black"/>
-                </a:solidFill>
-              </a:rPr>
-              <a:pPr/>
-              <a:t>8</a:t>
-            </a:fld>
-            <a:endParaRPr lang="en-US">
-              <a:solidFill>
-                <a:prstClr val="black"/>
-              </a:solidFill>
-            </a:endParaRPr>
-          </a:p>
-        </p:txBody>
-      </p:sp>
     </p:spTree>
-    <p:extLst>
-      <p:ext uri="{BB962C8B-B14F-4D97-AF65-F5344CB8AC3E}">
-        <p14:creationId xmlns:p14="http://schemas.microsoft.com/office/powerpoint/2010/main" val="257090025"/>
-      </p:ext>
-    </p:extLst>
   </p:cSld>
   <p:clrMapOvr>
     <a:masterClrMapping/>
@@ -1249,7 +1066,7 @@
             <a:fld id="{4B3D3EAA-4720-4AEB-A041-FA3C86592F29}" type="datetimeFigureOut">
               <a:rPr lang="en-US" smtClean="0"/>
               <a:pPr/>
-              <a:t>6/9/2019</a:t>
+              <a:t>6/17/2019</a:t>
             </a:fld>
             <a:endParaRPr lang="en-US"/>
           </a:p>
@@ -1415,7 +1232,7 @@
             <a:fld id="{4B3D3EAA-4720-4AEB-A041-FA3C86592F29}" type="datetimeFigureOut">
               <a:rPr lang="en-US" smtClean="0"/>
               <a:pPr/>
-              <a:t>6/9/2019</a:t>
+              <a:t>6/17/2019</a:t>
             </a:fld>
             <a:endParaRPr lang="en-US"/>
           </a:p>
@@ -1547,7 +1364,7 @@
             <a:fld id="{4B3D3EAA-4720-4AEB-A041-FA3C86592F29}" type="datetimeFigureOut">
               <a:rPr lang="en-US" smtClean="0"/>
               <a:pPr/>
-              <a:t>6/9/2019</a:t>
+              <a:t>6/17/2019</a:t>
             </a:fld>
             <a:endParaRPr lang="en-US"/>
           </a:p>
@@ -2208,7 +2025,7 @@
             <a:fld id="{4B3D3EAA-4720-4AEB-A041-FA3C86592F29}" type="datetimeFigureOut">
               <a:rPr lang="en-US" smtClean="0"/>
               <a:pPr/>
-              <a:t>6/9/2019</a:t>
+              <a:t>6/17/2019</a:t>
             </a:fld>
             <a:endParaRPr lang="en-US"/>
           </a:p>
@@ -3979,7 +3796,7 @@
             <a:fld id="{4B3D3EAA-4720-4AEB-A041-FA3C86592F29}" type="datetimeFigureOut">
               <a:rPr lang="en-US" smtClean="0"/>
               <a:pPr/>
-              <a:t>6/9/2019</a:t>
+              <a:t>6/17/2019</a:t>
             </a:fld>
             <a:endParaRPr lang="en-US"/>
           </a:p>
@@ -7374,7 +7191,7 @@
             <a:fld id="{4B3D3EAA-4720-4AEB-A041-FA3C86592F29}" type="datetimeFigureOut">
               <a:rPr lang="en-US" smtClean="0"/>
               <a:pPr/>
-              <a:t>6/9/2019</a:t>
+              <a:t>6/17/2019</a:t>
             </a:fld>
             <a:endParaRPr lang="en-US"/>
           </a:p>
@@ -11090,7 +10907,7 @@
             <a:fld id="{4B3D3EAA-4720-4AEB-A041-FA3C86592F29}" type="datetimeFigureOut">
               <a:rPr lang="en-US" smtClean="0"/>
               <a:pPr/>
-              <a:t>6/9/2019</a:t>
+              <a:t>6/17/2019</a:t>
             </a:fld>
             <a:endParaRPr lang="en-US"/>
           </a:p>
@@ -14110,7 +13927,7 @@
             <a:fld id="{4B3D3EAA-4720-4AEB-A041-FA3C86592F29}" type="datetimeFigureOut">
               <a:rPr lang="en-US" smtClean="0"/>
               <a:pPr/>
-              <a:t>6/9/2019</a:t>
+              <a:t>6/17/2019</a:t>
             </a:fld>
             <a:endParaRPr lang="en-US"/>
           </a:p>
@@ -17883,7 +17700,7 @@
             <a:fld id="{4B3D3EAA-4720-4AEB-A041-FA3C86592F29}" type="datetimeFigureOut">
               <a:rPr lang="en-US" smtClean="0"/>
               <a:pPr/>
-              <a:t>6/9/2019</a:t>
+              <a:t>6/17/2019</a:t>
             </a:fld>
             <a:endParaRPr lang="en-US"/>
           </a:p>
@@ -19139,7 +18956,7 @@
             <a:fld id="{4B3D3EAA-4720-4AEB-A041-FA3C86592F29}" type="datetimeFigureOut">
               <a:rPr lang="en-US" smtClean="0"/>
               <a:pPr/>
-              <a:t>6/9/2019</a:t>
+              <a:t>6/17/2019</a:t>
             </a:fld>
             <a:endParaRPr lang="en-US"/>
           </a:p>
@@ -19486,7 +19303,7 @@
             <a:fld id="{4B3D3EAA-4720-4AEB-A041-FA3C86592F29}" type="datetimeFigureOut">
               <a:rPr lang="en-US" smtClean="0"/>
               <a:pPr/>
-              <a:t>6/9/2019</a:t>
+              <a:t>6/17/2019</a:t>
             </a:fld>
             <a:endParaRPr lang="en-US"/>
           </a:p>
@@ -19919,7 +19736,7 @@
             <a:fld id="{4B3D3EAA-4720-4AEB-A041-FA3C86592F29}" type="datetimeFigureOut">
               <a:rPr lang="en-US" smtClean="0"/>
               <a:pPr/>
-              <a:t>6/9/2019</a:t>
+              <a:t>6/17/2019</a:t>
             </a:fld>
             <a:endParaRPr lang="en-US"/>
           </a:p>
@@ -20240,7 +20057,7 @@
             <a:fld id="{4B3D3EAA-4720-4AEB-A041-FA3C86592F29}" type="datetimeFigureOut">
               <a:rPr lang="en-US" smtClean="0"/>
               <a:pPr/>
-              <a:t>6/9/2019</a:t>
+              <a:t>6/17/2019</a:t>
             </a:fld>
             <a:endParaRPr lang="en-US"/>
           </a:p>
@@ -23229,7 +23046,354 @@
 </p:sld>
 </file>
 
+<file path=ppt/slides/slide10.xml><?xml version="1.0" encoding="utf-8"?>
+<p:sld xmlns:a="http://schemas.openxmlformats.org/drawingml/2006/main" xmlns:r="http://schemas.openxmlformats.org/officeDocument/2006/relationships" xmlns:p="http://schemas.openxmlformats.org/presentationml/2006/main">
+  <p:cSld>
+    <p:spTree>
+      <p:nvGrpSpPr>
+        <p:cNvPr id="1" name=""/>
+        <p:cNvGrpSpPr/>
+        <p:nvPr/>
+      </p:nvGrpSpPr>
+      <p:grpSpPr>
+        <a:xfrm>
+          <a:off x="0" y="0"/>
+          <a:ext cx="0" cy="0"/>
+          <a:chOff x="0" y="0"/>
+          <a:chExt cx="0" cy="0"/>
+        </a:xfrm>
+      </p:grpSpPr>
+      <p:sp>
+        <p:nvSpPr>
+          <p:cNvPr id="2" name="Title 1">
+            <a:extLst>
+              <a:ext uri="{FF2B5EF4-FFF2-40B4-BE49-F238E27FC236}">
+                <a16:creationId xmlns:a16="http://schemas.microsoft.com/office/drawing/2014/main" id="{A82C809E-055D-4E26-A5A7-2A1E00CE0C8E}"/>
+              </a:ext>
+            </a:extLst>
+          </p:cNvPr>
+          <p:cNvSpPr>
+            <a:spLocks noGrp="1"/>
+          </p:cNvSpPr>
+          <p:nvPr>
+            <p:ph type="title"/>
+          </p:nvPr>
+        </p:nvSpPr>
+        <p:spPr/>
+        <p:txBody>
+          <a:bodyPr/>
+          <a:lstStyle/>
+          <a:p>
+            <a:r>
+              <a:rPr lang="en-US" dirty="0"/>
+              <a:t>Stats bar charts</a:t>
+            </a:r>
+          </a:p>
+        </p:txBody>
+      </p:sp>
+      <p:sp>
+        <p:nvSpPr>
+          <p:cNvPr id="4" name="Text Placeholder 3">
+            <a:extLst>
+              <a:ext uri="{FF2B5EF4-FFF2-40B4-BE49-F238E27FC236}">
+                <a16:creationId xmlns:a16="http://schemas.microsoft.com/office/drawing/2014/main" id="{4E852665-AB70-4696-993E-2D749D674B4D}"/>
+              </a:ext>
+            </a:extLst>
+          </p:cNvPr>
+          <p:cNvSpPr>
+            <a:spLocks noGrp="1"/>
+          </p:cNvSpPr>
+          <p:nvPr>
+            <p:ph type="body" sz="quarter" idx="14"/>
+          </p:nvPr>
+        </p:nvSpPr>
+        <p:spPr/>
+        <p:txBody>
+          <a:bodyPr/>
+          <a:lstStyle/>
+          <a:p>
+            <a:endParaRPr lang="en-US"/>
+          </a:p>
+        </p:txBody>
+      </p:sp>
+      <p:sp>
+        <p:nvSpPr>
+          <p:cNvPr id="5" name="Slide Number Placeholder 4">
+            <a:extLst>
+              <a:ext uri="{FF2B5EF4-FFF2-40B4-BE49-F238E27FC236}">
+                <a16:creationId xmlns:a16="http://schemas.microsoft.com/office/drawing/2014/main" id="{439173BD-33EA-42B3-B778-ADD631ABB78A}"/>
+              </a:ext>
+            </a:extLst>
+          </p:cNvPr>
+          <p:cNvSpPr>
+            <a:spLocks noGrp="1"/>
+          </p:cNvSpPr>
+          <p:nvPr>
+            <p:ph type="sldNum" sz="quarter" idx="17"/>
+          </p:nvPr>
+        </p:nvSpPr>
+        <p:spPr/>
+        <p:txBody>
+          <a:bodyPr/>
+          <a:lstStyle/>
+          <a:p>
+            <a:fld id="{0A838F34-1B32-4019-A24D-EF473E6901BC}" type="slidenum">
+              <a:rPr lang="en-US" smtClean="0">
+                <a:solidFill>
+                  <a:srgbClr val="9A8B7D"/>
+                </a:solidFill>
+              </a:rPr>
+              <a:pPr/>
+              <a:t>10</a:t>
+            </a:fld>
+            <a:endParaRPr lang="en-US">
+              <a:solidFill>
+                <a:srgbClr val="9A8B7D"/>
+              </a:solidFill>
+            </a:endParaRPr>
+          </a:p>
+        </p:txBody>
+      </p:sp>
+      <p:pic>
+        <p:nvPicPr>
+          <p:cNvPr id="7" name="Picture 6">
+            <a:extLst>
+              <a:ext uri="{FF2B5EF4-FFF2-40B4-BE49-F238E27FC236}">
+                <a16:creationId xmlns:a16="http://schemas.microsoft.com/office/drawing/2014/main" id="{5D071394-E259-4091-BEB8-D965BBEF15C2}"/>
+              </a:ext>
+            </a:extLst>
+          </p:cNvPr>
+          <p:cNvPicPr>
+            <a:picLocks noChangeAspect="1"/>
+          </p:cNvPicPr>
+          <p:nvPr/>
+        </p:nvPicPr>
+        <p:blipFill rotWithShape="1">
+          <a:blip r:embed="rId2"/>
+          <a:srcRect l="9581" r="24510"/>
+          <a:stretch/>
+        </p:blipFill>
+        <p:spPr>
+          <a:xfrm>
+            <a:off x="2206156" y="1100738"/>
+            <a:ext cx="5649734" cy="2561336"/>
+          </a:xfrm>
+          <a:prstGeom prst="rect">
+            <a:avLst/>
+          </a:prstGeom>
+        </p:spPr>
+      </p:pic>
+      <p:sp>
+        <p:nvSpPr>
+          <p:cNvPr id="9" name="TextBox 8">
+            <a:extLst>
+              <a:ext uri="{FF2B5EF4-FFF2-40B4-BE49-F238E27FC236}">
+                <a16:creationId xmlns:a16="http://schemas.microsoft.com/office/drawing/2014/main" id="{C065B58C-CD0D-4B7A-9D42-D31593D6933C}"/>
+              </a:ext>
+            </a:extLst>
+          </p:cNvPr>
+          <p:cNvSpPr txBox="1"/>
+          <p:nvPr/>
+        </p:nvSpPr>
+        <p:spPr>
+          <a:xfrm rot="16200000">
+            <a:off x="904018" y="1684148"/>
+            <a:ext cx="2154804" cy="400110"/>
+          </a:xfrm>
+          <a:prstGeom prst="rect">
+            <a:avLst/>
+          </a:prstGeom>
+          <a:noFill/>
+        </p:spPr>
+        <p:txBody>
+          <a:bodyPr wrap="square" rtlCol="0">
+            <a:spAutoFit/>
+          </a:bodyPr>
+          <a:lstStyle/>
+          <a:p>
+            <a:pPr>
+              <a:buClr>
+                <a:schemeClr val="tx1"/>
+              </a:buClr>
+            </a:pPr>
+            <a:r>
+              <a:rPr lang="en-US" sz="2000" dirty="0"/>
+              <a:t># molecules</a:t>
+            </a:r>
+          </a:p>
+        </p:txBody>
+      </p:sp>
+      <p:sp>
+        <p:nvSpPr>
+          <p:cNvPr id="10" name="TextBox 9">
+            <a:extLst>
+              <a:ext uri="{FF2B5EF4-FFF2-40B4-BE49-F238E27FC236}">
+                <a16:creationId xmlns:a16="http://schemas.microsoft.com/office/drawing/2014/main" id="{7E9563D7-FD9C-447C-93BB-F90D4739C30A}"/>
+              </a:ext>
+            </a:extLst>
+          </p:cNvPr>
+          <p:cNvSpPr txBox="1"/>
+          <p:nvPr/>
+        </p:nvSpPr>
+        <p:spPr>
+          <a:xfrm rot="16200000">
+            <a:off x="904018" y="4204712"/>
+            <a:ext cx="2154804" cy="400110"/>
+          </a:xfrm>
+          <a:prstGeom prst="rect">
+            <a:avLst/>
+          </a:prstGeom>
+          <a:noFill/>
+        </p:spPr>
+        <p:txBody>
+          <a:bodyPr wrap="square" rtlCol="0">
+            <a:spAutoFit/>
+          </a:bodyPr>
+          <a:lstStyle/>
+          <a:p>
+            <a:pPr>
+              <a:buClr>
+                <a:schemeClr val="tx1"/>
+              </a:buClr>
+            </a:pPr>
+            <a:r>
+              <a:rPr lang="en-US" sz="2000" dirty="0"/>
+              <a:t># molecules</a:t>
+            </a:r>
+          </a:p>
+        </p:txBody>
+      </p:sp>
+      <p:pic>
+        <p:nvPicPr>
+          <p:cNvPr id="12" name="Picture 11">
+            <a:extLst>
+              <a:ext uri="{FF2B5EF4-FFF2-40B4-BE49-F238E27FC236}">
+                <a16:creationId xmlns:a16="http://schemas.microsoft.com/office/drawing/2014/main" id="{54DBEF6F-BEBF-4888-BE5E-712455B600BE}"/>
+              </a:ext>
+            </a:extLst>
+          </p:cNvPr>
+          <p:cNvPicPr>
+            <a:picLocks noChangeAspect="1"/>
+          </p:cNvPicPr>
+          <p:nvPr/>
+        </p:nvPicPr>
+        <p:blipFill rotWithShape="1">
+          <a:blip r:embed="rId3"/>
+          <a:srcRect l="10006" r="25193"/>
+          <a:stretch/>
+        </p:blipFill>
+        <p:spPr>
+          <a:xfrm>
+            <a:off x="2183845" y="3646173"/>
+            <a:ext cx="5462547" cy="2600325"/>
+          </a:xfrm>
+          <a:prstGeom prst="rect">
+            <a:avLst/>
+          </a:prstGeom>
+        </p:spPr>
+      </p:pic>
+    </p:spTree>
+    <p:extLst>
+      <p:ext uri="{BB962C8B-B14F-4D97-AF65-F5344CB8AC3E}">
+        <p14:creationId xmlns:p14="http://schemas.microsoft.com/office/powerpoint/2010/main" val="892661274"/>
+      </p:ext>
+    </p:extLst>
+  </p:cSld>
+  <p:clrMapOvr>
+    <a:masterClrMapping/>
+  </p:clrMapOvr>
+</p:sld>
+</file>
+
 <file path=ppt/slides/slide2.xml><?xml version="1.0" encoding="utf-8"?>
+<p:sld xmlns:a="http://schemas.openxmlformats.org/drawingml/2006/main" xmlns:r="http://schemas.openxmlformats.org/officeDocument/2006/relationships" xmlns:p="http://schemas.openxmlformats.org/presentationml/2006/main">
+  <p:cSld>
+    <p:spTree>
+      <p:nvGrpSpPr>
+        <p:cNvPr id="1" name=""/>
+        <p:cNvGrpSpPr/>
+        <p:nvPr/>
+      </p:nvGrpSpPr>
+      <p:grpSpPr>
+        <a:xfrm>
+          <a:off x="0" y="0"/>
+          <a:ext cx="0" cy="0"/>
+          <a:chOff x="0" y="0"/>
+          <a:chExt cx="0" cy="0"/>
+        </a:xfrm>
+      </p:grpSpPr>
+      <p:sp>
+        <p:nvSpPr>
+          <p:cNvPr id="2" name="Title 1">
+            <a:extLst>
+              <a:ext uri="{FF2B5EF4-FFF2-40B4-BE49-F238E27FC236}">
+                <a16:creationId xmlns:a16="http://schemas.microsoft.com/office/drawing/2014/main" id="{1981DE1C-82BA-4632-A148-CFE53036A89E}"/>
+              </a:ext>
+            </a:extLst>
+          </p:cNvPr>
+          <p:cNvSpPr>
+            <a:spLocks noGrp="1"/>
+          </p:cNvSpPr>
+          <p:nvPr>
+            <p:ph type="title"/>
+          </p:nvPr>
+        </p:nvSpPr>
+        <p:spPr/>
+        <p:txBody>
+          <a:bodyPr/>
+          <a:lstStyle/>
+          <a:p>
+            <a:r>
+              <a:rPr lang="en-US" dirty="0"/>
+              <a:t>Fig 2a</a:t>
+            </a:r>
+          </a:p>
+        </p:txBody>
+      </p:sp>
+      <p:pic>
+        <p:nvPicPr>
+          <p:cNvPr id="3" name="Picture 2">
+            <a:extLst>
+              <a:ext uri="{FF2B5EF4-FFF2-40B4-BE49-F238E27FC236}">
+                <a16:creationId xmlns:a16="http://schemas.microsoft.com/office/drawing/2014/main" id="{1F3EA8D8-731A-427D-B355-5EF709757ABF}"/>
+              </a:ext>
+            </a:extLst>
+          </p:cNvPr>
+          <p:cNvPicPr>
+            <a:picLocks noChangeAspect="1"/>
+          </p:cNvPicPr>
+          <p:nvPr/>
+        </p:nvPicPr>
+        <p:blipFill>
+          <a:blip r:embed="rId2"/>
+          <a:stretch>
+            <a:fillRect/>
+          </a:stretch>
+        </p:blipFill>
+        <p:spPr>
+          <a:xfrm>
+            <a:off x="871537" y="2571750"/>
+            <a:ext cx="7400925" cy="1714500"/>
+          </a:xfrm>
+          <a:prstGeom prst="rect">
+            <a:avLst/>
+          </a:prstGeom>
+        </p:spPr>
+      </p:pic>
+    </p:spTree>
+    <p:extLst>
+      <p:ext uri="{BB962C8B-B14F-4D97-AF65-F5344CB8AC3E}">
+        <p14:creationId xmlns:p14="http://schemas.microsoft.com/office/powerpoint/2010/main" val="2519223533"/>
+      </p:ext>
+    </p:extLst>
+  </p:cSld>
+  <p:clrMapOvr>
+    <a:masterClrMapping/>
+  </p:clrMapOvr>
+</p:sld>
+</file>
+
+<file path=ppt/slides/slide3.xml><?xml version="1.0" encoding="utf-8"?>
 <p:sld xmlns:a="http://schemas.openxmlformats.org/drawingml/2006/main" xmlns:r="http://schemas.openxmlformats.org/officeDocument/2006/relationships" xmlns:p="http://schemas.openxmlformats.org/presentationml/2006/main">
   <p:cSld>
     <p:spTree>
@@ -23609,7 +23773,7 @@
             <a:fld id="{FDC40351-2EB1-4AB4-A6D0-AB8EF40E804F}" type="slidenum">
               <a:rPr lang="en-US" smtClean="0"/>
               <a:pPr/>
-              <a:t>2</a:t>
+              <a:t>3</a:t>
             </a:fld>
             <a:endParaRPr lang="en-US"/>
           </a:p>
@@ -24794,7 +24958,7 @@
 </p:sld>
 </file>
 
-<file path=ppt/slides/slide3.xml><?xml version="1.0" encoding="utf-8"?>
+<file path=ppt/slides/slide4.xml><?xml version="1.0" encoding="utf-8"?>
 <p:sld xmlns:a="http://schemas.openxmlformats.org/drawingml/2006/main" xmlns:r="http://schemas.openxmlformats.org/officeDocument/2006/relationships" xmlns:p="http://schemas.openxmlformats.org/presentationml/2006/main">
   <p:cSld>
     <p:spTree>
@@ -24965,134 +25129,6 @@
     <p:extLst>
       <p:ext uri="{BB962C8B-B14F-4D97-AF65-F5344CB8AC3E}">
         <p14:creationId xmlns:p14="http://schemas.microsoft.com/office/powerpoint/2010/main" val="1952249491"/>
-      </p:ext>
-    </p:extLst>
-  </p:cSld>
-  <p:clrMapOvr>
-    <a:masterClrMapping/>
-  </p:clrMapOvr>
-  <p:transition>
-    <p:random/>
-  </p:transition>
-</p:sld>
-</file>
-
-<file path=ppt/slides/slide4.xml><?xml version="1.0" encoding="utf-8"?>
-<p:sld xmlns:a="http://schemas.openxmlformats.org/drawingml/2006/main" xmlns:r="http://schemas.openxmlformats.org/officeDocument/2006/relationships" xmlns:p="http://schemas.openxmlformats.org/presentationml/2006/main">
-  <p:cSld>
-    <p:spTree>
-      <p:nvGrpSpPr>
-        <p:cNvPr id="1" name=""/>
-        <p:cNvGrpSpPr/>
-        <p:nvPr/>
-      </p:nvGrpSpPr>
-      <p:grpSpPr>
-        <a:xfrm>
-          <a:off x="0" y="0"/>
-          <a:ext cx="0" cy="0"/>
-          <a:chOff x="0" y="0"/>
-          <a:chExt cx="0" cy="0"/>
-        </a:xfrm>
-      </p:grpSpPr>
-      <p:sp>
-        <p:nvSpPr>
-          <p:cNvPr id="2" name="Title 1">
-            <a:extLst>
-              <a:ext uri="{FF2B5EF4-FFF2-40B4-BE49-F238E27FC236}">
-                <a16:creationId xmlns:a16="http://schemas.microsoft.com/office/drawing/2014/main" id="{B25CF516-4F28-4EE9-A976-CB97E038F075}"/>
-              </a:ext>
-            </a:extLst>
-          </p:cNvPr>
-          <p:cNvSpPr>
-            <a:spLocks noGrp="1"/>
-          </p:cNvSpPr>
-          <p:nvPr>
-            <p:ph type="title"/>
-          </p:nvPr>
-        </p:nvSpPr>
-        <p:spPr/>
-        <p:txBody>
-          <a:bodyPr/>
-          <a:lstStyle/>
-          <a:p>
-            <a:r>
-              <a:rPr lang="en-US" dirty="0"/>
-              <a:t>Figure 3 : Removed SNG</a:t>
-            </a:r>
-          </a:p>
-        </p:txBody>
-      </p:sp>
-      <p:sp>
-        <p:nvSpPr>
-          <p:cNvPr id="4" name="Slide Number Placeholder 3">
-            <a:extLst>
-              <a:ext uri="{FF2B5EF4-FFF2-40B4-BE49-F238E27FC236}">
-                <a16:creationId xmlns:a16="http://schemas.microsoft.com/office/drawing/2014/main" id="{D4BA2241-FBB1-454B-9CA0-3303B4067AC2}"/>
-              </a:ext>
-            </a:extLst>
-          </p:cNvPr>
-          <p:cNvSpPr>
-            <a:spLocks noGrp="1"/>
-          </p:cNvSpPr>
-          <p:nvPr>
-            <p:ph type="sldNum" sz="quarter" idx="11"/>
-          </p:nvPr>
-        </p:nvSpPr>
-        <p:spPr/>
-        <p:txBody>
-          <a:bodyPr/>
-          <a:lstStyle/>
-          <a:p>
-            <a:r>
-              <a:rPr lang="en-US">
-                <a:solidFill>
-                  <a:srgbClr val="9A8B7D"/>
-                </a:solidFill>
-              </a:rPr>
-              <a:t>&lt;#&gt;</a:t>
-            </a:r>
-            <a:endParaRPr lang="en-US" dirty="0">
-              <a:solidFill>
-                <a:srgbClr val="9A8B7D"/>
-              </a:solidFill>
-            </a:endParaRPr>
-          </a:p>
-        </p:txBody>
-      </p:sp>
-      <p:pic>
-        <p:nvPicPr>
-          <p:cNvPr id="5" name="Picture 4">
-            <a:extLst>
-              <a:ext uri="{FF2B5EF4-FFF2-40B4-BE49-F238E27FC236}">
-                <a16:creationId xmlns:a16="http://schemas.microsoft.com/office/drawing/2014/main" id="{658B9630-BDA8-4960-8745-7AB8F73EE4F6}"/>
-              </a:ext>
-            </a:extLst>
-          </p:cNvPr>
-          <p:cNvPicPr>
-            <a:picLocks noChangeAspect="1"/>
-          </p:cNvPicPr>
-          <p:nvPr/>
-        </p:nvPicPr>
-        <p:blipFill>
-          <a:blip r:embed="rId2"/>
-          <a:stretch>
-            <a:fillRect/>
-          </a:stretch>
-        </p:blipFill>
-        <p:spPr>
-          <a:xfrm>
-            <a:off x="599494" y="1188927"/>
-            <a:ext cx="6827808" cy="5198806"/>
-          </a:xfrm>
-          <a:prstGeom prst="rect">
-            <a:avLst/>
-          </a:prstGeom>
-        </p:spPr>
-      </p:pic>
-    </p:spTree>
-    <p:extLst>
-      <p:ext uri="{BB962C8B-B14F-4D97-AF65-F5344CB8AC3E}">
-        <p14:creationId xmlns:p14="http://schemas.microsoft.com/office/powerpoint/2010/main" val="2772977335"/>
       </p:ext>
     </p:extLst>
   </p:cSld>
@@ -25127,7 +25163,7 @@
           <p:cNvPr id="2" name="Title 1">
             <a:extLst>
               <a:ext uri="{FF2B5EF4-FFF2-40B4-BE49-F238E27FC236}">
-                <a16:creationId xmlns:a16="http://schemas.microsoft.com/office/drawing/2014/main" id="{19190722-C8C0-476E-BA3D-5413CD8FFB94}"/>
+                <a16:creationId xmlns:a16="http://schemas.microsoft.com/office/drawing/2014/main" id="{B25CF516-4F28-4EE9-A976-CB97E038F075}"/>
               </a:ext>
             </a:extLst>
           </p:cNvPr>
@@ -25145,7 +25181,7 @@
           <a:p>
             <a:r>
               <a:rPr lang="en-US" dirty="0"/>
-              <a:t>Figure 5: Added (a) molecule depiction</a:t>
+              <a:t>Figure 3 : Removed SNG</a:t>
             </a:r>
           </a:p>
         </p:txBody>
@@ -25155,7 +25191,7 @@
           <p:cNvPr id="4" name="Slide Number Placeholder 3">
             <a:extLst>
               <a:ext uri="{FF2B5EF4-FFF2-40B4-BE49-F238E27FC236}">
-                <a16:creationId xmlns:a16="http://schemas.microsoft.com/office/drawing/2014/main" id="{64083F5E-5CCD-49C7-93A7-816FF3AA87F0}"/>
+                <a16:creationId xmlns:a16="http://schemas.microsoft.com/office/drawing/2014/main" id="{D4BA2241-FBB1-454B-9CA0-3303B4067AC2}"/>
               </a:ext>
             </a:extLst>
           </p:cNvPr>
@@ -25189,10 +25225,10 @@
       </p:sp>
       <p:pic>
         <p:nvPicPr>
-          <p:cNvPr id="7" name="Picture 6">
+          <p:cNvPr id="5" name="Picture 4">
             <a:extLst>
               <a:ext uri="{FF2B5EF4-FFF2-40B4-BE49-F238E27FC236}">
-                <a16:creationId xmlns:a16="http://schemas.microsoft.com/office/drawing/2014/main" id="{6B8DB143-8C80-49B4-A0D0-1651A66A9B78}"/>
+                <a16:creationId xmlns:a16="http://schemas.microsoft.com/office/drawing/2014/main" id="{658B9630-BDA8-4960-8745-7AB8F73EE4F6}"/>
               </a:ext>
             </a:extLst>
           </p:cNvPr>
@@ -25209,38 +25245,8 @@
         </p:blipFill>
         <p:spPr>
           <a:xfrm>
-            <a:off x="998925" y="995514"/>
-            <a:ext cx="4133850" cy="3967163"/>
-          </a:xfrm>
-          <a:prstGeom prst="rect">
-            <a:avLst/>
-          </a:prstGeom>
-        </p:spPr>
-      </p:pic>
-      <p:pic>
-        <p:nvPicPr>
-          <p:cNvPr id="8" name="Picture 7">
-            <a:extLst>
-              <a:ext uri="{FF2B5EF4-FFF2-40B4-BE49-F238E27FC236}">
-                <a16:creationId xmlns:a16="http://schemas.microsoft.com/office/drawing/2014/main" id="{A7E7C113-017F-4D7E-84D6-7C41295CD3C6}"/>
-              </a:ext>
-            </a:extLst>
-          </p:cNvPr>
-          <p:cNvPicPr>
-            <a:picLocks noChangeAspect="1"/>
-          </p:cNvPicPr>
-          <p:nvPr/>
-        </p:nvPicPr>
-        <p:blipFill>
-          <a:blip r:embed="rId3"/>
-          <a:stretch>
-            <a:fillRect/>
-          </a:stretch>
-        </p:blipFill>
-        <p:spPr>
-          <a:xfrm>
-            <a:off x="567812" y="4968483"/>
-            <a:ext cx="5181600" cy="1462088"/>
+            <a:off x="599494" y="1188927"/>
+            <a:ext cx="6827808" cy="5198806"/>
           </a:xfrm>
           <a:prstGeom prst="rect">
             <a:avLst/>
@@ -25250,7 +25256,7 @@
     </p:spTree>
     <p:extLst>
       <p:ext uri="{BB962C8B-B14F-4D97-AF65-F5344CB8AC3E}">
-        <p14:creationId xmlns:p14="http://schemas.microsoft.com/office/powerpoint/2010/main" val="1958881048"/>
+        <p14:creationId xmlns:p14="http://schemas.microsoft.com/office/powerpoint/2010/main" val="2772977335"/>
       </p:ext>
     </p:extLst>
   </p:cSld>
@@ -25285,6 +25291,164 @@
           <p:cNvPr id="2" name="Title 1">
             <a:extLst>
               <a:ext uri="{FF2B5EF4-FFF2-40B4-BE49-F238E27FC236}">
+                <a16:creationId xmlns:a16="http://schemas.microsoft.com/office/drawing/2014/main" id="{19190722-C8C0-476E-BA3D-5413CD8FFB94}"/>
+              </a:ext>
+            </a:extLst>
+          </p:cNvPr>
+          <p:cNvSpPr>
+            <a:spLocks noGrp="1"/>
+          </p:cNvSpPr>
+          <p:nvPr>
+            <p:ph type="title"/>
+          </p:nvPr>
+        </p:nvSpPr>
+        <p:spPr/>
+        <p:txBody>
+          <a:bodyPr/>
+          <a:lstStyle/>
+          <a:p>
+            <a:r>
+              <a:rPr lang="en-US" dirty="0"/>
+              <a:t>Figure 5: Added (a) molecule depiction</a:t>
+            </a:r>
+          </a:p>
+        </p:txBody>
+      </p:sp>
+      <p:sp>
+        <p:nvSpPr>
+          <p:cNvPr id="4" name="Slide Number Placeholder 3">
+            <a:extLst>
+              <a:ext uri="{FF2B5EF4-FFF2-40B4-BE49-F238E27FC236}">
+                <a16:creationId xmlns:a16="http://schemas.microsoft.com/office/drawing/2014/main" id="{64083F5E-5CCD-49C7-93A7-816FF3AA87F0}"/>
+              </a:ext>
+            </a:extLst>
+          </p:cNvPr>
+          <p:cNvSpPr>
+            <a:spLocks noGrp="1"/>
+          </p:cNvSpPr>
+          <p:nvPr>
+            <p:ph type="sldNum" sz="quarter" idx="11"/>
+          </p:nvPr>
+        </p:nvSpPr>
+        <p:spPr/>
+        <p:txBody>
+          <a:bodyPr/>
+          <a:lstStyle/>
+          <a:p>
+            <a:r>
+              <a:rPr lang="en-US">
+                <a:solidFill>
+                  <a:srgbClr val="9A8B7D"/>
+                </a:solidFill>
+              </a:rPr>
+              <a:t>&lt;#&gt;</a:t>
+            </a:r>
+            <a:endParaRPr lang="en-US" dirty="0">
+              <a:solidFill>
+                <a:srgbClr val="9A8B7D"/>
+              </a:solidFill>
+            </a:endParaRPr>
+          </a:p>
+        </p:txBody>
+      </p:sp>
+      <p:pic>
+        <p:nvPicPr>
+          <p:cNvPr id="7" name="Picture 6">
+            <a:extLst>
+              <a:ext uri="{FF2B5EF4-FFF2-40B4-BE49-F238E27FC236}">
+                <a16:creationId xmlns:a16="http://schemas.microsoft.com/office/drawing/2014/main" id="{6B8DB143-8C80-49B4-A0D0-1651A66A9B78}"/>
+              </a:ext>
+            </a:extLst>
+          </p:cNvPr>
+          <p:cNvPicPr>
+            <a:picLocks noChangeAspect="1"/>
+          </p:cNvPicPr>
+          <p:nvPr/>
+        </p:nvPicPr>
+        <p:blipFill>
+          <a:blip r:embed="rId2"/>
+          <a:stretch>
+            <a:fillRect/>
+          </a:stretch>
+        </p:blipFill>
+        <p:spPr>
+          <a:xfrm>
+            <a:off x="998925" y="995514"/>
+            <a:ext cx="4133850" cy="3967163"/>
+          </a:xfrm>
+          <a:prstGeom prst="rect">
+            <a:avLst/>
+          </a:prstGeom>
+        </p:spPr>
+      </p:pic>
+      <p:pic>
+        <p:nvPicPr>
+          <p:cNvPr id="8" name="Picture 7">
+            <a:extLst>
+              <a:ext uri="{FF2B5EF4-FFF2-40B4-BE49-F238E27FC236}">
+                <a16:creationId xmlns:a16="http://schemas.microsoft.com/office/drawing/2014/main" id="{A7E7C113-017F-4D7E-84D6-7C41295CD3C6}"/>
+              </a:ext>
+            </a:extLst>
+          </p:cNvPr>
+          <p:cNvPicPr>
+            <a:picLocks noChangeAspect="1"/>
+          </p:cNvPicPr>
+          <p:nvPr/>
+        </p:nvPicPr>
+        <p:blipFill>
+          <a:blip r:embed="rId3"/>
+          <a:stretch>
+            <a:fillRect/>
+          </a:stretch>
+        </p:blipFill>
+        <p:spPr>
+          <a:xfrm>
+            <a:off x="567812" y="4968483"/>
+            <a:ext cx="5181600" cy="1462088"/>
+          </a:xfrm>
+          <a:prstGeom prst="rect">
+            <a:avLst/>
+          </a:prstGeom>
+        </p:spPr>
+      </p:pic>
+    </p:spTree>
+    <p:extLst>
+      <p:ext uri="{BB962C8B-B14F-4D97-AF65-F5344CB8AC3E}">
+        <p14:creationId xmlns:p14="http://schemas.microsoft.com/office/powerpoint/2010/main" val="1958881048"/>
+      </p:ext>
+    </p:extLst>
+  </p:cSld>
+  <p:clrMapOvr>
+    <a:masterClrMapping/>
+  </p:clrMapOvr>
+  <p:transition>
+    <p:random/>
+  </p:transition>
+</p:sld>
+</file>
+
+<file path=ppt/slides/slide7.xml><?xml version="1.0" encoding="utf-8"?>
+<p:sld xmlns:a="http://schemas.openxmlformats.org/drawingml/2006/main" xmlns:r="http://schemas.openxmlformats.org/officeDocument/2006/relationships" xmlns:p="http://schemas.openxmlformats.org/presentationml/2006/main">
+  <p:cSld>
+    <p:spTree>
+      <p:nvGrpSpPr>
+        <p:cNvPr id="1" name=""/>
+        <p:cNvGrpSpPr/>
+        <p:nvPr/>
+      </p:nvGrpSpPr>
+      <p:grpSpPr>
+        <a:xfrm>
+          <a:off x="0" y="0"/>
+          <a:ext cx="0" cy="0"/>
+          <a:chOff x="0" y="0"/>
+          <a:chExt cx="0" cy="0"/>
+        </a:xfrm>
+      </p:grpSpPr>
+      <p:sp>
+        <p:nvSpPr>
+          <p:cNvPr id="2" name="Title 1">
+            <a:extLst>
+              <a:ext uri="{FF2B5EF4-FFF2-40B4-BE49-F238E27FC236}">
                 <a16:creationId xmlns:a16="http://schemas.microsoft.com/office/drawing/2014/main" id="{101AE10D-2E5A-4DCC-8E5D-3CA6FCEFE44F}"/>
               </a:ext>
             </a:extLst>
@@ -25416,7 +25580,7 @@
 </p:sld>
 </file>
 
-<file path=ppt/slides/slide7.xml><?xml version="1.0" encoding="utf-8"?>
+<file path=ppt/slides/slide8.xml><?xml version="1.0" encoding="utf-8"?>
 <p:sld xmlns:a="http://schemas.openxmlformats.org/drawingml/2006/main" xmlns:r="http://schemas.openxmlformats.org/officeDocument/2006/relationships" xmlns:p="http://schemas.openxmlformats.org/presentationml/2006/main">
   <p:cSld>
     <p:spTree>
@@ -25511,7 +25675,7 @@
                 </a:solidFill>
               </a:rPr>
               <a:pPr/>
-              <a:t>7</a:t>
+              <a:t>8</a:t>
             </a:fld>
             <a:endParaRPr lang="en-US">
               <a:solidFill>
@@ -25842,7 +26006,7 @@
 </p:sld>
 </file>
 
-<file path=ppt/slides/slide8.xml><?xml version="1.0" encoding="utf-8"?>
+<file path=ppt/slides/slide9.xml><?xml version="1.0" encoding="utf-8"?>
 <p:sld xmlns:a="http://schemas.openxmlformats.org/drawingml/2006/main" xmlns:r="http://schemas.openxmlformats.org/officeDocument/2006/relationships" xmlns:p="http://schemas.openxmlformats.org/presentationml/2006/main">
   <p:cSld>
     <p:spTree>
@@ -25908,7 +26072,7 @@
                 </a:solidFill>
               </a:rPr>
               <a:pPr/>
-              <a:t>8</a:t>
+              <a:t>9</a:t>
             </a:fld>
             <a:endParaRPr lang="en-US">
               <a:solidFill>
@@ -25984,7 +26148,7 @@
         </p:blipFill>
         <p:spPr>
           <a:xfrm>
-            <a:off x="119271" y="2432585"/>
+            <a:off x="636106" y="2432585"/>
             <a:ext cx="408101" cy="652959"/>
           </a:xfrm>
           <a:prstGeom prst="rect">
@@ -26315,265 +26479,6 @@
     <a:masterClrMapping/>
   </p:clrMapOvr>
   <p:transition/>
-</p:sld>
-</file>
-
-<file path=ppt/slides/slide9.xml><?xml version="1.0" encoding="utf-8"?>
-<p:sld xmlns:a="http://schemas.openxmlformats.org/drawingml/2006/main" xmlns:r="http://schemas.openxmlformats.org/officeDocument/2006/relationships" xmlns:p="http://schemas.openxmlformats.org/presentationml/2006/main">
-  <p:cSld>
-    <p:spTree>
-      <p:nvGrpSpPr>
-        <p:cNvPr id="1" name=""/>
-        <p:cNvGrpSpPr/>
-        <p:nvPr/>
-      </p:nvGrpSpPr>
-      <p:grpSpPr>
-        <a:xfrm>
-          <a:off x="0" y="0"/>
-          <a:ext cx="0" cy="0"/>
-          <a:chOff x="0" y="0"/>
-          <a:chExt cx="0" cy="0"/>
-        </a:xfrm>
-      </p:grpSpPr>
-      <p:sp>
-        <p:nvSpPr>
-          <p:cNvPr id="2" name="Title 1">
-            <a:extLst>
-              <a:ext uri="{FF2B5EF4-FFF2-40B4-BE49-F238E27FC236}">
-                <a16:creationId xmlns:a16="http://schemas.microsoft.com/office/drawing/2014/main" id="{A82C809E-055D-4E26-A5A7-2A1E00CE0C8E}"/>
-              </a:ext>
-            </a:extLst>
-          </p:cNvPr>
-          <p:cNvSpPr>
-            <a:spLocks noGrp="1"/>
-          </p:cNvSpPr>
-          <p:nvPr>
-            <p:ph type="title"/>
-          </p:nvPr>
-        </p:nvSpPr>
-        <p:spPr/>
-        <p:txBody>
-          <a:bodyPr/>
-          <a:lstStyle/>
-          <a:p>
-            <a:r>
-              <a:rPr lang="en-US" dirty="0"/>
-              <a:t>Stats bar charts</a:t>
-            </a:r>
-          </a:p>
-        </p:txBody>
-      </p:sp>
-      <p:sp>
-        <p:nvSpPr>
-          <p:cNvPr id="4" name="Text Placeholder 3">
-            <a:extLst>
-              <a:ext uri="{FF2B5EF4-FFF2-40B4-BE49-F238E27FC236}">
-                <a16:creationId xmlns:a16="http://schemas.microsoft.com/office/drawing/2014/main" id="{4E852665-AB70-4696-993E-2D749D674B4D}"/>
-              </a:ext>
-            </a:extLst>
-          </p:cNvPr>
-          <p:cNvSpPr>
-            <a:spLocks noGrp="1"/>
-          </p:cNvSpPr>
-          <p:nvPr>
-            <p:ph type="body" sz="quarter" idx="14"/>
-          </p:nvPr>
-        </p:nvSpPr>
-        <p:spPr/>
-        <p:txBody>
-          <a:bodyPr/>
-          <a:lstStyle/>
-          <a:p>
-            <a:endParaRPr lang="en-US"/>
-          </a:p>
-        </p:txBody>
-      </p:sp>
-      <p:sp>
-        <p:nvSpPr>
-          <p:cNvPr id="5" name="Slide Number Placeholder 4">
-            <a:extLst>
-              <a:ext uri="{FF2B5EF4-FFF2-40B4-BE49-F238E27FC236}">
-                <a16:creationId xmlns:a16="http://schemas.microsoft.com/office/drawing/2014/main" id="{439173BD-33EA-42B3-B778-ADD631ABB78A}"/>
-              </a:ext>
-            </a:extLst>
-          </p:cNvPr>
-          <p:cNvSpPr>
-            <a:spLocks noGrp="1"/>
-          </p:cNvSpPr>
-          <p:nvPr>
-            <p:ph type="sldNum" sz="quarter" idx="17"/>
-          </p:nvPr>
-        </p:nvSpPr>
-        <p:spPr/>
-        <p:txBody>
-          <a:bodyPr/>
-          <a:lstStyle/>
-          <a:p>
-            <a:fld id="{0A838F34-1B32-4019-A24D-EF473E6901BC}" type="slidenum">
-              <a:rPr lang="en-US" smtClean="0">
-                <a:solidFill>
-                  <a:srgbClr val="9A8B7D"/>
-                </a:solidFill>
-              </a:rPr>
-              <a:pPr/>
-              <a:t>9</a:t>
-            </a:fld>
-            <a:endParaRPr lang="en-US">
-              <a:solidFill>
-                <a:srgbClr val="9A8B7D"/>
-              </a:solidFill>
-            </a:endParaRPr>
-          </a:p>
-        </p:txBody>
-      </p:sp>
-      <p:pic>
-        <p:nvPicPr>
-          <p:cNvPr id="7" name="Picture 6">
-            <a:extLst>
-              <a:ext uri="{FF2B5EF4-FFF2-40B4-BE49-F238E27FC236}">
-                <a16:creationId xmlns:a16="http://schemas.microsoft.com/office/drawing/2014/main" id="{5D071394-E259-4091-BEB8-D965BBEF15C2}"/>
-              </a:ext>
-            </a:extLst>
-          </p:cNvPr>
-          <p:cNvPicPr>
-            <a:picLocks noChangeAspect="1"/>
-          </p:cNvPicPr>
-          <p:nvPr/>
-        </p:nvPicPr>
-        <p:blipFill rotWithShape="1">
-          <a:blip r:embed="rId2"/>
-          <a:srcRect l="9581" r="24510"/>
-          <a:stretch/>
-        </p:blipFill>
-        <p:spPr>
-          <a:xfrm>
-            <a:off x="2206156" y="1100738"/>
-            <a:ext cx="5649734" cy="2561336"/>
-          </a:xfrm>
-          <a:prstGeom prst="rect">
-            <a:avLst/>
-          </a:prstGeom>
-        </p:spPr>
-      </p:pic>
-      <p:sp>
-        <p:nvSpPr>
-          <p:cNvPr id="9" name="TextBox 8">
-            <a:extLst>
-              <a:ext uri="{FF2B5EF4-FFF2-40B4-BE49-F238E27FC236}">
-                <a16:creationId xmlns:a16="http://schemas.microsoft.com/office/drawing/2014/main" id="{C065B58C-CD0D-4B7A-9D42-D31593D6933C}"/>
-              </a:ext>
-            </a:extLst>
-          </p:cNvPr>
-          <p:cNvSpPr txBox="1"/>
-          <p:nvPr/>
-        </p:nvSpPr>
-        <p:spPr>
-          <a:xfrm rot="16200000">
-            <a:off x="904018" y="1684148"/>
-            <a:ext cx="2154804" cy="400110"/>
-          </a:xfrm>
-          <a:prstGeom prst="rect">
-            <a:avLst/>
-          </a:prstGeom>
-          <a:noFill/>
-        </p:spPr>
-        <p:txBody>
-          <a:bodyPr wrap="square" rtlCol="0">
-            <a:spAutoFit/>
-          </a:bodyPr>
-          <a:lstStyle/>
-          <a:p>
-            <a:pPr>
-              <a:buClr>
-                <a:schemeClr val="tx1"/>
-              </a:buClr>
-            </a:pPr>
-            <a:r>
-              <a:rPr lang="en-US" sz="2000" dirty="0"/>
-              <a:t># molecules</a:t>
-            </a:r>
-          </a:p>
-        </p:txBody>
-      </p:sp>
-      <p:sp>
-        <p:nvSpPr>
-          <p:cNvPr id="10" name="TextBox 9">
-            <a:extLst>
-              <a:ext uri="{FF2B5EF4-FFF2-40B4-BE49-F238E27FC236}">
-                <a16:creationId xmlns:a16="http://schemas.microsoft.com/office/drawing/2014/main" id="{7E9563D7-FD9C-447C-93BB-F90D4739C30A}"/>
-              </a:ext>
-            </a:extLst>
-          </p:cNvPr>
-          <p:cNvSpPr txBox="1"/>
-          <p:nvPr/>
-        </p:nvSpPr>
-        <p:spPr>
-          <a:xfrm rot="16200000">
-            <a:off x="904018" y="4204712"/>
-            <a:ext cx="2154804" cy="400110"/>
-          </a:xfrm>
-          <a:prstGeom prst="rect">
-            <a:avLst/>
-          </a:prstGeom>
-          <a:noFill/>
-        </p:spPr>
-        <p:txBody>
-          <a:bodyPr wrap="square" rtlCol="0">
-            <a:spAutoFit/>
-          </a:bodyPr>
-          <a:lstStyle/>
-          <a:p>
-            <a:pPr>
-              <a:buClr>
-                <a:schemeClr val="tx1"/>
-              </a:buClr>
-            </a:pPr>
-            <a:r>
-              <a:rPr lang="en-US" sz="2000" dirty="0"/>
-              <a:t># molecules</a:t>
-            </a:r>
-          </a:p>
-        </p:txBody>
-      </p:sp>
-      <p:pic>
-        <p:nvPicPr>
-          <p:cNvPr id="12" name="Picture 11">
-            <a:extLst>
-              <a:ext uri="{FF2B5EF4-FFF2-40B4-BE49-F238E27FC236}">
-                <a16:creationId xmlns:a16="http://schemas.microsoft.com/office/drawing/2014/main" id="{54DBEF6F-BEBF-4888-BE5E-712455B600BE}"/>
-              </a:ext>
-            </a:extLst>
-          </p:cNvPr>
-          <p:cNvPicPr>
-            <a:picLocks noChangeAspect="1"/>
-          </p:cNvPicPr>
-          <p:nvPr/>
-        </p:nvPicPr>
-        <p:blipFill rotWithShape="1">
-          <a:blip r:embed="rId3"/>
-          <a:srcRect l="10006" r="25193"/>
-          <a:stretch/>
-        </p:blipFill>
-        <p:spPr>
-          <a:xfrm>
-            <a:off x="2183845" y="3646173"/>
-            <a:ext cx="5462547" cy="2600325"/>
-          </a:xfrm>
-          <a:prstGeom prst="rect">
-            <a:avLst/>
-          </a:prstGeom>
-        </p:spPr>
-      </p:pic>
-    </p:spTree>
-    <p:extLst>
-      <p:ext uri="{BB962C8B-B14F-4D97-AF65-F5344CB8AC3E}">
-        <p14:creationId xmlns:p14="http://schemas.microsoft.com/office/powerpoint/2010/main" val="892661274"/>
-      </p:ext>
-    </p:extLst>
-  </p:cSld>
-  <p:clrMapOvr>
-    <a:masterClrMapping/>
-  </p:clrMapOvr>
 </p:sld>
 </file>
 

--- a/pres/DBandyopadhyay_FigChanges_eLNB_revision_2019.pptx
+++ b/pres/DBandyopadhyay_FigChanges_eLNB_revision_2019.pptx
@@ -8,19 +8,15 @@
     <p:sldMasterId id="2147483712" r:id="rId4"/>
   </p:sldMasterIdLst>
   <p:notesMasterIdLst>
-    <p:notesMasterId r:id="rId15"/>
+    <p:notesMasterId r:id="rId11"/>
   </p:notesMasterIdLst>
   <p:sldIdLst>
     <p:sldId id="256" r:id="rId5"/>
     <p:sldId id="303" r:id="rId6"/>
     <p:sldId id="279" r:id="rId7"/>
-    <p:sldId id="297" r:id="rId8"/>
-    <p:sldId id="298" r:id="rId9"/>
-    <p:sldId id="299" r:id="rId10"/>
-    <p:sldId id="300" r:id="rId11"/>
-    <p:sldId id="259" r:id="rId12"/>
-    <p:sldId id="302" r:id="rId13"/>
-    <p:sldId id="301" r:id="rId14"/>
+    <p:sldId id="259" r:id="rId8"/>
+    <p:sldId id="302" r:id="rId9"/>
+    <p:sldId id="301" r:id="rId10"/>
   </p:sldIdLst>
   <p:sldSz cx="9144000" cy="6858000" type="screen4x3"/>
   <p:notesSz cx="6858000" cy="9144000"/>
@@ -221,7 +217,7 @@
             <a:fld id="{BCD41C7E-9E99-465F-BA13-33F82FBE97E5}" type="datetimeFigureOut">
               <a:rPr lang="en-US" smtClean="0"/>
               <a:pPr/>
-              <a:t>6/17/2019</a:t>
+              <a:t>6/23/2019</a:t>
             </a:fld>
             <a:endParaRPr lang="en-US"/>
           </a:p>
@@ -757,7 +753,7 @@
                 </a:solidFill>
               </a:rPr>
               <a:pPr/>
-              <a:t>8</a:t>
+              <a:t>4</a:t>
             </a:fld>
             <a:endParaRPr lang="en-US">
               <a:solidFill>
@@ -1066,7 +1062,7 @@
             <a:fld id="{4B3D3EAA-4720-4AEB-A041-FA3C86592F29}" type="datetimeFigureOut">
               <a:rPr lang="en-US" smtClean="0"/>
               <a:pPr/>
-              <a:t>6/17/2019</a:t>
+              <a:t>6/23/2019</a:t>
             </a:fld>
             <a:endParaRPr lang="en-US"/>
           </a:p>
@@ -1232,7 +1228,7 @@
             <a:fld id="{4B3D3EAA-4720-4AEB-A041-FA3C86592F29}" type="datetimeFigureOut">
               <a:rPr lang="en-US" smtClean="0"/>
               <a:pPr/>
-              <a:t>6/17/2019</a:t>
+              <a:t>6/23/2019</a:t>
             </a:fld>
             <a:endParaRPr lang="en-US"/>
           </a:p>
@@ -1364,7 +1360,7 @@
             <a:fld id="{4B3D3EAA-4720-4AEB-A041-FA3C86592F29}" type="datetimeFigureOut">
               <a:rPr lang="en-US" smtClean="0"/>
               <a:pPr/>
-              <a:t>6/17/2019</a:t>
+              <a:t>6/23/2019</a:t>
             </a:fld>
             <a:endParaRPr lang="en-US"/>
           </a:p>
@@ -2025,7 +2021,7 @@
             <a:fld id="{4B3D3EAA-4720-4AEB-A041-FA3C86592F29}" type="datetimeFigureOut">
               <a:rPr lang="en-US" smtClean="0"/>
               <a:pPr/>
-              <a:t>6/17/2019</a:t>
+              <a:t>6/23/2019</a:t>
             </a:fld>
             <a:endParaRPr lang="en-US"/>
           </a:p>
@@ -3796,7 +3792,7 @@
             <a:fld id="{4B3D3EAA-4720-4AEB-A041-FA3C86592F29}" type="datetimeFigureOut">
               <a:rPr lang="en-US" smtClean="0"/>
               <a:pPr/>
-              <a:t>6/17/2019</a:t>
+              <a:t>6/23/2019</a:t>
             </a:fld>
             <a:endParaRPr lang="en-US"/>
           </a:p>
@@ -6791,8 +6787,8 @@
 </file>
 
 <file path=ppt/slideLayouts/slideLayout29.xml><?xml version="1.0" encoding="utf-8"?>
-<p:sldLayout xmlns:a="http://schemas.openxmlformats.org/drawingml/2006/main" xmlns:r="http://schemas.openxmlformats.org/officeDocument/2006/relationships" xmlns:p="http://schemas.openxmlformats.org/presentationml/2006/main" type="obj">
-  <p:cSld name="1_Title and Content">
+<p:sldLayout xmlns:a="http://schemas.openxmlformats.org/drawingml/2006/main" xmlns:r="http://schemas.openxmlformats.org/officeDocument/2006/relationships" xmlns:p="http://schemas.openxmlformats.org/presentationml/2006/main" type="objAndTwoObj">
+  <p:cSld name="Title, Content, and 2 Content">
     <p:spTree>
       <p:nvGrpSpPr>
         <p:cNvPr id="1" name=""/>
@@ -6817,7 +6813,12 @@
             <p:ph type="title"/>
           </p:nvPr>
         </p:nvSpPr>
-        <p:spPr/>
+        <p:spPr>
+          <a:xfrm>
+            <a:off x="539749" y="2"/>
+            <a:ext cx="8604251" cy="338554"/>
+          </a:xfrm>
+        </p:spPr>
         <p:txBody>
           <a:bodyPr/>
           <a:lstStyle/>
@@ -6836,10 +6837,15 @@
             <a:spLocks noGrp="1"/>
           </p:cNvSpPr>
           <p:nvPr>
-            <p:ph idx="1"/>
-          </p:nvPr>
-        </p:nvSpPr>
-        <p:spPr/>
+            <p:ph sz="half" idx="1"/>
+          </p:nvPr>
+        </p:nvSpPr>
+        <p:spPr>
+          <a:xfrm>
+            <a:off x="457200" y="1412876"/>
+            <a:ext cx="4038600" cy="5256213"/>
+          </a:xfrm>
+        </p:spPr>
         <p:txBody>
           <a:bodyPr/>
           <a:lstStyle/>
@@ -6882,73 +6888,113 @@
       </p:sp>
       <p:sp>
         <p:nvSpPr>
-          <p:cNvPr id="4" name="Date Placeholder 3"/>
-          <p:cNvSpPr>
-            <a:spLocks noGrp="1"/>
-          </p:cNvSpPr>
-          <p:nvPr>
-            <p:ph type="dt" sz="half" idx="10"/>
-          </p:nvPr>
-        </p:nvSpPr>
-        <p:spPr/>
+          <p:cNvPr id="4" name="Content Placeholder 3"/>
+          <p:cNvSpPr>
+            <a:spLocks noGrp="1"/>
+          </p:cNvSpPr>
+          <p:nvPr>
+            <p:ph sz="quarter" idx="2"/>
+          </p:nvPr>
+        </p:nvSpPr>
+        <p:spPr>
+          <a:xfrm>
+            <a:off x="4648200" y="1412876"/>
+            <a:ext cx="4038600" cy="2551113"/>
+          </a:xfrm>
+        </p:spPr>
         <p:txBody>
           <a:bodyPr/>
           <a:lstStyle/>
           <a:p>
-            <a:endParaRPr lang="en-US">
-              <a:solidFill>
-                <a:srgbClr val="9A8B7D"/>
-              </a:solidFill>
-            </a:endParaRPr>
-          </a:p>
-        </p:txBody>
-      </p:sp>
-      <p:sp>
-        <p:nvSpPr>
-          <p:cNvPr id="5" name="Slide Number Placeholder 4"/>
-          <p:cNvSpPr>
-            <a:spLocks noGrp="1"/>
-          </p:cNvSpPr>
-          <p:nvPr>
-            <p:ph type="sldNum" sz="quarter" idx="11"/>
-          </p:nvPr>
-        </p:nvSpPr>
-        <p:spPr/>
+            <a:pPr lvl="0"/>
+            <a:r>
+              <a:rPr lang="en-US"/>
+              <a:t>Click to edit Master text styles</a:t>
+            </a:r>
+          </a:p>
+          <a:p>
+            <a:pPr lvl="1"/>
+            <a:r>
+              <a:rPr lang="en-US"/>
+              <a:t>Second level</a:t>
+            </a:r>
+          </a:p>
+          <a:p>
+            <a:pPr lvl="2"/>
+            <a:r>
+              <a:rPr lang="en-US"/>
+              <a:t>Third level</a:t>
+            </a:r>
+          </a:p>
+          <a:p>
+            <a:pPr lvl="3"/>
+            <a:r>
+              <a:rPr lang="en-US"/>
+              <a:t>Fourth level</a:t>
+            </a:r>
+          </a:p>
+          <a:p>
+            <a:pPr lvl="4"/>
+            <a:r>
+              <a:rPr lang="en-US"/>
+              <a:t>Fifth level</a:t>
+            </a:r>
+          </a:p>
+        </p:txBody>
+      </p:sp>
+      <p:sp>
+        <p:nvSpPr>
+          <p:cNvPr id="5" name="Content Placeholder 4"/>
+          <p:cNvSpPr>
+            <a:spLocks noGrp="1"/>
+          </p:cNvSpPr>
+          <p:nvPr>
+            <p:ph sz="quarter" idx="3"/>
+          </p:nvPr>
+        </p:nvSpPr>
+        <p:spPr>
+          <a:xfrm>
+            <a:off x="4648200" y="4116389"/>
+            <a:ext cx="4038600" cy="2552700"/>
+          </a:xfrm>
+        </p:spPr>
         <p:txBody>
           <a:bodyPr/>
           <a:lstStyle/>
           <a:p>
-            <a:r>
-              <a:rPr lang="en-US" dirty="0">
-                <a:solidFill>
-                  <a:srgbClr val="9A8B7D"/>
-                </a:solidFill>
-              </a:rPr>
-              <a:t>&lt;#&gt;</a:t>
-            </a:r>
-          </a:p>
-        </p:txBody>
-      </p:sp>
-      <p:sp>
-        <p:nvSpPr>
-          <p:cNvPr id="6" name="Footer Placeholder 5"/>
-          <p:cNvSpPr>
-            <a:spLocks noGrp="1"/>
-          </p:cNvSpPr>
-          <p:nvPr>
-            <p:ph type="ftr" sz="quarter" idx="12"/>
-          </p:nvPr>
-        </p:nvSpPr>
-        <p:spPr/>
-        <p:txBody>
-          <a:bodyPr/>
-          <a:lstStyle/>
-          <a:p>
-            <a:endParaRPr lang="en-US">
-              <a:solidFill>
-                <a:srgbClr val="9A8B7D"/>
-              </a:solidFill>
-            </a:endParaRPr>
+            <a:pPr lvl="0"/>
+            <a:r>
+              <a:rPr lang="en-US"/>
+              <a:t>Click to edit Master text styles</a:t>
+            </a:r>
+          </a:p>
+          <a:p>
+            <a:pPr lvl="1"/>
+            <a:r>
+              <a:rPr lang="en-US"/>
+              <a:t>Second level</a:t>
+            </a:r>
+          </a:p>
+          <a:p>
+            <a:pPr lvl="2"/>
+            <a:r>
+              <a:rPr lang="en-US"/>
+              <a:t>Third level</a:t>
+            </a:r>
+          </a:p>
+          <a:p>
+            <a:pPr lvl="3"/>
+            <a:r>
+              <a:rPr lang="en-US"/>
+              <a:t>Fourth level</a:t>
+            </a:r>
+          </a:p>
+          <a:p>
+            <a:pPr lvl="4"/>
+            <a:r>
+              <a:rPr lang="en-US"/>
+              <a:t>Fifth level</a:t>
+            </a:r>
           </a:p>
         </p:txBody>
       </p:sp>
@@ -6957,9 +7003,7 @@
   <p:clrMapOvr>
     <a:masterClrMapping/>
   </p:clrMapOvr>
-  <p:transition>
-    <p:random/>
-  </p:transition>
+  <p:transition/>
 </p:sldLayout>
 </file>
 
@@ -7191,7 +7235,7 @@
             <a:fld id="{4B3D3EAA-4720-4AEB-A041-FA3C86592F29}" type="datetimeFigureOut">
               <a:rPr lang="en-US" smtClean="0"/>
               <a:pPr/>
-              <a:t>6/17/2019</a:t>
+              <a:t>6/23/2019</a:t>
             </a:fld>
             <a:endParaRPr lang="en-US"/>
           </a:p>
@@ -7254,227 +7298,6 @@
 </file>
 
 <file path=ppt/slideLayouts/slideLayout30.xml><?xml version="1.0" encoding="utf-8"?>
-<p:sldLayout xmlns:a="http://schemas.openxmlformats.org/drawingml/2006/main" xmlns:r="http://schemas.openxmlformats.org/officeDocument/2006/relationships" xmlns:p="http://schemas.openxmlformats.org/presentationml/2006/main" type="objAndTwoObj">
-  <p:cSld name="Title, Content, and 2 Content">
-    <p:spTree>
-      <p:nvGrpSpPr>
-        <p:cNvPr id="1" name=""/>
-        <p:cNvGrpSpPr/>
-        <p:nvPr/>
-      </p:nvGrpSpPr>
-      <p:grpSpPr>
-        <a:xfrm>
-          <a:off x="0" y="0"/>
-          <a:ext cx="0" cy="0"/>
-          <a:chOff x="0" y="0"/>
-          <a:chExt cx="0" cy="0"/>
-        </a:xfrm>
-      </p:grpSpPr>
-      <p:sp>
-        <p:nvSpPr>
-          <p:cNvPr id="2" name="Title 1"/>
-          <p:cNvSpPr>
-            <a:spLocks noGrp="1"/>
-          </p:cNvSpPr>
-          <p:nvPr>
-            <p:ph type="title"/>
-          </p:nvPr>
-        </p:nvSpPr>
-        <p:spPr>
-          <a:xfrm>
-            <a:off x="539749" y="2"/>
-            <a:ext cx="8604251" cy="338554"/>
-          </a:xfrm>
-        </p:spPr>
-        <p:txBody>
-          <a:bodyPr/>
-          <a:lstStyle/>
-          <a:p>
-            <a:r>
-              <a:rPr lang="en-US"/>
-              <a:t>Click to edit Master title style</a:t>
-            </a:r>
-          </a:p>
-        </p:txBody>
-      </p:sp>
-      <p:sp>
-        <p:nvSpPr>
-          <p:cNvPr id="3" name="Content Placeholder 2"/>
-          <p:cNvSpPr>
-            <a:spLocks noGrp="1"/>
-          </p:cNvSpPr>
-          <p:nvPr>
-            <p:ph sz="half" idx="1"/>
-          </p:nvPr>
-        </p:nvSpPr>
-        <p:spPr>
-          <a:xfrm>
-            <a:off x="457200" y="1412876"/>
-            <a:ext cx="4038600" cy="5256213"/>
-          </a:xfrm>
-        </p:spPr>
-        <p:txBody>
-          <a:bodyPr/>
-          <a:lstStyle/>
-          <a:p>
-            <a:pPr lvl="0"/>
-            <a:r>
-              <a:rPr lang="en-US"/>
-              <a:t>Click to edit Master text styles</a:t>
-            </a:r>
-          </a:p>
-          <a:p>
-            <a:pPr lvl="1"/>
-            <a:r>
-              <a:rPr lang="en-US"/>
-              <a:t>Second level</a:t>
-            </a:r>
-          </a:p>
-          <a:p>
-            <a:pPr lvl="2"/>
-            <a:r>
-              <a:rPr lang="en-US"/>
-              <a:t>Third level</a:t>
-            </a:r>
-          </a:p>
-          <a:p>
-            <a:pPr lvl="3"/>
-            <a:r>
-              <a:rPr lang="en-US"/>
-              <a:t>Fourth level</a:t>
-            </a:r>
-          </a:p>
-          <a:p>
-            <a:pPr lvl="4"/>
-            <a:r>
-              <a:rPr lang="en-US"/>
-              <a:t>Fifth level</a:t>
-            </a:r>
-          </a:p>
-        </p:txBody>
-      </p:sp>
-      <p:sp>
-        <p:nvSpPr>
-          <p:cNvPr id="4" name="Content Placeholder 3"/>
-          <p:cNvSpPr>
-            <a:spLocks noGrp="1"/>
-          </p:cNvSpPr>
-          <p:nvPr>
-            <p:ph sz="quarter" idx="2"/>
-          </p:nvPr>
-        </p:nvSpPr>
-        <p:spPr>
-          <a:xfrm>
-            <a:off x="4648200" y="1412876"/>
-            <a:ext cx="4038600" cy="2551113"/>
-          </a:xfrm>
-        </p:spPr>
-        <p:txBody>
-          <a:bodyPr/>
-          <a:lstStyle/>
-          <a:p>
-            <a:pPr lvl="0"/>
-            <a:r>
-              <a:rPr lang="en-US"/>
-              <a:t>Click to edit Master text styles</a:t>
-            </a:r>
-          </a:p>
-          <a:p>
-            <a:pPr lvl="1"/>
-            <a:r>
-              <a:rPr lang="en-US"/>
-              <a:t>Second level</a:t>
-            </a:r>
-          </a:p>
-          <a:p>
-            <a:pPr lvl="2"/>
-            <a:r>
-              <a:rPr lang="en-US"/>
-              <a:t>Third level</a:t>
-            </a:r>
-          </a:p>
-          <a:p>
-            <a:pPr lvl="3"/>
-            <a:r>
-              <a:rPr lang="en-US"/>
-              <a:t>Fourth level</a:t>
-            </a:r>
-          </a:p>
-          <a:p>
-            <a:pPr lvl="4"/>
-            <a:r>
-              <a:rPr lang="en-US"/>
-              <a:t>Fifth level</a:t>
-            </a:r>
-          </a:p>
-        </p:txBody>
-      </p:sp>
-      <p:sp>
-        <p:nvSpPr>
-          <p:cNvPr id="5" name="Content Placeholder 4"/>
-          <p:cNvSpPr>
-            <a:spLocks noGrp="1"/>
-          </p:cNvSpPr>
-          <p:nvPr>
-            <p:ph sz="quarter" idx="3"/>
-          </p:nvPr>
-        </p:nvSpPr>
-        <p:spPr>
-          <a:xfrm>
-            <a:off x="4648200" y="4116389"/>
-            <a:ext cx="4038600" cy="2552700"/>
-          </a:xfrm>
-        </p:spPr>
-        <p:txBody>
-          <a:bodyPr/>
-          <a:lstStyle/>
-          <a:p>
-            <a:pPr lvl="0"/>
-            <a:r>
-              <a:rPr lang="en-US"/>
-              <a:t>Click to edit Master text styles</a:t>
-            </a:r>
-          </a:p>
-          <a:p>
-            <a:pPr lvl="1"/>
-            <a:r>
-              <a:rPr lang="en-US"/>
-              <a:t>Second level</a:t>
-            </a:r>
-          </a:p>
-          <a:p>
-            <a:pPr lvl="2"/>
-            <a:r>
-              <a:rPr lang="en-US"/>
-              <a:t>Third level</a:t>
-            </a:r>
-          </a:p>
-          <a:p>
-            <a:pPr lvl="3"/>
-            <a:r>
-              <a:rPr lang="en-US"/>
-              <a:t>Fourth level</a:t>
-            </a:r>
-          </a:p>
-          <a:p>
-            <a:pPr lvl="4"/>
-            <a:r>
-              <a:rPr lang="en-US"/>
-              <a:t>Fifth level</a:t>
-            </a:r>
-          </a:p>
-        </p:txBody>
-      </p:sp>
-    </p:spTree>
-  </p:cSld>
-  <p:clrMapOvr>
-    <a:masterClrMapping/>
-  </p:clrMapOvr>
-  <p:transition/>
-</p:sldLayout>
-</file>
-
-<file path=ppt/slideLayouts/slideLayout31.xml><?xml version="1.0" encoding="utf-8"?>
 <p:sldLayout xmlns:a="http://schemas.openxmlformats.org/drawingml/2006/main" xmlns:r="http://schemas.openxmlformats.org/officeDocument/2006/relationships" xmlns:p="http://schemas.openxmlformats.org/presentationml/2006/main" type="twoObj">
   <p:cSld name="1_Two Content">
     <p:spTree>
@@ -7689,7 +7512,7 @@
 </p:sldLayout>
 </file>
 
-<file path=ppt/slideLayouts/slideLayout32.xml><?xml version="1.0" encoding="utf-8"?>
+<file path=ppt/slideLayouts/slideLayout31.xml><?xml version="1.0" encoding="utf-8"?>
 <p:sldLayout xmlns:a="http://schemas.openxmlformats.org/drawingml/2006/main" xmlns:r="http://schemas.openxmlformats.org/officeDocument/2006/relationships" xmlns:p="http://schemas.openxmlformats.org/presentationml/2006/main" showMasterSp="0" preserve="1">
   <p:cSld name="Title Slide">
     <p:spTree>
@@ -8021,7 +7844,7 @@
 </p:sldLayout>
 </file>
 
-<file path=ppt/slideLayouts/slideLayout33.xml><?xml version="1.0" encoding="utf-8"?>
+<file path=ppt/slideLayouts/slideLayout32.xml><?xml version="1.0" encoding="utf-8"?>
 <p:sldLayout xmlns:a="http://schemas.openxmlformats.org/drawingml/2006/main" xmlns:r="http://schemas.openxmlformats.org/officeDocument/2006/relationships" xmlns:p="http://schemas.openxmlformats.org/presentationml/2006/main" preserve="1">
   <p:cSld name="Title and Content">
     <p:spTree>
@@ -8353,7 +8176,7 @@
 </p:sldLayout>
 </file>
 
-<file path=ppt/slideLayouts/slideLayout34.xml><?xml version="1.0" encoding="utf-8"?>
+<file path=ppt/slideLayouts/slideLayout33.xml><?xml version="1.0" encoding="utf-8"?>
 <p:sldLayout xmlns:a="http://schemas.openxmlformats.org/drawingml/2006/main" xmlns:r="http://schemas.openxmlformats.org/officeDocument/2006/relationships" xmlns:p="http://schemas.openxmlformats.org/presentationml/2006/main" preserve="1">
   <p:cSld name="Title and Content with Subheading">
     <p:spTree>
@@ -8707,7 +8530,7 @@
 </p:sldLayout>
 </file>
 
-<file path=ppt/slideLayouts/slideLayout35.xml><?xml version="1.0" encoding="utf-8"?>
+<file path=ppt/slideLayouts/slideLayout34.xml><?xml version="1.0" encoding="utf-8"?>
 <p:sldLayout xmlns:a="http://schemas.openxmlformats.org/drawingml/2006/main" xmlns:r="http://schemas.openxmlformats.org/officeDocument/2006/relationships" xmlns:p="http://schemas.openxmlformats.org/presentationml/2006/main" preserve="1">
   <p:cSld name="Large Bullet">
     <p:spTree>
@@ -9019,7 +8842,7 @@
 </p:sldLayout>
 </file>
 
-<file path=ppt/slideLayouts/slideLayout36.xml><?xml version="1.0" encoding="utf-8"?>
+<file path=ppt/slideLayouts/slideLayout35.xml><?xml version="1.0" encoding="utf-8"?>
 <p:sldLayout xmlns:a="http://schemas.openxmlformats.org/drawingml/2006/main" xmlns:r="http://schemas.openxmlformats.org/officeDocument/2006/relationships" xmlns:p="http://schemas.openxmlformats.org/presentationml/2006/main" showMasterSp="0" preserve="1">
   <p:cSld name="Section Header or Statement">
     <p:spTree>
@@ -9345,7 +9168,7 @@
 </p:sldLayout>
 </file>
 
-<file path=ppt/slideLayouts/slideLayout37.xml><?xml version="1.0" encoding="utf-8"?>
+<file path=ppt/slideLayouts/slideLayout36.xml><?xml version="1.0" encoding="utf-8"?>
 <p:sldLayout xmlns:a="http://schemas.openxmlformats.org/drawingml/2006/main" xmlns:r="http://schemas.openxmlformats.org/officeDocument/2006/relationships" xmlns:p="http://schemas.openxmlformats.org/presentationml/2006/main" preserve="1">
   <p:cSld name="Two Content">
     <p:spTree>
@@ -9749,7 +9572,7 @@
 </p:sldLayout>
 </file>
 
-<file path=ppt/slideLayouts/slideLayout38.xml><?xml version="1.0" encoding="utf-8"?>
+<file path=ppt/slideLayouts/slideLayout37.xml><?xml version="1.0" encoding="utf-8"?>
 <p:sldLayout xmlns:a="http://schemas.openxmlformats.org/drawingml/2006/main" xmlns:r="http://schemas.openxmlformats.org/officeDocument/2006/relationships" xmlns:p="http://schemas.openxmlformats.org/presentationml/2006/main" preserve="1">
   <p:cSld name="Comparison">
     <p:spTree>
@@ -10355,7 +10178,7 @@
 </p:sldLayout>
 </file>
 
-<file path=ppt/slideLayouts/slideLayout39.xml><?xml version="1.0" encoding="utf-8"?>
+<file path=ppt/slideLayouts/slideLayout38.xml><?xml version="1.0" encoding="utf-8"?>
 <p:sldLayout xmlns:a="http://schemas.openxmlformats.org/drawingml/2006/main" xmlns:r="http://schemas.openxmlformats.org/officeDocument/2006/relationships" xmlns:p="http://schemas.openxmlformats.org/presentationml/2006/main" preserve="1">
   <p:cSld name="Video Standard (4x3)">
     <p:spTree>
@@ -10578,6 +10401,238 @@
     <p:extLst>
       <p:ext uri="{BB962C8B-B14F-4D97-AF65-F5344CB8AC3E}">
         <p14:creationId xmlns:p14="http://schemas.microsoft.com/office/powerpoint/2010/main" val="2851349190"/>
+      </p:ext>
+    </p:extLst>
+  </p:cSld>
+  <p:clrMapOvr>
+    <a:masterClrMapping/>
+  </p:clrMapOvr>
+</p:sldLayout>
+</file>
+
+<file path=ppt/slideLayouts/slideLayout39.xml><?xml version="1.0" encoding="utf-8"?>
+<p:sldLayout xmlns:a="http://schemas.openxmlformats.org/drawingml/2006/main" xmlns:r="http://schemas.openxmlformats.org/officeDocument/2006/relationships" xmlns:p="http://schemas.openxmlformats.org/presentationml/2006/main" preserve="1">
+  <p:cSld name="Video Widescreen (16 x 9)">
+    <p:spTree>
+      <p:nvGrpSpPr>
+        <p:cNvPr id="1" name=""/>
+        <p:cNvGrpSpPr/>
+        <p:nvPr/>
+      </p:nvGrpSpPr>
+      <p:grpSpPr>
+        <a:xfrm>
+          <a:off x="0" y="0"/>
+          <a:ext cx="0" cy="0"/>
+          <a:chOff x="0" y="0"/>
+          <a:chExt cx="0" cy="0"/>
+        </a:xfrm>
+      </p:grpSpPr>
+      <p:sp>
+        <p:nvSpPr>
+          <p:cNvPr id="5" name="Media Placeholder 5"/>
+          <p:cNvSpPr>
+            <a:spLocks noGrp="1" noChangeAspect="1"/>
+          </p:cNvSpPr>
+          <p:nvPr>
+            <p:ph type="media" sz="quarter" idx="12" hasCustomPrompt="1"/>
+          </p:nvPr>
+        </p:nvSpPr>
+        <p:spPr>
+          <a:xfrm>
+            <a:off x="870331" y="1381125"/>
+            <a:ext cx="7405070" cy="4182564"/>
+          </a:xfrm>
+        </p:spPr>
+        <p:txBody>
+          <a:bodyPr lIns="108000" tIns="108000"/>
+          <a:lstStyle>
+            <a:lvl1pPr marL="0" indent="0">
+              <a:buNone/>
+              <a:defRPr baseline="0">
+                <a:solidFill>
+                  <a:schemeClr val="tx1"/>
+                </a:solidFill>
+              </a:defRPr>
+            </a:lvl1pPr>
+          </a:lstStyle>
+          <a:p>
+            <a:r>
+              <a:rPr lang="en-GB" dirty="0"/>
+              <a:t>Click on the film icon to insert your widescreen (16x9) video</a:t>
+            </a:r>
+          </a:p>
+        </p:txBody>
+      </p:sp>
+      <p:sp>
+        <p:nvSpPr>
+          <p:cNvPr id="8" name="Title 7"/>
+          <p:cNvSpPr>
+            <a:spLocks noGrp="1"/>
+          </p:cNvSpPr>
+          <p:nvPr>
+            <p:ph type="title"/>
+          </p:nvPr>
+        </p:nvSpPr>
+        <p:spPr>
+          <a:xfrm>
+            <a:off x="365124" y="294810"/>
+            <a:ext cx="7577139" cy="338554"/>
+          </a:xfrm>
+        </p:spPr>
+        <p:txBody>
+          <a:bodyPr/>
+          <a:lstStyle>
+            <a:lvl1pPr>
+              <a:defRPr>
+                <a:solidFill>
+                  <a:schemeClr val="bg2"/>
+                </a:solidFill>
+              </a:defRPr>
+            </a:lvl1pPr>
+          </a:lstStyle>
+          <a:p>
+            <a:r>
+              <a:rPr lang="en-US"/>
+              <a:t>Click to edit Master title style</a:t>
+            </a:r>
+            <a:endParaRPr lang="en-GB" dirty="0"/>
+          </a:p>
+        </p:txBody>
+      </p:sp>
+      <p:sp>
+        <p:nvSpPr>
+          <p:cNvPr id="6" name="Date Placeholder 5"/>
+          <p:cNvSpPr>
+            <a:spLocks noGrp="1"/>
+          </p:cNvSpPr>
+          <p:nvPr>
+            <p:ph type="dt" sz="half" idx="16"/>
+          </p:nvPr>
+        </p:nvSpPr>
+        <p:spPr/>
+        <p:txBody>
+          <a:bodyPr/>
+          <a:lstStyle/>
+          <a:p>
+            <a:endParaRPr lang="en-US">
+              <a:solidFill>
+                <a:srgbClr val="9A8B7D"/>
+              </a:solidFill>
+            </a:endParaRPr>
+          </a:p>
+        </p:txBody>
+      </p:sp>
+      <p:sp>
+        <p:nvSpPr>
+          <p:cNvPr id="7" name="Footer Placeholder 6"/>
+          <p:cNvSpPr>
+            <a:spLocks noGrp="1"/>
+          </p:cNvSpPr>
+          <p:nvPr>
+            <p:ph type="ftr" sz="quarter" idx="17"/>
+          </p:nvPr>
+        </p:nvSpPr>
+        <p:spPr/>
+        <p:txBody>
+          <a:bodyPr/>
+          <a:lstStyle/>
+          <a:p>
+            <a:endParaRPr lang="en-US">
+              <a:solidFill>
+                <a:srgbClr val="9A8B7D"/>
+              </a:solidFill>
+            </a:endParaRPr>
+          </a:p>
+        </p:txBody>
+      </p:sp>
+      <p:sp>
+        <p:nvSpPr>
+          <p:cNvPr id="9" name="Slide Number Placeholder 8"/>
+          <p:cNvSpPr>
+            <a:spLocks noGrp="1"/>
+          </p:cNvSpPr>
+          <p:nvPr>
+            <p:ph type="sldNum" sz="quarter" idx="18"/>
+          </p:nvPr>
+        </p:nvSpPr>
+        <p:spPr/>
+        <p:txBody>
+          <a:bodyPr/>
+          <a:lstStyle/>
+          <a:p>
+            <a:fld id="{0A838F34-1B32-4019-A24D-EF473E6901BC}" type="slidenum">
+              <a:rPr lang="en-US" smtClean="0">
+                <a:solidFill>
+                  <a:srgbClr val="9A8B7D"/>
+                </a:solidFill>
+              </a:rPr>
+              <a:pPr/>
+              <a:t>‹#›</a:t>
+            </a:fld>
+            <a:endParaRPr lang="en-US">
+              <a:solidFill>
+                <a:srgbClr val="9A8B7D"/>
+              </a:solidFill>
+            </a:endParaRPr>
+          </a:p>
+        </p:txBody>
+      </p:sp>
+      <p:sp>
+        <p:nvSpPr>
+          <p:cNvPr id="11" name="Text Placeholder 2"/>
+          <p:cNvSpPr>
+            <a:spLocks noGrp="1"/>
+          </p:cNvSpPr>
+          <p:nvPr>
+            <p:ph type="body" sz="quarter" idx="14" hasCustomPrompt="1"/>
+          </p:nvPr>
+        </p:nvSpPr>
+        <p:spPr>
+          <a:xfrm>
+            <a:off x="365124" y="692554"/>
+            <a:ext cx="7597776" cy="234950"/>
+          </a:xfrm>
+        </p:spPr>
+        <p:txBody>
+          <a:bodyPr anchor="t" anchorCtr="0"/>
+          <a:lstStyle>
+            <a:lvl1pPr marL="0" indent="0">
+              <a:spcAft>
+                <a:spcPts val="0"/>
+              </a:spcAft>
+              <a:buNone/>
+              <a:defRPr sz="1800"/>
+            </a:lvl1pPr>
+            <a:lvl2pPr marL="271463" indent="0">
+              <a:buNone/>
+              <a:defRPr/>
+            </a:lvl2pPr>
+            <a:lvl3pPr marL="533400" indent="0">
+              <a:buNone/>
+              <a:defRPr/>
+            </a:lvl3pPr>
+            <a:lvl4pPr marL="815975" indent="0">
+              <a:buNone/>
+              <a:defRPr/>
+            </a:lvl4pPr>
+            <a:lvl5pPr marL="1104900" indent="0">
+              <a:buNone/>
+              <a:defRPr/>
+            </a:lvl5pPr>
+          </a:lstStyle>
+          <a:p>
+            <a:pPr lvl="0"/>
+            <a:r>
+              <a:rPr lang="en-US" dirty="0"/>
+              <a:t>Subtitle here if required</a:t>
+            </a:r>
+          </a:p>
+        </p:txBody>
+      </p:sp>
+    </p:spTree>
+    <p:extLst>
+      <p:ext uri="{BB962C8B-B14F-4D97-AF65-F5344CB8AC3E}">
+        <p14:creationId xmlns:p14="http://schemas.microsoft.com/office/powerpoint/2010/main" val="2599322777"/>
       </p:ext>
     </p:extLst>
   </p:cSld>
@@ -10907,7 +10962,7 @@
             <a:fld id="{4B3D3EAA-4720-4AEB-A041-FA3C86592F29}" type="datetimeFigureOut">
               <a:rPr lang="en-US" smtClean="0"/>
               <a:pPr/>
-              <a:t>6/17/2019</a:t>
+              <a:t>6/23/2019</a:t>
             </a:fld>
             <a:endParaRPr lang="en-US"/>
           </a:p>
@@ -10970,238 +11025,6 @@
 </file>
 
 <file path=ppt/slideLayouts/slideLayout40.xml><?xml version="1.0" encoding="utf-8"?>
-<p:sldLayout xmlns:a="http://schemas.openxmlformats.org/drawingml/2006/main" xmlns:r="http://schemas.openxmlformats.org/officeDocument/2006/relationships" xmlns:p="http://schemas.openxmlformats.org/presentationml/2006/main" preserve="1">
-  <p:cSld name="Video Widescreen (16 x 9)">
-    <p:spTree>
-      <p:nvGrpSpPr>
-        <p:cNvPr id="1" name=""/>
-        <p:cNvGrpSpPr/>
-        <p:nvPr/>
-      </p:nvGrpSpPr>
-      <p:grpSpPr>
-        <a:xfrm>
-          <a:off x="0" y="0"/>
-          <a:ext cx="0" cy="0"/>
-          <a:chOff x="0" y="0"/>
-          <a:chExt cx="0" cy="0"/>
-        </a:xfrm>
-      </p:grpSpPr>
-      <p:sp>
-        <p:nvSpPr>
-          <p:cNvPr id="5" name="Media Placeholder 5"/>
-          <p:cNvSpPr>
-            <a:spLocks noGrp="1" noChangeAspect="1"/>
-          </p:cNvSpPr>
-          <p:nvPr>
-            <p:ph type="media" sz="quarter" idx="12" hasCustomPrompt="1"/>
-          </p:nvPr>
-        </p:nvSpPr>
-        <p:spPr>
-          <a:xfrm>
-            <a:off x="870331" y="1381125"/>
-            <a:ext cx="7405070" cy="4182564"/>
-          </a:xfrm>
-        </p:spPr>
-        <p:txBody>
-          <a:bodyPr lIns="108000" tIns="108000"/>
-          <a:lstStyle>
-            <a:lvl1pPr marL="0" indent="0">
-              <a:buNone/>
-              <a:defRPr baseline="0">
-                <a:solidFill>
-                  <a:schemeClr val="tx1"/>
-                </a:solidFill>
-              </a:defRPr>
-            </a:lvl1pPr>
-          </a:lstStyle>
-          <a:p>
-            <a:r>
-              <a:rPr lang="en-GB" dirty="0"/>
-              <a:t>Click on the film icon to insert your widescreen (16x9) video</a:t>
-            </a:r>
-          </a:p>
-        </p:txBody>
-      </p:sp>
-      <p:sp>
-        <p:nvSpPr>
-          <p:cNvPr id="8" name="Title 7"/>
-          <p:cNvSpPr>
-            <a:spLocks noGrp="1"/>
-          </p:cNvSpPr>
-          <p:nvPr>
-            <p:ph type="title"/>
-          </p:nvPr>
-        </p:nvSpPr>
-        <p:spPr>
-          <a:xfrm>
-            <a:off x="365124" y="294810"/>
-            <a:ext cx="7577139" cy="338554"/>
-          </a:xfrm>
-        </p:spPr>
-        <p:txBody>
-          <a:bodyPr/>
-          <a:lstStyle>
-            <a:lvl1pPr>
-              <a:defRPr>
-                <a:solidFill>
-                  <a:schemeClr val="bg2"/>
-                </a:solidFill>
-              </a:defRPr>
-            </a:lvl1pPr>
-          </a:lstStyle>
-          <a:p>
-            <a:r>
-              <a:rPr lang="en-US"/>
-              <a:t>Click to edit Master title style</a:t>
-            </a:r>
-            <a:endParaRPr lang="en-GB" dirty="0"/>
-          </a:p>
-        </p:txBody>
-      </p:sp>
-      <p:sp>
-        <p:nvSpPr>
-          <p:cNvPr id="6" name="Date Placeholder 5"/>
-          <p:cNvSpPr>
-            <a:spLocks noGrp="1"/>
-          </p:cNvSpPr>
-          <p:nvPr>
-            <p:ph type="dt" sz="half" idx="16"/>
-          </p:nvPr>
-        </p:nvSpPr>
-        <p:spPr/>
-        <p:txBody>
-          <a:bodyPr/>
-          <a:lstStyle/>
-          <a:p>
-            <a:endParaRPr lang="en-US">
-              <a:solidFill>
-                <a:srgbClr val="9A8B7D"/>
-              </a:solidFill>
-            </a:endParaRPr>
-          </a:p>
-        </p:txBody>
-      </p:sp>
-      <p:sp>
-        <p:nvSpPr>
-          <p:cNvPr id="7" name="Footer Placeholder 6"/>
-          <p:cNvSpPr>
-            <a:spLocks noGrp="1"/>
-          </p:cNvSpPr>
-          <p:nvPr>
-            <p:ph type="ftr" sz="quarter" idx="17"/>
-          </p:nvPr>
-        </p:nvSpPr>
-        <p:spPr/>
-        <p:txBody>
-          <a:bodyPr/>
-          <a:lstStyle/>
-          <a:p>
-            <a:endParaRPr lang="en-US">
-              <a:solidFill>
-                <a:srgbClr val="9A8B7D"/>
-              </a:solidFill>
-            </a:endParaRPr>
-          </a:p>
-        </p:txBody>
-      </p:sp>
-      <p:sp>
-        <p:nvSpPr>
-          <p:cNvPr id="9" name="Slide Number Placeholder 8"/>
-          <p:cNvSpPr>
-            <a:spLocks noGrp="1"/>
-          </p:cNvSpPr>
-          <p:nvPr>
-            <p:ph type="sldNum" sz="quarter" idx="18"/>
-          </p:nvPr>
-        </p:nvSpPr>
-        <p:spPr/>
-        <p:txBody>
-          <a:bodyPr/>
-          <a:lstStyle/>
-          <a:p>
-            <a:fld id="{0A838F34-1B32-4019-A24D-EF473E6901BC}" type="slidenum">
-              <a:rPr lang="en-US" smtClean="0">
-                <a:solidFill>
-                  <a:srgbClr val="9A8B7D"/>
-                </a:solidFill>
-              </a:rPr>
-              <a:pPr/>
-              <a:t>‹#›</a:t>
-            </a:fld>
-            <a:endParaRPr lang="en-US">
-              <a:solidFill>
-                <a:srgbClr val="9A8B7D"/>
-              </a:solidFill>
-            </a:endParaRPr>
-          </a:p>
-        </p:txBody>
-      </p:sp>
-      <p:sp>
-        <p:nvSpPr>
-          <p:cNvPr id="11" name="Text Placeholder 2"/>
-          <p:cNvSpPr>
-            <a:spLocks noGrp="1"/>
-          </p:cNvSpPr>
-          <p:nvPr>
-            <p:ph type="body" sz="quarter" idx="14" hasCustomPrompt="1"/>
-          </p:nvPr>
-        </p:nvSpPr>
-        <p:spPr>
-          <a:xfrm>
-            <a:off x="365124" y="692554"/>
-            <a:ext cx="7597776" cy="234950"/>
-          </a:xfrm>
-        </p:spPr>
-        <p:txBody>
-          <a:bodyPr anchor="t" anchorCtr="0"/>
-          <a:lstStyle>
-            <a:lvl1pPr marL="0" indent="0">
-              <a:spcAft>
-                <a:spcPts val="0"/>
-              </a:spcAft>
-              <a:buNone/>
-              <a:defRPr sz="1800"/>
-            </a:lvl1pPr>
-            <a:lvl2pPr marL="271463" indent="0">
-              <a:buNone/>
-              <a:defRPr/>
-            </a:lvl2pPr>
-            <a:lvl3pPr marL="533400" indent="0">
-              <a:buNone/>
-              <a:defRPr/>
-            </a:lvl3pPr>
-            <a:lvl4pPr marL="815975" indent="0">
-              <a:buNone/>
-              <a:defRPr/>
-            </a:lvl4pPr>
-            <a:lvl5pPr marL="1104900" indent="0">
-              <a:buNone/>
-              <a:defRPr/>
-            </a:lvl5pPr>
-          </a:lstStyle>
-          <a:p>
-            <a:pPr lvl="0"/>
-            <a:r>
-              <a:rPr lang="en-US" dirty="0"/>
-              <a:t>Subtitle here if required</a:t>
-            </a:r>
-          </a:p>
-        </p:txBody>
-      </p:sp>
-    </p:spTree>
-    <p:extLst>
-      <p:ext uri="{BB962C8B-B14F-4D97-AF65-F5344CB8AC3E}">
-        <p14:creationId xmlns:p14="http://schemas.microsoft.com/office/powerpoint/2010/main" val="2599322777"/>
-      </p:ext>
-    </p:extLst>
-  </p:cSld>
-  <p:clrMapOvr>
-    <a:masterClrMapping/>
-  </p:clrMapOvr>
-</p:sldLayout>
-</file>
-
-<file path=ppt/slideLayouts/slideLayout41.xml><?xml version="1.0" encoding="utf-8"?>
 <p:sldLayout xmlns:a="http://schemas.openxmlformats.org/drawingml/2006/main" xmlns:r="http://schemas.openxmlformats.org/officeDocument/2006/relationships" xmlns:p="http://schemas.openxmlformats.org/presentationml/2006/main" preserve="1">
   <p:cSld name="Image and Text">
     <p:spTree>
@@ -11547,7 +11370,7 @@
 </p:sldLayout>
 </file>
 
-<file path=ppt/slideLayouts/slideLayout42.xml><?xml version="1.0" encoding="utf-8"?>
+<file path=ppt/slideLayouts/slideLayout41.xml><?xml version="1.0" encoding="utf-8"?>
 <p:sldLayout xmlns:a="http://schemas.openxmlformats.org/drawingml/2006/main" xmlns:r="http://schemas.openxmlformats.org/officeDocument/2006/relationships" xmlns:p="http://schemas.openxmlformats.org/presentationml/2006/main" preserve="1">
   <p:cSld name="Two Image and Text">
     <p:spTree>
@@ -12002,7 +11825,7 @@
 </p:sldLayout>
 </file>
 
-<file path=ppt/slideLayouts/slideLayout43.xml><?xml version="1.0" encoding="utf-8"?>
+<file path=ppt/slideLayouts/slideLayout42.xml><?xml version="1.0" encoding="utf-8"?>
 <p:sldLayout xmlns:a="http://schemas.openxmlformats.org/drawingml/2006/main" xmlns:r="http://schemas.openxmlformats.org/officeDocument/2006/relationships" xmlns:p="http://schemas.openxmlformats.org/presentationml/2006/main" preserve="1">
   <p:cSld name="Title Only">
     <p:spTree>
@@ -12190,7 +12013,7 @@
 </p:sldLayout>
 </file>
 
-<file path=ppt/slideLayouts/slideLayout44.xml><?xml version="1.0" encoding="utf-8"?>
+<file path=ppt/slideLayouts/slideLayout43.xml><?xml version="1.0" encoding="utf-8"?>
 <p:sldLayout xmlns:a="http://schemas.openxmlformats.org/drawingml/2006/main" xmlns:r="http://schemas.openxmlformats.org/officeDocument/2006/relationships" xmlns:p="http://schemas.openxmlformats.org/presentationml/2006/main" showMasterSp="0" type="blank" preserve="1">
   <p:cSld name="Blank">
     <p:spTree>
@@ -12333,7 +12156,7 @@
 </p:sldLayout>
 </file>
 
-<file path=ppt/slideLayouts/slideLayout45.xml><?xml version="1.0" encoding="utf-8"?>
+<file path=ppt/slideLayouts/slideLayout44.xml><?xml version="1.0" encoding="utf-8"?>
 <p:sldLayout xmlns:a="http://schemas.openxmlformats.org/drawingml/2006/main" xmlns:r="http://schemas.openxmlformats.org/officeDocument/2006/relationships" xmlns:p="http://schemas.openxmlformats.org/presentationml/2006/main" type="objAndTwoObj">
   <p:cSld name="Title, Content, and 2 Content">
     <p:spTree>
@@ -12554,7 +12377,7 @@
 </p:sldLayout>
 </file>
 
-<file path=ppt/slideLayouts/slideLayout46.xml><?xml version="1.0" encoding="utf-8"?>
+<file path=ppt/slideLayouts/slideLayout45.xml><?xml version="1.0" encoding="utf-8"?>
 <p:sldLayout xmlns:a="http://schemas.openxmlformats.org/drawingml/2006/main" xmlns:r="http://schemas.openxmlformats.org/officeDocument/2006/relationships" xmlns:p="http://schemas.openxmlformats.org/presentationml/2006/main" type="twoObj">
   <p:cSld name="1_Two Content">
     <p:spTree>
@@ -12769,7 +12592,7 @@
 </p:sldLayout>
 </file>
 
-<file path=ppt/slideLayouts/slideLayout47.xml><?xml version="1.0" encoding="utf-8"?>
+<file path=ppt/slideLayouts/slideLayout46.xml><?xml version="1.0" encoding="utf-8"?>
 <p:sldLayout xmlns:a="http://schemas.openxmlformats.org/drawingml/2006/main" xmlns:r="http://schemas.openxmlformats.org/officeDocument/2006/relationships" xmlns:p="http://schemas.openxmlformats.org/presentationml/2006/main" type="titleOnly">
   <p:cSld name="1_Title Only">
     <p:spTree>
@@ -12894,7 +12717,7 @@
 </p:sldLayout>
 </file>
 
-<file path=ppt/slideLayouts/slideLayout48.xml><?xml version="1.0" encoding="utf-8"?>
+<file path=ppt/slideLayouts/slideLayout47.xml><?xml version="1.0" encoding="utf-8"?>
 <p:sldLayout xmlns:a="http://schemas.openxmlformats.org/drawingml/2006/main" xmlns:r="http://schemas.openxmlformats.org/officeDocument/2006/relationships" xmlns:p="http://schemas.openxmlformats.org/presentationml/2006/main" type="obj">
   <p:cSld name="1_Title and Content">
     <p:spTree>
@@ -13073,7 +12896,7 @@
 </p:sldLayout>
 </file>
 
-<file path=ppt/slideLayouts/slideLayout49.xml><?xml version="1.0" encoding="utf-8"?>
+<file path=ppt/slideLayouts/slideLayout48.xml><?xml version="1.0" encoding="utf-8"?>
 <p:sldLayout xmlns:a="http://schemas.openxmlformats.org/drawingml/2006/main" xmlns:r="http://schemas.openxmlformats.org/officeDocument/2006/relationships" xmlns:p="http://schemas.openxmlformats.org/presentationml/2006/main" showMasterSp="0" preserve="1">
   <p:cSld name="Title Slide">
     <p:spTree>
@@ -13405,6 +13228,338 @@
 </p:sldLayout>
 </file>
 
+<file path=ppt/slideLayouts/slideLayout49.xml><?xml version="1.0" encoding="utf-8"?>
+<p:sldLayout xmlns:a="http://schemas.openxmlformats.org/drawingml/2006/main" xmlns:r="http://schemas.openxmlformats.org/officeDocument/2006/relationships" xmlns:p="http://schemas.openxmlformats.org/presentationml/2006/main" preserve="1">
+  <p:cSld name="Title and Content">
+    <p:spTree>
+      <p:nvGrpSpPr>
+        <p:cNvPr id="1" name=""/>
+        <p:cNvGrpSpPr/>
+        <p:nvPr/>
+      </p:nvGrpSpPr>
+      <p:grpSpPr>
+        <a:xfrm>
+          <a:off x="0" y="0"/>
+          <a:ext cx="0" cy="0"/>
+          <a:chOff x="0" y="0"/>
+          <a:chExt cx="0" cy="0"/>
+        </a:xfrm>
+      </p:grpSpPr>
+      <p:sp>
+        <p:nvSpPr>
+          <p:cNvPr id="5" name="Title 4"/>
+          <p:cNvSpPr>
+            <a:spLocks noGrp="1"/>
+          </p:cNvSpPr>
+          <p:nvPr>
+            <p:ph type="title"/>
+          </p:nvPr>
+        </p:nvSpPr>
+        <p:spPr>
+          <a:xfrm>
+            <a:off x="365124" y="294810"/>
+            <a:ext cx="7577139" cy="338554"/>
+          </a:xfrm>
+        </p:spPr>
+        <p:txBody>
+          <a:bodyPr/>
+          <a:lstStyle/>
+          <a:p>
+            <a:r>
+              <a:rPr lang="en-US"/>
+              <a:t>Click to edit Master title style</a:t>
+            </a:r>
+            <a:endParaRPr lang="en-GB" dirty="0"/>
+          </a:p>
+        </p:txBody>
+      </p:sp>
+      <p:sp>
+        <p:nvSpPr>
+          <p:cNvPr id="16" name="Content Placeholder 15"/>
+          <p:cNvSpPr>
+            <a:spLocks noGrp="1"/>
+          </p:cNvSpPr>
+          <p:nvPr>
+            <p:ph sz="quarter" idx="12"/>
+          </p:nvPr>
+        </p:nvSpPr>
+        <p:spPr>
+          <a:xfrm>
+            <a:off x="365124" y="1196151"/>
+            <a:ext cx="8423275" cy="4658549"/>
+          </a:xfrm>
+        </p:spPr>
+        <p:txBody>
+          <a:bodyPr/>
+          <a:lstStyle>
+            <a:lvl1pPr>
+              <a:defRPr>
+                <a:solidFill>
+                  <a:schemeClr val="tx1"/>
+                </a:solidFill>
+              </a:defRPr>
+            </a:lvl1pPr>
+            <a:lvl2pPr>
+              <a:defRPr>
+                <a:solidFill>
+                  <a:schemeClr val="tx1"/>
+                </a:solidFill>
+              </a:defRPr>
+            </a:lvl2pPr>
+            <a:lvl3pPr>
+              <a:defRPr>
+                <a:solidFill>
+                  <a:schemeClr val="tx1"/>
+                </a:solidFill>
+              </a:defRPr>
+            </a:lvl3pPr>
+            <a:lvl4pPr>
+              <a:defRPr>
+                <a:solidFill>
+                  <a:schemeClr val="tx1"/>
+                </a:solidFill>
+              </a:defRPr>
+            </a:lvl4pPr>
+            <a:lvl5pPr>
+              <a:defRPr>
+                <a:solidFill>
+                  <a:schemeClr val="tx1"/>
+                </a:solidFill>
+              </a:defRPr>
+            </a:lvl5pPr>
+          </a:lstStyle>
+          <a:p>
+            <a:pPr lvl="0"/>
+            <a:r>
+              <a:rPr lang="en-US"/>
+              <a:t>Click to edit Master text styles</a:t>
+            </a:r>
+          </a:p>
+          <a:p>
+            <a:pPr lvl="1"/>
+            <a:r>
+              <a:rPr lang="en-US"/>
+              <a:t>Second level</a:t>
+            </a:r>
+          </a:p>
+          <a:p>
+            <a:pPr lvl="2"/>
+            <a:r>
+              <a:rPr lang="en-US"/>
+              <a:t>Third level</a:t>
+            </a:r>
+          </a:p>
+          <a:p>
+            <a:pPr lvl="3"/>
+            <a:r>
+              <a:rPr lang="en-US"/>
+              <a:t>Fourth level</a:t>
+            </a:r>
+          </a:p>
+          <a:p>
+            <a:pPr lvl="4"/>
+            <a:r>
+              <a:rPr lang="en-US"/>
+              <a:t>Fifth level</a:t>
+            </a:r>
+            <a:endParaRPr lang="en-GB" dirty="0"/>
+          </a:p>
+        </p:txBody>
+      </p:sp>
+      <p:sp>
+        <p:nvSpPr>
+          <p:cNvPr id="8" name="Text Placeholder 2"/>
+          <p:cNvSpPr>
+            <a:spLocks noGrp="1"/>
+          </p:cNvSpPr>
+          <p:nvPr>
+            <p:ph type="body" sz="quarter" idx="14" hasCustomPrompt="1"/>
+          </p:nvPr>
+        </p:nvSpPr>
+        <p:spPr>
+          <a:xfrm>
+            <a:off x="365124" y="692554"/>
+            <a:ext cx="7597776" cy="234950"/>
+          </a:xfrm>
+        </p:spPr>
+        <p:txBody>
+          <a:bodyPr anchor="t" anchorCtr="0"/>
+          <a:lstStyle>
+            <a:lvl1pPr marL="0" indent="0">
+              <a:spcAft>
+                <a:spcPts val="0"/>
+              </a:spcAft>
+              <a:buNone/>
+              <a:defRPr sz="1800"/>
+            </a:lvl1pPr>
+            <a:lvl2pPr marL="271463" indent="0">
+              <a:buNone/>
+              <a:defRPr/>
+            </a:lvl2pPr>
+            <a:lvl3pPr marL="533400" indent="0">
+              <a:buNone/>
+              <a:defRPr/>
+            </a:lvl3pPr>
+            <a:lvl4pPr marL="815975" indent="0">
+              <a:buNone/>
+              <a:defRPr/>
+            </a:lvl4pPr>
+            <a:lvl5pPr marL="1104900" indent="0">
+              <a:buNone/>
+              <a:defRPr/>
+            </a:lvl5pPr>
+          </a:lstStyle>
+          <a:p>
+            <a:pPr lvl="0"/>
+            <a:r>
+              <a:rPr lang="en-US" dirty="0"/>
+              <a:t>Subtitle here if required</a:t>
+            </a:r>
+          </a:p>
+        </p:txBody>
+      </p:sp>
+      <p:sp>
+        <p:nvSpPr>
+          <p:cNvPr id="2" name="Date Placeholder 1"/>
+          <p:cNvSpPr>
+            <a:spLocks noGrp="1"/>
+          </p:cNvSpPr>
+          <p:nvPr>
+            <p:ph type="dt" sz="half" idx="15"/>
+          </p:nvPr>
+        </p:nvSpPr>
+        <p:spPr/>
+        <p:txBody>
+          <a:bodyPr/>
+          <a:lstStyle/>
+          <a:p>
+            <a:endParaRPr lang="en-US">
+              <a:solidFill>
+                <a:srgbClr val="9A8B7D"/>
+              </a:solidFill>
+            </a:endParaRPr>
+          </a:p>
+        </p:txBody>
+      </p:sp>
+      <p:sp>
+        <p:nvSpPr>
+          <p:cNvPr id="3" name="Footer Placeholder 2"/>
+          <p:cNvSpPr>
+            <a:spLocks noGrp="1"/>
+          </p:cNvSpPr>
+          <p:nvPr>
+            <p:ph type="ftr" sz="quarter" idx="16"/>
+          </p:nvPr>
+        </p:nvSpPr>
+        <p:spPr/>
+        <p:txBody>
+          <a:bodyPr/>
+          <a:lstStyle/>
+          <a:p>
+            <a:endParaRPr lang="en-US">
+              <a:solidFill>
+                <a:srgbClr val="9A8B7D"/>
+              </a:solidFill>
+            </a:endParaRPr>
+          </a:p>
+        </p:txBody>
+      </p:sp>
+      <p:sp>
+        <p:nvSpPr>
+          <p:cNvPr id="9" name="Slide Number Placeholder 8"/>
+          <p:cNvSpPr>
+            <a:spLocks noGrp="1"/>
+          </p:cNvSpPr>
+          <p:nvPr>
+            <p:ph type="sldNum" sz="quarter" idx="17"/>
+          </p:nvPr>
+        </p:nvSpPr>
+        <p:spPr/>
+        <p:txBody>
+          <a:bodyPr/>
+          <a:lstStyle/>
+          <a:p>
+            <a:fld id="{0A838F34-1B32-4019-A24D-EF473E6901BC}" type="slidenum">
+              <a:rPr lang="en-US" smtClean="0">
+                <a:solidFill>
+                  <a:srgbClr val="9A8B7D"/>
+                </a:solidFill>
+              </a:rPr>
+              <a:pPr/>
+              <a:t>‹#›</a:t>
+            </a:fld>
+            <a:endParaRPr lang="en-US">
+              <a:solidFill>
+                <a:srgbClr val="9A8B7D"/>
+              </a:solidFill>
+            </a:endParaRPr>
+          </a:p>
+        </p:txBody>
+      </p:sp>
+      <p:sp>
+        <p:nvSpPr>
+          <p:cNvPr id="6" name="Text Placeholder 5"/>
+          <p:cNvSpPr>
+            <a:spLocks noGrp="1"/>
+          </p:cNvSpPr>
+          <p:nvPr>
+            <p:ph type="body" sz="quarter" idx="18" hasCustomPrompt="1"/>
+          </p:nvPr>
+        </p:nvSpPr>
+        <p:spPr>
+          <a:xfrm>
+            <a:off x="369568" y="6058086"/>
+            <a:ext cx="8445820" cy="123111"/>
+          </a:xfrm>
+        </p:spPr>
+        <p:txBody>
+          <a:bodyPr wrap="square" anchor="b" anchorCtr="0">
+            <a:spAutoFit/>
+          </a:bodyPr>
+          <a:lstStyle>
+            <a:lvl1pPr marL="0" indent="0">
+              <a:buNone/>
+              <a:defRPr sz="800" baseline="0"/>
+            </a:lvl1pPr>
+            <a:lvl2pPr marL="268163" indent="0">
+              <a:buNone/>
+              <a:defRPr sz="800"/>
+            </a:lvl2pPr>
+            <a:lvl3pPr marL="540000" indent="0">
+              <a:buNone/>
+              <a:defRPr sz="800"/>
+            </a:lvl3pPr>
+            <a:lvl4pPr marL="811088" indent="0">
+              <a:buNone/>
+              <a:defRPr sz="800"/>
+            </a:lvl4pPr>
+            <a:lvl5pPr marL="1080000" indent="0">
+              <a:buNone/>
+              <a:defRPr sz="800"/>
+            </a:lvl5pPr>
+          </a:lstStyle>
+          <a:p>
+            <a:pPr lvl="0"/>
+            <a:r>
+              <a:rPr lang="en-US" dirty="0"/>
+              <a:t>Insert Source text here</a:t>
+            </a:r>
+          </a:p>
+        </p:txBody>
+      </p:sp>
+    </p:spTree>
+    <p:extLst>
+      <p:ext uri="{BB962C8B-B14F-4D97-AF65-F5344CB8AC3E}">
+        <p14:creationId xmlns:p14="http://schemas.microsoft.com/office/powerpoint/2010/main" val="3314054882"/>
+      </p:ext>
+    </p:extLst>
+  </p:cSld>
+  <p:clrMapOvr>
+    <a:masterClrMapping/>
+  </p:clrMapOvr>
+</p:sldLayout>
+</file>
+
 <file path=ppt/slideLayouts/slideLayout5.xml><?xml version="1.0" encoding="utf-8"?>
 <p:sldLayout xmlns:a="http://schemas.openxmlformats.org/drawingml/2006/main" xmlns:r="http://schemas.openxmlformats.org/officeDocument/2006/relationships" xmlns:p="http://schemas.openxmlformats.org/presentationml/2006/main" preserve="1">
   <p:cSld name="Comparison">
@@ -13927,7 +14082,7 @@
             <a:fld id="{4B3D3EAA-4720-4AEB-A041-FA3C86592F29}" type="datetimeFigureOut">
               <a:rPr lang="en-US" smtClean="0"/>
               <a:pPr/>
-              <a:t>6/17/2019</a:t>
+              <a:t>6/23/2019</a:t>
             </a:fld>
             <a:endParaRPr lang="en-US"/>
           </a:p>
@@ -13990,338 +14145,6 @@
 </file>
 
 <file path=ppt/slideLayouts/slideLayout50.xml><?xml version="1.0" encoding="utf-8"?>
-<p:sldLayout xmlns:a="http://schemas.openxmlformats.org/drawingml/2006/main" xmlns:r="http://schemas.openxmlformats.org/officeDocument/2006/relationships" xmlns:p="http://schemas.openxmlformats.org/presentationml/2006/main" preserve="1">
-  <p:cSld name="Title and Content">
-    <p:spTree>
-      <p:nvGrpSpPr>
-        <p:cNvPr id="1" name=""/>
-        <p:cNvGrpSpPr/>
-        <p:nvPr/>
-      </p:nvGrpSpPr>
-      <p:grpSpPr>
-        <a:xfrm>
-          <a:off x="0" y="0"/>
-          <a:ext cx="0" cy="0"/>
-          <a:chOff x="0" y="0"/>
-          <a:chExt cx="0" cy="0"/>
-        </a:xfrm>
-      </p:grpSpPr>
-      <p:sp>
-        <p:nvSpPr>
-          <p:cNvPr id="5" name="Title 4"/>
-          <p:cNvSpPr>
-            <a:spLocks noGrp="1"/>
-          </p:cNvSpPr>
-          <p:nvPr>
-            <p:ph type="title"/>
-          </p:nvPr>
-        </p:nvSpPr>
-        <p:spPr>
-          <a:xfrm>
-            <a:off x="365124" y="294810"/>
-            <a:ext cx="7577139" cy="338554"/>
-          </a:xfrm>
-        </p:spPr>
-        <p:txBody>
-          <a:bodyPr/>
-          <a:lstStyle/>
-          <a:p>
-            <a:r>
-              <a:rPr lang="en-US"/>
-              <a:t>Click to edit Master title style</a:t>
-            </a:r>
-            <a:endParaRPr lang="en-GB" dirty="0"/>
-          </a:p>
-        </p:txBody>
-      </p:sp>
-      <p:sp>
-        <p:nvSpPr>
-          <p:cNvPr id="16" name="Content Placeholder 15"/>
-          <p:cNvSpPr>
-            <a:spLocks noGrp="1"/>
-          </p:cNvSpPr>
-          <p:nvPr>
-            <p:ph sz="quarter" idx="12"/>
-          </p:nvPr>
-        </p:nvSpPr>
-        <p:spPr>
-          <a:xfrm>
-            <a:off x="365124" y="1196151"/>
-            <a:ext cx="8423275" cy="4658549"/>
-          </a:xfrm>
-        </p:spPr>
-        <p:txBody>
-          <a:bodyPr/>
-          <a:lstStyle>
-            <a:lvl1pPr>
-              <a:defRPr>
-                <a:solidFill>
-                  <a:schemeClr val="tx1"/>
-                </a:solidFill>
-              </a:defRPr>
-            </a:lvl1pPr>
-            <a:lvl2pPr>
-              <a:defRPr>
-                <a:solidFill>
-                  <a:schemeClr val="tx1"/>
-                </a:solidFill>
-              </a:defRPr>
-            </a:lvl2pPr>
-            <a:lvl3pPr>
-              <a:defRPr>
-                <a:solidFill>
-                  <a:schemeClr val="tx1"/>
-                </a:solidFill>
-              </a:defRPr>
-            </a:lvl3pPr>
-            <a:lvl4pPr>
-              <a:defRPr>
-                <a:solidFill>
-                  <a:schemeClr val="tx1"/>
-                </a:solidFill>
-              </a:defRPr>
-            </a:lvl4pPr>
-            <a:lvl5pPr>
-              <a:defRPr>
-                <a:solidFill>
-                  <a:schemeClr val="tx1"/>
-                </a:solidFill>
-              </a:defRPr>
-            </a:lvl5pPr>
-          </a:lstStyle>
-          <a:p>
-            <a:pPr lvl="0"/>
-            <a:r>
-              <a:rPr lang="en-US"/>
-              <a:t>Click to edit Master text styles</a:t>
-            </a:r>
-          </a:p>
-          <a:p>
-            <a:pPr lvl="1"/>
-            <a:r>
-              <a:rPr lang="en-US"/>
-              <a:t>Second level</a:t>
-            </a:r>
-          </a:p>
-          <a:p>
-            <a:pPr lvl="2"/>
-            <a:r>
-              <a:rPr lang="en-US"/>
-              <a:t>Third level</a:t>
-            </a:r>
-          </a:p>
-          <a:p>
-            <a:pPr lvl="3"/>
-            <a:r>
-              <a:rPr lang="en-US"/>
-              <a:t>Fourth level</a:t>
-            </a:r>
-          </a:p>
-          <a:p>
-            <a:pPr lvl="4"/>
-            <a:r>
-              <a:rPr lang="en-US"/>
-              <a:t>Fifth level</a:t>
-            </a:r>
-            <a:endParaRPr lang="en-GB" dirty="0"/>
-          </a:p>
-        </p:txBody>
-      </p:sp>
-      <p:sp>
-        <p:nvSpPr>
-          <p:cNvPr id="8" name="Text Placeholder 2"/>
-          <p:cNvSpPr>
-            <a:spLocks noGrp="1"/>
-          </p:cNvSpPr>
-          <p:nvPr>
-            <p:ph type="body" sz="quarter" idx="14" hasCustomPrompt="1"/>
-          </p:nvPr>
-        </p:nvSpPr>
-        <p:spPr>
-          <a:xfrm>
-            <a:off x="365124" y="692554"/>
-            <a:ext cx="7597776" cy="234950"/>
-          </a:xfrm>
-        </p:spPr>
-        <p:txBody>
-          <a:bodyPr anchor="t" anchorCtr="0"/>
-          <a:lstStyle>
-            <a:lvl1pPr marL="0" indent="0">
-              <a:spcAft>
-                <a:spcPts val="0"/>
-              </a:spcAft>
-              <a:buNone/>
-              <a:defRPr sz="1800"/>
-            </a:lvl1pPr>
-            <a:lvl2pPr marL="271463" indent="0">
-              <a:buNone/>
-              <a:defRPr/>
-            </a:lvl2pPr>
-            <a:lvl3pPr marL="533400" indent="0">
-              <a:buNone/>
-              <a:defRPr/>
-            </a:lvl3pPr>
-            <a:lvl4pPr marL="815975" indent="0">
-              <a:buNone/>
-              <a:defRPr/>
-            </a:lvl4pPr>
-            <a:lvl5pPr marL="1104900" indent="0">
-              <a:buNone/>
-              <a:defRPr/>
-            </a:lvl5pPr>
-          </a:lstStyle>
-          <a:p>
-            <a:pPr lvl="0"/>
-            <a:r>
-              <a:rPr lang="en-US" dirty="0"/>
-              <a:t>Subtitle here if required</a:t>
-            </a:r>
-          </a:p>
-        </p:txBody>
-      </p:sp>
-      <p:sp>
-        <p:nvSpPr>
-          <p:cNvPr id="2" name="Date Placeholder 1"/>
-          <p:cNvSpPr>
-            <a:spLocks noGrp="1"/>
-          </p:cNvSpPr>
-          <p:nvPr>
-            <p:ph type="dt" sz="half" idx="15"/>
-          </p:nvPr>
-        </p:nvSpPr>
-        <p:spPr/>
-        <p:txBody>
-          <a:bodyPr/>
-          <a:lstStyle/>
-          <a:p>
-            <a:endParaRPr lang="en-US">
-              <a:solidFill>
-                <a:srgbClr val="9A8B7D"/>
-              </a:solidFill>
-            </a:endParaRPr>
-          </a:p>
-        </p:txBody>
-      </p:sp>
-      <p:sp>
-        <p:nvSpPr>
-          <p:cNvPr id="3" name="Footer Placeholder 2"/>
-          <p:cNvSpPr>
-            <a:spLocks noGrp="1"/>
-          </p:cNvSpPr>
-          <p:nvPr>
-            <p:ph type="ftr" sz="quarter" idx="16"/>
-          </p:nvPr>
-        </p:nvSpPr>
-        <p:spPr/>
-        <p:txBody>
-          <a:bodyPr/>
-          <a:lstStyle/>
-          <a:p>
-            <a:endParaRPr lang="en-US">
-              <a:solidFill>
-                <a:srgbClr val="9A8B7D"/>
-              </a:solidFill>
-            </a:endParaRPr>
-          </a:p>
-        </p:txBody>
-      </p:sp>
-      <p:sp>
-        <p:nvSpPr>
-          <p:cNvPr id="9" name="Slide Number Placeholder 8"/>
-          <p:cNvSpPr>
-            <a:spLocks noGrp="1"/>
-          </p:cNvSpPr>
-          <p:nvPr>
-            <p:ph type="sldNum" sz="quarter" idx="17"/>
-          </p:nvPr>
-        </p:nvSpPr>
-        <p:spPr/>
-        <p:txBody>
-          <a:bodyPr/>
-          <a:lstStyle/>
-          <a:p>
-            <a:fld id="{0A838F34-1B32-4019-A24D-EF473E6901BC}" type="slidenum">
-              <a:rPr lang="en-US" smtClean="0">
-                <a:solidFill>
-                  <a:srgbClr val="9A8B7D"/>
-                </a:solidFill>
-              </a:rPr>
-              <a:pPr/>
-              <a:t>‹#›</a:t>
-            </a:fld>
-            <a:endParaRPr lang="en-US">
-              <a:solidFill>
-                <a:srgbClr val="9A8B7D"/>
-              </a:solidFill>
-            </a:endParaRPr>
-          </a:p>
-        </p:txBody>
-      </p:sp>
-      <p:sp>
-        <p:nvSpPr>
-          <p:cNvPr id="6" name="Text Placeholder 5"/>
-          <p:cNvSpPr>
-            <a:spLocks noGrp="1"/>
-          </p:cNvSpPr>
-          <p:nvPr>
-            <p:ph type="body" sz="quarter" idx="18" hasCustomPrompt="1"/>
-          </p:nvPr>
-        </p:nvSpPr>
-        <p:spPr>
-          <a:xfrm>
-            <a:off x="369568" y="6058086"/>
-            <a:ext cx="8445820" cy="123111"/>
-          </a:xfrm>
-        </p:spPr>
-        <p:txBody>
-          <a:bodyPr wrap="square" anchor="b" anchorCtr="0">
-            <a:spAutoFit/>
-          </a:bodyPr>
-          <a:lstStyle>
-            <a:lvl1pPr marL="0" indent="0">
-              <a:buNone/>
-              <a:defRPr sz="800" baseline="0"/>
-            </a:lvl1pPr>
-            <a:lvl2pPr marL="268163" indent="0">
-              <a:buNone/>
-              <a:defRPr sz="800"/>
-            </a:lvl2pPr>
-            <a:lvl3pPr marL="540000" indent="0">
-              <a:buNone/>
-              <a:defRPr sz="800"/>
-            </a:lvl3pPr>
-            <a:lvl4pPr marL="811088" indent="0">
-              <a:buNone/>
-              <a:defRPr sz="800"/>
-            </a:lvl4pPr>
-            <a:lvl5pPr marL="1080000" indent="0">
-              <a:buNone/>
-              <a:defRPr sz="800"/>
-            </a:lvl5pPr>
-          </a:lstStyle>
-          <a:p>
-            <a:pPr lvl="0"/>
-            <a:r>
-              <a:rPr lang="en-US" dirty="0"/>
-              <a:t>Insert Source text here</a:t>
-            </a:r>
-          </a:p>
-        </p:txBody>
-      </p:sp>
-    </p:spTree>
-    <p:extLst>
-      <p:ext uri="{BB962C8B-B14F-4D97-AF65-F5344CB8AC3E}">
-        <p14:creationId xmlns:p14="http://schemas.microsoft.com/office/powerpoint/2010/main" val="3314054882"/>
-      </p:ext>
-    </p:extLst>
-  </p:cSld>
-  <p:clrMapOvr>
-    <a:masterClrMapping/>
-  </p:clrMapOvr>
-</p:sldLayout>
-</file>
-
-<file path=ppt/slideLayouts/slideLayout51.xml><?xml version="1.0" encoding="utf-8"?>
 <p:sldLayout xmlns:a="http://schemas.openxmlformats.org/drawingml/2006/main" xmlns:r="http://schemas.openxmlformats.org/officeDocument/2006/relationships" xmlns:p="http://schemas.openxmlformats.org/presentationml/2006/main" preserve="1">
   <p:cSld name="Title and Content with Subheading">
     <p:spTree>
@@ -14675,7 +14498,7 @@
 </p:sldLayout>
 </file>
 
-<file path=ppt/slideLayouts/slideLayout52.xml><?xml version="1.0" encoding="utf-8"?>
+<file path=ppt/slideLayouts/slideLayout51.xml><?xml version="1.0" encoding="utf-8"?>
 <p:sldLayout xmlns:a="http://schemas.openxmlformats.org/drawingml/2006/main" xmlns:r="http://schemas.openxmlformats.org/officeDocument/2006/relationships" xmlns:p="http://schemas.openxmlformats.org/presentationml/2006/main" preserve="1">
   <p:cSld name="Large Bullet">
     <p:spTree>
@@ -14987,7 +14810,7 @@
 </p:sldLayout>
 </file>
 
-<file path=ppt/slideLayouts/slideLayout53.xml><?xml version="1.0" encoding="utf-8"?>
+<file path=ppt/slideLayouts/slideLayout52.xml><?xml version="1.0" encoding="utf-8"?>
 <p:sldLayout xmlns:a="http://schemas.openxmlformats.org/drawingml/2006/main" xmlns:r="http://schemas.openxmlformats.org/officeDocument/2006/relationships" xmlns:p="http://schemas.openxmlformats.org/presentationml/2006/main" showMasterSp="0" preserve="1">
   <p:cSld name="Section Header or Statement">
     <p:spTree>
@@ -15313,7 +15136,7 @@
 </p:sldLayout>
 </file>
 
-<file path=ppt/slideLayouts/slideLayout54.xml><?xml version="1.0" encoding="utf-8"?>
+<file path=ppt/slideLayouts/slideLayout53.xml><?xml version="1.0" encoding="utf-8"?>
 <p:sldLayout xmlns:a="http://schemas.openxmlformats.org/drawingml/2006/main" xmlns:r="http://schemas.openxmlformats.org/officeDocument/2006/relationships" xmlns:p="http://schemas.openxmlformats.org/presentationml/2006/main" preserve="1">
   <p:cSld name="Two Content">
     <p:spTree>
@@ -15717,7 +15540,7 @@
 </p:sldLayout>
 </file>
 
-<file path=ppt/slideLayouts/slideLayout55.xml><?xml version="1.0" encoding="utf-8"?>
+<file path=ppt/slideLayouts/slideLayout54.xml><?xml version="1.0" encoding="utf-8"?>
 <p:sldLayout xmlns:a="http://schemas.openxmlformats.org/drawingml/2006/main" xmlns:r="http://schemas.openxmlformats.org/officeDocument/2006/relationships" xmlns:p="http://schemas.openxmlformats.org/presentationml/2006/main" preserve="1">
   <p:cSld name="Comparison">
     <p:spTree>
@@ -16323,7 +16146,7 @@
 </p:sldLayout>
 </file>
 
-<file path=ppt/slideLayouts/slideLayout56.xml><?xml version="1.0" encoding="utf-8"?>
+<file path=ppt/slideLayouts/slideLayout55.xml><?xml version="1.0" encoding="utf-8"?>
 <p:sldLayout xmlns:a="http://schemas.openxmlformats.org/drawingml/2006/main" xmlns:r="http://schemas.openxmlformats.org/officeDocument/2006/relationships" xmlns:p="http://schemas.openxmlformats.org/presentationml/2006/main" preserve="1">
   <p:cSld name="Video Standard (4x3)">
     <p:spTree>
@@ -16555,7 +16378,7 @@
 </p:sldLayout>
 </file>
 
-<file path=ppt/slideLayouts/slideLayout57.xml><?xml version="1.0" encoding="utf-8"?>
+<file path=ppt/slideLayouts/slideLayout56.xml><?xml version="1.0" encoding="utf-8"?>
 <p:sldLayout xmlns:a="http://schemas.openxmlformats.org/drawingml/2006/main" xmlns:r="http://schemas.openxmlformats.org/officeDocument/2006/relationships" xmlns:p="http://schemas.openxmlformats.org/presentationml/2006/main" preserve="1">
   <p:cSld name="Video Widescreen (16 x 9)">
     <p:spTree>
@@ -16787,7 +16610,7 @@
 </p:sldLayout>
 </file>
 
-<file path=ppt/slideLayouts/slideLayout58.xml><?xml version="1.0" encoding="utf-8"?>
+<file path=ppt/slideLayouts/slideLayout57.xml><?xml version="1.0" encoding="utf-8"?>
 <p:sldLayout xmlns:a="http://schemas.openxmlformats.org/drawingml/2006/main" xmlns:r="http://schemas.openxmlformats.org/officeDocument/2006/relationships" xmlns:p="http://schemas.openxmlformats.org/presentationml/2006/main" preserve="1">
   <p:cSld name="Image and Text">
     <p:spTree>
@@ -17133,7 +16956,7 @@
 </p:sldLayout>
 </file>
 
-<file path=ppt/slideLayouts/slideLayout59.xml><?xml version="1.0" encoding="utf-8"?>
+<file path=ppt/slideLayouts/slideLayout58.xml><?xml version="1.0" encoding="utf-8"?>
 <p:sldLayout xmlns:a="http://schemas.openxmlformats.org/drawingml/2006/main" xmlns:r="http://schemas.openxmlformats.org/officeDocument/2006/relationships" xmlns:p="http://schemas.openxmlformats.org/presentationml/2006/main" preserve="1">
   <p:cSld name="Two Image and Text">
     <p:spTree>
@@ -17579,6 +17402,194 @@
     <p:extLst>
       <p:ext uri="{BB962C8B-B14F-4D97-AF65-F5344CB8AC3E}">
         <p14:creationId xmlns:p14="http://schemas.microsoft.com/office/powerpoint/2010/main" val="1127212296"/>
+      </p:ext>
+    </p:extLst>
+  </p:cSld>
+  <p:clrMapOvr>
+    <a:masterClrMapping/>
+  </p:clrMapOvr>
+</p:sldLayout>
+</file>
+
+<file path=ppt/slideLayouts/slideLayout59.xml><?xml version="1.0" encoding="utf-8"?>
+<p:sldLayout xmlns:a="http://schemas.openxmlformats.org/drawingml/2006/main" xmlns:r="http://schemas.openxmlformats.org/officeDocument/2006/relationships" xmlns:p="http://schemas.openxmlformats.org/presentationml/2006/main" preserve="1">
+  <p:cSld name="Title Only">
+    <p:spTree>
+      <p:nvGrpSpPr>
+        <p:cNvPr id="1" name=""/>
+        <p:cNvGrpSpPr/>
+        <p:nvPr/>
+      </p:nvGrpSpPr>
+      <p:grpSpPr>
+        <a:xfrm>
+          <a:off x="0" y="0"/>
+          <a:ext cx="0" cy="0"/>
+          <a:chOff x="0" y="0"/>
+          <a:chExt cx="0" cy="0"/>
+        </a:xfrm>
+      </p:grpSpPr>
+      <p:sp>
+        <p:nvSpPr>
+          <p:cNvPr id="5" name="Title 4"/>
+          <p:cNvSpPr>
+            <a:spLocks noGrp="1"/>
+          </p:cNvSpPr>
+          <p:nvPr>
+            <p:ph type="title"/>
+          </p:nvPr>
+        </p:nvSpPr>
+        <p:spPr>
+          <a:xfrm>
+            <a:off x="365124" y="294810"/>
+            <a:ext cx="7577139" cy="338554"/>
+          </a:xfrm>
+        </p:spPr>
+        <p:txBody>
+          <a:bodyPr/>
+          <a:lstStyle/>
+          <a:p>
+            <a:r>
+              <a:rPr lang="en-US"/>
+              <a:t>Click to edit Master title style</a:t>
+            </a:r>
+            <a:endParaRPr lang="en-GB"/>
+          </a:p>
+        </p:txBody>
+      </p:sp>
+      <p:sp>
+        <p:nvSpPr>
+          <p:cNvPr id="6" name="Date Placeholder 5"/>
+          <p:cNvSpPr>
+            <a:spLocks noGrp="1"/>
+          </p:cNvSpPr>
+          <p:nvPr>
+            <p:ph type="dt" sz="half" idx="15"/>
+          </p:nvPr>
+        </p:nvSpPr>
+        <p:spPr/>
+        <p:txBody>
+          <a:bodyPr/>
+          <a:lstStyle/>
+          <a:p>
+            <a:endParaRPr lang="en-US">
+              <a:solidFill>
+                <a:srgbClr val="9A8B7D"/>
+              </a:solidFill>
+            </a:endParaRPr>
+          </a:p>
+        </p:txBody>
+      </p:sp>
+      <p:sp>
+        <p:nvSpPr>
+          <p:cNvPr id="8" name="Footer Placeholder 7"/>
+          <p:cNvSpPr>
+            <a:spLocks noGrp="1"/>
+          </p:cNvSpPr>
+          <p:nvPr>
+            <p:ph type="ftr" sz="quarter" idx="16"/>
+          </p:nvPr>
+        </p:nvSpPr>
+        <p:spPr/>
+        <p:txBody>
+          <a:bodyPr/>
+          <a:lstStyle/>
+          <a:p>
+            <a:endParaRPr lang="en-US">
+              <a:solidFill>
+                <a:srgbClr val="9A8B7D"/>
+              </a:solidFill>
+            </a:endParaRPr>
+          </a:p>
+        </p:txBody>
+      </p:sp>
+      <p:sp>
+        <p:nvSpPr>
+          <p:cNvPr id="9" name="Slide Number Placeholder 8"/>
+          <p:cNvSpPr>
+            <a:spLocks noGrp="1"/>
+          </p:cNvSpPr>
+          <p:nvPr>
+            <p:ph type="sldNum" sz="quarter" idx="17"/>
+          </p:nvPr>
+        </p:nvSpPr>
+        <p:spPr/>
+        <p:txBody>
+          <a:bodyPr/>
+          <a:lstStyle/>
+          <a:p>
+            <a:fld id="{0A838F34-1B32-4019-A24D-EF473E6901BC}" type="slidenum">
+              <a:rPr lang="en-US" smtClean="0">
+                <a:solidFill>
+                  <a:srgbClr val="9A8B7D"/>
+                </a:solidFill>
+              </a:rPr>
+              <a:pPr/>
+              <a:t>‹#›</a:t>
+            </a:fld>
+            <a:endParaRPr lang="en-US">
+              <a:solidFill>
+                <a:srgbClr val="9A8B7D"/>
+              </a:solidFill>
+            </a:endParaRPr>
+          </a:p>
+        </p:txBody>
+      </p:sp>
+      <p:sp>
+        <p:nvSpPr>
+          <p:cNvPr id="10" name="Text Placeholder 2"/>
+          <p:cNvSpPr>
+            <a:spLocks noGrp="1"/>
+          </p:cNvSpPr>
+          <p:nvPr>
+            <p:ph type="body" sz="quarter" idx="14" hasCustomPrompt="1"/>
+          </p:nvPr>
+        </p:nvSpPr>
+        <p:spPr>
+          <a:xfrm>
+            <a:off x="365124" y="692554"/>
+            <a:ext cx="7597776" cy="234950"/>
+          </a:xfrm>
+        </p:spPr>
+        <p:txBody>
+          <a:bodyPr anchor="t" anchorCtr="0"/>
+          <a:lstStyle>
+            <a:lvl1pPr marL="0" indent="0">
+              <a:spcAft>
+                <a:spcPts val="0"/>
+              </a:spcAft>
+              <a:buNone/>
+              <a:defRPr sz="1800"/>
+            </a:lvl1pPr>
+            <a:lvl2pPr marL="271463" indent="0">
+              <a:buNone/>
+              <a:defRPr/>
+            </a:lvl2pPr>
+            <a:lvl3pPr marL="533400" indent="0">
+              <a:buNone/>
+              <a:defRPr/>
+            </a:lvl3pPr>
+            <a:lvl4pPr marL="815975" indent="0">
+              <a:buNone/>
+              <a:defRPr/>
+            </a:lvl4pPr>
+            <a:lvl5pPr marL="1104900" indent="0">
+              <a:buNone/>
+              <a:defRPr/>
+            </a:lvl5pPr>
+          </a:lstStyle>
+          <a:p>
+            <a:pPr lvl="0"/>
+            <a:r>
+              <a:rPr lang="en-US" dirty="0"/>
+              <a:t>Subtitle here if required</a:t>
+            </a:r>
+          </a:p>
+        </p:txBody>
+      </p:sp>
+    </p:spTree>
+    <p:extLst>
+      <p:ext uri="{BB962C8B-B14F-4D97-AF65-F5344CB8AC3E}">
+        <p14:creationId xmlns:p14="http://schemas.microsoft.com/office/powerpoint/2010/main" val="1769190964"/>
       </p:ext>
     </p:extLst>
   </p:cSld>
@@ -17700,7 +17711,7 @@
             <a:fld id="{4B3D3EAA-4720-4AEB-A041-FA3C86592F29}" type="datetimeFigureOut">
               <a:rPr lang="en-US" smtClean="0"/>
               <a:pPr/>
-              <a:t>6/17/2019</a:t>
+              <a:t>6/23/2019</a:t>
             </a:fld>
             <a:endParaRPr lang="en-US"/>
           </a:p>
@@ -17786,194 +17797,6 @@
 </file>
 
 <file path=ppt/slideLayouts/slideLayout60.xml><?xml version="1.0" encoding="utf-8"?>
-<p:sldLayout xmlns:a="http://schemas.openxmlformats.org/drawingml/2006/main" xmlns:r="http://schemas.openxmlformats.org/officeDocument/2006/relationships" xmlns:p="http://schemas.openxmlformats.org/presentationml/2006/main" preserve="1">
-  <p:cSld name="Title Only">
-    <p:spTree>
-      <p:nvGrpSpPr>
-        <p:cNvPr id="1" name=""/>
-        <p:cNvGrpSpPr/>
-        <p:nvPr/>
-      </p:nvGrpSpPr>
-      <p:grpSpPr>
-        <a:xfrm>
-          <a:off x="0" y="0"/>
-          <a:ext cx="0" cy="0"/>
-          <a:chOff x="0" y="0"/>
-          <a:chExt cx="0" cy="0"/>
-        </a:xfrm>
-      </p:grpSpPr>
-      <p:sp>
-        <p:nvSpPr>
-          <p:cNvPr id="5" name="Title 4"/>
-          <p:cNvSpPr>
-            <a:spLocks noGrp="1"/>
-          </p:cNvSpPr>
-          <p:nvPr>
-            <p:ph type="title"/>
-          </p:nvPr>
-        </p:nvSpPr>
-        <p:spPr>
-          <a:xfrm>
-            <a:off x="365124" y="294810"/>
-            <a:ext cx="7577139" cy="338554"/>
-          </a:xfrm>
-        </p:spPr>
-        <p:txBody>
-          <a:bodyPr/>
-          <a:lstStyle/>
-          <a:p>
-            <a:r>
-              <a:rPr lang="en-US"/>
-              <a:t>Click to edit Master title style</a:t>
-            </a:r>
-            <a:endParaRPr lang="en-GB"/>
-          </a:p>
-        </p:txBody>
-      </p:sp>
-      <p:sp>
-        <p:nvSpPr>
-          <p:cNvPr id="6" name="Date Placeholder 5"/>
-          <p:cNvSpPr>
-            <a:spLocks noGrp="1"/>
-          </p:cNvSpPr>
-          <p:nvPr>
-            <p:ph type="dt" sz="half" idx="15"/>
-          </p:nvPr>
-        </p:nvSpPr>
-        <p:spPr/>
-        <p:txBody>
-          <a:bodyPr/>
-          <a:lstStyle/>
-          <a:p>
-            <a:endParaRPr lang="en-US">
-              <a:solidFill>
-                <a:srgbClr val="9A8B7D"/>
-              </a:solidFill>
-            </a:endParaRPr>
-          </a:p>
-        </p:txBody>
-      </p:sp>
-      <p:sp>
-        <p:nvSpPr>
-          <p:cNvPr id="8" name="Footer Placeholder 7"/>
-          <p:cNvSpPr>
-            <a:spLocks noGrp="1"/>
-          </p:cNvSpPr>
-          <p:nvPr>
-            <p:ph type="ftr" sz="quarter" idx="16"/>
-          </p:nvPr>
-        </p:nvSpPr>
-        <p:spPr/>
-        <p:txBody>
-          <a:bodyPr/>
-          <a:lstStyle/>
-          <a:p>
-            <a:endParaRPr lang="en-US">
-              <a:solidFill>
-                <a:srgbClr val="9A8B7D"/>
-              </a:solidFill>
-            </a:endParaRPr>
-          </a:p>
-        </p:txBody>
-      </p:sp>
-      <p:sp>
-        <p:nvSpPr>
-          <p:cNvPr id="9" name="Slide Number Placeholder 8"/>
-          <p:cNvSpPr>
-            <a:spLocks noGrp="1"/>
-          </p:cNvSpPr>
-          <p:nvPr>
-            <p:ph type="sldNum" sz="quarter" idx="17"/>
-          </p:nvPr>
-        </p:nvSpPr>
-        <p:spPr/>
-        <p:txBody>
-          <a:bodyPr/>
-          <a:lstStyle/>
-          <a:p>
-            <a:fld id="{0A838F34-1B32-4019-A24D-EF473E6901BC}" type="slidenum">
-              <a:rPr lang="en-US" smtClean="0">
-                <a:solidFill>
-                  <a:srgbClr val="9A8B7D"/>
-                </a:solidFill>
-              </a:rPr>
-              <a:pPr/>
-              <a:t>‹#›</a:t>
-            </a:fld>
-            <a:endParaRPr lang="en-US">
-              <a:solidFill>
-                <a:srgbClr val="9A8B7D"/>
-              </a:solidFill>
-            </a:endParaRPr>
-          </a:p>
-        </p:txBody>
-      </p:sp>
-      <p:sp>
-        <p:nvSpPr>
-          <p:cNvPr id="10" name="Text Placeholder 2"/>
-          <p:cNvSpPr>
-            <a:spLocks noGrp="1"/>
-          </p:cNvSpPr>
-          <p:nvPr>
-            <p:ph type="body" sz="quarter" idx="14" hasCustomPrompt="1"/>
-          </p:nvPr>
-        </p:nvSpPr>
-        <p:spPr>
-          <a:xfrm>
-            <a:off x="365124" y="692554"/>
-            <a:ext cx="7597776" cy="234950"/>
-          </a:xfrm>
-        </p:spPr>
-        <p:txBody>
-          <a:bodyPr anchor="t" anchorCtr="0"/>
-          <a:lstStyle>
-            <a:lvl1pPr marL="0" indent="0">
-              <a:spcAft>
-                <a:spcPts val="0"/>
-              </a:spcAft>
-              <a:buNone/>
-              <a:defRPr sz="1800"/>
-            </a:lvl1pPr>
-            <a:lvl2pPr marL="271463" indent="0">
-              <a:buNone/>
-              <a:defRPr/>
-            </a:lvl2pPr>
-            <a:lvl3pPr marL="533400" indent="0">
-              <a:buNone/>
-              <a:defRPr/>
-            </a:lvl3pPr>
-            <a:lvl4pPr marL="815975" indent="0">
-              <a:buNone/>
-              <a:defRPr/>
-            </a:lvl4pPr>
-            <a:lvl5pPr marL="1104900" indent="0">
-              <a:buNone/>
-              <a:defRPr/>
-            </a:lvl5pPr>
-          </a:lstStyle>
-          <a:p>
-            <a:pPr lvl="0"/>
-            <a:r>
-              <a:rPr lang="en-US" dirty="0"/>
-              <a:t>Subtitle here if required</a:t>
-            </a:r>
-          </a:p>
-        </p:txBody>
-      </p:sp>
-    </p:spTree>
-    <p:extLst>
-      <p:ext uri="{BB962C8B-B14F-4D97-AF65-F5344CB8AC3E}">
-        <p14:creationId xmlns:p14="http://schemas.microsoft.com/office/powerpoint/2010/main" val="1769190964"/>
-      </p:ext>
-    </p:extLst>
-  </p:cSld>
-  <p:clrMapOvr>
-    <a:masterClrMapping/>
-  </p:clrMapOvr>
-</p:sldLayout>
-</file>
-
-<file path=ppt/slideLayouts/slideLayout61.xml><?xml version="1.0" encoding="utf-8"?>
 <p:sldLayout xmlns:a="http://schemas.openxmlformats.org/drawingml/2006/main" xmlns:r="http://schemas.openxmlformats.org/officeDocument/2006/relationships" xmlns:p="http://schemas.openxmlformats.org/presentationml/2006/main" showMasterSp="0" type="blank" preserve="1">
   <p:cSld name="Blank">
     <p:spTree>
@@ -18116,7 +17939,7 @@
 </p:sldLayout>
 </file>
 
-<file path=ppt/slideLayouts/slideLayout62.xml><?xml version="1.0" encoding="utf-8"?>
+<file path=ppt/slideLayouts/slideLayout61.xml><?xml version="1.0" encoding="utf-8"?>
 <p:sldLayout xmlns:a="http://schemas.openxmlformats.org/drawingml/2006/main" xmlns:r="http://schemas.openxmlformats.org/officeDocument/2006/relationships" xmlns:p="http://schemas.openxmlformats.org/presentationml/2006/main" type="objAndTwoObj">
   <p:cSld name="Title, Content, and 2 Content">
     <p:spTree>
@@ -18337,7 +18160,7 @@
 </p:sldLayout>
 </file>
 
-<file path=ppt/slideLayouts/slideLayout63.xml><?xml version="1.0" encoding="utf-8"?>
+<file path=ppt/slideLayouts/slideLayout62.xml><?xml version="1.0" encoding="utf-8"?>
 <p:sldLayout xmlns:a="http://schemas.openxmlformats.org/drawingml/2006/main" xmlns:r="http://schemas.openxmlformats.org/officeDocument/2006/relationships" xmlns:p="http://schemas.openxmlformats.org/presentationml/2006/main" type="twoObj">
   <p:cSld name="1_Two Content">
     <p:spTree>
@@ -18552,7 +18375,7 @@
 </p:sldLayout>
 </file>
 
-<file path=ppt/slideLayouts/slideLayout64.xml><?xml version="1.0" encoding="utf-8"?>
+<file path=ppt/slideLayouts/slideLayout63.xml><?xml version="1.0" encoding="utf-8"?>
 <p:sldLayout xmlns:a="http://schemas.openxmlformats.org/drawingml/2006/main" xmlns:r="http://schemas.openxmlformats.org/officeDocument/2006/relationships" xmlns:p="http://schemas.openxmlformats.org/presentationml/2006/main">
   <p:cSld name="2_Title and Content">
     <p:spTree>
@@ -18956,7 +18779,7 @@
             <a:fld id="{4B3D3EAA-4720-4AEB-A041-FA3C86592F29}" type="datetimeFigureOut">
               <a:rPr lang="en-US" smtClean="0"/>
               <a:pPr/>
-              <a:t>6/17/2019</a:t>
+              <a:t>6/23/2019</a:t>
             </a:fld>
             <a:endParaRPr lang="en-US"/>
           </a:p>
@@ -19303,7 +19126,7 @@
             <a:fld id="{4B3D3EAA-4720-4AEB-A041-FA3C86592F29}" type="datetimeFigureOut">
               <a:rPr lang="en-US" smtClean="0"/>
               <a:pPr/>
-              <a:t>6/17/2019</a:t>
+              <a:t>6/23/2019</a:t>
             </a:fld>
             <a:endParaRPr lang="en-US"/>
           </a:p>
@@ -19736,7 +19559,7 @@
             <a:fld id="{4B3D3EAA-4720-4AEB-A041-FA3C86592F29}" type="datetimeFigureOut">
               <a:rPr lang="en-US" smtClean="0"/>
               <a:pPr/>
-              <a:t>6/17/2019</a:t>
+              <a:t>6/23/2019</a:t>
             </a:fld>
             <a:endParaRPr lang="en-US"/>
           </a:p>
@@ -20057,7 +19880,7 @@
             <a:fld id="{4B3D3EAA-4720-4AEB-A041-FA3C86592F29}" type="datetimeFigureOut">
               <a:rPr lang="en-US" smtClean="0"/>
               <a:pPr/>
-              <a:t>6/17/2019</a:t>
+              <a:t>6/23/2019</a:t>
             </a:fld>
             <a:endParaRPr lang="en-US"/>
           </a:p>
@@ -20657,7 +20480,7 @@
           <p:nvPr/>
         </p:nvPicPr>
         <p:blipFill>
-          <a:blip r:embed="rId18" cstate="screen">
+          <a:blip r:embed="rId17" cstate="screen">
             <a:extLst>
               <a:ext uri="{28A0092B-C50C-407E-A947-70E740481C1C}">
                 <a14:useLocalDpi xmlns:a14="http://schemas.microsoft.com/office/drawing/2010/main" val="0"/>
@@ -20805,9 +20628,8 @@
     <p:sldLayoutId id="2147483686" r:id="rId11"/>
     <p:sldLayoutId id="2147483687" r:id="rId12"/>
     <p:sldLayoutId id="2147483688" r:id="rId13"/>
-    <p:sldLayoutId id="2147483689" r:id="rId14"/>
-    <p:sldLayoutId id="2147483690" r:id="rId15"/>
-    <p:sldLayoutId id="2147483691" r:id="rId16"/>
+    <p:sldLayoutId id="2147483690" r:id="rId14"/>
+    <p:sldLayoutId id="2147483691" r:id="rId15"/>
   </p:sldLayoutIdLst>
   <p:hf hdr="0" ftr="0" dt="0"/>
   <p:txStyles>
@@ -23046,265 +22868,6 @@
 </p:sld>
 </file>
 
-<file path=ppt/slides/slide10.xml><?xml version="1.0" encoding="utf-8"?>
-<p:sld xmlns:a="http://schemas.openxmlformats.org/drawingml/2006/main" xmlns:r="http://schemas.openxmlformats.org/officeDocument/2006/relationships" xmlns:p="http://schemas.openxmlformats.org/presentationml/2006/main">
-  <p:cSld>
-    <p:spTree>
-      <p:nvGrpSpPr>
-        <p:cNvPr id="1" name=""/>
-        <p:cNvGrpSpPr/>
-        <p:nvPr/>
-      </p:nvGrpSpPr>
-      <p:grpSpPr>
-        <a:xfrm>
-          <a:off x="0" y="0"/>
-          <a:ext cx="0" cy="0"/>
-          <a:chOff x="0" y="0"/>
-          <a:chExt cx="0" cy="0"/>
-        </a:xfrm>
-      </p:grpSpPr>
-      <p:sp>
-        <p:nvSpPr>
-          <p:cNvPr id="2" name="Title 1">
-            <a:extLst>
-              <a:ext uri="{FF2B5EF4-FFF2-40B4-BE49-F238E27FC236}">
-                <a16:creationId xmlns:a16="http://schemas.microsoft.com/office/drawing/2014/main" id="{A82C809E-055D-4E26-A5A7-2A1E00CE0C8E}"/>
-              </a:ext>
-            </a:extLst>
-          </p:cNvPr>
-          <p:cNvSpPr>
-            <a:spLocks noGrp="1"/>
-          </p:cNvSpPr>
-          <p:nvPr>
-            <p:ph type="title"/>
-          </p:nvPr>
-        </p:nvSpPr>
-        <p:spPr/>
-        <p:txBody>
-          <a:bodyPr/>
-          <a:lstStyle/>
-          <a:p>
-            <a:r>
-              <a:rPr lang="en-US" dirty="0"/>
-              <a:t>Stats bar charts</a:t>
-            </a:r>
-          </a:p>
-        </p:txBody>
-      </p:sp>
-      <p:sp>
-        <p:nvSpPr>
-          <p:cNvPr id="4" name="Text Placeholder 3">
-            <a:extLst>
-              <a:ext uri="{FF2B5EF4-FFF2-40B4-BE49-F238E27FC236}">
-                <a16:creationId xmlns:a16="http://schemas.microsoft.com/office/drawing/2014/main" id="{4E852665-AB70-4696-993E-2D749D674B4D}"/>
-              </a:ext>
-            </a:extLst>
-          </p:cNvPr>
-          <p:cNvSpPr>
-            <a:spLocks noGrp="1"/>
-          </p:cNvSpPr>
-          <p:nvPr>
-            <p:ph type="body" sz="quarter" idx="14"/>
-          </p:nvPr>
-        </p:nvSpPr>
-        <p:spPr/>
-        <p:txBody>
-          <a:bodyPr/>
-          <a:lstStyle/>
-          <a:p>
-            <a:endParaRPr lang="en-US"/>
-          </a:p>
-        </p:txBody>
-      </p:sp>
-      <p:sp>
-        <p:nvSpPr>
-          <p:cNvPr id="5" name="Slide Number Placeholder 4">
-            <a:extLst>
-              <a:ext uri="{FF2B5EF4-FFF2-40B4-BE49-F238E27FC236}">
-                <a16:creationId xmlns:a16="http://schemas.microsoft.com/office/drawing/2014/main" id="{439173BD-33EA-42B3-B778-ADD631ABB78A}"/>
-              </a:ext>
-            </a:extLst>
-          </p:cNvPr>
-          <p:cNvSpPr>
-            <a:spLocks noGrp="1"/>
-          </p:cNvSpPr>
-          <p:nvPr>
-            <p:ph type="sldNum" sz="quarter" idx="17"/>
-          </p:nvPr>
-        </p:nvSpPr>
-        <p:spPr/>
-        <p:txBody>
-          <a:bodyPr/>
-          <a:lstStyle/>
-          <a:p>
-            <a:fld id="{0A838F34-1B32-4019-A24D-EF473E6901BC}" type="slidenum">
-              <a:rPr lang="en-US" smtClean="0">
-                <a:solidFill>
-                  <a:srgbClr val="9A8B7D"/>
-                </a:solidFill>
-              </a:rPr>
-              <a:pPr/>
-              <a:t>10</a:t>
-            </a:fld>
-            <a:endParaRPr lang="en-US">
-              <a:solidFill>
-                <a:srgbClr val="9A8B7D"/>
-              </a:solidFill>
-            </a:endParaRPr>
-          </a:p>
-        </p:txBody>
-      </p:sp>
-      <p:pic>
-        <p:nvPicPr>
-          <p:cNvPr id="7" name="Picture 6">
-            <a:extLst>
-              <a:ext uri="{FF2B5EF4-FFF2-40B4-BE49-F238E27FC236}">
-                <a16:creationId xmlns:a16="http://schemas.microsoft.com/office/drawing/2014/main" id="{5D071394-E259-4091-BEB8-D965BBEF15C2}"/>
-              </a:ext>
-            </a:extLst>
-          </p:cNvPr>
-          <p:cNvPicPr>
-            <a:picLocks noChangeAspect="1"/>
-          </p:cNvPicPr>
-          <p:nvPr/>
-        </p:nvPicPr>
-        <p:blipFill rotWithShape="1">
-          <a:blip r:embed="rId2"/>
-          <a:srcRect l="9581" r="24510"/>
-          <a:stretch/>
-        </p:blipFill>
-        <p:spPr>
-          <a:xfrm>
-            <a:off x="2206156" y="1100738"/>
-            <a:ext cx="5649734" cy="2561336"/>
-          </a:xfrm>
-          <a:prstGeom prst="rect">
-            <a:avLst/>
-          </a:prstGeom>
-        </p:spPr>
-      </p:pic>
-      <p:sp>
-        <p:nvSpPr>
-          <p:cNvPr id="9" name="TextBox 8">
-            <a:extLst>
-              <a:ext uri="{FF2B5EF4-FFF2-40B4-BE49-F238E27FC236}">
-                <a16:creationId xmlns:a16="http://schemas.microsoft.com/office/drawing/2014/main" id="{C065B58C-CD0D-4B7A-9D42-D31593D6933C}"/>
-              </a:ext>
-            </a:extLst>
-          </p:cNvPr>
-          <p:cNvSpPr txBox="1"/>
-          <p:nvPr/>
-        </p:nvSpPr>
-        <p:spPr>
-          <a:xfrm rot="16200000">
-            <a:off x="904018" y="1684148"/>
-            <a:ext cx="2154804" cy="400110"/>
-          </a:xfrm>
-          <a:prstGeom prst="rect">
-            <a:avLst/>
-          </a:prstGeom>
-          <a:noFill/>
-        </p:spPr>
-        <p:txBody>
-          <a:bodyPr wrap="square" rtlCol="0">
-            <a:spAutoFit/>
-          </a:bodyPr>
-          <a:lstStyle/>
-          <a:p>
-            <a:pPr>
-              <a:buClr>
-                <a:schemeClr val="tx1"/>
-              </a:buClr>
-            </a:pPr>
-            <a:r>
-              <a:rPr lang="en-US" sz="2000" dirty="0"/>
-              <a:t># molecules</a:t>
-            </a:r>
-          </a:p>
-        </p:txBody>
-      </p:sp>
-      <p:sp>
-        <p:nvSpPr>
-          <p:cNvPr id="10" name="TextBox 9">
-            <a:extLst>
-              <a:ext uri="{FF2B5EF4-FFF2-40B4-BE49-F238E27FC236}">
-                <a16:creationId xmlns:a16="http://schemas.microsoft.com/office/drawing/2014/main" id="{7E9563D7-FD9C-447C-93BB-F90D4739C30A}"/>
-              </a:ext>
-            </a:extLst>
-          </p:cNvPr>
-          <p:cNvSpPr txBox="1"/>
-          <p:nvPr/>
-        </p:nvSpPr>
-        <p:spPr>
-          <a:xfrm rot="16200000">
-            <a:off x="904018" y="4204712"/>
-            <a:ext cx="2154804" cy="400110"/>
-          </a:xfrm>
-          <a:prstGeom prst="rect">
-            <a:avLst/>
-          </a:prstGeom>
-          <a:noFill/>
-        </p:spPr>
-        <p:txBody>
-          <a:bodyPr wrap="square" rtlCol="0">
-            <a:spAutoFit/>
-          </a:bodyPr>
-          <a:lstStyle/>
-          <a:p>
-            <a:pPr>
-              <a:buClr>
-                <a:schemeClr val="tx1"/>
-              </a:buClr>
-            </a:pPr>
-            <a:r>
-              <a:rPr lang="en-US" sz="2000" dirty="0"/>
-              <a:t># molecules</a:t>
-            </a:r>
-          </a:p>
-        </p:txBody>
-      </p:sp>
-      <p:pic>
-        <p:nvPicPr>
-          <p:cNvPr id="12" name="Picture 11">
-            <a:extLst>
-              <a:ext uri="{FF2B5EF4-FFF2-40B4-BE49-F238E27FC236}">
-                <a16:creationId xmlns:a16="http://schemas.microsoft.com/office/drawing/2014/main" id="{54DBEF6F-BEBF-4888-BE5E-712455B600BE}"/>
-              </a:ext>
-            </a:extLst>
-          </p:cNvPr>
-          <p:cNvPicPr>
-            <a:picLocks noChangeAspect="1"/>
-          </p:cNvPicPr>
-          <p:nvPr/>
-        </p:nvPicPr>
-        <p:blipFill rotWithShape="1">
-          <a:blip r:embed="rId3"/>
-          <a:srcRect l="10006" r="25193"/>
-          <a:stretch/>
-        </p:blipFill>
-        <p:spPr>
-          <a:xfrm>
-            <a:off x="2183845" y="3646173"/>
-            <a:ext cx="5462547" cy="2600325"/>
-          </a:xfrm>
-          <a:prstGeom prst="rect">
-            <a:avLst/>
-          </a:prstGeom>
-        </p:spPr>
-      </p:pic>
-    </p:spTree>
-    <p:extLst>
-      <p:ext uri="{BB962C8B-B14F-4D97-AF65-F5344CB8AC3E}">
-        <p14:creationId xmlns:p14="http://schemas.microsoft.com/office/powerpoint/2010/main" val="892661274"/>
-      </p:ext>
-    </p:extLst>
-  </p:cSld>
-  <p:clrMapOvr>
-    <a:masterClrMapping/>
-  </p:clrMapOvr>
-</p:sld>
-</file>
-
 <file path=ppt/slides/slide2.xml><?xml version="1.0" encoding="utf-8"?>
 <p:sld xmlns:a="http://schemas.openxmlformats.org/drawingml/2006/main" xmlns:r="http://schemas.openxmlformats.org/officeDocument/2006/relationships" xmlns:p="http://schemas.openxmlformats.org/presentationml/2006/main">
   <p:cSld>
@@ -24975,628 +24538,6 @@
           <a:chExt cx="0" cy="0"/>
         </a:xfrm>
       </p:grpSpPr>
-      <p:sp>
-        <p:nvSpPr>
-          <p:cNvPr id="2" name="Title 1">
-            <a:extLst>
-              <a:ext uri="{FF2B5EF4-FFF2-40B4-BE49-F238E27FC236}">
-                <a16:creationId xmlns:a16="http://schemas.microsoft.com/office/drawing/2014/main" id="{099BDF01-E9E5-4B18-BDE1-781F83E135D8}"/>
-              </a:ext>
-            </a:extLst>
-          </p:cNvPr>
-          <p:cNvSpPr>
-            <a:spLocks noGrp="1"/>
-          </p:cNvSpPr>
-          <p:nvPr>
-            <p:ph type="title"/>
-          </p:nvPr>
-        </p:nvSpPr>
-        <p:spPr/>
-        <p:txBody>
-          <a:bodyPr/>
-          <a:lstStyle/>
-          <a:p>
-            <a:r>
-              <a:rPr lang="en-US" dirty="0"/>
-              <a:t>Figure 2 – SNG removed from approved version</a:t>
-            </a:r>
-          </a:p>
-        </p:txBody>
-      </p:sp>
-      <p:sp>
-        <p:nvSpPr>
-          <p:cNvPr id="3" name="Content Placeholder 2">
-            <a:extLst>
-              <a:ext uri="{FF2B5EF4-FFF2-40B4-BE49-F238E27FC236}">
-                <a16:creationId xmlns:a16="http://schemas.microsoft.com/office/drawing/2014/main" id="{18FE8DAA-69CD-4630-BC2E-1625B7C1303D}"/>
-              </a:ext>
-            </a:extLst>
-          </p:cNvPr>
-          <p:cNvSpPr>
-            <a:spLocks noGrp="1"/>
-          </p:cNvSpPr>
-          <p:nvPr>
-            <p:ph idx="1"/>
-          </p:nvPr>
-        </p:nvSpPr>
-        <p:spPr/>
-        <p:txBody>
-          <a:bodyPr/>
-          <a:lstStyle/>
-          <a:p>
-            <a:endParaRPr lang="en-US" dirty="0"/>
-          </a:p>
-        </p:txBody>
-      </p:sp>
-      <p:sp>
-        <p:nvSpPr>
-          <p:cNvPr id="4" name="Slide Number Placeholder 3">
-            <a:extLst>
-              <a:ext uri="{FF2B5EF4-FFF2-40B4-BE49-F238E27FC236}">
-                <a16:creationId xmlns:a16="http://schemas.microsoft.com/office/drawing/2014/main" id="{781F2F88-7DCC-492F-8ECA-D0AE94A2CC4E}"/>
-              </a:ext>
-            </a:extLst>
-          </p:cNvPr>
-          <p:cNvSpPr>
-            <a:spLocks noGrp="1"/>
-          </p:cNvSpPr>
-          <p:nvPr>
-            <p:ph type="sldNum" sz="quarter" idx="11"/>
-          </p:nvPr>
-        </p:nvSpPr>
-        <p:spPr/>
-        <p:txBody>
-          <a:bodyPr/>
-          <a:lstStyle/>
-          <a:p>
-            <a:r>
-              <a:rPr lang="en-US">
-                <a:solidFill>
-                  <a:srgbClr val="9A8B7D"/>
-                </a:solidFill>
-              </a:rPr>
-              <a:t>&lt;#&gt;</a:t>
-            </a:r>
-            <a:endParaRPr lang="en-US" dirty="0">
-              <a:solidFill>
-                <a:srgbClr val="9A8B7D"/>
-              </a:solidFill>
-            </a:endParaRPr>
-          </a:p>
-        </p:txBody>
-      </p:sp>
-      <p:pic>
-        <p:nvPicPr>
-          <p:cNvPr id="5" name="Picture 4">
-            <a:extLst>
-              <a:ext uri="{FF2B5EF4-FFF2-40B4-BE49-F238E27FC236}">
-                <a16:creationId xmlns:a16="http://schemas.microsoft.com/office/drawing/2014/main" id="{6713CB69-0141-4A9B-B7A1-E4636D9C688F}"/>
-              </a:ext>
-            </a:extLst>
-          </p:cNvPr>
-          <p:cNvPicPr>
-            <a:picLocks noChangeAspect="1"/>
-          </p:cNvPicPr>
-          <p:nvPr/>
-        </p:nvPicPr>
-        <p:blipFill>
-          <a:blip r:embed="rId2"/>
-          <a:stretch>
-            <a:fillRect/>
-          </a:stretch>
-        </p:blipFill>
-        <p:spPr>
-          <a:xfrm>
-            <a:off x="250415" y="1112858"/>
-            <a:ext cx="4238433" cy="2906078"/>
-          </a:xfrm>
-          <a:prstGeom prst="rect">
-            <a:avLst/>
-          </a:prstGeom>
-        </p:spPr>
-      </p:pic>
-      <p:pic>
-        <p:nvPicPr>
-          <p:cNvPr id="6" name="Picture 5">
-            <a:extLst>
-              <a:ext uri="{FF2B5EF4-FFF2-40B4-BE49-F238E27FC236}">
-                <a16:creationId xmlns:a16="http://schemas.microsoft.com/office/drawing/2014/main" id="{FBA8A0CD-E003-48D6-A06B-A53403A9FFF5}"/>
-              </a:ext>
-            </a:extLst>
-          </p:cNvPr>
-          <p:cNvPicPr>
-            <a:picLocks noChangeAspect="1"/>
-          </p:cNvPicPr>
-          <p:nvPr/>
-        </p:nvPicPr>
-        <p:blipFill>
-          <a:blip r:embed="rId3"/>
-          <a:stretch>
-            <a:fillRect/>
-          </a:stretch>
-        </p:blipFill>
-        <p:spPr>
-          <a:xfrm>
-            <a:off x="4210665" y="3047815"/>
-            <a:ext cx="4793226" cy="2806885"/>
-          </a:xfrm>
-          <a:prstGeom prst="rect">
-            <a:avLst/>
-          </a:prstGeom>
-        </p:spPr>
-      </p:pic>
-    </p:spTree>
-    <p:extLst>
-      <p:ext uri="{BB962C8B-B14F-4D97-AF65-F5344CB8AC3E}">
-        <p14:creationId xmlns:p14="http://schemas.microsoft.com/office/powerpoint/2010/main" val="1952249491"/>
-      </p:ext>
-    </p:extLst>
-  </p:cSld>
-  <p:clrMapOvr>
-    <a:masterClrMapping/>
-  </p:clrMapOvr>
-  <p:transition>
-    <p:random/>
-  </p:transition>
-</p:sld>
-</file>
-
-<file path=ppt/slides/slide5.xml><?xml version="1.0" encoding="utf-8"?>
-<p:sld xmlns:a="http://schemas.openxmlformats.org/drawingml/2006/main" xmlns:r="http://schemas.openxmlformats.org/officeDocument/2006/relationships" xmlns:p="http://schemas.openxmlformats.org/presentationml/2006/main">
-  <p:cSld>
-    <p:spTree>
-      <p:nvGrpSpPr>
-        <p:cNvPr id="1" name=""/>
-        <p:cNvGrpSpPr/>
-        <p:nvPr/>
-      </p:nvGrpSpPr>
-      <p:grpSpPr>
-        <a:xfrm>
-          <a:off x="0" y="0"/>
-          <a:ext cx="0" cy="0"/>
-          <a:chOff x="0" y="0"/>
-          <a:chExt cx="0" cy="0"/>
-        </a:xfrm>
-      </p:grpSpPr>
-      <p:sp>
-        <p:nvSpPr>
-          <p:cNvPr id="2" name="Title 1">
-            <a:extLst>
-              <a:ext uri="{FF2B5EF4-FFF2-40B4-BE49-F238E27FC236}">
-                <a16:creationId xmlns:a16="http://schemas.microsoft.com/office/drawing/2014/main" id="{B25CF516-4F28-4EE9-A976-CB97E038F075}"/>
-              </a:ext>
-            </a:extLst>
-          </p:cNvPr>
-          <p:cNvSpPr>
-            <a:spLocks noGrp="1"/>
-          </p:cNvSpPr>
-          <p:nvPr>
-            <p:ph type="title"/>
-          </p:nvPr>
-        </p:nvSpPr>
-        <p:spPr/>
-        <p:txBody>
-          <a:bodyPr/>
-          <a:lstStyle/>
-          <a:p>
-            <a:r>
-              <a:rPr lang="en-US" dirty="0"/>
-              <a:t>Figure 3 : Removed SNG</a:t>
-            </a:r>
-          </a:p>
-        </p:txBody>
-      </p:sp>
-      <p:sp>
-        <p:nvSpPr>
-          <p:cNvPr id="4" name="Slide Number Placeholder 3">
-            <a:extLst>
-              <a:ext uri="{FF2B5EF4-FFF2-40B4-BE49-F238E27FC236}">
-                <a16:creationId xmlns:a16="http://schemas.microsoft.com/office/drawing/2014/main" id="{D4BA2241-FBB1-454B-9CA0-3303B4067AC2}"/>
-              </a:ext>
-            </a:extLst>
-          </p:cNvPr>
-          <p:cNvSpPr>
-            <a:spLocks noGrp="1"/>
-          </p:cNvSpPr>
-          <p:nvPr>
-            <p:ph type="sldNum" sz="quarter" idx="11"/>
-          </p:nvPr>
-        </p:nvSpPr>
-        <p:spPr/>
-        <p:txBody>
-          <a:bodyPr/>
-          <a:lstStyle/>
-          <a:p>
-            <a:r>
-              <a:rPr lang="en-US">
-                <a:solidFill>
-                  <a:srgbClr val="9A8B7D"/>
-                </a:solidFill>
-              </a:rPr>
-              <a:t>&lt;#&gt;</a:t>
-            </a:r>
-            <a:endParaRPr lang="en-US" dirty="0">
-              <a:solidFill>
-                <a:srgbClr val="9A8B7D"/>
-              </a:solidFill>
-            </a:endParaRPr>
-          </a:p>
-        </p:txBody>
-      </p:sp>
-      <p:pic>
-        <p:nvPicPr>
-          <p:cNvPr id="5" name="Picture 4">
-            <a:extLst>
-              <a:ext uri="{FF2B5EF4-FFF2-40B4-BE49-F238E27FC236}">
-                <a16:creationId xmlns:a16="http://schemas.microsoft.com/office/drawing/2014/main" id="{658B9630-BDA8-4960-8745-7AB8F73EE4F6}"/>
-              </a:ext>
-            </a:extLst>
-          </p:cNvPr>
-          <p:cNvPicPr>
-            <a:picLocks noChangeAspect="1"/>
-          </p:cNvPicPr>
-          <p:nvPr/>
-        </p:nvPicPr>
-        <p:blipFill>
-          <a:blip r:embed="rId2"/>
-          <a:stretch>
-            <a:fillRect/>
-          </a:stretch>
-        </p:blipFill>
-        <p:spPr>
-          <a:xfrm>
-            <a:off x="599494" y="1188927"/>
-            <a:ext cx="6827808" cy="5198806"/>
-          </a:xfrm>
-          <a:prstGeom prst="rect">
-            <a:avLst/>
-          </a:prstGeom>
-        </p:spPr>
-      </p:pic>
-    </p:spTree>
-    <p:extLst>
-      <p:ext uri="{BB962C8B-B14F-4D97-AF65-F5344CB8AC3E}">
-        <p14:creationId xmlns:p14="http://schemas.microsoft.com/office/powerpoint/2010/main" val="2772977335"/>
-      </p:ext>
-    </p:extLst>
-  </p:cSld>
-  <p:clrMapOvr>
-    <a:masterClrMapping/>
-  </p:clrMapOvr>
-  <p:transition>
-    <p:random/>
-  </p:transition>
-</p:sld>
-</file>
-
-<file path=ppt/slides/slide6.xml><?xml version="1.0" encoding="utf-8"?>
-<p:sld xmlns:a="http://schemas.openxmlformats.org/drawingml/2006/main" xmlns:r="http://schemas.openxmlformats.org/officeDocument/2006/relationships" xmlns:p="http://schemas.openxmlformats.org/presentationml/2006/main">
-  <p:cSld>
-    <p:spTree>
-      <p:nvGrpSpPr>
-        <p:cNvPr id="1" name=""/>
-        <p:cNvGrpSpPr/>
-        <p:nvPr/>
-      </p:nvGrpSpPr>
-      <p:grpSpPr>
-        <a:xfrm>
-          <a:off x="0" y="0"/>
-          <a:ext cx="0" cy="0"/>
-          <a:chOff x="0" y="0"/>
-          <a:chExt cx="0" cy="0"/>
-        </a:xfrm>
-      </p:grpSpPr>
-      <p:sp>
-        <p:nvSpPr>
-          <p:cNvPr id="2" name="Title 1">
-            <a:extLst>
-              <a:ext uri="{FF2B5EF4-FFF2-40B4-BE49-F238E27FC236}">
-                <a16:creationId xmlns:a16="http://schemas.microsoft.com/office/drawing/2014/main" id="{19190722-C8C0-476E-BA3D-5413CD8FFB94}"/>
-              </a:ext>
-            </a:extLst>
-          </p:cNvPr>
-          <p:cNvSpPr>
-            <a:spLocks noGrp="1"/>
-          </p:cNvSpPr>
-          <p:nvPr>
-            <p:ph type="title"/>
-          </p:nvPr>
-        </p:nvSpPr>
-        <p:spPr/>
-        <p:txBody>
-          <a:bodyPr/>
-          <a:lstStyle/>
-          <a:p>
-            <a:r>
-              <a:rPr lang="en-US" dirty="0"/>
-              <a:t>Figure 5: Added (a) molecule depiction</a:t>
-            </a:r>
-          </a:p>
-        </p:txBody>
-      </p:sp>
-      <p:sp>
-        <p:nvSpPr>
-          <p:cNvPr id="4" name="Slide Number Placeholder 3">
-            <a:extLst>
-              <a:ext uri="{FF2B5EF4-FFF2-40B4-BE49-F238E27FC236}">
-                <a16:creationId xmlns:a16="http://schemas.microsoft.com/office/drawing/2014/main" id="{64083F5E-5CCD-49C7-93A7-816FF3AA87F0}"/>
-              </a:ext>
-            </a:extLst>
-          </p:cNvPr>
-          <p:cNvSpPr>
-            <a:spLocks noGrp="1"/>
-          </p:cNvSpPr>
-          <p:nvPr>
-            <p:ph type="sldNum" sz="quarter" idx="11"/>
-          </p:nvPr>
-        </p:nvSpPr>
-        <p:spPr/>
-        <p:txBody>
-          <a:bodyPr/>
-          <a:lstStyle/>
-          <a:p>
-            <a:r>
-              <a:rPr lang="en-US">
-                <a:solidFill>
-                  <a:srgbClr val="9A8B7D"/>
-                </a:solidFill>
-              </a:rPr>
-              <a:t>&lt;#&gt;</a:t>
-            </a:r>
-            <a:endParaRPr lang="en-US" dirty="0">
-              <a:solidFill>
-                <a:srgbClr val="9A8B7D"/>
-              </a:solidFill>
-            </a:endParaRPr>
-          </a:p>
-        </p:txBody>
-      </p:sp>
-      <p:pic>
-        <p:nvPicPr>
-          <p:cNvPr id="7" name="Picture 6">
-            <a:extLst>
-              <a:ext uri="{FF2B5EF4-FFF2-40B4-BE49-F238E27FC236}">
-                <a16:creationId xmlns:a16="http://schemas.microsoft.com/office/drawing/2014/main" id="{6B8DB143-8C80-49B4-A0D0-1651A66A9B78}"/>
-              </a:ext>
-            </a:extLst>
-          </p:cNvPr>
-          <p:cNvPicPr>
-            <a:picLocks noChangeAspect="1"/>
-          </p:cNvPicPr>
-          <p:nvPr/>
-        </p:nvPicPr>
-        <p:blipFill>
-          <a:blip r:embed="rId2"/>
-          <a:stretch>
-            <a:fillRect/>
-          </a:stretch>
-        </p:blipFill>
-        <p:spPr>
-          <a:xfrm>
-            <a:off x="998925" y="995514"/>
-            <a:ext cx="4133850" cy="3967163"/>
-          </a:xfrm>
-          <a:prstGeom prst="rect">
-            <a:avLst/>
-          </a:prstGeom>
-        </p:spPr>
-      </p:pic>
-      <p:pic>
-        <p:nvPicPr>
-          <p:cNvPr id="8" name="Picture 7">
-            <a:extLst>
-              <a:ext uri="{FF2B5EF4-FFF2-40B4-BE49-F238E27FC236}">
-                <a16:creationId xmlns:a16="http://schemas.microsoft.com/office/drawing/2014/main" id="{A7E7C113-017F-4D7E-84D6-7C41295CD3C6}"/>
-              </a:ext>
-            </a:extLst>
-          </p:cNvPr>
-          <p:cNvPicPr>
-            <a:picLocks noChangeAspect="1"/>
-          </p:cNvPicPr>
-          <p:nvPr/>
-        </p:nvPicPr>
-        <p:blipFill>
-          <a:blip r:embed="rId3"/>
-          <a:stretch>
-            <a:fillRect/>
-          </a:stretch>
-        </p:blipFill>
-        <p:spPr>
-          <a:xfrm>
-            <a:off x="567812" y="4968483"/>
-            <a:ext cx="5181600" cy="1462088"/>
-          </a:xfrm>
-          <a:prstGeom prst="rect">
-            <a:avLst/>
-          </a:prstGeom>
-        </p:spPr>
-      </p:pic>
-    </p:spTree>
-    <p:extLst>
-      <p:ext uri="{BB962C8B-B14F-4D97-AF65-F5344CB8AC3E}">
-        <p14:creationId xmlns:p14="http://schemas.microsoft.com/office/powerpoint/2010/main" val="1958881048"/>
-      </p:ext>
-    </p:extLst>
-  </p:cSld>
-  <p:clrMapOvr>
-    <a:masterClrMapping/>
-  </p:clrMapOvr>
-  <p:transition>
-    <p:random/>
-  </p:transition>
-</p:sld>
-</file>
-
-<file path=ppt/slides/slide7.xml><?xml version="1.0" encoding="utf-8"?>
-<p:sld xmlns:a="http://schemas.openxmlformats.org/drawingml/2006/main" xmlns:r="http://schemas.openxmlformats.org/officeDocument/2006/relationships" xmlns:p="http://schemas.openxmlformats.org/presentationml/2006/main">
-  <p:cSld>
-    <p:spTree>
-      <p:nvGrpSpPr>
-        <p:cNvPr id="1" name=""/>
-        <p:cNvGrpSpPr/>
-        <p:nvPr/>
-      </p:nvGrpSpPr>
-      <p:grpSpPr>
-        <a:xfrm>
-          <a:off x="0" y="0"/>
-          <a:ext cx="0" cy="0"/>
-          <a:chOff x="0" y="0"/>
-          <a:chExt cx="0" cy="0"/>
-        </a:xfrm>
-      </p:grpSpPr>
-      <p:sp>
-        <p:nvSpPr>
-          <p:cNvPr id="2" name="Title 1">
-            <a:extLst>
-              <a:ext uri="{FF2B5EF4-FFF2-40B4-BE49-F238E27FC236}">
-                <a16:creationId xmlns:a16="http://schemas.microsoft.com/office/drawing/2014/main" id="{101AE10D-2E5A-4DCC-8E5D-3CA6FCEFE44F}"/>
-              </a:ext>
-            </a:extLst>
-          </p:cNvPr>
-          <p:cNvSpPr>
-            <a:spLocks noGrp="1"/>
-          </p:cNvSpPr>
-          <p:nvPr>
-            <p:ph type="title"/>
-          </p:nvPr>
-        </p:nvSpPr>
-        <p:spPr/>
-        <p:txBody>
-          <a:bodyPr/>
-          <a:lstStyle/>
-          <a:p>
-            <a:r>
-              <a:rPr lang="en-US" dirty="0"/>
-              <a:t>Fig 13 new version without color circles, with legend</a:t>
-            </a:r>
-          </a:p>
-        </p:txBody>
-      </p:sp>
-      <p:sp>
-        <p:nvSpPr>
-          <p:cNvPr id="3" name="Content Placeholder 2">
-            <a:extLst>
-              <a:ext uri="{FF2B5EF4-FFF2-40B4-BE49-F238E27FC236}">
-                <a16:creationId xmlns:a16="http://schemas.microsoft.com/office/drawing/2014/main" id="{BDA7D6D5-0803-4E8D-ADD7-BEED1BEB5CA3}"/>
-              </a:ext>
-            </a:extLst>
-          </p:cNvPr>
-          <p:cNvSpPr>
-            <a:spLocks noGrp="1"/>
-          </p:cNvSpPr>
-          <p:nvPr>
-            <p:ph idx="1"/>
-          </p:nvPr>
-        </p:nvSpPr>
-        <p:spPr/>
-        <p:txBody>
-          <a:bodyPr/>
-          <a:lstStyle/>
-          <a:p>
-            <a:endParaRPr lang="en-US"/>
-          </a:p>
-        </p:txBody>
-      </p:sp>
-      <p:sp>
-        <p:nvSpPr>
-          <p:cNvPr id="4" name="Slide Number Placeholder 3">
-            <a:extLst>
-              <a:ext uri="{FF2B5EF4-FFF2-40B4-BE49-F238E27FC236}">
-                <a16:creationId xmlns:a16="http://schemas.microsoft.com/office/drawing/2014/main" id="{4B1DF8B8-29CF-40E2-A19C-A12C2C4F0E75}"/>
-              </a:ext>
-            </a:extLst>
-          </p:cNvPr>
-          <p:cNvSpPr>
-            <a:spLocks noGrp="1"/>
-          </p:cNvSpPr>
-          <p:nvPr>
-            <p:ph type="sldNum" sz="quarter" idx="11"/>
-          </p:nvPr>
-        </p:nvSpPr>
-        <p:spPr/>
-        <p:txBody>
-          <a:bodyPr/>
-          <a:lstStyle/>
-          <a:p>
-            <a:r>
-              <a:rPr lang="en-US">
-                <a:solidFill>
-                  <a:srgbClr val="9A8B7D"/>
-                </a:solidFill>
-              </a:rPr>
-              <a:t>&lt;#&gt;</a:t>
-            </a:r>
-            <a:endParaRPr lang="en-US" dirty="0">
-              <a:solidFill>
-                <a:srgbClr val="9A8B7D"/>
-              </a:solidFill>
-            </a:endParaRPr>
-          </a:p>
-        </p:txBody>
-      </p:sp>
-      <p:pic>
-        <p:nvPicPr>
-          <p:cNvPr id="5" name="Picture 4">
-            <a:extLst>
-              <a:ext uri="{FF2B5EF4-FFF2-40B4-BE49-F238E27FC236}">
-                <a16:creationId xmlns:a16="http://schemas.microsoft.com/office/drawing/2014/main" id="{7628CD14-8392-4146-A001-A7A5F810D440}"/>
-              </a:ext>
-            </a:extLst>
-          </p:cNvPr>
-          <p:cNvPicPr>
-            <a:picLocks noChangeAspect="1"/>
-          </p:cNvPicPr>
-          <p:nvPr/>
-        </p:nvPicPr>
-        <p:blipFill>
-          <a:blip r:embed="rId2"/>
-          <a:stretch>
-            <a:fillRect/>
-          </a:stretch>
-        </p:blipFill>
-        <p:spPr>
-          <a:xfrm>
-            <a:off x="81117" y="1086767"/>
-            <a:ext cx="8778876" cy="4870091"/>
-          </a:xfrm>
-          <a:prstGeom prst="rect">
-            <a:avLst/>
-          </a:prstGeom>
-        </p:spPr>
-      </p:pic>
-    </p:spTree>
-    <p:extLst>
-      <p:ext uri="{BB962C8B-B14F-4D97-AF65-F5344CB8AC3E}">
-        <p14:creationId xmlns:p14="http://schemas.microsoft.com/office/powerpoint/2010/main" val="3985893669"/>
-      </p:ext>
-    </p:extLst>
-  </p:cSld>
-  <p:clrMapOvr>
-    <a:masterClrMapping/>
-  </p:clrMapOvr>
-  <p:transition>
-    <p:random/>
-  </p:transition>
-</p:sld>
-</file>
-
-<file path=ppt/slides/slide8.xml><?xml version="1.0" encoding="utf-8"?>
-<p:sld xmlns:a="http://schemas.openxmlformats.org/drawingml/2006/main" xmlns:r="http://schemas.openxmlformats.org/officeDocument/2006/relationships" xmlns:p="http://schemas.openxmlformats.org/presentationml/2006/main">
-  <p:cSld>
-    <p:spTree>
-      <p:nvGrpSpPr>
-        <p:cNvPr id="1" name=""/>
-        <p:cNvGrpSpPr/>
-        <p:nvPr/>
-      </p:nvGrpSpPr>
-      <p:grpSpPr>
-        <a:xfrm>
-          <a:off x="0" y="0"/>
-          <a:ext cx="0" cy="0"/>
-          <a:chOff x="0" y="0"/>
-          <a:chExt cx="0" cy="0"/>
-        </a:xfrm>
-      </p:grpSpPr>
       <p:pic>
         <p:nvPicPr>
           <p:cNvPr id="10" name="Picture 9">
@@ -25675,7 +24616,7 @@
                 </a:solidFill>
               </a:rPr>
               <a:pPr/>
-              <a:t>8</a:t>
+              <a:t>4</a:t>
             </a:fld>
             <a:endParaRPr lang="en-US">
               <a:solidFill>
@@ -26006,7 +24947,7 @@
 </p:sld>
 </file>
 
-<file path=ppt/slides/slide9.xml><?xml version="1.0" encoding="utf-8"?>
+<file path=ppt/slides/slide5.xml><?xml version="1.0" encoding="utf-8"?>
 <p:sld xmlns:a="http://schemas.openxmlformats.org/drawingml/2006/main" xmlns:r="http://schemas.openxmlformats.org/officeDocument/2006/relationships" xmlns:p="http://schemas.openxmlformats.org/presentationml/2006/main">
   <p:cSld>
     <p:spTree>
@@ -26072,7 +25013,7 @@
                 </a:solidFill>
               </a:rPr>
               <a:pPr/>
-              <a:t>9</a:t>
+              <a:t>5</a:t>
             </a:fld>
             <a:endParaRPr lang="en-US">
               <a:solidFill>
@@ -26479,6 +25420,265 @@
     <a:masterClrMapping/>
   </p:clrMapOvr>
   <p:transition/>
+</p:sld>
+</file>
+
+<file path=ppt/slides/slide6.xml><?xml version="1.0" encoding="utf-8"?>
+<p:sld xmlns:a="http://schemas.openxmlformats.org/drawingml/2006/main" xmlns:r="http://schemas.openxmlformats.org/officeDocument/2006/relationships" xmlns:p="http://schemas.openxmlformats.org/presentationml/2006/main">
+  <p:cSld>
+    <p:spTree>
+      <p:nvGrpSpPr>
+        <p:cNvPr id="1" name=""/>
+        <p:cNvGrpSpPr/>
+        <p:nvPr/>
+      </p:nvGrpSpPr>
+      <p:grpSpPr>
+        <a:xfrm>
+          <a:off x="0" y="0"/>
+          <a:ext cx="0" cy="0"/>
+          <a:chOff x="0" y="0"/>
+          <a:chExt cx="0" cy="0"/>
+        </a:xfrm>
+      </p:grpSpPr>
+      <p:sp>
+        <p:nvSpPr>
+          <p:cNvPr id="2" name="Title 1">
+            <a:extLst>
+              <a:ext uri="{FF2B5EF4-FFF2-40B4-BE49-F238E27FC236}">
+                <a16:creationId xmlns:a16="http://schemas.microsoft.com/office/drawing/2014/main" id="{A82C809E-055D-4E26-A5A7-2A1E00CE0C8E}"/>
+              </a:ext>
+            </a:extLst>
+          </p:cNvPr>
+          <p:cNvSpPr>
+            <a:spLocks noGrp="1"/>
+          </p:cNvSpPr>
+          <p:nvPr>
+            <p:ph type="title"/>
+          </p:nvPr>
+        </p:nvSpPr>
+        <p:spPr/>
+        <p:txBody>
+          <a:bodyPr/>
+          <a:lstStyle/>
+          <a:p>
+            <a:r>
+              <a:rPr lang="en-US" dirty="0"/>
+              <a:t>Stats bar charts</a:t>
+            </a:r>
+          </a:p>
+        </p:txBody>
+      </p:sp>
+      <p:sp>
+        <p:nvSpPr>
+          <p:cNvPr id="4" name="Text Placeholder 3">
+            <a:extLst>
+              <a:ext uri="{FF2B5EF4-FFF2-40B4-BE49-F238E27FC236}">
+                <a16:creationId xmlns:a16="http://schemas.microsoft.com/office/drawing/2014/main" id="{4E852665-AB70-4696-993E-2D749D674B4D}"/>
+              </a:ext>
+            </a:extLst>
+          </p:cNvPr>
+          <p:cNvSpPr>
+            <a:spLocks noGrp="1"/>
+          </p:cNvSpPr>
+          <p:nvPr>
+            <p:ph type="body" sz="quarter" idx="14"/>
+          </p:nvPr>
+        </p:nvSpPr>
+        <p:spPr/>
+        <p:txBody>
+          <a:bodyPr/>
+          <a:lstStyle/>
+          <a:p>
+            <a:endParaRPr lang="en-US"/>
+          </a:p>
+        </p:txBody>
+      </p:sp>
+      <p:sp>
+        <p:nvSpPr>
+          <p:cNvPr id="5" name="Slide Number Placeholder 4">
+            <a:extLst>
+              <a:ext uri="{FF2B5EF4-FFF2-40B4-BE49-F238E27FC236}">
+                <a16:creationId xmlns:a16="http://schemas.microsoft.com/office/drawing/2014/main" id="{439173BD-33EA-42B3-B778-ADD631ABB78A}"/>
+              </a:ext>
+            </a:extLst>
+          </p:cNvPr>
+          <p:cNvSpPr>
+            <a:spLocks noGrp="1"/>
+          </p:cNvSpPr>
+          <p:nvPr>
+            <p:ph type="sldNum" sz="quarter" idx="17"/>
+          </p:nvPr>
+        </p:nvSpPr>
+        <p:spPr/>
+        <p:txBody>
+          <a:bodyPr/>
+          <a:lstStyle/>
+          <a:p>
+            <a:fld id="{0A838F34-1B32-4019-A24D-EF473E6901BC}" type="slidenum">
+              <a:rPr lang="en-US" smtClean="0">
+                <a:solidFill>
+                  <a:srgbClr val="9A8B7D"/>
+                </a:solidFill>
+              </a:rPr>
+              <a:pPr/>
+              <a:t>6</a:t>
+            </a:fld>
+            <a:endParaRPr lang="en-US">
+              <a:solidFill>
+                <a:srgbClr val="9A8B7D"/>
+              </a:solidFill>
+            </a:endParaRPr>
+          </a:p>
+        </p:txBody>
+      </p:sp>
+      <p:pic>
+        <p:nvPicPr>
+          <p:cNvPr id="7" name="Picture 6">
+            <a:extLst>
+              <a:ext uri="{FF2B5EF4-FFF2-40B4-BE49-F238E27FC236}">
+                <a16:creationId xmlns:a16="http://schemas.microsoft.com/office/drawing/2014/main" id="{5D071394-E259-4091-BEB8-D965BBEF15C2}"/>
+              </a:ext>
+            </a:extLst>
+          </p:cNvPr>
+          <p:cNvPicPr>
+            <a:picLocks noChangeAspect="1"/>
+          </p:cNvPicPr>
+          <p:nvPr/>
+        </p:nvPicPr>
+        <p:blipFill rotWithShape="1">
+          <a:blip r:embed="rId2"/>
+          <a:srcRect l="9581" r="24510"/>
+          <a:stretch/>
+        </p:blipFill>
+        <p:spPr>
+          <a:xfrm>
+            <a:off x="2206156" y="1100738"/>
+            <a:ext cx="5649734" cy="2561336"/>
+          </a:xfrm>
+          <a:prstGeom prst="rect">
+            <a:avLst/>
+          </a:prstGeom>
+        </p:spPr>
+      </p:pic>
+      <p:sp>
+        <p:nvSpPr>
+          <p:cNvPr id="9" name="TextBox 8">
+            <a:extLst>
+              <a:ext uri="{FF2B5EF4-FFF2-40B4-BE49-F238E27FC236}">
+                <a16:creationId xmlns:a16="http://schemas.microsoft.com/office/drawing/2014/main" id="{C065B58C-CD0D-4B7A-9D42-D31593D6933C}"/>
+              </a:ext>
+            </a:extLst>
+          </p:cNvPr>
+          <p:cNvSpPr txBox="1"/>
+          <p:nvPr/>
+        </p:nvSpPr>
+        <p:spPr>
+          <a:xfrm rot="16200000">
+            <a:off x="904018" y="1684148"/>
+            <a:ext cx="2154804" cy="400110"/>
+          </a:xfrm>
+          <a:prstGeom prst="rect">
+            <a:avLst/>
+          </a:prstGeom>
+          <a:noFill/>
+        </p:spPr>
+        <p:txBody>
+          <a:bodyPr wrap="square" rtlCol="0">
+            <a:spAutoFit/>
+          </a:bodyPr>
+          <a:lstStyle/>
+          <a:p>
+            <a:pPr>
+              <a:buClr>
+                <a:schemeClr val="tx1"/>
+              </a:buClr>
+            </a:pPr>
+            <a:r>
+              <a:rPr lang="en-US" sz="2000" dirty="0"/>
+              <a:t># molecules</a:t>
+            </a:r>
+          </a:p>
+        </p:txBody>
+      </p:sp>
+      <p:sp>
+        <p:nvSpPr>
+          <p:cNvPr id="10" name="TextBox 9">
+            <a:extLst>
+              <a:ext uri="{FF2B5EF4-FFF2-40B4-BE49-F238E27FC236}">
+                <a16:creationId xmlns:a16="http://schemas.microsoft.com/office/drawing/2014/main" id="{7E9563D7-FD9C-447C-93BB-F90D4739C30A}"/>
+              </a:ext>
+            </a:extLst>
+          </p:cNvPr>
+          <p:cNvSpPr txBox="1"/>
+          <p:nvPr/>
+        </p:nvSpPr>
+        <p:spPr>
+          <a:xfrm rot="16200000">
+            <a:off x="904018" y="4204712"/>
+            <a:ext cx="2154804" cy="400110"/>
+          </a:xfrm>
+          <a:prstGeom prst="rect">
+            <a:avLst/>
+          </a:prstGeom>
+          <a:noFill/>
+        </p:spPr>
+        <p:txBody>
+          <a:bodyPr wrap="square" rtlCol="0">
+            <a:spAutoFit/>
+          </a:bodyPr>
+          <a:lstStyle/>
+          <a:p>
+            <a:pPr>
+              <a:buClr>
+                <a:schemeClr val="tx1"/>
+              </a:buClr>
+            </a:pPr>
+            <a:r>
+              <a:rPr lang="en-US" sz="2000" dirty="0"/>
+              <a:t># molecules</a:t>
+            </a:r>
+          </a:p>
+        </p:txBody>
+      </p:sp>
+      <p:pic>
+        <p:nvPicPr>
+          <p:cNvPr id="12" name="Picture 11">
+            <a:extLst>
+              <a:ext uri="{FF2B5EF4-FFF2-40B4-BE49-F238E27FC236}">
+                <a16:creationId xmlns:a16="http://schemas.microsoft.com/office/drawing/2014/main" id="{54DBEF6F-BEBF-4888-BE5E-712455B600BE}"/>
+              </a:ext>
+            </a:extLst>
+          </p:cNvPr>
+          <p:cNvPicPr>
+            <a:picLocks noChangeAspect="1"/>
+          </p:cNvPicPr>
+          <p:nvPr/>
+        </p:nvPicPr>
+        <p:blipFill rotWithShape="1">
+          <a:blip r:embed="rId3"/>
+          <a:srcRect l="10006" r="25193"/>
+          <a:stretch/>
+        </p:blipFill>
+        <p:spPr>
+          <a:xfrm>
+            <a:off x="2183845" y="3646173"/>
+            <a:ext cx="5462547" cy="2600325"/>
+          </a:xfrm>
+          <a:prstGeom prst="rect">
+            <a:avLst/>
+          </a:prstGeom>
+        </p:spPr>
+      </p:pic>
+    </p:spTree>
+    <p:extLst>
+      <p:ext uri="{BB962C8B-B14F-4D97-AF65-F5344CB8AC3E}">
+        <p14:creationId xmlns:p14="http://schemas.microsoft.com/office/powerpoint/2010/main" val="892661274"/>
+      </p:ext>
+    </p:extLst>
+  </p:cSld>
+  <p:clrMapOvr>
+    <a:masterClrMapping/>
+  </p:clrMapOvr>
 </p:sld>
 </file>
 

--- a/pres/DBandyopadhyay_FigChanges_eLNB_revision_2019.pptx
+++ b/pres/DBandyopadhyay_FigChanges_eLNB_revision_2019.pptx
@@ -8,15 +8,24 @@
     <p:sldMasterId id="2147483712" r:id="rId4"/>
   </p:sldMasterIdLst>
   <p:notesMasterIdLst>
-    <p:notesMasterId r:id="rId11"/>
+    <p:notesMasterId r:id="rId20"/>
   </p:notesMasterIdLst>
   <p:sldIdLst>
     <p:sldId id="256" r:id="rId5"/>
-    <p:sldId id="303" r:id="rId6"/>
-    <p:sldId id="279" r:id="rId7"/>
-    <p:sldId id="259" r:id="rId8"/>
-    <p:sldId id="302" r:id="rId9"/>
-    <p:sldId id="301" r:id="rId10"/>
+    <p:sldId id="304" r:id="rId6"/>
+    <p:sldId id="305" r:id="rId7"/>
+    <p:sldId id="306" r:id="rId8"/>
+    <p:sldId id="307" r:id="rId9"/>
+    <p:sldId id="308" r:id="rId10"/>
+    <p:sldId id="259" r:id="rId11"/>
+    <p:sldId id="302" r:id="rId12"/>
+    <p:sldId id="309" r:id="rId13"/>
+    <p:sldId id="310" r:id="rId14"/>
+    <p:sldId id="311" r:id="rId15"/>
+    <p:sldId id="312" r:id="rId16"/>
+    <p:sldId id="313" r:id="rId17"/>
+    <p:sldId id="314" r:id="rId18"/>
+    <p:sldId id="315" r:id="rId19"/>
   </p:sldIdLst>
   <p:sldSz cx="9144000" cy="6858000" type="screen4x3"/>
   <p:notesSz cx="6858000" cy="9144000"/>
@@ -217,7 +226,7 @@
             <a:fld id="{BCD41C7E-9E99-465F-BA13-33F82FBE97E5}" type="datetimeFigureOut">
               <a:rPr lang="en-US" smtClean="0"/>
               <a:pPr/>
-              <a:t>6/23/2019</a:t>
+              <a:t>7/3/2019</a:t>
             </a:fld>
             <a:endParaRPr lang="en-US"/>
           </a:p>
@@ -530,91 +539,6 @@
           <a:p>
             <a:r>
               <a:rPr lang="en-US" dirty="0"/>
-              <a:t>Backup?</a:t>
-            </a:r>
-          </a:p>
-        </p:txBody>
-      </p:sp>
-      <p:sp>
-        <p:nvSpPr>
-          <p:cNvPr id="4" name="Slide Number Placeholder 3"/>
-          <p:cNvSpPr>
-            <a:spLocks noGrp="1"/>
-          </p:cNvSpPr>
-          <p:nvPr>
-            <p:ph type="sldNum" sz="quarter" idx="10"/>
-          </p:nvPr>
-        </p:nvSpPr>
-        <p:spPr/>
-        <p:txBody>
-          <a:bodyPr/>
-          <a:lstStyle/>
-          <a:p>
-            <a:fld id="{4C8C9167-E136-4C18-8FF2-A53C2728C27B}" type="slidenum">
-              <a:rPr lang="en-US" smtClean="0"/>
-              <a:pPr/>
-              <a:t>3</a:t>
-            </a:fld>
-            <a:endParaRPr lang="en-US"/>
-          </a:p>
-        </p:txBody>
-      </p:sp>
-    </p:spTree>
-  </p:cSld>
-  <p:clrMapOvr>
-    <a:masterClrMapping/>
-  </p:clrMapOvr>
-</p:notes>
-</file>
-
-<file path=ppt/notesSlides/notesSlide2.xml><?xml version="1.0" encoding="utf-8"?>
-<p:notes xmlns:a="http://schemas.openxmlformats.org/drawingml/2006/main" xmlns:r="http://schemas.openxmlformats.org/officeDocument/2006/relationships" xmlns:p="http://schemas.openxmlformats.org/presentationml/2006/main">
-  <p:cSld>
-    <p:spTree>
-      <p:nvGrpSpPr>
-        <p:cNvPr id="1" name=""/>
-        <p:cNvGrpSpPr/>
-        <p:nvPr/>
-      </p:nvGrpSpPr>
-      <p:grpSpPr>
-        <a:xfrm>
-          <a:off x="0" y="0"/>
-          <a:ext cx="0" cy="0"/>
-          <a:chOff x="0" y="0"/>
-          <a:chExt cx="0" cy="0"/>
-        </a:xfrm>
-      </p:grpSpPr>
-      <p:sp>
-        <p:nvSpPr>
-          <p:cNvPr id="2" name="Slide Image Placeholder 1"/>
-          <p:cNvSpPr>
-            <a:spLocks noGrp="1" noRot="1" noChangeAspect="1"/>
-          </p:cNvSpPr>
-          <p:nvPr>
-            <p:ph type="sldImg"/>
-          </p:nvPr>
-        </p:nvSpPr>
-        <p:spPr/>
-      </p:sp>
-      <p:sp>
-        <p:nvSpPr>
-          <p:cNvPr id="3" name="Notes Placeholder 2"/>
-          <p:cNvSpPr>
-            <a:spLocks noGrp="1"/>
-          </p:cNvSpPr>
-          <p:nvPr>
-            <p:ph type="body" idx="1"/>
-          </p:nvPr>
-        </p:nvSpPr>
-        <p:spPr/>
-        <p:txBody>
-          <a:bodyPr>
-            <a:normAutofit/>
-          </a:bodyPr>
-          <a:lstStyle/>
-          <a:p>
-            <a:r>
-              <a:rPr lang="en-US" dirty="0"/>
               <a:t>Stats:</a:t>
             </a:r>
           </a:p>
@@ -753,7 +677,7 @@
                 </a:solidFill>
               </a:rPr>
               <a:pPr/>
-              <a:t>4</a:t>
+              <a:t>7</a:t>
             </a:fld>
             <a:endParaRPr lang="en-US">
               <a:solidFill>
@@ -776,7 +700,7 @@
 </p:notes>
 </file>
 
-<file path=ppt/notesSlides/notesSlide3.xml><?xml version="1.0" encoding="utf-8"?>
+<file path=ppt/notesSlides/notesSlide2.xml><?xml version="1.0" encoding="utf-8"?>
 <p:notes xmlns:a="http://schemas.openxmlformats.org/drawingml/2006/main" xmlns:r="http://schemas.openxmlformats.org/officeDocument/2006/relationships" xmlns:p="http://schemas.openxmlformats.org/presentationml/2006/main">
   <p:cSld>
     <p:spTree>
@@ -1062,7 +986,7 @@
             <a:fld id="{4B3D3EAA-4720-4AEB-A041-FA3C86592F29}" type="datetimeFigureOut">
               <a:rPr lang="en-US" smtClean="0"/>
               <a:pPr/>
-              <a:t>6/23/2019</a:t>
+              <a:t>7/3/2019</a:t>
             </a:fld>
             <a:endParaRPr lang="en-US"/>
           </a:p>
@@ -1228,7 +1152,7 @@
             <a:fld id="{4B3D3EAA-4720-4AEB-A041-FA3C86592F29}" type="datetimeFigureOut">
               <a:rPr lang="en-US" smtClean="0"/>
               <a:pPr/>
-              <a:t>6/23/2019</a:t>
+              <a:t>7/3/2019</a:t>
             </a:fld>
             <a:endParaRPr lang="en-US"/>
           </a:p>
@@ -1360,7 +1284,7 @@
             <a:fld id="{4B3D3EAA-4720-4AEB-A041-FA3C86592F29}" type="datetimeFigureOut">
               <a:rPr lang="en-US" smtClean="0"/>
               <a:pPr/>
-              <a:t>6/23/2019</a:t>
+              <a:t>7/3/2019</a:t>
             </a:fld>
             <a:endParaRPr lang="en-US"/>
           </a:p>
@@ -2021,7 +1945,7 @@
             <a:fld id="{4B3D3EAA-4720-4AEB-A041-FA3C86592F29}" type="datetimeFigureOut">
               <a:rPr lang="en-US" smtClean="0"/>
               <a:pPr/>
-              <a:t>6/23/2019</a:t>
+              <a:t>7/3/2019</a:t>
             </a:fld>
             <a:endParaRPr lang="en-US"/>
           </a:p>
@@ -2079,120 +2003,6 @@
 </file>
 
 <file path=ppt/slideLayouts/slideLayout15.xml><?xml version="1.0" encoding="utf-8"?>
-<p:sldLayout xmlns:a="http://schemas.openxmlformats.org/drawingml/2006/main" xmlns:r="http://schemas.openxmlformats.org/officeDocument/2006/relationships" xmlns:p="http://schemas.openxmlformats.org/presentationml/2006/main" type="titleOnly">
-  <p:cSld name="1_Title Only">
-    <p:spTree>
-      <p:nvGrpSpPr>
-        <p:cNvPr id="1" name=""/>
-        <p:cNvGrpSpPr/>
-        <p:nvPr/>
-      </p:nvGrpSpPr>
-      <p:grpSpPr>
-        <a:xfrm>
-          <a:off x="0" y="0"/>
-          <a:ext cx="0" cy="0"/>
-          <a:chOff x="0" y="0"/>
-          <a:chExt cx="0" cy="0"/>
-        </a:xfrm>
-      </p:grpSpPr>
-      <p:sp>
-        <p:nvSpPr>
-          <p:cNvPr id="2" name="Title 1"/>
-          <p:cNvSpPr>
-            <a:spLocks noGrp="1"/>
-          </p:cNvSpPr>
-          <p:nvPr>
-            <p:ph type="title"/>
-          </p:nvPr>
-        </p:nvSpPr>
-        <p:spPr/>
-        <p:txBody>
-          <a:bodyPr/>
-          <a:lstStyle/>
-          <a:p>
-            <a:r>
-              <a:rPr lang="en-US"/>
-              <a:t>Click to edit Master title style</a:t>
-            </a:r>
-          </a:p>
-        </p:txBody>
-      </p:sp>
-      <p:sp>
-        <p:nvSpPr>
-          <p:cNvPr id="3" name="Date Placeholder 2"/>
-          <p:cNvSpPr>
-            <a:spLocks noGrp="1"/>
-          </p:cNvSpPr>
-          <p:nvPr>
-            <p:ph type="dt" sz="half" idx="10"/>
-          </p:nvPr>
-        </p:nvSpPr>
-        <p:spPr/>
-        <p:txBody>
-          <a:bodyPr/>
-          <a:lstStyle/>
-          <a:p>
-            <a:endParaRPr lang="en-US"/>
-          </a:p>
-        </p:txBody>
-      </p:sp>
-      <p:sp>
-        <p:nvSpPr>
-          <p:cNvPr id="4" name="Footer Placeholder 3"/>
-          <p:cNvSpPr>
-            <a:spLocks noGrp="1"/>
-          </p:cNvSpPr>
-          <p:nvPr>
-            <p:ph type="ftr" sz="quarter" idx="11"/>
-          </p:nvPr>
-        </p:nvSpPr>
-        <p:spPr/>
-        <p:txBody>
-          <a:bodyPr/>
-          <a:lstStyle/>
-          <a:p>
-            <a:endParaRPr lang="en-US"/>
-          </a:p>
-        </p:txBody>
-      </p:sp>
-      <p:sp>
-        <p:nvSpPr>
-          <p:cNvPr id="5" name="Slide Number Placeholder 4"/>
-          <p:cNvSpPr>
-            <a:spLocks noGrp="1"/>
-          </p:cNvSpPr>
-          <p:nvPr>
-            <p:ph type="sldNum" sz="quarter" idx="12"/>
-          </p:nvPr>
-        </p:nvSpPr>
-        <p:spPr/>
-        <p:txBody>
-          <a:bodyPr/>
-          <a:lstStyle/>
-          <a:p>
-            <a:fld id="{FDC40351-2EB1-4AB4-A6D0-AB8EF40E804F}" type="slidenum">
-              <a:rPr lang="en-US" smtClean="0"/>
-              <a:pPr/>
-              <a:t>‹#›</a:t>
-            </a:fld>
-            <a:endParaRPr lang="en-US"/>
-          </a:p>
-        </p:txBody>
-      </p:sp>
-    </p:spTree>
-    <p:extLst>
-      <p:ext uri="{BB962C8B-B14F-4D97-AF65-F5344CB8AC3E}">
-        <p14:creationId xmlns:p14="http://schemas.microsoft.com/office/powerpoint/2010/main" val="3124637141"/>
-      </p:ext>
-    </p:extLst>
-  </p:cSld>
-  <p:clrMapOvr>
-    <a:masterClrMapping/>
-  </p:clrMapOvr>
-</p:sldLayout>
-</file>
-
-<file path=ppt/slideLayouts/slideLayout16.xml><?xml version="1.0" encoding="utf-8"?>
 <p:sldLayout xmlns:a="http://schemas.openxmlformats.org/drawingml/2006/main" xmlns:r="http://schemas.openxmlformats.org/officeDocument/2006/relationships" xmlns:p="http://schemas.openxmlformats.org/presentationml/2006/main" showMasterSp="0" preserve="1">
   <p:cSld name="Title Slide">
     <p:spTree>
@@ -2524,7 +2334,7 @@
 </p:sldLayout>
 </file>
 
-<file path=ppt/slideLayouts/slideLayout17.xml><?xml version="1.0" encoding="utf-8"?>
+<file path=ppt/slideLayouts/slideLayout16.xml><?xml version="1.0" encoding="utf-8"?>
 <p:sldLayout xmlns:a="http://schemas.openxmlformats.org/drawingml/2006/main" xmlns:r="http://schemas.openxmlformats.org/officeDocument/2006/relationships" xmlns:p="http://schemas.openxmlformats.org/presentationml/2006/main" preserve="1">
   <p:cSld name="Title and Content">
     <p:spTree>
@@ -2856,7 +2666,7 @@
 </p:sldLayout>
 </file>
 
-<file path=ppt/slideLayouts/slideLayout18.xml><?xml version="1.0" encoding="utf-8"?>
+<file path=ppt/slideLayouts/slideLayout17.xml><?xml version="1.0" encoding="utf-8"?>
 <p:sldLayout xmlns:a="http://schemas.openxmlformats.org/drawingml/2006/main" xmlns:r="http://schemas.openxmlformats.org/officeDocument/2006/relationships" xmlns:p="http://schemas.openxmlformats.org/presentationml/2006/main" preserve="1">
   <p:cSld name="Title and Content with Subheading">
     <p:spTree>
@@ -3210,7 +3020,7 @@
 </p:sldLayout>
 </file>
 
-<file path=ppt/slideLayouts/slideLayout19.xml><?xml version="1.0" encoding="utf-8"?>
+<file path=ppt/slideLayouts/slideLayout18.xml><?xml version="1.0" encoding="utf-8"?>
 <p:sldLayout xmlns:a="http://schemas.openxmlformats.org/drawingml/2006/main" xmlns:r="http://schemas.openxmlformats.org/officeDocument/2006/relationships" xmlns:p="http://schemas.openxmlformats.org/presentationml/2006/main" preserve="1">
   <p:cSld name="Large Bullet">
     <p:spTree>
@@ -3522,339 +3332,7 @@
 </p:sldLayout>
 </file>
 
-<file path=ppt/slideLayouts/slideLayout2.xml><?xml version="1.0" encoding="utf-8"?>
-<p:sldLayout xmlns:a="http://schemas.openxmlformats.org/drawingml/2006/main" xmlns:r="http://schemas.openxmlformats.org/officeDocument/2006/relationships" xmlns:p="http://schemas.openxmlformats.org/presentationml/2006/main" preserve="1">
-  <p:cSld name="Title and Content with Subheading">
-    <p:spTree>
-      <p:nvGrpSpPr>
-        <p:cNvPr id="1" name=""/>
-        <p:cNvGrpSpPr/>
-        <p:nvPr/>
-      </p:nvGrpSpPr>
-      <p:grpSpPr>
-        <a:xfrm>
-          <a:off x="0" y="0"/>
-          <a:ext cx="0" cy="0"/>
-          <a:chOff x="0" y="0"/>
-          <a:chExt cx="0" cy="0"/>
-        </a:xfrm>
-      </p:grpSpPr>
-      <p:sp>
-        <p:nvSpPr>
-          <p:cNvPr id="6" name="Title 5"/>
-          <p:cNvSpPr>
-            <a:spLocks noGrp="1"/>
-          </p:cNvSpPr>
-          <p:nvPr>
-            <p:ph type="title"/>
-          </p:nvPr>
-        </p:nvSpPr>
-        <p:spPr>
-          <a:xfrm>
-            <a:off x="365124" y="294810"/>
-            <a:ext cx="7577139" cy="338554"/>
-          </a:xfrm>
-        </p:spPr>
-        <p:txBody>
-          <a:bodyPr/>
-          <a:lstStyle/>
-          <a:p>
-            <a:r>
-              <a:rPr lang="en-US"/>
-              <a:t>Click to edit Master title style</a:t>
-            </a:r>
-            <a:endParaRPr lang="en-GB" dirty="0"/>
-          </a:p>
-        </p:txBody>
-      </p:sp>
-      <p:sp>
-        <p:nvSpPr>
-          <p:cNvPr id="10" name="Content Placeholder 9"/>
-          <p:cNvSpPr>
-            <a:spLocks noGrp="1"/>
-          </p:cNvSpPr>
-          <p:nvPr>
-            <p:ph sz="quarter" idx="19"/>
-          </p:nvPr>
-        </p:nvSpPr>
-        <p:spPr>
-          <a:xfrm>
-            <a:off x="365124" y="1533526"/>
-            <a:ext cx="8418513" cy="4324350"/>
-          </a:xfrm>
-        </p:spPr>
-        <p:txBody>
-          <a:bodyPr/>
-          <a:lstStyle/>
-          <a:p>
-            <a:pPr lvl="0"/>
-            <a:r>
-              <a:rPr lang="en-US"/>
-              <a:t>Click to edit Master text styles</a:t>
-            </a:r>
-          </a:p>
-          <a:p>
-            <a:pPr lvl="1"/>
-            <a:r>
-              <a:rPr lang="en-US"/>
-              <a:t>Second level</a:t>
-            </a:r>
-          </a:p>
-          <a:p>
-            <a:pPr lvl="2"/>
-            <a:r>
-              <a:rPr lang="en-US"/>
-              <a:t>Third level</a:t>
-            </a:r>
-          </a:p>
-          <a:p>
-            <a:pPr lvl="3"/>
-            <a:r>
-              <a:rPr lang="en-US"/>
-              <a:t>Fourth level</a:t>
-            </a:r>
-          </a:p>
-          <a:p>
-            <a:pPr lvl="4"/>
-            <a:r>
-              <a:rPr lang="en-US"/>
-              <a:t>Fifth level</a:t>
-            </a:r>
-            <a:endParaRPr lang="en-GB" dirty="0"/>
-          </a:p>
-        </p:txBody>
-      </p:sp>
-      <p:sp>
-        <p:nvSpPr>
-          <p:cNvPr id="11" name="Text Placeholder 2"/>
-          <p:cNvSpPr>
-            <a:spLocks noGrp="1"/>
-          </p:cNvSpPr>
-          <p:nvPr>
-            <p:ph type="body" sz="quarter" idx="13" hasCustomPrompt="1"/>
-          </p:nvPr>
-        </p:nvSpPr>
-        <p:spPr>
-          <a:xfrm>
-            <a:off x="365124" y="1184780"/>
-            <a:ext cx="8418513" cy="246221"/>
-          </a:xfrm>
-        </p:spPr>
-        <p:txBody>
-          <a:bodyPr anchor="t" anchorCtr="0">
-            <a:spAutoFit/>
-          </a:bodyPr>
-          <a:lstStyle>
-            <a:lvl1pPr marL="0" indent="0">
-              <a:spcAft>
-                <a:spcPts val="0"/>
-              </a:spcAft>
-              <a:buNone/>
-              <a:defRPr sz="1600" b="1">
-                <a:solidFill>
-                  <a:schemeClr val="accent1"/>
-                </a:solidFill>
-              </a:defRPr>
-            </a:lvl1pPr>
-            <a:lvl2pPr marL="271463" indent="0">
-              <a:buNone/>
-              <a:defRPr/>
-            </a:lvl2pPr>
-            <a:lvl3pPr marL="533400" indent="0">
-              <a:buNone/>
-              <a:defRPr/>
-            </a:lvl3pPr>
-            <a:lvl4pPr marL="815975" indent="0">
-              <a:buNone/>
-              <a:defRPr/>
-            </a:lvl4pPr>
-            <a:lvl5pPr marL="1104900" indent="0">
-              <a:buNone/>
-              <a:defRPr/>
-            </a:lvl5pPr>
-          </a:lstStyle>
-          <a:p>
-            <a:pPr lvl="0"/>
-            <a:r>
-              <a:rPr lang="en-US" dirty="0"/>
-              <a:t>Subheading here if required</a:t>
-            </a:r>
-          </a:p>
-        </p:txBody>
-      </p:sp>
-      <p:sp>
-        <p:nvSpPr>
-          <p:cNvPr id="12" name="Text Placeholder 2"/>
-          <p:cNvSpPr>
-            <a:spLocks noGrp="1"/>
-          </p:cNvSpPr>
-          <p:nvPr>
-            <p:ph type="body" sz="quarter" idx="14" hasCustomPrompt="1"/>
-          </p:nvPr>
-        </p:nvSpPr>
-        <p:spPr>
-          <a:xfrm>
-            <a:off x="365124" y="692554"/>
-            <a:ext cx="7597776" cy="234950"/>
-          </a:xfrm>
-        </p:spPr>
-        <p:txBody>
-          <a:bodyPr vert="horz" lIns="0" tIns="0" rIns="0" bIns="0" rtlCol="0" anchor="t" anchorCtr="0">
-            <a:noAutofit/>
-          </a:bodyPr>
-          <a:lstStyle>
-            <a:lvl1pPr marL="270000" indent="-270000">
-              <a:buNone/>
-              <a:defRPr lang="en-US" i="1" dirty="0" smtClean="0">
-                <a:latin typeface="Georgia" panose="02040502050405020303" pitchFamily="18" charset="0"/>
-              </a:defRPr>
-            </a:lvl1pPr>
-          </a:lstStyle>
-          <a:p>
-            <a:pPr marL="0" lvl="0" indent="0">
-              <a:spcAft>
-                <a:spcPts val="0"/>
-              </a:spcAft>
-            </a:pPr>
-            <a:r>
-              <a:rPr lang="en-US" dirty="0"/>
-              <a:t>Subtitle here if required</a:t>
-            </a:r>
-          </a:p>
-        </p:txBody>
-      </p:sp>
-      <p:sp>
-        <p:nvSpPr>
-          <p:cNvPr id="9" name="Text Placeholder 5"/>
-          <p:cNvSpPr>
-            <a:spLocks noGrp="1"/>
-          </p:cNvSpPr>
-          <p:nvPr>
-            <p:ph type="body" sz="quarter" idx="18" hasCustomPrompt="1"/>
-          </p:nvPr>
-        </p:nvSpPr>
-        <p:spPr>
-          <a:xfrm>
-            <a:off x="369568" y="6058086"/>
-            <a:ext cx="8445820" cy="123111"/>
-          </a:xfrm>
-        </p:spPr>
-        <p:txBody>
-          <a:bodyPr wrap="square" anchor="b" anchorCtr="0">
-            <a:spAutoFit/>
-          </a:bodyPr>
-          <a:lstStyle>
-            <a:lvl1pPr marL="0" indent="0">
-              <a:buNone/>
-              <a:defRPr sz="800" baseline="0"/>
-            </a:lvl1pPr>
-            <a:lvl2pPr marL="268163" indent="0">
-              <a:buNone/>
-              <a:defRPr sz="800"/>
-            </a:lvl2pPr>
-            <a:lvl3pPr marL="540000" indent="0">
-              <a:buNone/>
-              <a:defRPr sz="800"/>
-            </a:lvl3pPr>
-            <a:lvl4pPr marL="811088" indent="0">
-              <a:buNone/>
-              <a:defRPr sz="800"/>
-            </a:lvl4pPr>
-            <a:lvl5pPr marL="1080000" indent="0">
-              <a:buNone/>
-              <a:defRPr sz="800"/>
-            </a:lvl5pPr>
-          </a:lstStyle>
-          <a:p>
-            <a:pPr lvl="0"/>
-            <a:r>
-              <a:rPr lang="en-US" dirty="0"/>
-              <a:t>Insert Source text here</a:t>
-            </a:r>
-          </a:p>
-        </p:txBody>
-      </p:sp>
-      <p:sp>
-        <p:nvSpPr>
-          <p:cNvPr id="2" name="Date Placeholder 1"/>
-          <p:cNvSpPr>
-            <a:spLocks noGrp="1"/>
-          </p:cNvSpPr>
-          <p:nvPr>
-            <p:ph type="dt" sz="half" idx="20"/>
-          </p:nvPr>
-        </p:nvSpPr>
-        <p:spPr/>
-        <p:txBody>
-          <a:bodyPr/>
-          <a:lstStyle/>
-          <a:p>
-            <a:fld id="{4B3D3EAA-4720-4AEB-A041-FA3C86592F29}" type="datetimeFigureOut">
-              <a:rPr lang="en-US" smtClean="0"/>
-              <a:pPr/>
-              <a:t>6/23/2019</a:t>
-            </a:fld>
-            <a:endParaRPr lang="en-US"/>
-          </a:p>
-        </p:txBody>
-      </p:sp>
-      <p:sp>
-        <p:nvSpPr>
-          <p:cNvPr id="3" name="Footer Placeholder 2"/>
-          <p:cNvSpPr>
-            <a:spLocks noGrp="1"/>
-          </p:cNvSpPr>
-          <p:nvPr>
-            <p:ph type="ftr" sz="quarter" idx="21"/>
-          </p:nvPr>
-        </p:nvSpPr>
-        <p:spPr/>
-        <p:txBody>
-          <a:bodyPr/>
-          <a:lstStyle/>
-          <a:p>
-            <a:endParaRPr lang="en-US"/>
-          </a:p>
-        </p:txBody>
-      </p:sp>
-      <p:sp>
-        <p:nvSpPr>
-          <p:cNvPr id="4" name="Slide Number Placeholder 3"/>
-          <p:cNvSpPr>
-            <a:spLocks noGrp="1"/>
-          </p:cNvSpPr>
-          <p:nvPr>
-            <p:ph type="sldNum" sz="quarter" idx="22"/>
-          </p:nvPr>
-        </p:nvSpPr>
-        <p:spPr/>
-        <p:txBody>
-          <a:bodyPr/>
-          <a:lstStyle/>
-          <a:p>
-            <a:fld id="{B28BC0FA-C0AD-45FE-B82D-88AFBBF27A49}" type="slidenum">
-              <a:rPr lang="en-US" smtClean="0"/>
-              <a:pPr/>
-              <a:t>‹#›</a:t>
-            </a:fld>
-            <a:endParaRPr lang="en-US"/>
-          </a:p>
-        </p:txBody>
-      </p:sp>
-    </p:spTree>
-    <p:extLst>
-      <p:ext uri="{BB962C8B-B14F-4D97-AF65-F5344CB8AC3E}">
-        <p14:creationId xmlns:p14="http://schemas.microsoft.com/office/powerpoint/2010/main" val="3512332922"/>
-      </p:ext>
-    </p:extLst>
-  </p:cSld>
-  <p:clrMapOvr>
-    <a:masterClrMapping/>
-  </p:clrMapOvr>
-</p:sldLayout>
-</file>
-
-<file path=ppt/slideLayouts/slideLayout20.xml><?xml version="1.0" encoding="utf-8"?>
+<file path=ppt/slideLayouts/slideLayout19.xml><?xml version="1.0" encoding="utf-8"?>
 <p:sldLayout xmlns:a="http://schemas.openxmlformats.org/drawingml/2006/main" xmlns:r="http://schemas.openxmlformats.org/officeDocument/2006/relationships" xmlns:p="http://schemas.openxmlformats.org/presentationml/2006/main" showMasterSp="0" preserve="1">
   <p:cSld name="Section Header or Statement">
     <p:spTree>
@@ -4180,7 +3658,339 @@
 </p:sldLayout>
 </file>
 
-<file path=ppt/slideLayouts/slideLayout21.xml><?xml version="1.0" encoding="utf-8"?>
+<file path=ppt/slideLayouts/slideLayout2.xml><?xml version="1.0" encoding="utf-8"?>
+<p:sldLayout xmlns:a="http://schemas.openxmlformats.org/drawingml/2006/main" xmlns:r="http://schemas.openxmlformats.org/officeDocument/2006/relationships" xmlns:p="http://schemas.openxmlformats.org/presentationml/2006/main" preserve="1">
+  <p:cSld name="Title and Content with Subheading">
+    <p:spTree>
+      <p:nvGrpSpPr>
+        <p:cNvPr id="1" name=""/>
+        <p:cNvGrpSpPr/>
+        <p:nvPr/>
+      </p:nvGrpSpPr>
+      <p:grpSpPr>
+        <a:xfrm>
+          <a:off x="0" y="0"/>
+          <a:ext cx="0" cy="0"/>
+          <a:chOff x="0" y="0"/>
+          <a:chExt cx="0" cy="0"/>
+        </a:xfrm>
+      </p:grpSpPr>
+      <p:sp>
+        <p:nvSpPr>
+          <p:cNvPr id="6" name="Title 5"/>
+          <p:cNvSpPr>
+            <a:spLocks noGrp="1"/>
+          </p:cNvSpPr>
+          <p:nvPr>
+            <p:ph type="title"/>
+          </p:nvPr>
+        </p:nvSpPr>
+        <p:spPr>
+          <a:xfrm>
+            <a:off x="365124" y="294810"/>
+            <a:ext cx="7577139" cy="338554"/>
+          </a:xfrm>
+        </p:spPr>
+        <p:txBody>
+          <a:bodyPr/>
+          <a:lstStyle/>
+          <a:p>
+            <a:r>
+              <a:rPr lang="en-US"/>
+              <a:t>Click to edit Master title style</a:t>
+            </a:r>
+            <a:endParaRPr lang="en-GB" dirty="0"/>
+          </a:p>
+        </p:txBody>
+      </p:sp>
+      <p:sp>
+        <p:nvSpPr>
+          <p:cNvPr id="10" name="Content Placeholder 9"/>
+          <p:cNvSpPr>
+            <a:spLocks noGrp="1"/>
+          </p:cNvSpPr>
+          <p:nvPr>
+            <p:ph sz="quarter" idx="19"/>
+          </p:nvPr>
+        </p:nvSpPr>
+        <p:spPr>
+          <a:xfrm>
+            <a:off x="365124" y="1533526"/>
+            <a:ext cx="8418513" cy="4324350"/>
+          </a:xfrm>
+        </p:spPr>
+        <p:txBody>
+          <a:bodyPr/>
+          <a:lstStyle/>
+          <a:p>
+            <a:pPr lvl="0"/>
+            <a:r>
+              <a:rPr lang="en-US"/>
+              <a:t>Click to edit Master text styles</a:t>
+            </a:r>
+          </a:p>
+          <a:p>
+            <a:pPr lvl="1"/>
+            <a:r>
+              <a:rPr lang="en-US"/>
+              <a:t>Second level</a:t>
+            </a:r>
+          </a:p>
+          <a:p>
+            <a:pPr lvl="2"/>
+            <a:r>
+              <a:rPr lang="en-US"/>
+              <a:t>Third level</a:t>
+            </a:r>
+          </a:p>
+          <a:p>
+            <a:pPr lvl="3"/>
+            <a:r>
+              <a:rPr lang="en-US"/>
+              <a:t>Fourth level</a:t>
+            </a:r>
+          </a:p>
+          <a:p>
+            <a:pPr lvl="4"/>
+            <a:r>
+              <a:rPr lang="en-US"/>
+              <a:t>Fifth level</a:t>
+            </a:r>
+            <a:endParaRPr lang="en-GB" dirty="0"/>
+          </a:p>
+        </p:txBody>
+      </p:sp>
+      <p:sp>
+        <p:nvSpPr>
+          <p:cNvPr id="11" name="Text Placeholder 2"/>
+          <p:cNvSpPr>
+            <a:spLocks noGrp="1"/>
+          </p:cNvSpPr>
+          <p:nvPr>
+            <p:ph type="body" sz="quarter" idx="13" hasCustomPrompt="1"/>
+          </p:nvPr>
+        </p:nvSpPr>
+        <p:spPr>
+          <a:xfrm>
+            <a:off x="365124" y="1184780"/>
+            <a:ext cx="8418513" cy="246221"/>
+          </a:xfrm>
+        </p:spPr>
+        <p:txBody>
+          <a:bodyPr anchor="t" anchorCtr="0">
+            <a:spAutoFit/>
+          </a:bodyPr>
+          <a:lstStyle>
+            <a:lvl1pPr marL="0" indent="0">
+              <a:spcAft>
+                <a:spcPts val="0"/>
+              </a:spcAft>
+              <a:buNone/>
+              <a:defRPr sz="1600" b="1">
+                <a:solidFill>
+                  <a:schemeClr val="accent1"/>
+                </a:solidFill>
+              </a:defRPr>
+            </a:lvl1pPr>
+            <a:lvl2pPr marL="271463" indent="0">
+              <a:buNone/>
+              <a:defRPr/>
+            </a:lvl2pPr>
+            <a:lvl3pPr marL="533400" indent="0">
+              <a:buNone/>
+              <a:defRPr/>
+            </a:lvl3pPr>
+            <a:lvl4pPr marL="815975" indent="0">
+              <a:buNone/>
+              <a:defRPr/>
+            </a:lvl4pPr>
+            <a:lvl5pPr marL="1104900" indent="0">
+              <a:buNone/>
+              <a:defRPr/>
+            </a:lvl5pPr>
+          </a:lstStyle>
+          <a:p>
+            <a:pPr lvl="0"/>
+            <a:r>
+              <a:rPr lang="en-US" dirty="0"/>
+              <a:t>Subheading here if required</a:t>
+            </a:r>
+          </a:p>
+        </p:txBody>
+      </p:sp>
+      <p:sp>
+        <p:nvSpPr>
+          <p:cNvPr id="12" name="Text Placeholder 2"/>
+          <p:cNvSpPr>
+            <a:spLocks noGrp="1"/>
+          </p:cNvSpPr>
+          <p:nvPr>
+            <p:ph type="body" sz="quarter" idx="14" hasCustomPrompt="1"/>
+          </p:nvPr>
+        </p:nvSpPr>
+        <p:spPr>
+          <a:xfrm>
+            <a:off x="365124" y="692554"/>
+            <a:ext cx="7597776" cy="234950"/>
+          </a:xfrm>
+        </p:spPr>
+        <p:txBody>
+          <a:bodyPr vert="horz" lIns="0" tIns="0" rIns="0" bIns="0" rtlCol="0" anchor="t" anchorCtr="0">
+            <a:noAutofit/>
+          </a:bodyPr>
+          <a:lstStyle>
+            <a:lvl1pPr marL="270000" indent="-270000">
+              <a:buNone/>
+              <a:defRPr lang="en-US" i="1" dirty="0" smtClean="0">
+                <a:latin typeface="Georgia" panose="02040502050405020303" pitchFamily="18" charset="0"/>
+              </a:defRPr>
+            </a:lvl1pPr>
+          </a:lstStyle>
+          <a:p>
+            <a:pPr marL="0" lvl="0" indent="0">
+              <a:spcAft>
+                <a:spcPts val="0"/>
+              </a:spcAft>
+            </a:pPr>
+            <a:r>
+              <a:rPr lang="en-US" dirty="0"/>
+              <a:t>Subtitle here if required</a:t>
+            </a:r>
+          </a:p>
+        </p:txBody>
+      </p:sp>
+      <p:sp>
+        <p:nvSpPr>
+          <p:cNvPr id="9" name="Text Placeholder 5"/>
+          <p:cNvSpPr>
+            <a:spLocks noGrp="1"/>
+          </p:cNvSpPr>
+          <p:nvPr>
+            <p:ph type="body" sz="quarter" idx="18" hasCustomPrompt="1"/>
+          </p:nvPr>
+        </p:nvSpPr>
+        <p:spPr>
+          <a:xfrm>
+            <a:off x="369568" y="6058086"/>
+            <a:ext cx="8445820" cy="123111"/>
+          </a:xfrm>
+        </p:spPr>
+        <p:txBody>
+          <a:bodyPr wrap="square" anchor="b" anchorCtr="0">
+            <a:spAutoFit/>
+          </a:bodyPr>
+          <a:lstStyle>
+            <a:lvl1pPr marL="0" indent="0">
+              <a:buNone/>
+              <a:defRPr sz="800" baseline="0"/>
+            </a:lvl1pPr>
+            <a:lvl2pPr marL="268163" indent="0">
+              <a:buNone/>
+              <a:defRPr sz="800"/>
+            </a:lvl2pPr>
+            <a:lvl3pPr marL="540000" indent="0">
+              <a:buNone/>
+              <a:defRPr sz="800"/>
+            </a:lvl3pPr>
+            <a:lvl4pPr marL="811088" indent="0">
+              <a:buNone/>
+              <a:defRPr sz="800"/>
+            </a:lvl4pPr>
+            <a:lvl5pPr marL="1080000" indent="0">
+              <a:buNone/>
+              <a:defRPr sz="800"/>
+            </a:lvl5pPr>
+          </a:lstStyle>
+          <a:p>
+            <a:pPr lvl="0"/>
+            <a:r>
+              <a:rPr lang="en-US" dirty="0"/>
+              <a:t>Insert Source text here</a:t>
+            </a:r>
+          </a:p>
+        </p:txBody>
+      </p:sp>
+      <p:sp>
+        <p:nvSpPr>
+          <p:cNvPr id="2" name="Date Placeholder 1"/>
+          <p:cNvSpPr>
+            <a:spLocks noGrp="1"/>
+          </p:cNvSpPr>
+          <p:nvPr>
+            <p:ph type="dt" sz="half" idx="20"/>
+          </p:nvPr>
+        </p:nvSpPr>
+        <p:spPr/>
+        <p:txBody>
+          <a:bodyPr/>
+          <a:lstStyle/>
+          <a:p>
+            <a:fld id="{4B3D3EAA-4720-4AEB-A041-FA3C86592F29}" type="datetimeFigureOut">
+              <a:rPr lang="en-US" smtClean="0"/>
+              <a:pPr/>
+              <a:t>7/3/2019</a:t>
+            </a:fld>
+            <a:endParaRPr lang="en-US"/>
+          </a:p>
+        </p:txBody>
+      </p:sp>
+      <p:sp>
+        <p:nvSpPr>
+          <p:cNvPr id="3" name="Footer Placeholder 2"/>
+          <p:cNvSpPr>
+            <a:spLocks noGrp="1"/>
+          </p:cNvSpPr>
+          <p:nvPr>
+            <p:ph type="ftr" sz="quarter" idx="21"/>
+          </p:nvPr>
+        </p:nvSpPr>
+        <p:spPr/>
+        <p:txBody>
+          <a:bodyPr/>
+          <a:lstStyle/>
+          <a:p>
+            <a:endParaRPr lang="en-US"/>
+          </a:p>
+        </p:txBody>
+      </p:sp>
+      <p:sp>
+        <p:nvSpPr>
+          <p:cNvPr id="4" name="Slide Number Placeholder 3"/>
+          <p:cNvSpPr>
+            <a:spLocks noGrp="1"/>
+          </p:cNvSpPr>
+          <p:nvPr>
+            <p:ph type="sldNum" sz="quarter" idx="22"/>
+          </p:nvPr>
+        </p:nvSpPr>
+        <p:spPr/>
+        <p:txBody>
+          <a:bodyPr/>
+          <a:lstStyle/>
+          <a:p>
+            <a:fld id="{B28BC0FA-C0AD-45FE-B82D-88AFBBF27A49}" type="slidenum">
+              <a:rPr lang="en-US" smtClean="0"/>
+              <a:pPr/>
+              <a:t>‹#›</a:t>
+            </a:fld>
+            <a:endParaRPr lang="en-US"/>
+          </a:p>
+        </p:txBody>
+      </p:sp>
+    </p:spTree>
+    <p:extLst>
+      <p:ext uri="{BB962C8B-B14F-4D97-AF65-F5344CB8AC3E}">
+        <p14:creationId xmlns:p14="http://schemas.microsoft.com/office/powerpoint/2010/main" val="3512332922"/>
+      </p:ext>
+    </p:extLst>
+  </p:cSld>
+  <p:clrMapOvr>
+    <a:masterClrMapping/>
+  </p:clrMapOvr>
+</p:sldLayout>
+</file>
+
+<file path=ppt/slideLayouts/slideLayout20.xml><?xml version="1.0" encoding="utf-8"?>
 <p:sldLayout xmlns:a="http://schemas.openxmlformats.org/drawingml/2006/main" xmlns:r="http://schemas.openxmlformats.org/officeDocument/2006/relationships" xmlns:p="http://schemas.openxmlformats.org/presentationml/2006/main" preserve="1">
   <p:cSld name="Two Content">
     <p:spTree>
@@ -4584,7 +4394,7 @@
 </p:sldLayout>
 </file>
 
-<file path=ppt/slideLayouts/slideLayout22.xml><?xml version="1.0" encoding="utf-8"?>
+<file path=ppt/slideLayouts/slideLayout21.xml><?xml version="1.0" encoding="utf-8"?>
 <p:sldLayout xmlns:a="http://schemas.openxmlformats.org/drawingml/2006/main" xmlns:r="http://schemas.openxmlformats.org/officeDocument/2006/relationships" xmlns:p="http://schemas.openxmlformats.org/presentationml/2006/main" preserve="1">
   <p:cSld name="Comparison">
     <p:spTree>
@@ -5190,7 +5000,7 @@
 </p:sldLayout>
 </file>
 
-<file path=ppt/slideLayouts/slideLayout23.xml><?xml version="1.0" encoding="utf-8"?>
+<file path=ppt/slideLayouts/slideLayout22.xml><?xml version="1.0" encoding="utf-8"?>
 <p:sldLayout xmlns:a="http://schemas.openxmlformats.org/drawingml/2006/main" xmlns:r="http://schemas.openxmlformats.org/officeDocument/2006/relationships" xmlns:p="http://schemas.openxmlformats.org/presentationml/2006/main" preserve="1">
   <p:cSld name="Video Standard (4x3)">
     <p:spTree>
@@ -5422,7 +5232,7 @@
 </p:sldLayout>
 </file>
 
-<file path=ppt/slideLayouts/slideLayout24.xml><?xml version="1.0" encoding="utf-8"?>
+<file path=ppt/slideLayouts/slideLayout23.xml><?xml version="1.0" encoding="utf-8"?>
 <p:sldLayout xmlns:a="http://schemas.openxmlformats.org/drawingml/2006/main" xmlns:r="http://schemas.openxmlformats.org/officeDocument/2006/relationships" xmlns:p="http://schemas.openxmlformats.org/presentationml/2006/main" preserve="1">
   <p:cSld name="Video Widescreen (16 x 9)">
     <p:spTree>
@@ -5654,7 +5464,7 @@
 </p:sldLayout>
 </file>
 
-<file path=ppt/slideLayouts/slideLayout25.xml><?xml version="1.0" encoding="utf-8"?>
+<file path=ppt/slideLayouts/slideLayout24.xml><?xml version="1.0" encoding="utf-8"?>
 <p:sldLayout xmlns:a="http://schemas.openxmlformats.org/drawingml/2006/main" xmlns:r="http://schemas.openxmlformats.org/officeDocument/2006/relationships" xmlns:p="http://schemas.openxmlformats.org/presentationml/2006/main" preserve="1">
   <p:cSld name="Image and Text">
     <p:spTree>
@@ -6000,7 +5810,7 @@
 </p:sldLayout>
 </file>
 
-<file path=ppt/slideLayouts/slideLayout26.xml><?xml version="1.0" encoding="utf-8"?>
+<file path=ppt/slideLayouts/slideLayout25.xml><?xml version="1.0" encoding="utf-8"?>
 <p:sldLayout xmlns:a="http://schemas.openxmlformats.org/drawingml/2006/main" xmlns:r="http://schemas.openxmlformats.org/officeDocument/2006/relationships" xmlns:p="http://schemas.openxmlformats.org/presentationml/2006/main" preserve="1">
   <p:cSld name="Two Image and Text">
     <p:spTree>
@@ -6455,7 +6265,7 @@
 </p:sldLayout>
 </file>
 
-<file path=ppt/slideLayouts/slideLayout27.xml><?xml version="1.0" encoding="utf-8"?>
+<file path=ppt/slideLayouts/slideLayout26.xml><?xml version="1.0" encoding="utf-8"?>
 <p:sldLayout xmlns:a="http://schemas.openxmlformats.org/drawingml/2006/main" xmlns:r="http://schemas.openxmlformats.org/officeDocument/2006/relationships" xmlns:p="http://schemas.openxmlformats.org/presentationml/2006/main" preserve="1">
   <p:cSld name="Title Only">
     <p:spTree>
@@ -6643,7 +6453,7 @@
 </p:sldLayout>
 </file>
 
-<file path=ppt/slideLayouts/slideLayout28.xml><?xml version="1.0" encoding="utf-8"?>
+<file path=ppt/slideLayouts/slideLayout27.xml><?xml version="1.0" encoding="utf-8"?>
 <p:sldLayout xmlns:a="http://schemas.openxmlformats.org/drawingml/2006/main" xmlns:r="http://schemas.openxmlformats.org/officeDocument/2006/relationships" xmlns:p="http://schemas.openxmlformats.org/presentationml/2006/main" showMasterSp="0" type="blank" preserve="1">
   <p:cSld name="Blank">
     <p:spTree>
@@ -6786,7 +6596,7 @@
 </p:sldLayout>
 </file>
 
-<file path=ppt/slideLayouts/slideLayout29.xml><?xml version="1.0" encoding="utf-8"?>
+<file path=ppt/slideLayouts/slideLayout28.xml><?xml version="1.0" encoding="utf-8"?>
 <p:sldLayout xmlns:a="http://schemas.openxmlformats.org/drawingml/2006/main" xmlns:r="http://schemas.openxmlformats.org/officeDocument/2006/relationships" xmlns:p="http://schemas.openxmlformats.org/presentationml/2006/main" type="objAndTwoObj">
   <p:cSld name="Title, Content, and 2 Content">
     <p:spTree>
@@ -7007,297 +6817,7 @@
 </p:sldLayout>
 </file>
 
-<file path=ppt/slideLayouts/slideLayout3.xml><?xml version="1.0" encoding="utf-8"?>
-<p:sldLayout xmlns:a="http://schemas.openxmlformats.org/drawingml/2006/main" xmlns:r="http://schemas.openxmlformats.org/officeDocument/2006/relationships" xmlns:p="http://schemas.openxmlformats.org/presentationml/2006/main" preserve="1">
-  <p:cSld name="Large Bullet">
-    <p:spTree>
-      <p:nvGrpSpPr>
-        <p:cNvPr id="1" name=""/>
-        <p:cNvGrpSpPr/>
-        <p:nvPr/>
-      </p:nvGrpSpPr>
-      <p:grpSpPr>
-        <a:xfrm>
-          <a:off x="0" y="0"/>
-          <a:ext cx="0" cy="0"/>
-          <a:chOff x="0" y="0"/>
-          <a:chExt cx="0" cy="0"/>
-        </a:xfrm>
-      </p:grpSpPr>
-      <p:sp>
-        <p:nvSpPr>
-          <p:cNvPr id="6" name="Title 5"/>
-          <p:cNvSpPr>
-            <a:spLocks noGrp="1"/>
-          </p:cNvSpPr>
-          <p:nvPr>
-            <p:ph type="title"/>
-          </p:nvPr>
-        </p:nvSpPr>
-        <p:spPr>
-          <a:xfrm>
-            <a:off x="365124" y="294810"/>
-            <a:ext cx="7577139" cy="338554"/>
-          </a:xfrm>
-        </p:spPr>
-        <p:txBody>
-          <a:bodyPr/>
-          <a:lstStyle/>
-          <a:p>
-            <a:r>
-              <a:rPr lang="en-US"/>
-              <a:t>Click to edit Master title style</a:t>
-            </a:r>
-            <a:endParaRPr lang="en-GB" dirty="0"/>
-          </a:p>
-        </p:txBody>
-      </p:sp>
-      <p:sp>
-        <p:nvSpPr>
-          <p:cNvPr id="13" name="Content Placeholder 12"/>
-          <p:cNvSpPr>
-            <a:spLocks noGrp="1"/>
-          </p:cNvSpPr>
-          <p:nvPr>
-            <p:ph sz="quarter" idx="17"/>
-          </p:nvPr>
-        </p:nvSpPr>
-        <p:spPr>
-          <a:xfrm>
-            <a:off x="365124" y="1184276"/>
-            <a:ext cx="8423275" cy="4673600"/>
-          </a:xfrm>
-        </p:spPr>
-        <p:txBody>
-          <a:bodyPr/>
-          <a:lstStyle>
-            <a:lvl1pPr>
-              <a:defRPr sz="2400"/>
-            </a:lvl1pPr>
-            <a:lvl2pPr>
-              <a:defRPr sz="2400"/>
-            </a:lvl2pPr>
-            <a:lvl3pPr>
-              <a:defRPr sz="2400"/>
-            </a:lvl3pPr>
-            <a:lvl4pPr>
-              <a:defRPr sz="2400"/>
-            </a:lvl4pPr>
-            <a:lvl5pPr>
-              <a:defRPr sz="2400"/>
-            </a:lvl5pPr>
-          </a:lstStyle>
-          <a:p>
-            <a:pPr lvl="0"/>
-            <a:r>
-              <a:rPr lang="en-US"/>
-              <a:t>Click to edit Master text styles</a:t>
-            </a:r>
-          </a:p>
-          <a:p>
-            <a:pPr lvl="1"/>
-            <a:r>
-              <a:rPr lang="en-US"/>
-              <a:t>Second level</a:t>
-            </a:r>
-          </a:p>
-          <a:p>
-            <a:pPr lvl="2"/>
-            <a:r>
-              <a:rPr lang="en-US"/>
-              <a:t>Third level</a:t>
-            </a:r>
-          </a:p>
-          <a:p>
-            <a:pPr lvl="3"/>
-            <a:r>
-              <a:rPr lang="en-US"/>
-              <a:t>Fourth level</a:t>
-            </a:r>
-          </a:p>
-          <a:p>
-            <a:pPr lvl="4"/>
-            <a:r>
-              <a:rPr lang="en-US"/>
-              <a:t>Fifth level</a:t>
-            </a:r>
-            <a:endParaRPr lang="en-GB" dirty="0"/>
-          </a:p>
-        </p:txBody>
-      </p:sp>
-      <p:sp>
-        <p:nvSpPr>
-          <p:cNvPr id="11" name="Text Placeholder 2"/>
-          <p:cNvSpPr>
-            <a:spLocks noGrp="1"/>
-          </p:cNvSpPr>
-          <p:nvPr>
-            <p:ph type="body" sz="quarter" idx="14" hasCustomPrompt="1"/>
-          </p:nvPr>
-        </p:nvSpPr>
-        <p:spPr>
-          <a:xfrm>
-            <a:off x="365124" y="692554"/>
-            <a:ext cx="7597776" cy="234950"/>
-          </a:xfrm>
-        </p:spPr>
-        <p:txBody>
-          <a:bodyPr vert="horz" lIns="0" tIns="0" rIns="0" bIns="0" rtlCol="0" anchor="t" anchorCtr="0">
-            <a:noAutofit/>
-          </a:bodyPr>
-          <a:lstStyle>
-            <a:lvl1pPr marL="270000" indent="-270000">
-              <a:buNone/>
-              <a:defRPr lang="en-US" i="1" dirty="0" smtClean="0">
-                <a:latin typeface="Georgia" panose="02040502050405020303" pitchFamily="18" charset="0"/>
-              </a:defRPr>
-            </a:lvl1pPr>
-          </a:lstStyle>
-          <a:p>
-            <a:pPr marL="0" lvl="0" indent="0">
-              <a:spcAft>
-                <a:spcPts val="0"/>
-              </a:spcAft>
-            </a:pPr>
-            <a:r>
-              <a:rPr lang="en-US" dirty="0"/>
-              <a:t>Subtitle here if required</a:t>
-            </a:r>
-          </a:p>
-        </p:txBody>
-      </p:sp>
-      <p:sp>
-        <p:nvSpPr>
-          <p:cNvPr id="8" name="Text Placeholder 5"/>
-          <p:cNvSpPr>
-            <a:spLocks noGrp="1"/>
-          </p:cNvSpPr>
-          <p:nvPr>
-            <p:ph type="body" sz="quarter" idx="21" hasCustomPrompt="1"/>
-          </p:nvPr>
-        </p:nvSpPr>
-        <p:spPr>
-          <a:xfrm>
-            <a:off x="365124" y="6058086"/>
-            <a:ext cx="8445820" cy="123111"/>
-          </a:xfrm>
-        </p:spPr>
-        <p:txBody>
-          <a:bodyPr wrap="square" anchor="b" anchorCtr="0">
-            <a:spAutoFit/>
-          </a:bodyPr>
-          <a:lstStyle>
-            <a:lvl1pPr marL="0" indent="0">
-              <a:buNone/>
-              <a:defRPr sz="800" baseline="0"/>
-            </a:lvl1pPr>
-            <a:lvl2pPr marL="268163" indent="0">
-              <a:buNone/>
-              <a:defRPr sz="800"/>
-            </a:lvl2pPr>
-            <a:lvl3pPr marL="540000" indent="0">
-              <a:buNone/>
-              <a:defRPr sz="800"/>
-            </a:lvl3pPr>
-            <a:lvl4pPr marL="811088" indent="0">
-              <a:buNone/>
-              <a:defRPr sz="800"/>
-            </a:lvl4pPr>
-            <a:lvl5pPr marL="1080000" indent="0">
-              <a:buNone/>
-              <a:defRPr sz="800"/>
-            </a:lvl5pPr>
-          </a:lstStyle>
-          <a:p>
-            <a:pPr lvl="0"/>
-            <a:r>
-              <a:rPr lang="en-US" dirty="0"/>
-              <a:t>Insert Source text here</a:t>
-            </a:r>
-          </a:p>
-        </p:txBody>
-      </p:sp>
-      <p:sp>
-        <p:nvSpPr>
-          <p:cNvPr id="2" name="Date Placeholder 1"/>
-          <p:cNvSpPr>
-            <a:spLocks noGrp="1"/>
-          </p:cNvSpPr>
-          <p:nvPr>
-            <p:ph type="dt" sz="half" idx="22"/>
-          </p:nvPr>
-        </p:nvSpPr>
-        <p:spPr/>
-        <p:txBody>
-          <a:bodyPr/>
-          <a:lstStyle/>
-          <a:p>
-            <a:fld id="{4B3D3EAA-4720-4AEB-A041-FA3C86592F29}" type="datetimeFigureOut">
-              <a:rPr lang="en-US" smtClean="0"/>
-              <a:pPr/>
-              <a:t>6/23/2019</a:t>
-            </a:fld>
-            <a:endParaRPr lang="en-US"/>
-          </a:p>
-        </p:txBody>
-      </p:sp>
-      <p:sp>
-        <p:nvSpPr>
-          <p:cNvPr id="3" name="Footer Placeholder 2"/>
-          <p:cNvSpPr>
-            <a:spLocks noGrp="1"/>
-          </p:cNvSpPr>
-          <p:nvPr>
-            <p:ph type="ftr" sz="quarter" idx="23"/>
-          </p:nvPr>
-        </p:nvSpPr>
-        <p:spPr/>
-        <p:txBody>
-          <a:bodyPr/>
-          <a:lstStyle/>
-          <a:p>
-            <a:endParaRPr lang="en-US"/>
-          </a:p>
-        </p:txBody>
-      </p:sp>
-      <p:sp>
-        <p:nvSpPr>
-          <p:cNvPr id="4" name="Slide Number Placeholder 3"/>
-          <p:cNvSpPr>
-            <a:spLocks noGrp="1"/>
-          </p:cNvSpPr>
-          <p:nvPr>
-            <p:ph type="sldNum" sz="quarter" idx="24"/>
-          </p:nvPr>
-        </p:nvSpPr>
-        <p:spPr/>
-        <p:txBody>
-          <a:bodyPr/>
-          <a:lstStyle/>
-          <a:p>
-            <a:fld id="{B28BC0FA-C0AD-45FE-B82D-88AFBBF27A49}" type="slidenum">
-              <a:rPr lang="en-US" smtClean="0"/>
-              <a:pPr/>
-              <a:t>‹#›</a:t>
-            </a:fld>
-            <a:endParaRPr lang="en-US"/>
-          </a:p>
-        </p:txBody>
-      </p:sp>
-    </p:spTree>
-    <p:extLst>
-      <p:ext uri="{BB962C8B-B14F-4D97-AF65-F5344CB8AC3E}">
-        <p14:creationId xmlns:p14="http://schemas.microsoft.com/office/powerpoint/2010/main" val="3317225160"/>
-      </p:ext>
-    </p:extLst>
-  </p:cSld>
-  <p:clrMapOvr>
-    <a:masterClrMapping/>
-  </p:clrMapOvr>
-</p:sldLayout>
-</file>
-
-<file path=ppt/slideLayouts/slideLayout30.xml><?xml version="1.0" encoding="utf-8"?>
+<file path=ppt/slideLayouts/slideLayout29.xml><?xml version="1.0" encoding="utf-8"?>
 <p:sldLayout xmlns:a="http://schemas.openxmlformats.org/drawingml/2006/main" xmlns:r="http://schemas.openxmlformats.org/officeDocument/2006/relationships" xmlns:p="http://schemas.openxmlformats.org/presentationml/2006/main" type="twoObj">
   <p:cSld name="1_Two Content">
     <p:spTree>
@@ -7512,7 +7032,297 @@
 </p:sldLayout>
 </file>
 
-<file path=ppt/slideLayouts/slideLayout31.xml><?xml version="1.0" encoding="utf-8"?>
+<file path=ppt/slideLayouts/slideLayout3.xml><?xml version="1.0" encoding="utf-8"?>
+<p:sldLayout xmlns:a="http://schemas.openxmlformats.org/drawingml/2006/main" xmlns:r="http://schemas.openxmlformats.org/officeDocument/2006/relationships" xmlns:p="http://schemas.openxmlformats.org/presentationml/2006/main" preserve="1">
+  <p:cSld name="Large Bullet">
+    <p:spTree>
+      <p:nvGrpSpPr>
+        <p:cNvPr id="1" name=""/>
+        <p:cNvGrpSpPr/>
+        <p:nvPr/>
+      </p:nvGrpSpPr>
+      <p:grpSpPr>
+        <a:xfrm>
+          <a:off x="0" y="0"/>
+          <a:ext cx="0" cy="0"/>
+          <a:chOff x="0" y="0"/>
+          <a:chExt cx="0" cy="0"/>
+        </a:xfrm>
+      </p:grpSpPr>
+      <p:sp>
+        <p:nvSpPr>
+          <p:cNvPr id="6" name="Title 5"/>
+          <p:cNvSpPr>
+            <a:spLocks noGrp="1"/>
+          </p:cNvSpPr>
+          <p:nvPr>
+            <p:ph type="title"/>
+          </p:nvPr>
+        </p:nvSpPr>
+        <p:spPr>
+          <a:xfrm>
+            <a:off x="365124" y="294810"/>
+            <a:ext cx="7577139" cy="338554"/>
+          </a:xfrm>
+        </p:spPr>
+        <p:txBody>
+          <a:bodyPr/>
+          <a:lstStyle/>
+          <a:p>
+            <a:r>
+              <a:rPr lang="en-US"/>
+              <a:t>Click to edit Master title style</a:t>
+            </a:r>
+            <a:endParaRPr lang="en-GB" dirty="0"/>
+          </a:p>
+        </p:txBody>
+      </p:sp>
+      <p:sp>
+        <p:nvSpPr>
+          <p:cNvPr id="13" name="Content Placeholder 12"/>
+          <p:cNvSpPr>
+            <a:spLocks noGrp="1"/>
+          </p:cNvSpPr>
+          <p:nvPr>
+            <p:ph sz="quarter" idx="17"/>
+          </p:nvPr>
+        </p:nvSpPr>
+        <p:spPr>
+          <a:xfrm>
+            <a:off x="365124" y="1184276"/>
+            <a:ext cx="8423275" cy="4673600"/>
+          </a:xfrm>
+        </p:spPr>
+        <p:txBody>
+          <a:bodyPr/>
+          <a:lstStyle>
+            <a:lvl1pPr>
+              <a:defRPr sz="2400"/>
+            </a:lvl1pPr>
+            <a:lvl2pPr>
+              <a:defRPr sz="2400"/>
+            </a:lvl2pPr>
+            <a:lvl3pPr>
+              <a:defRPr sz="2400"/>
+            </a:lvl3pPr>
+            <a:lvl4pPr>
+              <a:defRPr sz="2400"/>
+            </a:lvl4pPr>
+            <a:lvl5pPr>
+              <a:defRPr sz="2400"/>
+            </a:lvl5pPr>
+          </a:lstStyle>
+          <a:p>
+            <a:pPr lvl="0"/>
+            <a:r>
+              <a:rPr lang="en-US"/>
+              <a:t>Click to edit Master text styles</a:t>
+            </a:r>
+          </a:p>
+          <a:p>
+            <a:pPr lvl="1"/>
+            <a:r>
+              <a:rPr lang="en-US"/>
+              <a:t>Second level</a:t>
+            </a:r>
+          </a:p>
+          <a:p>
+            <a:pPr lvl="2"/>
+            <a:r>
+              <a:rPr lang="en-US"/>
+              <a:t>Third level</a:t>
+            </a:r>
+          </a:p>
+          <a:p>
+            <a:pPr lvl="3"/>
+            <a:r>
+              <a:rPr lang="en-US"/>
+              <a:t>Fourth level</a:t>
+            </a:r>
+          </a:p>
+          <a:p>
+            <a:pPr lvl="4"/>
+            <a:r>
+              <a:rPr lang="en-US"/>
+              <a:t>Fifth level</a:t>
+            </a:r>
+            <a:endParaRPr lang="en-GB" dirty="0"/>
+          </a:p>
+        </p:txBody>
+      </p:sp>
+      <p:sp>
+        <p:nvSpPr>
+          <p:cNvPr id="11" name="Text Placeholder 2"/>
+          <p:cNvSpPr>
+            <a:spLocks noGrp="1"/>
+          </p:cNvSpPr>
+          <p:nvPr>
+            <p:ph type="body" sz="quarter" idx="14" hasCustomPrompt="1"/>
+          </p:nvPr>
+        </p:nvSpPr>
+        <p:spPr>
+          <a:xfrm>
+            <a:off x="365124" y="692554"/>
+            <a:ext cx="7597776" cy="234950"/>
+          </a:xfrm>
+        </p:spPr>
+        <p:txBody>
+          <a:bodyPr vert="horz" lIns="0" tIns="0" rIns="0" bIns="0" rtlCol="0" anchor="t" anchorCtr="0">
+            <a:noAutofit/>
+          </a:bodyPr>
+          <a:lstStyle>
+            <a:lvl1pPr marL="270000" indent="-270000">
+              <a:buNone/>
+              <a:defRPr lang="en-US" i="1" dirty="0" smtClean="0">
+                <a:latin typeface="Georgia" panose="02040502050405020303" pitchFamily="18" charset="0"/>
+              </a:defRPr>
+            </a:lvl1pPr>
+          </a:lstStyle>
+          <a:p>
+            <a:pPr marL="0" lvl="0" indent="0">
+              <a:spcAft>
+                <a:spcPts val="0"/>
+              </a:spcAft>
+            </a:pPr>
+            <a:r>
+              <a:rPr lang="en-US" dirty="0"/>
+              <a:t>Subtitle here if required</a:t>
+            </a:r>
+          </a:p>
+        </p:txBody>
+      </p:sp>
+      <p:sp>
+        <p:nvSpPr>
+          <p:cNvPr id="8" name="Text Placeholder 5"/>
+          <p:cNvSpPr>
+            <a:spLocks noGrp="1"/>
+          </p:cNvSpPr>
+          <p:nvPr>
+            <p:ph type="body" sz="quarter" idx="21" hasCustomPrompt="1"/>
+          </p:nvPr>
+        </p:nvSpPr>
+        <p:spPr>
+          <a:xfrm>
+            <a:off x="365124" y="6058086"/>
+            <a:ext cx="8445820" cy="123111"/>
+          </a:xfrm>
+        </p:spPr>
+        <p:txBody>
+          <a:bodyPr wrap="square" anchor="b" anchorCtr="0">
+            <a:spAutoFit/>
+          </a:bodyPr>
+          <a:lstStyle>
+            <a:lvl1pPr marL="0" indent="0">
+              <a:buNone/>
+              <a:defRPr sz="800" baseline="0"/>
+            </a:lvl1pPr>
+            <a:lvl2pPr marL="268163" indent="0">
+              <a:buNone/>
+              <a:defRPr sz="800"/>
+            </a:lvl2pPr>
+            <a:lvl3pPr marL="540000" indent="0">
+              <a:buNone/>
+              <a:defRPr sz="800"/>
+            </a:lvl3pPr>
+            <a:lvl4pPr marL="811088" indent="0">
+              <a:buNone/>
+              <a:defRPr sz="800"/>
+            </a:lvl4pPr>
+            <a:lvl5pPr marL="1080000" indent="0">
+              <a:buNone/>
+              <a:defRPr sz="800"/>
+            </a:lvl5pPr>
+          </a:lstStyle>
+          <a:p>
+            <a:pPr lvl="0"/>
+            <a:r>
+              <a:rPr lang="en-US" dirty="0"/>
+              <a:t>Insert Source text here</a:t>
+            </a:r>
+          </a:p>
+        </p:txBody>
+      </p:sp>
+      <p:sp>
+        <p:nvSpPr>
+          <p:cNvPr id="2" name="Date Placeholder 1"/>
+          <p:cNvSpPr>
+            <a:spLocks noGrp="1"/>
+          </p:cNvSpPr>
+          <p:nvPr>
+            <p:ph type="dt" sz="half" idx="22"/>
+          </p:nvPr>
+        </p:nvSpPr>
+        <p:spPr/>
+        <p:txBody>
+          <a:bodyPr/>
+          <a:lstStyle/>
+          <a:p>
+            <a:fld id="{4B3D3EAA-4720-4AEB-A041-FA3C86592F29}" type="datetimeFigureOut">
+              <a:rPr lang="en-US" smtClean="0"/>
+              <a:pPr/>
+              <a:t>7/3/2019</a:t>
+            </a:fld>
+            <a:endParaRPr lang="en-US"/>
+          </a:p>
+        </p:txBody>
+      </p:sp>
+      <p:sp>
+        <p:nvSpPr>
+          <p:cNvPr id="3" name="Footer Placeholder 2"/>
+          <p:cNvSpPr>
+            <a:spLocks noGrp="1"/>
+          </p:cNvSpPr>
+          <p:nvPr>
+            <p:ph type="ftr" sz="quarter" idx="23"/>
+          </p:nvPr>
+        </p:nvSpPr>
+        <p:spPr/>
+        <p:txBody>
+          <a:bodyPr/>
+          <a:lstStyle/>
+          <a:p>
+            <a:endParaRPr lang="en-US"/>
+          </a:p>
+        </p:txBody>
+      </p:sp>
+      <p:sp>
+        <p:nvSpPr>
+          <p:cNvPr id="4" name="Slide Number Placeholder 3"/>
+          <p:cNvSpPr>
+            <a:spLocks noGrp="1"/>
+          </p:cNvSpPr>
+          <p:nvPr>
+            <p:ph type="sldNum" sz="quarter" idx="24"/>
+          </p:nvPr>
+        </p:nvSpPr>
+        <p:spPr/>
+        <p:txBody>
+          <a:bodyPr/>
+          <a:lstStyle/>
+          <a:p>
+            <a:fld id="{B28BC0FA-C0AD-45FE-B82D-88AFBBF27A49}" type="slidenum">
+              <a:rPr lang="en-US" smtClean="0"/>
+              <a:pPr/>
+              <a:t>‹#›</a:t>
+            </a:fld>
+            <a:endParaRPr lang="en-US"/>
+          </a:p>
+        </p:txBody>
+      </p:sp>
+    </p:spTree>
+    <p:extLst>
+      <p:ext uri="{BB962C8B-B14F-4D97-AF65-F5344CB8AC3E}">
+        <p14:creationId xmlns:p14="http://schemas.microsoft.com/office/powerpoint/2010/main" val="3317225160"/>
+      </p:ext>
+    </p:extLst>
+  </p:cSld>
+  <p:clrMapOvr>
+    <a:masterClrMapping/>
+  </p:clrMapOvr>
+</p:sldLayout>
+</file>
+
+<file path=ppt/slideLayouts/slideLayout30.xml><?xml version="1.0" encoding="utf-8"?>
 <p:sldLayout xmlns:a="http://schemas.openxmlformats.org/drawingml/2006/main" xmlns:r="http://schemas.openxmlformats.org/officeDocument/2006/relationships" xmlns:p="http://schemas.openxmlformats.org/presentationml/2006/main" showMasterSp="0" preserve="1">
   <p:cSld name="Title Slide">
     <p:spTree>
@@ -7844,7 +7654,7 @@
 </p:sldLayout>
 </file>
 
-<file path=ppt/slideLayouts/slideLayout32.xml><?xml version="1.0" encoding="utf-8"?>
+<file path=ppt/slideLayouts/slideLayout31.xml><?xml version="1.0" encoding="utf-8"?>
 <p:sldLayout xmlns:a="http://schemas.openxmlformats.org/drawingml/2006/main" xmlns:r="http://schemas.openxmlformats.org/officeDocument/2006/relationships" xmlns:p="http://schemas.openxmlformats.org/presentationml/2006/main" preserve="1">
   <p:cSld name="Title and Content">
     <p:spTree>
@@ -8176,7 +7986,7 @@
 </p:sldLayout>
 </file>
 
-<file path=ppt/slideLayouts/slideLayout33.xml><?xml version="1.0" encoding="utf-8"?>
+<file path=ppt/slideLayouts/slideLayout32.xml><?xml version="1.0" encoding="utf-8"?>
 <p:sldLayout xmlns:a="http://schemas.openxmlformats.org/drawingml/2006/main" xmlns:r="http://schemas.openxmlformats.org/officeDocument/2006/relationships" xmlns:p="http://schemas.openxmlformats.org/presentationml/2006/main" preserve="1">
   <p:cSld name="Title and Content with Subheading">
     <p:spTree>
@@ -8530,7 +8340,7 @@
 </p:sldLayout>
 </file>
 
-<file path=ppt/slideLayouts/slideLayout34.xml><?xml version="1.0" encoding="utf-8"?>
+<file path=ppt/slideLayouts/slideLayout33.xml><?xml version="1.0" encoding="utf-8"?>
 <p:sldLayout xmlns:a="http://schemas.openxmlformats.org/drawingml/2006/main" xmlns:r="http://schemas.openxmlformats.org/officeDocument/2006/relationships" xmlns:p="http://schemas.openxmlformats.org/presentationml/2006/main" preserve="1">
   <p:cSld name="Large Bullet">
     <p:spTree>
@@ -8842,7 +8652,7 @@
 </p:sldLayout>
 </file>
 
-<file path=ppt/slideLayouts/slideLayout35.xml><?xml version="1.0" encoding="utf-8"?>
+<file path=ppt/slideLayouts/slideLayout34.xml><?xml version="1.0" encoding="utf-8"?>
 <p:sldLayout xmlns:a="http://schemas.openxmlformats.org/drawingml/2006/main" xmlns:r="http://schemas.openxmlformats.org/officeDocument/2006/relationships" xmlns:p="http://schemas.openxmlformats.org/presentationml/2006/main" showMasterSp="0" preserve="1">
   <p:cSld name="Section Header or Statement">
     <p:spTree>
@@ -9168,7 +8978,7 @@
 </p:sldLayout>
 </file>
 
-<file path=ppt/slideLayouts/slideLayout36.xml><?xml version="1.0" encoding="utf-8"?>
+<file path=ppt/slideLayouts/slideLayout35.xml><?xml version="1.0" encoding="utf-8"?>
 <p:sldLayout xmlns:a="http://schemas.openxmlformats.org/drawingml/2006/main" xmlns:r="http://schemas.openxmlformats.org/officeDocument/2006/relationships" xmlns:p="http://schemas.openxmlformats.org/presentationml/2006/main" preserve="1">
   <p:cSld name="Two Content">
     <p:spTree>
@@ -9572,7 +9382,7 @@
 </p:sldLayout>
 </file>
 
-<file path=ppt/slideLayouts/slideLayout37.xml><?xml version="1.0" encoding="utf-8"?>
+<file path=ppt/slideLayouts/slideLayout36.xml><?xml version="1.0" encoding="utf-8"?>
 <p:sldLayout xmlns:a="http://schemas.openxmlformats.org/drawingml/2006/main" xmlns:r="http://schemas.openxmlformats.org/officeDocument/2006/relationships" xmlns:p="http://schemas.openxmlformats.org/presentationml/2006/main" preserve="1">
   <p:cSld name="Comparison">
     <p:spTree>
@@ -10178,7 +9988,7 @@
 </p:sldLayout>
 </file>
 
-<file path=ppt/slideLayouts/slideLayout38.xml><?xml version="1.0" encoding="utf-8"?>
+<file path=ppt/slideLayouts/slideLayout37.xml><?xml version="1.0" encoding="utf-8"?>
 <p:sldLayout xmlns:a="http://schemas.openxmlformats.org/drawingml/2006/main" xmlns:r="http://schemas.openxmlformats.org/officeDocument/2006/relationships" xmlns:p="http://schemas.openxmlformats.org/presentationml/2006/main" preserve="1">
   <p:cSld name="Video Standard (4x3)">
     <p:spTree>
@@ -10410,7 +10220,7 @@
 </p:sldLayout>
 </file>
 
-<file path=ppt/slideLayouts/slideLayout39.xml><?xml version="1.0" encoding="utf-8"?>
+<file path=ppt/slideLayouts/slideLayout38.xml><?xml version="1.0" encoding="utf-8"?>
 <p:sldLayout xmlns:a="http://schemas.openxmlformats.org/drawingml/2006/main" xmlns:r="http://schemas.openxmlformats.org/officeDocument/2006/relationships" xmlns:p="http://schemas.openxmlformats.org/presentationml/2006/main" preserve="1">
   <p:cSld name="Video Widescreen (16 x 9)">
     <p:spTree>
@@ -10633,6 +10443,352 @@
     <p:extLst>
       <p:ext uri="{BB962C8B-B14F-4D97-AF65-F5344CB8AC3E}">
         <p14:creationId xmlns:p14="http://schemas.microsoft.com/office/powerpoint/2010/main" val="2599322777"/>
+      </p:ext>
+    </p:extLst>
+  </p:cSld>
+  <p:clrMapOvr>
+    <a:masterClrMapping/>
+  </p:clrMapOvr>
+</p:sldLayout>
+</file>
+
+<file path=ppt/slideLayouts/slideLayout39.xml><?xml version="1.0" encoding="utf-8"?>
+<p:sldLayout xmlns:a="http://schemas.openxmlformats.org/drawingml/2006/main" xmlns:r="http://schemas.openxmlformats.org/officeDocument/2006/relationships" xmlns:p="http://schemas.openxmlformats.org/presentationml/2006/main" preserve="1">
+  <p:cSld name="Image and Text">
+    <p:spTree>
+      <p:nvGrpSpPr>
+        <p:cNvPr id="1" name=""/>
+        <p:cNvGrpSpPr/>
+        <p:nvPr/>
+      </p:nvGrpSpPr>
+      <p:grpSpPr>
+        <a:xfrm>
+          <a:off x="0" y="0"/>
+          <a:ext cx="0" cy="0"/>
+          <a:chOff x="0" y="0"/>
+          <a:chExt cx="0" cy="0"/>
+        </a:xfrm>
+      </p:grpSpPr>
+      <p:sp>
+        <p:nvSpPr>
+          <p:cNvPr id="2" name="Title 1"/>
+          <p:cNvSpPr>
+            <a:spLocks noGrp="1"/>
+          </p:cNvSpPr>
+          <p:nvPr>
+            <p:ph type="title"/>
+          </p:nvPr>
+        </p:nvSpPr>
+        <p:spPr>
+          <a:xfrm>
+            <a:off x="365124" y="294810"/>
+            <a:ext cx="7577139" cy="338554"/>
+          </a:xfrm>
+        </p:spPr>
+        <p:txBody>
+          <a:bodyPr/>
+          <a:lstStyle/>
+          <a:p>
+            <a:r>
+              <a:rPr lang="en-US"/>
+              <a:t>Click to edit Master title style</a:t>
+            </a:r>
+            <a:endParaRPr lang="en-GB" dirty="0"/>
+          </a:p>
+        </p:txBody>
+      </p:sp>
+      <p:sp>
+        <p:nvSpPr>
+          <p:cNvPr id="7" name="Text Placeholder 6"/>
+          <p:cNvSpPr>
+            <a:spLocks noGrp="1"/>
+          </p:cNvSpPr>
+          <p:nvPr>
+            <p:ph type="body" sz="quarter" idx="13"/>
+          </p:nvPr>
+        </p:nvSpPr>
+        <p:spPr>
+          <a:xfrm>
+            <a:off x="365124" y="1181100"/>
+            <a:ext cx="3986213" cy="4999038"/>
+          </a:xfrm>
+        </p:spPr>
+        <p:txBody>
+          <a:bodyPr/>
+          <a:lstStyle/>
+          <a:p>
+            <a:pPr lvl="0"/>
+            <a:r>
+              <a:rPr lang="en-US"/>
+              <a:t>Click to edit Master text styles</a:t>
+            </a:r>
+          </a:p>
+          <a:p>
+            <a:pPr lvl="1"/>
+            <a:r>
+              <a:rPr lang="en-US"/>
+              <a:t>Second level</a:t>
+            </a:r>
+          </a:p>
+          <a:p>
+            <a:pPr lvl="2"/>
+            <a:r>
+              <a:rPr lang="en-US"/>
+              <a:t>Third level</a:t>
+            </a:r>
+          </a:p>
+          <a:p>
+            <a:pPr lvl="3"/>
+            <a:r>
+              <a:rPr lang="en-US"/>
+              <a:t>Fourth level</a:t>
+            </a:r>
+          </a:p>
+          <a:p>
+            <a:pPr lvl="4"/>
+            <a:r>
+              <a:rPr lang="en-US"/>
+              <a:t>Fifth level</a:t>
+            </a:r>
+            <a:endParaRPr lang="en-GB" dirty="0"/>
+          </a:p>
+        </p:txBody>
+      </p:sp>
+      <p:sp>
+        <p:nvSpPr>
+          <p:cNvPr id="9" name="Picture Placeholder 8"/>
+          <p:cNvSpPr>
+            <a:spLocks noGrp="1"/>
+          </p:cNvSpPr>
+          <p:nvPr>
+            <p:ph type="pic" sz="quarter" idx="14" hasCustomPrompt="1"/>
+          </p:nvPr>
+        </p:nvSpPr>
+        <p:spPr>
+          <a:xfrm>
+            <a:off x="4801131" y="1181100"/>
+            <a:ext cx="3996794" cy="4635500"/>
+          </a:xfrm>
+        </p:spPr>
+        <p:txBody>
+          <a:bodyPr lIns="0" tIns="0"/>
+          <a:lstStyle>
+            <a:lvl1pPr marL="0" indent="0">
+              <a:buNone/>
+              <a:defRPr sz="1100" baseline="0"/>
+            </a:lvl1pPr>
+          </a:lstStyle>
+          <a:p>
+            <a:r>
+              <a:rPr lang="en-GB" dirty="0"/>
+              <a:t>Click on the picture icon to insert your picture</a:t>
+            </a:r>
+          </a:p>
+        </p:txBody>
+      </p:sp>
+      <p:sp>
+        <p:nvSpPr>
+          <p:cNvPr id="3" name="Date Placeholder 2"/>
+          <p:cNvSpPr>
+            <a:spLocks noGrp="1"/>
+          </p:cNvSpPr>
+          <p:nvPr>
+            <p:ph type="dt" sz="half" idx="16"/>
+          </p:nvPr>
+        </p:nvSpPr>
+        <p:spPr/>
+        <p:txBody>
+          <a:bodyPr/>
+          <a:lstStyle/>
+          <a:p>
+            <a:endParaRPr lang="en-US">
+              <a:solidFill>
+                <a:srgbClr val="9A8B7D"/>
+              </a:solidFill>
+            </a:endParaRPr>
+          </a:p>
+        </p:txBody>
+      </p:sp>
+      <p:sp>
+        <p:nvSpPr>
+          <p:cNvPr id="4" name="Footer Placeholder 3"/>
+          <p:cNvSpPr>
+            <a:spLocks noGrp="1"/>
+          </p:cNvSpPr>
+          <p:nvPr>
+            <p:ph type="ftr" sz="quarter" idx="17"/>
+          </p:nvPr>
+        </p:nvSpPr>
+        <p:spPr/>
+        <p:txBody>
+          <a:bodyPr/>
+          <a:lstStyle/>
+          <a:p>
+            <a:endParaRPr lang="en-US">
+              <a:solidFill>
+                <a:srgbClr val="9A8B7D"/>
+              </a:solidFill>
+            </a:endParaRPr>
+          </a:p>
+        </p:txBody>
+      </p:sp>
+      <p:sp>
+        <p:nvSpPr>
+          <p:cNvPr id="5" name="Slide Number Placeholder 4"/>
+          <p:cNvSpPr>
+            <a:spLocks noGrp="1"/>
+          </p:cNvSpPr>
+          <p:nvPr>
+            <p:ph type="sldNum" sz="quarter" idx="18"/>
+          </p:nvPr>
+        </p:nvSpPr>
+        <p:spPr/>
+        <p:txBody>
+          <a:bodyPr/>
+          <a:lstStyle/>
+          <a:p>
+            <a:fld id="{0A838F34-1B32-4019-A24D-EF473E6901BC}" type="slidenum">
+              <a:rPr lang="en-US" smtClean="0">
+                <a:solidFill>
+                  <a:srgbClr val="9A8B7D"/>
+                </a:solidFill>
+              </a:rPr>
+              <a:pPr/>
+              <a:t>‹#›</a:t>
+            </a:fld>
+            <a:endParaRPr lang="en-US">
+              <a:solidFill>
+                <a:srgbClr val="9A8B7D"/>
+              </a:solidFill>
+            </a:endParaRPr>
+          </a:p>
+        </p:txBody>
+      </p:sp>
+      <p:sp>
+        <p:nvSpPr>
+          <p:cNvPr id="13" name="Text Placeholder 2"/>
+          <p:cNvSpPr>
+            <a:spLocks noGrp="1"/>
+          </p:cNvSpPr>
+          <p:nvPr>
+            <p:ph type="body" sz="quarter" idx="19" hasCustomPrompt="1"/>
+          </p:nvPr>
+        </p:nvSpPr>
+        <p:spPr>
+          <a:xfrm>
+            <a:off x="365124" y="692554"/>
+            <a:ext cx="7597776" cy="234950"/>
+          </a:xfrm>
+        </p:spPr>
+        <p:txBody>
+          <a:bodyPr anchor="t" anchorCtr="0"/>
+          <a:lstStyle>
+            <a:lvl1pPr marL="0" indent="0">
+              <a:spcAft>
+                <a:spcPts val="0"/>
+              </a:spcAft>
+              <a:buNone/>
+              <a:defRPr sz="1800"/>
+            </a:lvl1pPr>
+            <a:lvl2pPr marL="271463" indent="0">
+              <a:buNone/>
+              <a:defRPr/>
+            </a:lvl2pPr>
+            <a:lvl3pPr marL="533400" indent="0">
+              <a:buNone/>
+              <a:defRPr/>
+            </a:lvl3pPr>
+            <a:lvl4pPr marL="815975" indent="0">
+              <a:buNone/>
+              <a:defRPr/>
+            </a:lvl4pPr>
+            <a:lvl5pPr marL="1104900" indent="0">
+              <a:buNone/>
+              <a:defRPr/>
+            </a:lvl5pPr>
+          </a:lstStyle>
+          <a:p>
+            <a:pPr lvl="0"/>
+            <a:r>
+              <a:rPr lang="en-US" dirty="0"/>
+              <a:t>Subtitle here if required</a:t>
+            </a:r>
+          </a:p>
+        </p:txBody>
+      </p:sp>
+      <p:sp>
+        <p:nvSpPr>
+          <p:cNvPr id="11" name="Text Placeholder 7"/>
+          <p:cNvSpPr>
+            <a:spLocks noGrp="1"/>
+          </p:cNvSpPr>
+          <p:nvPr>
+            <p:ph type="body" sz="quarter" idx="26" hasCustomPrompt="1"/>
+          </p:nvPr>
+        </p:nvSpPr>
+        <p:spPr>
+          <a:xfrm>
+            <a:off x="4801131" y="5884334"/>
+            <a:ext cx="3996266" cy="301625"/>
+          </a:xfrm>
+        </p:spPr>
+        <p:txBody>
+          <a:bodyPr lIns="0" tIns="0" rIns="0" bIns="0"/>
+          <a:lstStyle>
+            <a:lvl1pPr marL="0" indent="0">
+              <a:buNone/>
+              <a:defRPr sz="800">
+                <a:solidFill>
+                  <a:schemeClr val="bg2"/>
+                </a:solidFill>
+              </a:defRPr>
+            </a:lvl1pPr>
+            <a:lvl2pPr marL="268163" indent="0">
+              <a:buNone/>
+              <a:defRPr sz="800">
+                <a:solidFill>
+                  <a:schemeClr val="bg2"/>
+                </a:solidFill>
+              </a:defRPr>
+            </a:lvl2pPr>
+            <a:lvl3pPr marL="540000" indent="0">
+              <a:buNone/>
+              <a:defRPr sz="800">
+                <a:solidFill>
+                  <a:schemeClr val="bg2"/>
+                </a:solidFill>
+              </a:defRPr>
+            </a:lvl3pPr>
+            <a:lvl4pPr marL="811088" indent="0">
+              <a:buNone/>
+              <a:defRPr sz="800">
+                <a:solidFill>
+                  <a:schemeClr val="bg2"/>
+                </a:solidFill>
+              </a:defRPr>
+            </a:lvl4pPr>
+            <a:lvl5pPr marL="1080000" indent="0">
+              <a:buNone/>
+              <a:defRPr sz="800">
+                <a:solidFill>
+                  <a:schemeClr val="bg2"/>
+                </a:solidFill>
+              </a:defRPr>
+            </a:lvl5pPr>
+          </a:lstStyle>
+          <a:p>
+            <a:pPr lvl="0"/>
+            <a:r>
+              <a:rPr lang="en-US" dirty="0"/>
+              <a:t>Enter your image caption text here</a:t>
+            </a:r>
+          </a:p>
+        </p:txBody>
+      </p:sp>
+    </p:spTree>
+    <p:extLst>
+      <p:ext uri="{BB962C8B-B14F-4D97-AF65-F5344CB8AC3E}">
+        <p14:creationId xmlns:p14="http://schemas.microsoft.com/office/powerpoint/2010/main" val="3534580817"/>
       </p:ext>
     </p:extLst>
   </p:cSld>
@@ -10962,7 +11118,7 @@
             <a:fld id="{4B3D3EAA-4720-4AEB-A041-FA3C86592F29}" type="datetimeFigureOut">
               <a:rPr lang="en-US" smtClean="0"/>
               <a:pPr/>
-              <a:t>6/23/2019</a:t>
+              <a:t>7/3/2019</a:t>
             </a:fld>
             <a:endParaRPr lang="en-US"/>
           </a:p>
@@ -11025,352 +11181,6 @@
 </file>
 
 <file path=ppt/slideLayouts/slideLayout40.xml><?xml version="1.0" encoding="utf-8"?>
-<p:sldLayout xmlns:a="http://schemas.openxmlformats.org/drawingml/2006/main" xmlns:r="http://schemas.openxmlformats.org/officeDocument/2006/relationships" xmlns:p="http://schemas.openxmlformats.org/presentationml/2006/main" preserve="1">
-  <p:cSld name="Image and Text">
-    <p:spTree>
-      <p:nvGrpSpPr>
-        <p:cNvPr id="1" name=""/>
-        <p:cNvGrpSpPr/>
-        <p:nvPr/>
-      </p:nvGrpSpPr>
-      <p:grpSpPr>
-        <a:xfrm>
-          <a:off x="0" y="0"/>
-          <a:ext cx="0" cy="0"/>
-          <a:chOff x="0" y="0"/>
-          <a:chExt cx="0" cy="0"/>
-        </a:xfrm>
-      </p:grpSpPr>
-      <p:sp>
-        <p:nvSpPr>
-          <p:cNvPr id="2" name="Title 1"/>
-          <p:cNvSpPr>
-            <a:spLocks noGrp="1"/>
-          </p:cNvSpPr>
-          <p:nvPr>
-            <p:ph type="title"/>
-          </p:nvPr>
-        </p:nvSpPr>
-        <p:spPr>
-          <a:xfrm>
-            <a:off x="365124" y="294810"/>
-            <a:ext cx="7577139" cy="338554"/>
-          </a:xfrm>
-        </p:spPr>
-        <p:txBody>
-          <a:bodyPr/>
-          <a:lstStyle/>
-          <a:p>
-            <a:r>
-              <a:rPr lang="en-US"/>
-              <a:t>Click to edit Master title style</a:t>
-            </a:r>
-            <a:endParaRPr lang="en-GB" dirty="0"/>
-          </a:p>
-        </p:txBody>
-      </p:sp>
-      <p:sp>
-        <p:nvSpPr>
-          <p:cNvPr id="7" name="Text Placeholder 6"/>
-          <p:cNvSpPr>
-            <a:spLocks noGrp="1"/>
-          </p:cNvSpPr>
-          <p:nvPr>
-            <p:ph type="body" sz="quarter" idx="13"/>
-          </p:nvPr>
-        </p:nvSpPr>
-        <p:spPr>
-          <a:xfrm>
-            <a:off x="365124" y="1181100"/>
-            <a:ext cx="3986213" cy="4999038"/>
-          </a:xfrm>
-        </p:spPr>
-        <p:txBody>
-          <a:bodyPr/>
-          <a:lstStyle/>
-          <a:p>
-            <a:pPr lvl="0"/>
-            <a:r>
-              <a:rPr lang="en-US"/>
-              <a:t>Click to edit Master text styles</a:t>
-            </a:r>
-          </a:p>
-          <a:p>
-            <a:pPr lvl="1"/>
-            <a:r>
-              <a:rPr lang="en-US"/>
-              <a:t>Second level</a:t>
-            </a:r>
-          </a:p>
-          <a:p>
-            <a:pPr lvl="2"/>
-            <a:r>
-              <a:rPr lang="en-US"/>
-              <a:t>Third level</a:t>
-            </a:r>
-          </a:p>
-          <a:p>
-            <a:pPr lvl="3"/>
-            <a:r>
-              <a:rPr lang="en-US"/>
-              <a:t>Fourth level</a:t>
-            </a:r>
-          </a:p>
-          <a:p>
-            <a:pPr lvl="4"/>
-            <a:r>
-              <a:rPr lang="en-US"/>
-              <a:t>Fifth level</a:t>
-            </a:r>
-            <a:endParaRPr lang="en-GB" dirty="0"/>
-          </a:p>
-        </p:txBody>
-      </p:sp>
-      <p:sp>
-        <p:nvSpPr>
-          <p:cNvPr id="9" name="Picture Placeholder 8"/>
-          <p:cNvSpPr>
-            <a:spLocks noGrp="1"/>
-          </p:cNvSpPr>
-          <p:nvPr>
-            <p:ph type="pic" sz="quarter" idx="14" hasCustomPrompt="1"/>
-          </p:nvPr>
-        </p:nvSpPr>
-        <p:spPr>
-          <a:xfrm>
-            <a:off x="4801131" y="1181100"/>
-            <a:ext cx="3996794" cy="4635500"/>
-          </a:xfrm>
-        </p:spPr>
-        <p:txBody>
-          <a:bodyPr lIns="0" tIns="0"/>
-          <a:lstStyle>
-            <a:lvl1pPr marL="0" indent="0">
-              <a:buNone/>
-              <a:defRPr sz="1100" baseline="0"/>
-            </a:lvl1pPr>
-          </a:lstStyle>
-          <a:p>
-            <a:r>
-              <a:rPr lang="en-GB" dirty="0"/>
-              <a:t>Click on the picture icon to insert your picture</a:t>
-            </a:r>
-          </a:p>
-        </p:txBody>
-      </p:sp>
-      <p:sp>
-        <p:nvSpPr>
-          <p:cNvPr id="3" name="Date Placeholder 2"/>
-          <p:cNvSpPr>
-            <a:spLocks noGrp="1"/>
-          </p:cNvSpPr>
-          <p:nvPr>
-            <p:ph type="dt" sz="half" idx="16"/>
-          </p:nvPr>
-        </p:nvSpPr>
-        <p:spPr/>
-        <p:txBody>
-          <a:bodyPr/>
-          <a:lstStyle/>
-          <a:p>
-            <a:endParaRPr lang="en-US">
-              <a:solidFill>
-                <a:srgbClr val="9A8B7D"/>
-              </a:solidFill>
-            </a:endParaRPr>
-          </a:p>
-        </p:txBody>
-      </p:sp>
-      <p:sp>
-        <p:nvSpPr>
-          <p:cNvPr id="4" name="Footer Placeholder 3"/>
-          <p:cNvSpPr>
-            <a:spLocks noGrp="1"/>
-          </p:cNvSpPr>
-          <p:nvPr>
-            <p:ph type="ftr" sz="quarter" idx="17"/>
-          </p:nvPr>
-        </p:nvSpPr>
-        <p:spPr/>
-        <p:txBody>
-          <a:bodyPr/>
-          <a:lstStyle/>
-          <a:p>
-            <a:endParaRPr lang="en-US">
-              <a:solidFill>
-                <a:srgbClr val="9A8B7D"/>
-              </a:solidFill>
-            </a:endParaRPr>
-          </a:p>
-        </p:txBody>
-      </p:sp>
-      <p:sp>
-        <p:nvSpPr>
-          <p:cNvPr id="5" name="Slide Number Placeholder 4"/>
-          <p:cNvSpPr>
-            <a:spLocks noGrp="1"/>
-          </p:cNvSpPr>
-          <p:nvPr>
-            <p:ph type="sldNum" sz="quarter" idx="18"/>
-          </p:nvPr>
-        </p:nvSpPr>
-        <p:spPr/>
-        <p:txBody>
-          <a:bodyPr/>
-          <a:lstStyle/>
-          <a:p>
-            <a:fld id="{0A838F34-1B32-4019-A24D-EF473E6901BC}" type="slidenum">
-              <a:rPr lang="en-US" smtClean="0">
-                <a:solidFill>
-                  <a:srgbClr val="9A8B7D"/>
-                </a:solidFill>
-              </a:rPr>
-              <a:pPr/>
-              <a:t>‹#›</a:t>
-            </a:fld>
-            <a:endParaRPr lang="en-US">
-              <a:solidFill>
-                <a:srgbClr val="9A8B7D"/>
-              </a:solidFill>
-            </a:endParaRPr>
-          </a:p>
-        </p:txBody>
-      </p:sp>
-      <p:sp>
-        <p:nvSpPr>
-          <p:cNvPr id="13" name="Text Placeholder 2"/>
-          <p:cNvSpPr>
-            <a:spLocks noGrp="1"/>
-          </p:cNvSpPr>
-          <p:nvPr>
-            <p:ph type="body" sz="quarter" idx="19" hasCustomPrompt="1"/>
-          </p:nvPr>
-        </p:nvSpPr>
-        <p:spPr>
-          <a:xfrm>
-            <a:off x="365124" y="692554"/>
-            <a:ext cx="7597776" cy="234950"/>
-          </a:xfrm>
-        </p:spPr>
-        <p:txBody>
-          <a:bodyPr anchor="t" anchorCtr="0"/>
-          <a:lstStyle>
-            <a:lvl1pPr marL="0" indent="0">
-              <a:spcAft>
-                <a:spcPts val="0"/>
-              </a:spcAft>
-              <a:buNone/>
-              <a:defRPr sz="1800"/>
-            </a:lvl1pPr>
-            <a:lvl2pPr marL="271463" indent="0">
-              <a:buNone/>
-              <a:defRPr/>
-            </a:lvl2pPr>
-            <a:lvl3pPr marL="533400" indent="0">
-              <a:buNone/>
-              <a:defRPr/>
-            </a:lvl3pPr>
-            <a:lvl4pPr marL="815975" indent="0">
-              <a:buNone/>
-              <a:defRPr/>
-            </a:lvl4pPr>
-            <a:lvl5pPr marL="1104900" indent="0">
-              <a:buNone/>
-              <a:defRPr/>
-            </a:lvl5pPr>
-          </a:lstStyle>
-          <a:p>
-            <a:pPr lvl="0"/>
-            <a:r>
-              <a:rPr lang="en-US" dirty="0"/>
-              <a:t>Subtitle here if required</a:t>
-            </a:r>
-          </a:p>
-        </p:txBody>
-      </p:sp>
-      <p:sp>
-        <p:nvSpPr>
-          <p:cNvPr id="11" name="Text Placeholder 7"/>
-          <p:cNvSpPr>
-            <a:spLocks noGrp="1"/>
-          </p:cNvSpPr>
-          <p:nvPr>
-            <p:ph type="body" sz="quarter" idx="26" hasCustomPrompt="1"/>
-          </p:nvPr>
-        </p:nvSpPr>
-        <p:spPr>
-          <a:xfrm>
-            <a:off x="4801131" y="5884334"/>
-            <a:ext cx="3996266" cy="301625"/>
-          </a:xfrm>
-        </p:spPr>
-        <p:txBody>
-          <a:bodyPr lIns="0" tIns="0" rIns="0" bIns="0"/>
-          <a:lstStyle>
-            <a:lvl1pPr marL="0" indent="0">
-              <a:buNone/>
-              <a:defRPr sz="800">
-                <a:solidFill>
-                  <a:schemeClr val="bg2"/>
-                </a:solidFill>
-              </a:defRPr>
-            </a:lvl1pPr>
-            <a:lvl2pPr marL="268163" indent="0">
-              <a:buNone/>
-              <a:defRPr sz="800">
-                <a:solidFill>
-                  <a:schemeClr val="bg2"/>
-                </a:solidFill>
-              </a:defRPr>
-            </a:lvl2pPr>
-            <a:lvl3pPr marL="540000" indent="0">
-              <a:buNone/>
-              <a:defRPr sz="800">
-                <a:solidFill>
-                  <a:schemeClr val="bg2"/>
-                </a:solidFill>
-              </a:defRPr>
-            </a:lvl3pPr>
-            <a:lvl4pPr marL="811088" indent="0">
-              <a:buNone/>
-              <a:defRPr sz="800">
-                <a:solidFill>
-                  <a:schemeClr val="bg2"/>
-                </a:solidFill>
-              </a:defRPr>
-            </a:lvl4pPr>
-            <a:lvl5pPr marL="1080000" indent="0">
-              <a:buNone/>
-              <a:defRPr sz="800">
-                <a:solidFill>
-                  <a:schemeClr val="bg2"/>
-                </a:solidFill>
-              </a:defRPr>
-            </a:lvl5pPr>
-          </a:lstStyle>
-          <a:p>
-            <a:pPr lvl="0"/>
-            <a:r>
-              <a:rPr lang="en-US" dirty="0"/>
-              <a:t>Enter your image caption text here</a:t>
-            </a:r>
-          </a:p>
-        </p:txBody>
-      </p:sp>
-    </p:spTree>
-    <p:extLst>
-      <p:ext uri="{BB962C8B-B14F-4D97-AF65-F5344CB8AC3E}">
-        <p14:creationId xmlns:p14="http://schemas.microsoft.com/office/powerpoint/2010/main" val="3534580817"/>
-      </p:ext>
-    </p:extLst>
-  </p:cSld>
-  <p:clrMapOvr>
-    <a:masterClrMapping/>
-  </p:clrMapOvr>
-</p:sldLayout>
-</file>
-
-<file path=ppt/slideLayouts/slideLayout41.xml><?xml version="1.0" encoding="utf-8"?>
 <p:sldLayout xmlns:a="http://schemas.openxmlformats.org/drawingml/2006/main" xmlns:r="http://schemas.openxmlformats.org/officeDocument/2006/relationships" xmlns:p="http://schemas.openxmlformats.org/presentationml/2006/main" preserve="1">
   <p:cSld name="Two Image and Text">
     <p:spTree>
@@ -11825,7 +11635,7 @@
 </p:sldLayout>
 </file>
 
-<file path=ppt/slideLayouts/slideLayout42.xml><?xml version="1.0" encoding="utf-8"?>
+<file path=ppt/slideLayouts/slideLayout41.xml><?xml version="1.0" encoding="utf-8"?>
 <p:sldLayout xmlns:a="http://schemas.openxmlformats.org/drawingml/2006/main" xmlns:r="http://schemas.openxmlformats.org/officeDocument/2006/relationships" xmlns:p="http://schemas.openxmlformats.org/presentationml/2006/main" preserve="1">
   <p:cSld name="Title Only">
     <p:spTree>
@@ -12013,7 +11823,7 @@
 </p:sldLayout>
 </file>
 
-<file path=ppt/slideLayouts/slideLayout43.xml><?xml version="1.0" encoding="utf-8"?>
+<file path=ppt/slideLayouts/slideLayout42.xml><?xml version="1.0" encoding="utf-8"?>
 <p:sldLayout xmlns:a="http://schemas.openxmlformats.org/drawingml/2006/main" xmlns:r="http://schemas.openxmlformats.org/officeDocument/2006/relationships" xmlns:p="http://schemas.openxmlformats.org/presentationml/2006/main" showMasterSp="0" type="blank" preserve="1">
   <p:cSld name="Blank">
     <p:spTree>
@@ -12156,7 +11966,7 @@
 </p:sldLayout>
 </file>
 
-<file path=ppt/slideLayouts/slideLayout44.xml><?xml version="1.0" encoding="utf-8"?>
+<file path=ppt/slideLayouts/slideLayout43.xml><?xml version="1.0" encoding="utf-8"?>
 <p:sldLayout xmlns:a="http://schemas.openxmlformats.org/drawingml/2006/main" xmlns:r="http://schemas.openxmlformats.org/officeDocument/2006/relationships" xmlns:p="http://schemas.openxmlformats.org/presentationml/2006/main" type="objAndTwoObj">
   <p:cSld name="Title, Content, and 2 Content">
     <p:spTree>
@@ -12377,7 +12187,7 @@
 </p:sldLayout>
 </file>
 
-<file path=ppt/slideLayouts/slideLayout45.xml><?xml version="1.0" encoding="utf-8"?>
+<file path=ppt/slideLayouts/slideLayout44.xml><?xml version="1.0" encoding="utf-8"?>
 <p:sldLayout xmlns:a="http://schemas.openxmlformats.org/drawingml/2006/main" xmlns:r="http://schemas.openxmlformats.org/officeDocument/2006/relationships" xmlns:p="http://schemas.openxmlformats.org/presentationml/2006/main" type="twoObj">
   <p:cSld name="1_Two Content">
     <p:spTree>
@@ -12592,7 +12402,7 @@
 </p:sldLayout>
 </file>
 
-<file path=ppt/slideLayouts/slideLayout46.xml><?xml version="1.0" encoding="utf-8"?>
+<file path=ppt/slideLayouts/slideLayout45.xml><?xml version="1.0" encoding="utf-8"?>
 <p:sldLayout xmlns:a="http://schemas.openxmlformats.org/drawingml/2006/main" xmlns:r="http://schemas.openxmlformats.org/officeDocument/2006/relationships" xmlns:p="http://schemas.openxmlformats.org/presentationml/2006/main" type="titleOnly">
   <p:cSld name="1_Title Only">
     <p:spTree>
@@ -12717,7 +12527,7 @@
 </p:sldLayout>
 </file>
 
-<file path=ppt/slideLayouts/slideLayout47.xml><?xml version="1.0" encoding="utf-8"?>
+<file path=ppt/slideLayouts/slideLayout46.xml><?xml version="1.0" encoding="utf-8"?>
 <p:sldLayout xmlns:a="http://schemas.openxmlformats.org/drawingml/2006/main" xmlns:r="http://schemas.openxmlformats.org/officeDocument/2006/relationships" xmlns:p="http://schemas.openxmlformats.org/presentationml/2006/main" type="obj">
   <p:cSld name="1_Title and Content">
     <p:spTree>
@@ -12896,7 +12706,7 @@
 </p:sldLayout>
 </file>
 
-<file path=ppt/slideLayouts/slideLayout48.xml><?xml version="1.0" encoding="utf-8"?>
+<file path=ppt/slideLayouts/slideLayout47.xml><?xml version="1.0" encoding="utf-8"?>
 <p:sldLayout xmlns:a="http://schemas.openxmlformats.org/drawingml/2006/main" xmlns:r="http://schemas.openxmlformats.org/officeDocument/2006/relationships" xmlns:p="http://schemas.openxmlformats.org/presentationml/2006/main" showMasterSp="0" preserve="1">
   <p:cSld name="Title Slide">
     <p:spTree>
@@ -13228,7 +13038,7 @@
 </p:sldLayout>
 </file>
 
-<file path=ppt/slideLayouts/slideLayout49.xml><?xml version="1.0" encoding="utf-8"?>
+<file path=ppt/slideLayouts/slideLayout48.xml><?xml version="1.0" encoding="utf-8"?>
 <p:sldLayout xmlns:a="http://schemas.openxmlformats.org/drawingml/2006/main" xmlns:r="http://schemas.openxmlformats.org/officeDocument/2006/relationships" xmlns:p="http://schemas.openxmlformats.org/presentationml/2006/main" preserve="1">
   <p:cSld name="Title and Content">
     <p:spTree>
@@ -13551,6 +13361,360 @@
     <p:extLst>
       <p:ext uri="{BB962C8B-B14F-4D97-AF65-F5344CB8AC3E}">
         <p14:creationId xmlns:p14="http://schemas.microsoft.com/office/powerpoint/2010/main" val="3314054882"/>
+      </p:ext>
+    </p:extLst>
+  </p:cSld>
+  <p:clrMapOvr>
+    <a:masterClrMapping/>
+  </p:clrMapOvr>
+</p:sldLayout>
+</file>
+
+<file path=ppt/slideLayouts/slideLayout49.xml><?xml version="1.0" encoding="utf-8"?>
+<p:sldLayout xmlns:a="http://schemas.openxmlformats.org/drawingml/2006/main" xmlns:r="http://schemas.openxmlformats.org/officeDocument/2006/relationships" xmlns:p="http://schemas.openxmlformats.org/presentationml/2006/main" preserve="1">
+  <p:cSld name="Title and Content with Subheading">
+    <p:spTree>
+      <p:nvGrpSpPr>
+        <p:cNvPr id="1" name=""/>
+        <p:cNvGrpSpPr/>
+        <p:nvPr/>
+      </p:nvGrpSpPr>
+      <p:grpSpPr>
+        <a:xfrm>
+          <a:off x="0" y="0"/>
+          <a:ext cx="0" cy="0"/>
+          <a:chOff x="0" y="0"/>
+          <a:chExt cx="0" cy="0"/>
+        </a:xfrm>
+      </p:grpSpPr>
+      <p:sp>
+        <p:nvSpPr>
+          <p:cNvPr id="6" name="Title 5"/>
+          <p:cNvSpPr>
+            <a:spLocks noGrp="1"/>
+          </p:cNvSpPr>
+          <p:nvPr>
+            <p:ph type="title"/>
+          </p:nvPr>
+        </p:nvSpPr>
+        <p:spPr>
+          <a:xfrm>
+            <a:off x="365124" y="294810"/>
+            <a:ext cx="7577139" cy="338554"/>
+          </a:xfrm>
+        </p:spPr>
+        <p:txBody>
+          <a:bodyPr/>
+          <a:lstStyle/>
+          <a:p>
+            <a:r>
+              <a:rPr lang="en-US"/>
+              <a:t>Click to edit Master title style</a:t>
+            </a:r>
+            <a:endParaRPr lang="en-GB" dirty="0"/>
+          </a:p>
+        </p:txBody>
+      </p:sp>
+      <p:sp>
+        <p:nvSpPr>
+          <p:cNvPr id="10" name="Content Placeholder 9"/>
+          <p:cNvSpPr>
+            <a:spLocks noGrp="1"/>
+          </p:cNvSpPr>
+          <p:nvPr>
+            <p:ph sz="quarter" idx="19"/>
+          </p:nvPr>
+        </p:nvSpPr>
+        <p:spPr>
+          <a:xfrm>
+            <a:off x="365124" y="1533525"/>
+            <a:ext cx="8418513" cy="4456113"/>
+          </a:xfrm>
+        </p:spPr>
+        <p:txBody>
+          <a:bodyPr/>
+          <a:lstStyle/>
+          <a:p>
+            <a:pPr lvl="0"/>
+            <a:r>
+              <a:rPr lang="en-US"/>
+              <a:t>Click to edit Master text styles</a:t>
+            </a:r>
+          </a:p>
+          <a:p>
+            <a:pPr lvl="1"/>
+            <a:r>
+              <a:rPr lang="en-US"/>
+              <a:t>Second level</a:t>
+            </a:r>
+          </a:p>
+          <a:p>
+            <a:pPr lvl="2"/>
+            <a:r>
+              <a:rPr lang="en-US"/>
+              <a:t>Third level</a:t>
+            </a:r>
+          </a:p>
+          <a:p>
+            <a:pPr lvl="3"/>
+            <a:r>
+              <a:rPr lang="en-US"/>
+              <a:t>Fourth level</a:t>
+            </a:r>
+          </a:p>
+          <a:p>
+            <a:pPr lvl="4"/>
+            <a:r>
+              <a:rPr lang="en-US"/>
+              <a:t>Fifth level</a:t>
+            </a:r>
+            <a:endParaRPr lang="en-GB" dirty="0"/>
+          </a:p>
+        </p:txBody>
+      </p:sp>
+      <p:sp>
+        <p:nvSpPr>
+          <p:cNvPr id="11" name="Text Placeholder 2"/>
+          <p:cNvSpPr>
+            <a:spLocks noGrp="1"/>
+          </p:cNvSpPr>
+          <p:nvPr>
+            <p:ph type="body" sz="quarter" idx="13" hasCustomPrompt="1"/>
+          </p:nvPr>
+        </p:nvSpPr>
+        <p:spPr>
+          <a:xfrm>
+            <a:off x="365124" y="1184780"/>
+            <a:ext cx="8418513" cy="246221"/>
+          </a:xfrm>
+        </p:spPr>
+        <p:txBody>
+          <a:bodyPr anchor="t" anchorCtr="0">
+            <a:spAutoFit/>
+          </a:bodyPr>
+          <a:lstStyle>
+            <a:lvl1pPr marL="0" indent="0">
+              <a:spcAft>
+                <a:spcPts val="0"/>
+              </a:spcAft>
+              <a:buNone/>
+              <a:defRPr sz="1600" b="1">
+                <a:solidFill>
+                  <a:schemeClr val="bg2"/>
+                </a:solidFill>
+              </a:defRPr>
+            </a:lvl1pPr>
+            <a:lvl2pPr marL="271463" indent="0">
+              <a:buNone/>
+              <a:defRPr/>
+            </a:lvl2pPr>
+            <a:lvl3pPr marL="533400" indent="0">
+              <a:buNone/>
+              <a:defRPr/>
+            </a:lvl3pPr>
+            <a:lvl4pPr marL="815975" indent="0">
+              <a:buNone/>
+              <a:defRPr/>
+            </a:lvl4pPr>
+            <a:lvl5pPr marL="1104900" indent="0">
+              <a:buNone/>
+              <a:defRPr/>
+            </a:lvl5pPr>
+          </a:lstStyle>
+          <a:p>
+            <a:pPr lvl="0"/>
+            <a:r>
+              <a:rPr lang="en-US" dirty="0"/>
+              <a:t>Subheading here if required</a:t>
+            </a:r>
+          </a:p>
+        </p:txBody>
+      </p:sp>
+      <p:sp>
+        <p:nvSpPr>
+          <p:cNvPr id="5" name="Date Placeholder 4"/>
+          <p:cNvSpPr>
+            <a:spLocks noGrp="1"/>
+          </p:cNvSpPr>
+          <p:nvPr>
+            <p:ph type="dt" sz="half" idx="20"/>
+          </p:nvPr>
+        </p:nvSpPr>
+        <p:spPr/>
+        <p:txBody>
+          <a:bodyPr/>
+          <a:lstStyle/>
+          <a:p>
+            <a:endParaRPr lang="en-US">
+              <a:solidFill>
+                <a:srgbClr val="9A8B7D"/>
+              </a:solidFill>
+            </a:endParaRPr>
+          </a:p>
+        </p:txBody>
+      </p:sp>
+      <p:sp>
+        <p:nvSpPr>
+          <p:cNvPr id="7" name="Footer Placeholder 6"/>
+          <p:cNvSpPr>
+            <a:spLocks noGrp="1"/>
+          </p:cNvSpPr>
+          <p:nvPr>
+            <p:ph type="ftr" sz="quarter" idx="21"/>
+          </p:nvPr>
+        </p:nvSpPr>
+        <p:spPr/>
+        <p:txBody>
+          <a:bodyPr/>
+          <a:lstStyle/>
+          <a:p>
+            <a:endParaRPr lang="en-US">
+              <a:solidFill>
+                <a:srgbClr val="9A8B7D"/>
+              </a:solidFill>
+            </a:endParaRPr>
+          </a:p>
+        </p:txBody>
+      </p:sp>
+      <p:sp>
+        <p:nvSpPr>
+          <p:cNvPr id="8" name="Slide Number Placeholder 7"/>
+          <p:cNvSpPr>
+            <a:spLocks noGrp="1"/>
+          </p:cNvSpPr>
+          <p:nvPr>
+            <p:ph type="sldNum" sz="quarter" idx="22"/>
+          </p:nvPr>
+        </p:nvSpPr>
+        <p:spPr/>
+        <p:txBody>
+          <a:bodyPr/>
+          <a:lstStyle/>
+          <a:p>
+            <a:fld id="{0A838F34-1B32-4019-A24D-EF473E6901BC}" type="slidenum">
+              <a:rPr lang="en-US" smtClean="0">
+                <a:solidFill>
+                  <a:srgbClr val="9A8B7D"/>
+                </a:solidFill>
+              </a:rPr>
+              <a:pPr/>
+              <a:t>‹#›</a:t>
+            </a:fld>
+            <a:endParaRPr lang="en-US">
+              <a:solidFill>
+                <a:srgbClr val="9A8B7D"/>
+              </a:solidFill>
+            </a:endParaRPr>
+          </a:p>
+        </p:txBody>
+      </p:sp>
+      <p:sp>
+        <p:nvSpPr>
+          <p:cNvPr id="12" name="Text Placeholder 2"/>
+          <p:cNvSpPr>
+            <a:spLocks noGrp="1"/>
+          </p:cNvSpPr>
+          <p:nvPr>
+            <p:ph type="body" sz="quarter" idx="14" hasCustomPrompt="1"/>
+          </p:nvPr>
+        </p:nvSpPr>
+        <p:spPr>
+          <a:xfrm>
+            <a:off x="365124" y="692554"/>
+            <a:ext cx="7597776" cy="234950"/>
+          </a:xfrm>
+        </p:spPr>
+        <p:txBody>
+          <a:bodyPr anchor="t" anchorCtr="0"/>
+          <a:lstStyle>
+            <a:lvl1pPr marL="0" indent="0">
+              <a:spcAft>
+                <a:spcPts val="0"/>
+              </a:spcAft>
+              <a:buNone/>
+              <a:defRPr sz="1800"/>
+            </a:lvl1pPr>
+            <a:lvl2pPr marL="271463" indent="0">
+              <a:buNone/>
+              <a:defRPr/>
+            </a:lvl2pPr>
+            <a:lvl3pPr marL="533400" indent="0">
+              <a:buNone/>
+              <a:defRPr/>
+            </a:lvl3pPr>
+            <a:lvl4pPr marL="815975" indent="0">
+              <a:buNone/>
+              <a:defRPr/>
+            </a:lvl4pPr>
+            <a:lvl5pPr marL="1104900" indent="0">
+              <a:buNone/>
+              <a:defRPr/>
+            </a:lvl5pPr>
+          </a:lstStyle>
+          <a:p>
+            <a:pPr lvl="0"/>
+            <a:r>
+              <a:rPr lang="en-US" dirty="0"/>
+              <a:t>Subtitle here if required</a:t>
+            </a:r>
+          </a:p>
+        </p:txBody>
+      </p:sp>
+      <p:sp>
+        <p:nvSpPr>
+          <p:cNvPr id="9" name="Text Placeholder 5"/>
+          <p:cNvSpPr>
+            <a:spLocks noGrp="1"/>
+          </p:cNvSpPr>
+          <p:nvPr>
+            <p:ph type="body" sz="quarter" idx="18" hasCustomPrompt="1"/>
+          </p:nvPr>
+        </p:nvSpPr>
+        <p:spPr>
+          <a:xfrm>
+            <a:off x="369568" y="6058086"/>
+            <a:ext cx="8445820" cy="123111"/>
+          </a:xfrm>
+        </p:spPr>
+        <p:txBody>
+          <a:bodyPr wrap="square" anchor="b" anchorCtr="0">
+            <a:spAutoFit/>
+          </a:bodyPr>
+          <a:lstStyle>
+            <a:lvl1pPr marL="0" indent="0">
+              <a:buNone/>
+              <a:defRPr sz="800" baseline="0"/>
+            </a:lvl1pPr>
+            <a:lvl2pPr marL="268163" indent="0">
+              <a:buNone/>
+              <a:defRPr sz="800"/>
+            </a:lvl2pPr>
+            <a:lvl3pPr marL="540000" indent="0">
+              <a:buNone/>
+              <a:defRPr sz="800"/>
+            </a:lvl3pPr>
+            <a:lvl4pPr marL="811088" indent="0">
+              <a:buNone/>
+              <a:defRPr sz="800"/>
+            </a:lvl4pPr>
+            <a:lvl5pPr marL="1080000" indent="0">
+              <a:buNone/>
+              <a:defRPr sz="800"/>
+            </a:lvl5pPr>
+          </a:lstStyle>
+          <a:p>
+            <a:pPr lvl="0"/>
+            <a:r>
+              <a:rPr lang="en-US" dirty="0"/>
+              <a:t>Insert Source text here</a:t>
+            </a:r>
+          </a:p>
+        </p:txBody>
+      </p:sp>
+    </p:spTree>
+    <p:extLst>
+      <p:ext uri="{BB962C8B-B14F-4D97-AF65-F5344CB8AC3E}">
+        <p14:creationId xmlns:p14="http://schemas.microsoft.com/office/powerpoint/2010/main" val="3512332922"/>
       </p:ext>
     </p:extLst>
   </p:cSld>
@@ -14082,7 +14246,7 @@
             <a:fld id="{4B3D3EAA-4720-4AEB-A041-FA3C86592F29}" type="datetimeFigureOut">
               <a:rPr lang="en-US" smtClean="0"/>
               <a:pPr/>
-              <a:t>6/23/2019</a:t>
+              <a:t>7/3/2019</a:t>
             </a:fld>
             <a:endParaRPr lang="en-US"/>
           </a:p>
@@ -14145,360 +14309,6 @@
 </file>
 
 <file path=ppt/slideLayouts/slideLayout50.xml><?xml version="1.0" encoding="utf-8"?>
-<p:sldLayout xmlns:a="http://schemas.openxmlformats.org/drawingml/2006/main" xmlns:r="http://schemas.openxmlformats.org/officeDocument/2006/relationships" xmlns:p="http://schemas.openxmlformats.org/presentationml/2006/main" preserve="1">
-  <p:cSld name="Title and Content with Subheading">
-    <p:spTree>
-      <p:nvGrpSpPr>
-        <p:cNvPr id="1" name=""/>
-        <p:cNvGrpSpPr/>
-        <p:nvPr/>
-      </p:nvGrpSpPr>
-      <p:grpSpPr>
-        <a:xfrm>
-          <a:off x="0" y="0"/>
-          <a:ext cx="0" cy="0"/>
-          <a:chOff x="0" y="0"/>
-          <a:chExt cx="0" cy="0"/>
-        </a:xfrm>
-      </p:grpSpPr>
-      <p:sp>
-        <p:nvSpPr>
-          <p:cNvPr id="6" name="Title 5"/>
-          <p:cNvSpPr>
-            <a:spLocks noGrp="1"/>
-          </p:cNvSpPr>
-          <p:nvPr>
-            <p:ph type="title"/>
-          </p:nvPr>
-        </p:nvSpPr>
-        <p:spPr>
-          <a:xfrm>
-            <a:off x="365124" y="294810"/>
-            <a:ext cx="7577139" cy="338554"/>
-          </a:xfrm>
-        </p:spPr>
-        <p:txBody>
-          <a:bodyPr/>
-          <a:lstStyle/>
-          <a:p>
-            <a:r>
-              <a:rPr lang="en-US"/>
-              <a:t>Click to edit Master title style</a:t>
-            </a:r>
-            <a:endParaRPr lang="en-GB" dirty="0"/>
-          </a:p>
-        </p:txBody>
-      </p:sp>
-      <p:sp>
-        <p:nvSpPr>
-          <p:cNvPr id="10" name="Content Placeholder 9"/>
-          <p:cNvSpPr>
-            <a:spLocks noGrp="1"/>
-          </p:cNvSpPr>
-          <p:nvPr>
-            <p:ph sz="quarter" idx="19"/>
-          </p:nvPr>
-        </p:nvSpPr>
-        <p:spPr>
-          <a:xfrm>
-            <a:off x="365124" y="1533525"/>
-            <a:ext cx="8418513" cy="4456113"/>
-          </a:xfrm>
-        </p:spPr>
-        <p:txBody>
-          <a:bodyPr/>
-          <a:lstStyle/>
-          <a:p>
-            <a:pPr lvl="0"/>
-            <a:r>
-              <a:rPr lang="en-US"/>
-              <a:t>Click to edit Master text styles</a:t>
-            </a:r>
-          </a:p>
-          <a:p>
-            <a:pPr lvl="1"/>
-            <a:r>
-              <a:rPr lang="en-US"/>
-              <a:t>Second level</a:t>
-            </a:r>
-          </a:p>
-          <a:p>
-            <a:pPr lvl="2"/>
-            <a:r>
-              <a:rPr lang="en-US"/>
-              <a:t>Third level</a:t>
-            </a:r>
-          </a:p>
-          <a:p>
-            <a:pPr lvl="3"/>
-            <a:r>
-              <a:rPr lang="en-US"/>
-              <a:t>Fourth level</a:t>
-            </a:r>
-          </a:p>
-          <a:p>
-            <a:pPr lvl="4"/>
-            <a:r>
-              <a:rPr lang="en-US"/>
-              <a:t>Fifth level</a:t>
-            </a:r>
-            <a:endParaRPr lang="en-GB" dirty="0"/>
-          </a:p>
-        </p:txBody>
-      </p:sp>
-      <p:sp>
-        <p:nvSpPr>
-          <p:cNvPr id="11" name="Text Placeholder 2"/>
-          <p:cNvSpPr>
-            <a:spLocks noGrp="1"/>
-          </p:cNvSpPr>
-          <p:nvPr>
-            <p:ph type="body" sz="quarter" idx="13" hasCustomPrompt="1"/>
-          </p:nvPr>
-        </p:nvSpPr>
-        <p:spPr>
-          <a:xfrm>
-            <a:off x="365124" y="1184780"/>
-            <a:ext cx="8418513" cy="246221"/>
-          </a:xfrm>
-        </p:spPr>
-        <p:txBody>
-          <a:bodyPr anchor="t" anchorCtr="0">
-            <a:spAutoFit/>
-          </a:bodyPr>
-          <a:lstStyle>
-            <a:lvl1pPr marL="0" indent="0">
-              <a:spcAft>
-                <a:spcPts val="0"/>
-              </a:spcAft>
-              <a:buNone/>
-              <a:defRPr sz="1600" b="1">
-                <a:solidFill>
-                  <a:schemeClr val="bg2"/>
-                </a:solidFill>
-              </a:defRPr>
-            </a:lvl1pPr>
-            <a:lvl2pPr marL="271463" indent="0">
-              <a:buNone/>
-              <a:defRPr/>
-            </a:lvl2pPr>
-            <a:lvl3pPr marL="533400" indent="0">
-              <a:buNone/>
-              <a:defRPr/>
-            </a:lvl3pPr>
-            <a:lvl4pPr marL="815975" indent="0">
-              <a:buNone/>
-              <a:defRPr/>
-            </a:lvl4pPr>
-            <a:lvl5pPr marL="1104900" indent="0">
-              <a:buNone/>
-              <a:defRPr/>
-            </a:lvl5pPr>
-          </a:lstStyle>
-          <a:p>
-            <a:pPr lvl="0"/>
-            <a:r>
-              <a:rPr lang="en-US" dirty="0"/>
-              <a:t>Subheading here if required</a:t>
-            </a:r>
-          </a:p>
-        </p:txBody>
-      </p:sp>
-      <p:sp>
-        <p:nvSpPr>
-          <p:cNvPr id="5" name="Date Placeholder 4"/>
-          <p:cNvSpPr>
-            <a:spLocks noGrp="1"/>
-          </p:cNvSpPr>
-          <p:nvPr>
-            <p:ph type="dt" sz="half" idx="20"/>
-          </p:nvPr>
-        </p:nvSpPr>
-        <p:spPr/>
-        <p:txBody>
-          <a:bodyPr/>
-          <a:lstStyle/>
-          <a:p>
-            <a:endParaRPr lang="en-US">
-              <a:solidFill>
-                <a:srgbClr val="9A8B7D"/>
-              </a:solidFill>
-            </a:endParaRPr>
-          </a:p>
-        </p:txBody>
-      </p:sp>
-      <p:sp>
-        <p:nvSpPr>
-          <p:cNvPr id="7" name="Footer Placeholder 6"/>
-          <p:cNvSpPr>
-            <a:spLocks noGrp="1"/>
-          </p:cNvSpPr>
-          <p:nvPr>
-            <p:ph type="ftr" sz="quarter" idx="21"/>
-          </p:nvPr>
-        </p:nvSpPr>
-        <p:spPr/>
-        <p:txBody>
-          <a:bodyPr/>
-          <a:lstStyle/>
-          <a:p>
-            <a:endParaRPr lang="en-US">
-              <a:solidFill>
-                <a:srgbClr val="9A8B7D"/>
-              </a:solidFill>
-            </a:endParaRPr>
-          </a:p>
-        </p:txBody>
-      </p:sp>
-      <p:sp>
-        <p:nvSpPr>
-          <p:cNvPr id="8" name="Slide Number Placeholder 7"/>
-          <p:cNvSpPr>
-            <a:spLocks noGrp="1"/>
-          </p:cNvSpPr>
-          <p:nvPr>
-            <p:ph type="sldNum" sz="quarter" idx="22"/>
-          </p:nvPr>
-        </p:nvSpPr>
-        <p:spPr/>
-        <p:txBody>
-          <a:bodyPr/>
-          <a:lstStyle/>
-          <a:p>
-            <a:fld id="{0A838F34-1B32-4019-A24D-EF473E6901BC}" type="slidenum">
-              <a:rPr lang="en-US" smtClean="0">
-                <a:solidFill>
-                  <a:srgbClr val="9A8B7D"/>
-                </a:solidFill>
-              </a:rPr>
-              <a:pPr/>
-              <a:t>‹#›</a:t>
-            </a:fld>
-            <a:endParaRPr lang="en-US">
-              <a:solidFill>
-                <a:srgbClr val="9A8B7D"/>
-              </a:solidFill>
-            </a:endParaRPr>
-          </a:p>
-        </p:txBody>
-      </p:sp>
-      <p:sp>
-        <p:nvSpPr>
-          <p:cNvPr id="12" name="Text Placeholder 2"/>
-          <p:cNvSpPr>
-            <a:spLocks noGrp="1"/>
-          </p:cNvSpPr>
-          <p:nvPr>
-            <p:ph type="body" sz="quarter" idx="14" hasCustomPrompt="1"/>
-          </p:nvPr>
-        </p:nvSpPr>
-        <p:spPr>
-          <a:xfrm>
-            <a:off x="365124" y="692554"/>
-            <a:ext cx="7597776" cy="234950"/>
-          </a:xfrm>
-        </p:spPr>
-        <p:txBody>
-          <a:bodyPr anchor="t" anchorCtr="0"/>
-          <a:lstStyle>
-            <a:lvl1pPr marL="0" indent="0">
-              <a:spcAft>
-                <a:spcPts val="0"/>
-              </a:spcAft>
-              <a:buNone/>
-              <a:defRPr sz="1800"/>
-            </a:lvl1pPr>
-            <a:lvl2pPr marL="271463" indent="0">
-              <a:buNone/>
-              <a:defRPr/>
-            </a:lvl2pPr>
-            <a:lvl3pPr marL="533400" indent="0">
-              <a:buNone/>
-              <a:defRPr/>
-            </a:lvl3pPr>
-            <a:lvl4pPr marL="815975" indent="0">
-              <a:buNone/>
-              <a:defRPr/>
-            </a:lvl4pPr>
-            <a:lvl5pPr marL="1104900" indent="0">
-              <a:buNone/>
-              <a:defRPr/>
-            </a:lvl5pPr>
-          </a:lstStyle>
-          <a:p>
-            <a:pPr lvl="0"/>
-            <a:r>
-              <a:rPr lang="en-US" dirty="0"/>
-              <a:t>Subtitle here if required</a:t>
-            </a:r>
-          </a:p>
-        </p:txBody>
-      </p:sp>
-      <p:sp>
-        <p:nvSpPr>
-          <p:cNvPr id="9" name="Text Placeholder 5"/>
-          <p:cNvSpPr>
-            <a:spLocks noGrp="1"/>
-          </p:cNvSpPr>
-          <p:nvPr>
-            <p:ph type="body" sz="quarter" idx="18" hasCustomPrompt="1"/>
-          </p:nvPr>
-        </p:nvSpPr>
-        <p:spPr>
-          <a:xfrm>
-            <a:off x="369568" y="6058086"/>
-            <a:ext cx="8445820" cy="123111"/>
-          </a:xfrm>
-        </p:spPr>
-        <p:txBody>
-          <a:bodyPr wrap="square" anchor="b" anchorCtr="0">
-            <a:spAutoFit/>
-          </a:bodyPr>
-          <a:lstStyle>
-            <a:lvl1pPr marL="0" indent="0">
-              <a:buNone/>
-              <a:defRPr sz="800" baseline="0"/>
-            </a:lvl1pPr>
-            <a:lvl2pPr marL="268163" indent="0">
-              <a:buNone/>
-              <a:defRPr sz="800"/>
-            </a:lvl2pPr>
-            <a:lvl3pPr marL="540000" indent="0">
-              <a:buNone/>
-              <a:defRPr sz="800"/>
-            </a:lvl3pPr>
-            <a:lvl4pPr marL="811088" indent="0">
-              <a:buNone/>
-              <a:defRPr sz="800"/>
-            </a:lvl4pPr>
-            <a:lvl5pPr marL="1080000" indent="0">
-              <a:buNone/>
-              <a:defRPr sz="800"/>
-            </a:lvl5pPr>
-          </a:lstStyle>
-          <a:p>
-            <a:pPr lvl="0"/>
-            <a:r>
-              <a:rPr lang="en-US" dirty="0"/>
-              <a:t>Insert Source text here</a:t>
-            </a:r>
-          </a:p>
-        </p:txBody>
-      </p:sp>
-    </p:spTree>
-    <p:extLst>
-      <p:ext uri="{BB962C8B-B14F-4D97-AF65-F5344CB8AC3E}">
-        <p14:creationId xmlns:p14="http://schemas.microsoft.com/office/powerpoint/2010/main" val="3512332922"/>
-      </p:ext>
-    </p:extLst>
-  </p:cSld>
-  <p:clrMapOvr>
-    <a:masterClrMapping/>
-  </p:clrMapOvr>
-</p:sldLayout>
-</file>
-
-<file path=ppt/slideLayouts/slideLayout51.xml><?xml version="1.0" encoding="utf-8"?>
 <p:sldLayout xmlns:a="http://schemas.openxmlformats.org/drawingml/2006/main" xmlns:r="http://schemas.openxmlformats.org/officeDocument/2006/relationships" xmlns:p="http://schemas.openxmlformats.org/presentationml/2006/main" preserve="1">
   <p:cSld name="Large Bullet">
     <p:spTree>
@@ -14810,7 +14620,7 @@
 </p:sldLayout>
 </file>
 
-<file path=ppt/slideLayouts/slideLayout52.xml><?xml version="1.0" encoding="utf-8"?>
+<file path=ppt/slideLayouts/slideLayout51.xml><?xml version="1.0" encoding="utf-8"?>
 <p:sldLayout xmlns:a="http://schemas.openxmlformats.org/drawingml/2006/main" xmlns:r="http://schemas.openxmlformats.org/officeDocument/2006/relationships" xmlns:p="http://schemas.openxmlformats.org/presentationml/2006/main" showMasterSp="0" preserve="1">
   <p:cSld name="Section Header or Statement">
     <p:spTree>
@@ -15136,7 +14946,7 @@
 </p:sldLayout>
 </file>
 
-<file path=ppt/slideLayouts/slideLayout53.xml><?xml version="1.0" encoding="utf-8"?>
+<file path=ppt/slideLayouts/slideLayout52.xml><?xml version="1.0" encoding="utf-8"?>
 <p:sldLayout xmlns:a="http://schemas.openxmlformats.org/drawingml/2006/main" xmlns:r="http://schemas.openxmlformats.org/officeDocument/2006/relationships" xmlns:p="http://schemas.openxmlformats.org/presentationml/2006/main" preserve="1">
   <p:cSld name="Two Content">
     <p:spTree>
@@ -15540,7 +15350,7 @@
 </p:sldLayout>
 </file>
 
-<file path=ppt/slideLayouts/slideLayout54.xml><?xml version="1.0" encoding="utf-8"?>
+<file path=ppt/slideLayouts/slideLayout53.xml><?xml version="1.0" encoding="utf-8"?>
 <p:sldLayout xmlns:a="http://schemas.openxmlformats.org/drawingml/2006/main" xmlns:r="http://schemas.openxmlformats.org/officeDocument/2006/relationships" xmlns:p="http://schemas.openxmlformats.org/presentationml/2006/main" preserve="1">
   <p:cSld name="Comparison">
     <p:spTree>
@@ -16146,7 +15956,7 @@
 </p:sldLayout>
 </file>
 
-<file path=ppt/slideLayouts/slideLayout55.xml><?xml version="1.0" encoding="utf-8"?>
+<file path=ppt/slideLayouts/slideLayout54.xml><?xml version="1.0" encoding="utf-8"?>
 <p:sldLayout xmlns:a="http://schemas.openxmlformats.org/drawingml/2006/main" xmlns:r="http://schemas.openxmlformats.org/officeDocument/2006/relationships" xmlns:p="http://schemas.openxmlformats.org/presentationml/2006/main" preserve="1">
   <p:cSld name="Video Standard (4x3)">
     <p:spTree>
@@ -16378,7 +16188,7 @@
 </p:sldLayout>
 </file>
 
-<file path=ppt/slideLayouts/slideLayout56.xml><?xml version="1.0" encoding="utf-8"?>
+<file path=ppt/slideLayouts/slideLayout55.xml><?xml version="1.0" encoding="utf-8"?>
 <p:sldLayout xmlns:a="http://schemas.openxmlformats.org/drawingml/2006/main" xmlns:r="http://schemas.openxmlformats.org/officeDocument/2006/relationships" xmlns:p="http://schemas.openxmlformats.org/presentationml/2006/main" preserve="1">
   <p:cSld name="Video Widescreen (16 x 9)">
     <p:spTree>
@@ -16610,7 +16420,7 @@
 </p:sldLayout>
 </file>
 
-<file path=ppt/slideLayouts/slideLayout57.xml><?xml version="1.0" encoding="utf-8"?>
+<file path=ppt/slideLayouts/slideLayout56.xml><?xml version="1.0" encoding="utf-8"?>
 <p:sldLayout xmlns:a="http://schemas.openxmlformats.org/drawingml/2006/main" xmlns:r="http://schemas.openxmlformats.org/officeDocument/2006/relationships" xmlns:p="http://schemas.openxmlformats.org/presentationml/2006/main" preserve="1">
   <p:cSld name="Image and Text">
     <p:spTree>
@@ -16956,7 +16766,7 @@
 </p:sldLayout>
 </file>
 
-<file path=ppt/slideLayouts/slideLayout58.xml><?xml version="1.0" encoding="utf-8"?>
+<file path=ppt/slideLayouts/slideLayout57.xml><?xml version="1.0" encoding="utf-8"?>
 <p:sldLayout xmlns:a="http://schemas.openxmlformats.org/drawingml/2006/main" xmlns:r="http://schemas.openxmlformats.org/officeDocument/2006/relationships" xmlns:p="http://schemas.openxmlformats.org/presentationml/2006/main" preserve="1">
   <p:cSld name="Two Image and Text">
     <p:spTree>
@@ -17411,7 +17221,7 @@
 </p:sldLayout>
 </file>
 
-<file path=ppt/slideLayouts/slideLayout59.xml><?xml version="1.0" encoding="utf-8"?>
+<file path=ppt/slideLayouts/slideLayout58.xml><?xml version="1.0" encoding="utf-8"?>
 <p:sldLayout xmlns:a="http://schemas.openxmlformats.org/drawingml/2006/main" xmlns:r="http://schemas.openxmlformats.org/officeDocument/2006/relationships" xmlns:p="http://schemas.openxmlformats.org/presentationml/2006/main" preserve="1">
   <p:cSld name="Title Only">
     <p:spTree>
@@ -17590,6 +17400,149 @@
     <p:extLst>
       <p:ext uri="{BB962C8B-B14F-4D97-AF65-F5344CB8AC3E}">
         <p14:creationId xmlns:p14="http://schemas.microsoft.com/office/powerpoint/2010/main" val="1769190964"/>
+      </p:ext>
+    </p:extLst>
+  </p:cSld>
+  <p:clrMapOvr>
+    <a:masterClrMapping/>
+  </p:clrMapOvr>
+</p:sldLayout>
+</file>
+
+<file path=ppt/slideLayouts/slideLayout59.xml><?xml version="1.0" encoding="utf-8"?>
+<p:sldLayout xmlns:a="http://schemas.openxmlformats.org/drawingml/2006/main" xmlns:r="http://schemas.openxmlformats.org/officeDocument/2006/relationships" xmlns:p="http://schemas.openxmlformats.org/presentationml/2006/main" showMasterSp="0" type="blank" preserve="1">
+  <p:cSld name="Blank">
+    <p:spTree>
+      <p:nvGrpSpPr>
+        <p:cNvPr id="1" name=""/>
+        <p:cNvGrpSpPr/>
+        <p:nvPr/>
+      </p:nvGrpSpPr>
+      <p:grpSpPr>
+        <a:xfrm>
+          <a:off x="0" y="0"/>
+          <a:ext cx="0" cy="0"/>
+          <a:chOff x="0" y="0"/>
+          <a:chExt cx="0" cy="0"/>
+        </a:xfrm>
+      </p:grpSpPr>
+      <p:cxnSp>
+        <p:nvCxnSpPr>
+          <p:cNvPr id="20" name="Straight Connector 19"/>
+          <p:cNvCxnSpPr/>
+          <p:nvPr/>
+        </p:nvCxnSpPr>
+        <p:spPr>
+          <a:xfrm>
+            <a:off x="374650" y="6323289"/>
+            <a:ext cx="8416225" cy="0"/>
+          </a:xfrm>
+          <a:prstGeom prst="line">
+            <a:avLst/>
+          </a:prstGeom>
+          <a:ln w="12700">
+            <a:solidFill>
+              <a:schemeClr val="tx2"/>
+            </a:solidFill>
+          </a:ln>
+        </p:spPr>
+        <p:style>
+          <a:lnRef idx="1">
+            <a:schemeClr val="accent1"/>
+          </a:lnRef>
+          <a:fillRef idx="0">
+            <a:schemeClr val="accent1"/>
+          </a:fillRef>
+          <a:effectRef idx="0">
+            <a:schemeClr val="accent1"/>
+          </a:effectRef>
+          <a:fontRef idx="minor">
+            <a:schemeClr val="tx1"/>
+          </a:fontRef>
+        </p:style>
+      </p:cxnSp>
+      <p:sp>
+        <p:nvSpPr>
+          <p:cNvPr id="5" name="Date Placeholder 4"/>
+          <p:cNvSpPr>
+            <a:spLocks noGrp="1"/>
+          </p:cNvSpPr>
+          <p:nvPr>
+            <p:ph type="dt" sz="half" idx="10"/>
+          </p:nvPr>
+        </p:nvSpPr>
+        <p:spPr/>
+        <p:txBody>
+          <a:bodyPr/>
+          <a:lstStyle/>
+          <a:p>
+            <a:endParaRPr lang="en-US">
+              <a:solidFill>
+                <a:srgbClr val="9A8B7D"/>
+              </a:solidFill>
+            </a:endParaRPr>
+          </a:p>
+        </p:txBody>
+      </p:sp>
+      <p:sp>
+        <p:nvSpPr>
+          <p:cNvPr id="6" name="Footer Placeholder 5"/>
+          <p:cNvSpPr>
+            <a:spLocks noGrp="1"/>
+          </p:cNvSpPr>
+          <p:nvPr>
+            <p:ph type="ftr" sz="quarter" idx="11"/>
+          </p:nvPr>
+        </p:nvSpPr>
+        <p:spPr/>
+        <p:txBody>
+          <a:bodyPr/>
+          <a:lstStyle/>
+          <a:p>
+            <a:endParaRPr lang="en-US">
+              <a:solidFill>
+                <a:srgbClr val="9A8B7D"/>
+              </a:solidFill>
+            </a:endParaRPr>
+          </a:p>
+        </p:txBody>
+      </p:sp>
+      <p:sp>
+        <p:nvSpPr>
+          <p:cNvPr id="7" name="Slide Number Placeholder 6"/>
+          <p:cNvSpPr>
+            <a:spLocks noGrp="1"/>
+          </p:cNvSpPr>
+          <p:nvPr>
+            <p:ph type="sldNum" sz="quarter" idx="12"/>
+          </p:nvPr>
+        </p:nvSpPr>
+        <p:spPr/>
+        <p:txBody>
+          <a:bodyPr/>
+          <a:lstStyle/>
+          <a:p>
+            <a:fld id="{0A838F34-1B32-4019-A24D-EF473E6901BC}" type="slidenum">
+              <a:rPr lang="en-US" smtClean="0">
+                <a:solidFill>
+                  <a:srgbClr val="9A8B7D"/>
+                </a:solidFill>
+              </a:rPr>
+              <a:pPr/>
+              <a:t>‹#›</a:t>
+            </a:fld>
+            <a:endParaRPr lang="en-US">
+              <a:solidFill>
+                <a:srgbClr val="9A8B7D"/>
+              </a:solidFill>
+            </a:endParaRPr>
+          </a:p>
+        </p:txBody>
+      </p:sp>
+    </p:spTree>
+    <p:extLst>
+      <p:ext uri="{BB962C8B-B14F-4D97-AF65-F5344CB8AC3E}">
+        <p14:creationId xmlns:p14="http://schemas.microsoft.com/office/powerpoint/2010/main" val="1448223630"/>
       </p:ext>
     </p:extLst>
   </p:cSld>
@@ -17711,7 +17664,7 @@
             <a:fld id="{4B3D3EAA-4720-4AEB-A041-FA3C86592F29}" type="datetimeFigureOut">
               <a:rPr lang="en-US" smtClean="0"/>
               <a:pPr/>
-              <a:t>6/23/2019</a:t>
+              <a:t>7/3/2019</a:t>
             </a:fld>
             <a:endParaRPr lang="en-US"/>
           </a:p>
@@ -17797,149 +17750,6 @@
 </file>
 
 <file path=ppt/slideLayouts/slideLayout60.xml><?xml version="1.0" encoding="utf-8"?>
-<p:sldLayout xmlns:a="http://schemas.openxmlformats.org/drawingml/2006/main" xmlns:r="http://schemas.openxmlformats.org/officeDocument/2006/relationships" xmlns:p="http://schemas.openxmlformats.org/presentationml/2006/main" showMasterSp="0" type="blank" preserve="1">
-  <p:cSld name="Blank">
-    <p:spTree>
-      <p:nvGrpSpPr>
-        <p:cNvPr id="1" name=""/>
-        <p:cNvGrpSpPr/>
-        <p:nvPr/>
-      </p:nvGrpSpPr>
-      <p:grpSpPr>
-        <a:xfrm>
-          <a:off x="0" y="0"/>
-          <a:ext cx="0" cy="0"/>
-          <a:chOff x="0" y="0"/>
-          <a:chExt cx="0" cy="0"/>
-        </a:xfrm>
-      </p:grpSpPr>
-      <p:cxnSp>
-        <p:nvCxnSpPr>
-          <p:cNvPr id="20" name="Straight Connector 19"/>
-          <p:cNvCxnSpPr/>
-          <p:nvPr/>
-        </p:nvCxnSpPr>
-        <p:spPr>
-          <a:xfrm>
-            <a:off x="374650" y="6323289"/>
-            <a:ext cx="8416225" cy="0"/>
-          </a:xfrm>
-          <a:prstGeom prst="line">
-            <a:avLst/>
-          </a:prstGeom>
-          <a:ln w="12700">
-            <a:solidFill>
-              <a:schemeClr val="tx2"/>
-            </a:solidFill>
-          </a:ln>
-        </p:spPr>
-        <p:style>
-          <a:lnRef idx="1">
-            <a:schemeClr val="accent1"/>
-          </a:lnRef>
-          <a:fillRef idx="0">
-            <a:schemeClr val="accent1"/>
-          </a:fillRef>
-          <a:effectRef idx="0">
-            <a:schemeClr val="accent1"/>
-          </a:effectRef>
-          <a:fontRef idx="minor">
-            <a:schemeClr val="tx1"/>
-          </a:fontRef>
-        </p:style>
-      </p:cxnSp>
-      <p:sp>
-        <p:nvSpPr>
-          <p:cNvPr id="5" name="Date Placeholder 4"/>
-          <p:cNvSpPr>
-            <a:spLocks noGrp="1"/>
-          </p:cNvSpPr>
-          <p:nvPr>
-            <p:ph type="dt" sz="half" idx="10"/>
-          </p:nvPr>
-        </p:nvSpPr>
-        <p:spPr/>
-        <p:txBody>
-          <a:bodyPr/>
-          <a:lstStyle/>
-          <a:p>
-            <a:endParaRPr lang="en-US">
-              <a:solidFill>
-                <a:srgbClr val="9A8B7D"/>
-              </a:solidFill>
-            </a:endParaRPr>
-          </a:p>
-        </p:txBody>
-      </p:sp>
-      <p:sp>
-        <p:nvSpPr>
-          <p:cNvPr id="6" name="Footer Placeholder 5"/>
-          <p:cNvSpPr>
-            <a:spLocks noGrp="1"/>
-          </p:cNvSpPr>
-          <p:nvPr>
-            <p:ph type="ftr" sz="quarter" idx="11"/>
-          </p:nvPr>
-        </p:nvSpPr>
-        <p:spPr/>
-        <p:txBody>
-          <a:bodyPr/>
-          <a:lstStyle/>
-          <a:p>
-            <a:endParaRPr lang="en-US">
-              <a:solidFill>
-                <a:srgbClr val="9A8B7D"/>
-              </a:solidFill>
-            </a:endParaRPr>
-          </a:p>
-        </p:txBody>
-      </p:sp>
-      <p:sp>
-        <p:nvSpPr>
-          <p:cNvPr id="7" name="Slide Number Placeholder 6"/>
-          <p:cNvSpPr>
-            <a:spLocks noGrp="1"/>
-          </p:cNvSpPr>
-          <p:nvPr>
-            <p:ph type="sldNum" sz="quarter" idx="12"/>
-          </p:nvPr>
-        </p:nvSpPr>
-        <p:spPr/>
-        <p:txBody>
-          <a:bodyPr/>
-          <a:lstStyle/>
-          <a:p>
-            <a:fld id="{0A838F34-1B32-4019-A24D-EF473E6901BC}" type="slidenum">
-              <a:rPr lang="en-US" smtClean="0">
-                <a:solidFill>
-                  <a:srgbClr val="9A8B7D"/>
-                </a:solidFill>
-              </a:rPr>
-              <a:pPr/>
-              <a:t>‹#›</a:t>
-            </a:fld>
-            <a:endParaRPr lang="en-US">
-              <a:solidFill>
-                <a:srgbClr val="9A8B7D"/>
-              </a:solidFill>
-            </a:endParaRPr>
-          </a:p>
-        </p:txBody>
-      </p:sp>
-    </p:spTree>
-    <p:extLst>
-      <p:ext uri="{BB962C8B-B14F-4D97-AF65-F5344CB8AC3E}">
-        <p14:creationId xmlns:p14="http://schemas.microsoft.com/office/powerpoint/2010/main" val="1448223630"/>
-      </p:ext>
-    </p:extLst>
-  </p:cSld>
-  <p:clrMapOvr>
-    <a:masterClrMapping/>
-  </p:clrMapOvr>
-</p:sldLayout>
-</file>
-
-<file path=ppt/slideLayouts/slideLayout61.xml><?xml version="1.0" encoding="utf-8"?>
 <p:sldLayout xmlns:a="http://schemas.openxmlformats.org/drawingml/2006/main" xmlns:r="http://schemas.openxmlformats.org/officeDocument/2006/relationships" xmlns:p="http://schemas.openxmlformats.org/presentationml/2006/main" type="objAndTwoObj">
   <p:cSld name="Title, Content, and 2 Content">
     <p:spTree>
@@ -18160,7 +17970,7 @@
 </p:sldLayout>
 </file>
 
-<file path=ppt/slideLayouts/slideLayout62.xml><?xml version="1.0" encoding="utf-8"?>
+<file path=ppt/slideLayouts/slideLayout61.xml><?xml version="1.0" encoding="utf-8"?>
 <p:sldLayout xmlns:a="http://schemas.openxmlformats.org/drawingml/2006/main" xmlns:r="http://schemas.openxmlformats.org/officeDocument/2006/relationships" xmlns:p="http://schemas.openxmlformats.org/presentationml/2006/main" type="twoObj">
   <p:cSld name="1_Two Content">
     <p:spTree>
@@ -18375,7 +18185,7 @@
 </p:sldLayout>
 </file>
 
-<file path=ppt/slideLayouts/slideLayout63.xml><?xml version="1.0" encoding="utf-8"?>
+<file path=ppt/slideLayouts/slideLayout62.xml><?xml version="1.0" encoding="utf-8"?>
 <p:sldLayout xmlns:a="http://schemas.openxmlformats.org/drawingml/2006/main" xmlns:r="http://schemas.openxmlformats.org/officeDocument/2006/relationships" xmlns:p="http://schemas.openxmlformats.org/presentationml/2006/main">
   <p:cSld name="2_Title and Content">
     <p:spTree>
@@ -18779,7 +18589,7 @@
             <a:fld id="{4B3D3EAA-4720-4AEB-A041-FA3C86592F29}" type="datetimeFigureOut">
               <a:rPr lang="en-US" smtClean="0"/>
               <a:pPr/>
-              <a:t>6/23/2019</a:t>
+              <a:t>7/3/2019</a:t>
             </a:fld>
             <a:endParaRPr lang="en-US"/>
           </a:p>
@@ -19126,7 +18936,7 @@
             <a:fld id="{4B3D3EAA-4720-4AEB-A041-FA3C86592F29}" type="datetimeFigureOut">
               <a:rPr lang="en-US" smtClean="0"/>
               <a:pPr/>
-              <a:t>6/23/2019</a:t>
+              <a:t>7/3/2019</a:t>
             </a:fld>
             <a:endParaRPr lang="en-US"/>
           </a:p>
@@ -19559,7 +19369,7 @@
             <a:fld id="{4B3D3EAA-4720-4AEB-A041-FA3C86592F29}" type="datetimeFigureOut">
               <a:rPr lang="en-US" smtClean="0"/>
               <a:pPr/>
-              <a:t>6/23/2019</a:t>
+              <a:t>7/3/2019</a:t>
             </a:fld>
             <a:endParaRPr lang="en-US"/>
           </a:p>
@@ -19825,7 +19635,7 @@
           <p:nvPr/>
         </p:nvPicPr>
         <p:blipFill>
-          <a:blip r:embed="rId17" cstate="screen">
+          <a:blip r:embed="rId16" cstate="screen">
             <a:extLst>
               <a:ext uri="{28A0092B-C50C-407E-A947-70E740481C1C}">
                 <a14:useLocalDpi xmlns:a14="http://schemas.microsoft.com/office/drawing/2010/main" val="0"/>
@@ -19880,7 +19690,7 @@
             <a:fld id="{4B3D3EAA-4720-4AEB-A041-FA3C86592F29}" type="datetimeFigureOut">
               <a:rPr lang="en-US" smtClean="0"/>
               <a:pPr/>
-              <a:t>6/23/2019</a:t>
+              <a:t>7/3/2019</a:t>
             </a:fld>
             <a:endParaRPr lang="en-US"/>
           </a:p>
@@ -19979,7 +19789,6 @@
     <p:sldLayoutId id="2147483672" r:id="rId12"/>
     <p:sldLayoutId id="2147483673" r:id="rId13"/>
     <p:sldLayoutId id="2147483674" r:id="rId14"/>
-    <p:sldLayoutId id="2147483732" r:id="rId15"/>
   </p:sldLayoutIdLst>
   <p:txStyles>
     <p:titleStyle>
@@ -22868,6 +22677,1478 @@
 </p:sld>
 </file>
 
+<file path=ppt/slides/slide10.xml><?xml version="1.0" encoding="utf-8"?>
+<p:sld xmlns:a="http://schemas.openxmlformats.org/drawingml/2006/main" xmlns:r="http://schemas.openxmlformats.org/officeDocument/2006/relationships" xmlns:p="http://schemas.openxmlformats.org/presentationml/2006/main">
+  <p:cSld>
+    <p:spTree>
+      <p:nvGrpSpPr>
+        <p:cNvPr id="1" name=""/>
+        <p:cNvGrpSpPr/>
+        <p:nvPr/>
+      </p:nvGrpSpPr>
+      <p:grpSpPr>
+        <a:xfrm>
+          <a:off x="0" y="0"/>
+          <a:ext cx="0" cy="0"/>
+          <a:chOff x="0" y="0"/>
+          <a:chExt cx="0" cy="0"/>
+        </a:xfrm>
+      </p:grpSpPr>
+      <p:sp>
+        <p:nvSpPr>
+          <p:cNvPr id="2" name="Title 1">
+            <a:extLst>
+              <a:ext uri="{FF2B5EF4-FFF2-40B4-BE49-F238E27FC236}">
+                <a16:creationId xmlns:a16="http://schemas.microsoft.com/office/drawing/2014/main" id="{574B80C0-A477-46C7-B9F7-F97B27AD71E5}"/>
+              </a:ext>
+            </a:extLst>
+          </p:cNvPr>
+          <p:cNvSpPr>
+            <a:spLocks noGrp="1"/>
+          </p:cNvSpPr>
+          <p:nvPr>
+            <p:ph type="title"/>
+          </p:nvPr>
+        </p:nvSpPr>
+        <p:spPr/>
+        <p:txBody>
+          <a:bodyPr/>
+          <a:lstStyle/>
+          <a:p>
+            <a:r>
+              <a:rPr lang="en-US" dirty="0"/>
+              <a:t>Fig 12 – for TOC only</a:t>
+            </a:r>
+          </a:p>
+        </p:txBody>
+      </p:sp>
+      <p:sp>
+        <p:nvSpPr>
+          <p:cNvPr id="3" name="Content Placeholder 2">
+            <a:extLst>
+              <a:ext uri="{FF2B5EF4-FFF2-40B4-BE49-F238E27FC236}">
+                <a16:creationId xmlns:a16="http://schemas.microsoft.com/office/drawing/2014/main" id="{22EB8D57-F8A8-4B05-B48C-8672F185B284}"/>
+              </a:ext>
+            </a:extLst>
+          </p:cNvPr>
+          <p:cNvSpPr>
+            <a:spLocks noGrp="1"/>
+          </p:cNvSpPr>
+          <p:nvPr>
+            <p:ph sz="quarter" idx="12"/>
+          </p:nvPr>
+        </p:nvSpPr>
+        <p:spPr/>
+        <p:txBody>
+          <a:bodyPr/>
+          <a:lstStyle/>
+          <a:p>
+            <a:endParaRPr lang="en-US"/>
+          </a:p>
+        </p:txBody>
+      </p:sp>
+      <p:sp>
+        <p:nvSpPr>
+          <p:cNvPr id="4" name="Text Placeholder 3">
+            <a:extLst>
+              <a:ext uri="{FF2B5EF4-FFF2-40B4-BE49-F238E27FC236}">
+                <a16:creationId xmlns:a16="http://schemas.microsoft.com/office/drawing/2014/main" id="{6FDA88AB-F3E7-4769-B7FB-98E26B90D74E}"/>
+              </a:ext>
+            </a:extLst>
+          </p:cNvPr>
+          <p:cNvSpPr>
+            <a:spLocks noGrp="1"/>
+          </p:cNvSpPr>
+          <p:nvPr>
+            <p:ph type="body" sz="quarter" idx="14"/>
+          </p:nvPr>
+        </p:nvSpPr>
+        <p:spPr/>
+        <p:txBody>
+          <a:bodyPr/>
+          <a:lstStyle/>
+          <a:p>
+            <a:r>
+              <a:rPr lang="en-US" dirty="0"/>
+              <a:t>Adapted from previously approved presentation</a:t>
+            </a:r>
+          </a:p>
+        </p:txBody>
+      </p:sp>
+      <p:sp>
+        <p:nvSpPr>
+          <p:cNvPr id="5" name="Slide Number Placeholder 4">
+            <a:extLst>
+              <a:ext uri="{FF2B5EF4-FFF2-40B4-BE49-F238E27FC236}">
+                <a16:creationId xmlns:a16="http://schemas.microsoft.com/office/drawing/2014/main" id="{7ECD4E95-8C2C-40B8-B2A4-6B8D50F06B37}"/>
+              </a:ext>
+            </a:extLst>
+          </p:cNvPr>
+          <p:cNvSpPr>
+            <a:spLocks noGrp="1"/>
+          </p:cNvSpPr>
+          <p:nvPr>
+            <p:ph type="sldNum" sz="quarter" idx="17"/>
+          </p:nvPr>
+        </p:nvSpPr>
+        <p:spPr/>
+        <p:txBody>
+          <a:bodyPr/>
+          <a:lstStyle/>
+          <a:p>
+            <a:fld id="{0A838F34-1B32-4019-A24D-EF473E6901BC}" type="slidenum">
+              <a:rPr lang="en-US" smtClean="0">
+                <a:solidFill>
+                  <a:srgbClr val="9A8B7D"/>
+                </a:solidFill>
+              </a:rPr>
+              <a:pPr/>
+              <a:t>10</a:t>
+            </a:fld>
+            <a:endParaRPr lang="en-US">
+              <a:solidFill>
+                <a:srgbClr val="9A8B7D"/>
+              </a:solidFill>
+            </a:endParaRPr>
+          </a:p>
+        </p:txBody>
+      </p:sp>
+      <p:sp>
+        <p:nvSpPr>
+          <p:cNvPr id="6" name="Text Placeholder 5">
+            <a:extLst>
+              <a:ext uri="{FF2B5EF4-FFF2-40B4-BE49-F238E27FC236}">
+                <a16:creationId xmlns:a16="http://schemas.microsoft.com/office/drawing/2014/main" id="{DE7D406E-3C6A-4FD0-ADEF-BFEE416529FE}"/>
+              </a:ext>
+            </a:extLst>
+          </p:cNvPr>
+          <p:cNvSpPr>
+            <a:spLocks noGrp="1"/>
+          </p:cNvSpPr>
+          <p:nvPr>
+            <p:ph type="body" sz="quarter" idx="18"/>
+          </p:nvPr>
+        </p:nvSpPr>
+        <p:spPr/>
+        <p:txBody>
+          <a:bodyPr/>
+          <a:lstStyle/>
+          <a:p>
+            <a:endParaRPr lang="en-US"/>
+          </a:p>
+        </p:txBody>
+      </p:sp>
+      <p:pic>
+        <p:nvPicPr>
+          <p:cNvPr id="7" name="Picture 6">
+            <a:extLst>
+              <a:ext uri="{FF2B5EF4-FFF2-40B4-BE49-F238E27FC236}">
+                <a16:creationId xmlns:a16="http://schemas.microsoft.com/office/drawing/2014/main" id="{938FC906-CDC9-44AB-9A84-A0FFB7A6485D}"/>
+              </a:ext>
+            </a:extLst>
+          </p:cNvPr>
+          <p:cNvPicPr>
+            <a:picLocks noChangeAspect="1"/>
+          </p:cNvPicPr>
+          <p:nvPr/>
+        </p:nvPicPr>
+        <p:blipFill>
+          <a:blip r:embed="rId2"/>
+          <a:stretch>
+            <a:fillRect/>
+          </a:stretch>
+        </p:blipFill>
+        <p:spPr>
+          <a:xfrm>
+            <a:off x="783772" y="1142422"/>
+            <a:ext cx="7315200" cy="4733925"/>
+          </a:xfrm>
+          <a:prstGeom prst="rect">
+            <a:avLst/>
+          </a:prstGeom>
+        </p:spPr>
+      </p:pic>
+    </p:spTree>
+    <p:extLst>
+      <p:ext uri="{BB962C8B-B14F-4D97-AF65-F5344CB8AC3E}">
+        <p14:creationId xmlns:p14="http://schemas.microsoft.com/office/powerpoint/2010/main" val="881506163"/>
+      </p:ext>
+    </p:extLst>
+  </p:cSld>
+  <p:clrMapOvr>
+    <a:masterClrMapping/>
+  </p:clrMapOvr>
+</p:sld>
+</file>
+
+<file path=ppt/slides/slide11.xml><?xml version="1.0" encoding="utf-8"?>
+<p:sld xmlns:a="http://schemas.openxmlformats.org/drawingml/2006/main" xmlns:r="http://schemas.openxmlformats.org/officeDocument/2006/relationships" xmlns:p="http://schemas.openxmlformats.org/presentationml/2006/main">
+  <p:cSld>
+    <p:spTree>
+      <p:nvGrpSpPr>
+        <p:cNvPr id="1" name=""/>
+        <p:cNvGrpSpPr/>
+        <p:nvPr/>
+      </p:nvGrpSpPr>
+      <p:grpSpPr>
+        <a:xfrm>
+          <a:off x="0" y="0"/>
+          <a:ext cx="0" cy="0"/>
+          <a:chOff x="0" y="0"/>
+          <a:chExt cx="0" cy="0"/>
+        </a:xfrm>
+      </p:grpSpPr>
+      <p:sp>
+        <p:nvSpPr>
+          <p:cNvPr id="2" name="Title 1">
+            <a:extLst>
+              <a:ext uri="{FF2B5EF4-FFF2-40B4-BE49-F238E27FC236}">
+                <a16:creationId xmlns:a16="http://schemas.microsoft.com/office/drawing/2014/main" id="{ADD86CF3-6BD7-4785-9C72-12D91F6268E9}"/>
+              </a:ext>
+            </a:extLst>
+          </p:cNvPr>
+          <p:cNvSpPr>
+            <a:spLocks noGrp="1"/>
+          </p:cNvSpPr>
+          <p:nvPr>
+            <p:ph type="title"/>
+          </p:nvPr>
+        </p:nvSpPr>
+        <p:spPr>
+          <a:xfrm>
+            <a:off x="5556738" y="294810"/>
+            <a:ext cx="2385525" cy="677108"/>
+          </a:xfrm>
+        </p:spPr>
+        <p:txBody>
+          <a:bodyPr/>
+          <a:lstStyle/>
+          <a:p>
+            <a:r>
+              <a:rPr lang="en-US" dirty="0"/>
+              <a:t>SI fig 1 – moved from paper</a:t>
+            </a:r>
+          </a:p>
+        </p:txBody>
+      </p:sp>
+      <p:sp>
+        <p:nvSpPr>
+          <p:cNvPr id="4" name="Text Placeholder 3">
+            <a:extLst>
+              <a:ext uri="{FF2B5EF4-FFF2-40B4-BE49-F238E27FC236}">
+                <a16:creationId xmlns:a16="http://schemas.microsoft.com/office/drawing/2014/main" id="{35D5203C-BF37-43EB-8628-5EC51F83FCD1}"/>
+              </a:ext>
+            </a:extLst>
+          </p:cNvPr>
+          <p:cNvSpPr>
+            <a:spLocks noGrp="1"/>
+          </p:cNvSpPr>
+          <p:nvPr>
+            <p:ph type="body" sz="quarter" idx="14"/>
+          </p:nvPr>
+        </p:nvSpPr>
+        <p:spPr>
+          <a:xfrm>
+            <a:off x="5491287" y="1486372"/>
+            <a:ext cx="3049811" cy="3467464"/>
+          </a:xfrm>
+        </p:spPr>
+        <p:txBody>
+          <a:bodyPr/>
+          <a:lstStyle/>
+          <a:p>
+            <a:r>
+              <a:rPr lang="en-US" dirty="0"/>
+              <a:t>Structures redrawn, design changed</a:t>
+            </a:r>
+          </a:p>
+          <a:p>
+            <a:r>
+              <a:rPr lang="en-US" dirty="0"/>
+              <a:t>Bookmark “3ring SI scafwalk2” in Spotfire file “chemblntd_gsk_TCAMS_RG_frames_eLNB_v2.dxp”  </a:t>
+            </a:r>
+          </a:p>
+        </p:txBody>
+      </p:sp>
+      <p:sp>
+        <p:nvSpPr>
+          <p:cNvPr id="5" name="Slide Number Placeholder 4">
+            <a:extLst>
+              <a:ext uri="{FF2B5EF4-FFF2-40B4-BE49-F238E27FC236}">
+                <a16:creationId xmlns:a16="http://schemas.microsoft.com/office/drawing/2014/main" id="{2BD1CA81-88EF-49B9-BD91-BDE54B583C83}"/>
+              </a:ext>
+            </a:extLst>
+          </p:cNvPr>
+          <p:cNvSpPr>
+            <a:spLocks noGrp="1"/>
+          </p:cNvSpPr>
+          <p:nvPr>
+            <p:ph type="sldNum" sz="quarter" idx="17"/>
+          </p:nvPr>
+        </p:nvSpPr>
+        <p:spPr/>
+        <p:txBody>
+          <a:bodyPr/>
+          <a:lstStyle/>
+          <a:p>
+            <a:fld id="{0A838F34-1B32-4019-A24D-EF473E6901BC}" type="slidenum">
+              <a:rPr lang="en-US" smtClean="0">
+                <a:solidFill>
+                  <a:srgbClr val="9A8B7D"/>
+                </a:solidFill>
+              </a:rPr>
+              <a:pPr/>
+              <a:t>11</a:t>
+            </a:fld>
+            <a:endParaRPr lang="en-US">
+              <a:solidFill>
+                <a:srgbClr val="9A8B7D"/>
+              </a:solidFill>
+            </a:endParaRPr>
+          </a:p>
+        </p:txBody>
+      </p:sp>
+      <p:sp>
+        <p:nvSpPr>
+          <p:cNvPr id="6" name="Text Placeholder 5">
+            <a:extLst>
+              <a:ext uri="{FF2B5EF4-FFF2-40B4-BE49-F238E27FC236}">
+                <a16:creationId xmlns:a16="http://schemas.microsoft.com/office/drawing/2014/main" id="{4BB4FB4E-7BB1-4975-982B-0F82149489A9}"/>
+              </a:ext>
+            </a:extLst>
+          </p:cNvPr>
+          <p:cNvSpPr>
+            <a:spLocks noGrp="1"/>
+          </p:cNvSpPr>
+          <p:nvPr>
+            <p:ph type="body" sz="quarter" idx="18"/>
+          </p:nvPr>
+        </p:nvSpPr>
+        <p:spPr/>
+        <p:txBody>
+          <a:bodyPr/>
+          <a:lstStyle/>
+          <a:p>
+            <a:endParaRPr lang="en-US"/>
+          </a:p>
+        </p:txBody>
+      </p:sp>
+      <p:pic>
+        <p:nvPicPr>
+          <p:cNvPr id="7" name="Picture 6">
+            <a:extLst>
+              <a:ext uri="{FF2B5EF4-FFF2-40B4-BE49-F238E27FC236}">
+                <a16:creationId xmlns:a16="http://schemas.microsoft.com/office/drawing/2014/main" id="{7476E98A-797B-469D-8F7C-94C92DC200B4}"/>
+              </a:ext>
+            </a:extLst>
+          </p:cNvPr>
+          <p:cNvPicPr>
+            <a:picLocks noChangeAspect="1"/>
+          </p:cNvPicPr>
+          <p:nvPr/>
+        </p:nvPicPr>
+        <p:blipFill>
+          <a:blip r:embed="rId2"/>
+          <a:stretch>
+            <a:fillRect/>
+          </a:stretch>
+        </p:blipFill>
+        <p:spPr>
+          <a:xfrm>
+            <a:off x="0" y="70338"/>
+            <a:ext cx="5430999" cy="6858000"/>
+          </a:xfrm>
+          <a:prstGeom prst="rect">
+            <a:avLst/>
+          </a:prstGeom>
+        </p:spPr>
+      </p:pic>
+    </p:spTree>
+    <p:extLst>
+      <p:ext uri="{BB962C8B-B14F-4D97-AF65-F5344CB8AC3E}">
+        <p14:creationId xmlns:p14="http://schemas.microsoft.com/office/powerpoint/2010/main" val="1167183198"/>
+      </p:ext>
+    </p:extLst>
+  </p:cSld>
+  <p:clrMapOvr>
+    <a:masterClrMapping/>
+  </p:clrMapOvr>
+</p:sld>
+</file>
+
+<file path=ppt/slides/slide12.xml><?xml version="1.0" encoding="utf-8"?>
+<p:sld xmlns:a="http://schemas.openxmlformats.org/drawingml/2006/main" xmlns:r="http://schemas.openxmlformats.org/officeDocument/2006/relationships" xmlns:p="http://schemas.openxmlformats.org/presentationml/2006/main">
+  <p:cSld>
+    <p:spTree>
+      <p:nvGrpSpPr>
+        <p:cNvPr id="1" name=""/>
+        <p:cNvGrpSpPr/>
+        <p:nvPr/>
+      </p:nvGrpSpPr>
+      <p:grpSpPr>
+        <a:xfrm>
+          <a:off x="0" y="0"/>
+          <a:ext cx="0" cy="0"/>
+          <a:chOff x="0" y="0"/>
+          <a:chExt cx="0" cy="0"/>
+        </a:xfrm>
+      </p:grpSpPr>
+      <p:sp>
+        <p:nvSpPr>
+          <p:cNvPr id="2" name="Title 1">
+            <a:extLst>
+              <a:ext uri="{FF2B5EF4-FFF2-40B4-BE49-F238E27FC236}">
+                <a16:creationId xmlns:a16="http://schemas.microsoft.com/office/drawing/2014/main" id="{53597647-007D-478F-B50C-EC66D272D6DA}"/>
+              </a:ext>
+            </a:extLst>
+          </p:cNvPr>
+          <p:cNvSpPr>
+            <a:spLocks noGrp="1"/>
+          </p:cNvSpPr>
+          <p:nvPr>
+            <p:ph type="title"/>
+          </p:nvPr>
+        </p:nvSpPr>
+        <p:spPr>
+          <a:xfrm>
+            <a:off x="5731011" y="294809"/>
+            <a:ext cx="2211252" cy="677108"/>
+          </a:xfrm>
+        </p:spPr>
+        <p:txBody>
+          <a:bodyPr/>
+          <a:lstStyle/>
+          <a:p>
+            <a:r>
+              <a:rPr lang="en-US" dirty="0"/>
+              <a:t>SI Fig 2 – moved from paper</a:t>
+            </a:r>
+          </a:p>
+        </p:txBody>
+      </p:sp>
+      <p:sp>
+        <p:nvSpPr>
+          <p:cNvPr id="3" name="Content Placeholder 2">
+            <a:extLst>
+              <a:ext uri="{FF2B5EF4-FFF2-40B4-BE49-F238E27FC236}">
+                <a16:creationId xmlns:a16="http://schemas.microsoft.com/office/drawing/2014/main" id="{3172409D-1241-47AF-AAD2-F4D17C079BC2}"/>
+              </a:ext>
+            </a:extLst>
+          </p:cNvPr>
+          <p:cNvSpPr>
+            <a:spLocks noGrp="1"/>
+          </p:cNvSpPr>
+          <p:nvPr>
+            <p:ph sz="quarter" idx="12"/>
+          </p:nvPr>
+        </p:nvSpPr>
+        <p:spPr/>
+        <p:txBody>
+          <a:bodyPr/>
+          <a:lstStyle/>
+          <a:p>
+            <a:endParaRPr lang="en-US" dirty="0"/>
+          </a:p>
+        </p:txBody>
+      </p:sp>
+      <p:sp>
+        <p:nvSpPr>
+          <p:cNvPr id="4" name="Text Placeholder 3">
+            <a:extLst>
+              <a:ext uri="{FF2B5EF4-FFF2-40B4-BE49-F238E27FC236}">
+                <a16:creationId xmlns:a16="http://schemas.microsoft.com/office/drawing/2014/main" id="{4181DECA-693B-4579-83AE-670C83F0DED4}"/>
+              </a:ext>
+            </a:extLst>
+          </p:cNvPr>
+          <p:cNvSpPr>
+            <a:spLocks noGrp="1"/>
+          </p:cNvSpPr>
+          <p:nvPr>
+            <p:ph type="body" sz="quarter" idx="14"/>
+          </p:nvPr>
+        </p:nvSpPr>
+        <p:spPr/>
+        <p:txBody>
+          <a:bodyPr/>
+          <a:lstStyle/>
+          <a:p>
+            <a:endParaRPr lang="en-US"/>
+          </a:p>
+        </p:txBody>
+      </p:sp>
+      <p:sp>
+        <p:nvSpPr>
+          <p:cNvPr id="5" name="Slide Number Placeholder 4">
+            <a:extLst>
+              <a:ext uri="{FF2B5EF4-FFF2-40B4-BE49-F238E27FC236}">
+                <a16:creationId xmlns:a16="http://schemas.microsoft.com/office/drawing/2014/main" id="{7B9016A9-DC8B-48BC-B36B-11D1A787B5E0}"/>
+              </a:ext>
+            </a:extLst>
+          </p:cNvPr>
+          <p:cNvSpPr>
+            <a:spLocks noGrp="1"/>
+          </p:cNvSpPr>
+          <p:nvPr>
+            <p:ph type="sldNum" sz="quarter" idx="17"/>
+          </p:nvPr>
+        </p:nvSpPr>
+        <p:spPr/>
+        <p:txBody>
+          <a:bodyPr/>
+          <a:lstStyle/>
+          <a:p>
+            <a:fld id="{0A838F34-1B32-4019-A24D-EF473E6901BC}" type="slidenum">
+              <a:rPr lang="en-US" smtClean="0">
+                <a:solidFill>
+                  <a:srgbClr val="9A8B7D"/>
+                </a:solidFill>
+              </a:rPr>
+              <a:pPr/>
+              <a:t>12</a:t>
+            </a:fld>
+            <a:endParaRPr lang="en-US">
+              <a:solidFill>
+                <a:srgbClr val="9A8B7D"/>
+              </a:solidFill>
+            </a:endParaRPr>
+          </a:p>
+        </p:txBody>
+      </p:sp>
+      <p:sp>
+        <p:nvSpPr>
+          <p:cNvPr id="6" name="Text Placeholder 5">
+            <a:extLst>
+              <a:ext uri="{FF2B5EF4-FFF2-40B4-BE49-F238E27FC236}">
+                <a16:creationId xmlns:a16="http://schemas.microsoft.com/office/drawing/2014/main" id="{F4309765-3331-4044-927D-6A602030FA30}"/>
+              </a:ext>
+            </a:extLst>
+          </p:cNvPr>
+          <p:cNvSpPr>
+            <a:spLocks noGrp="1"/>
+          </p:cNvSpPr>
+          <p:nvPr>
+            <p:ph type="body" sz="quarter" idx="18"/>
+          </p:nvPr>
+        </p:nvSpPr>
+        <p:spPr/>
+        <p:txBody>
+          <a:bodyPr/>
+          <a:lstStyle/>
+          <a:p>
+            <a:endParaRPr lang="en-US"/>
+          </a:p>
+        </p:txBody>
+      </p:sp>
+      <p:pic>
+        <p:nvPicPr>
+          <p:cNvPr id="7" name="Picture 6">
+            <a:extLst>
+              <a:ext uri="{FF2B5EF4-FFF2-40B4-BE49-F238E27FC236}">
+                <a16:creationId xmlns:a16="http://schemas.microsoft.com/office/drawing/2014/main" id="{1E597168-947D-469E-A316-E5264614B77F}"/>
+              </a:ext>
+            </a:extLst>
+          </p:cNvPr>
+          <p:cNvPicPr>
+            <a:picLocks noChangeAspect="1"/>
+          </p:cNvPicPr>
+          <p:nvPr/>
+        </p:nvPicPr>
+        <p:blipFill>
+          <a:blip r:embed="rId2"/>
+          <a:stretch>
+            <a:fillRect/>
+          </a:stretch>
+        </p:blipFill>
+        <p:spPr>
+          <a:xfrm>
+            <a:off x="358300" y="0"/>
+            <a:ext cx="5372711" cy="6858000"/>
+          </a:xfrm>
+          <a:prstGeom prst="rect">
+            <a:avLst/>
+          </a:prstGeom>
+        </p:spPr>
+      </p:pic>
+      <p:sp>
+        <p:nvSpPr>
+          <p:cNvPr id="8" name="Text Placeholder 3">
+            <a:extLst>
+              <a:ext uri="{FF2B5EF4-FFF2-40B4-BE49-F238E27FC236}">
+                <a16:creationId xmlns:a16="http://schemas.microsoft.com/office/drawing/2014/main" id="{52D79638-0884-4544-9B68-3B5755896263}"/>
+              </a:ext>
+            </a:extLst>
+          </p:cNvPr>
+          <p:cNvSpPr txBox="1">
+            <a:spLocks/>
+          </p:cNvSpPr>
+          <p:nvPr/>
+        </p:nvSpPr>
+        <p:spPr>
+          <a:xfrm>
+            <a:off x="5762591" y="1757676"/>
+            <a:ext cx="3049811" cy="3467464"/>
+          </a:xfrm>
+          <a:prstGeom prst="rect">
+            <a:avLst/>
+          </a:prstGeom>
+        </p:spPr>
+        <p:txBody>
+          <a:bodyPr vert="horz" lIns="0" tIns="0" rIns="0" bIns="0" rtlCol="0" anchor="t" anchorCtr="0">
+            <a:noAutofit/>
+          </a:bodyPr>
+          <a:lstStyle>
+            <a:lvl1pPr marL="0" indent="0" algn="l" defTabSz="914400" rtl="0" eaLnBrk="1" latinLnBrk="0" hangingPunct="1">
+              <a:spcBef>
+                <a:spcPts val="0"/>
+              </a:spcBef>
+              <a:spcAft>
+                <a:spcPts val="0"/>
+              </a:spcAft>
+              <a:buClr>
+                <a:schemeClr val="tx1"/>
+              </a:buClr>
+              <a:buFont typeface="Arial" pitchFamily="34" charset="0"/>
+              <a:buNone/>
+              <a:defRPr sz="1800" kern="1200">
+                <a:solidFill>
+                  <a:schemeClr val="tx1"/>
+                </a:solidFill>
+                <a:latin typeface="+mn-lt"/>
+                <a:ea typeface="+mn-ea"/>
+                <a:cs typeface="+mn-cs"/>
+              </a:defRPr>
+            </a:lvl1pPr>
+            <a:lvl2pPr marL="271463" indent="0" algn="l" defTabSz="914400" rtl="0" eaLnBrk="1" latinLnBrk="0" hangingPunct="1">
+              <a:spcBef>
+                <a:spcPts val="0"/>
+              </a:spcBef>
+              <a:spcAft>
+                <a:spcPts val="600"/>
+              </a:spcAft>
+              <a:buFont typeface="Arial" pitchFamily="34" charset="0"/>
+              <a:buNone/>
+              <a:defRPr sz="1400" kern="1200">
+                <a:solidFill>
+                  <a:schemeClr val="tx1"/>
+                </a:solidFill>
+                <a:latin typeface="+mn-lt"/>
+                <a:ea typeface="+mn-ea"/>
+                <a:cs typeface="+mn-cs"/>
+              </a:defRPr>
+            </a:lvl2pPr>
+            <a:lvl3pPr marL="533400" indent="0" algn="l" defTabSz="914400" rtl="0" eaLnBrk="1" latinLnBrk="0" hangingPunct="1">
+              <a:spcBef>
+                <a:spcPts val="0"/>
+              </a:spcBef>
+              <a:spcAft>
+                <a:spcPts val="600"/>
+              </a:spcAft>
+              <a:buFont typeface="Arial" pitchFamily="34" charset="0"/>
+              <a:buNone/>
+              <a:defRPr sz="1200" kern="1200">
+                <a:solidFill>
+                  <a:schemeClr val="tx1"/>
+                </a:solidFill>
+                <a:latin typeface="+mn-lt"/>
+                <a:ea typeface="+mn-ea"/>
+                <a:cs typeface="+mn-cs"/>
+              </a:defRPr>
+            </a:lvl3pPr>
+            <a:lvl4pPr marL="815975" indent="0" algn="l" defTabSz="914400" rtl="0" eaLnBrk="1" latinLnBrk="0" hangingPunct="1">
+              <a:spcBef>
+                <a:spcPts val="0"/>
+              </a:spcBef>
+              <a:spcAft>
+                <a:spcPts val="600"/>
+              </a:spcAft>
+              <a:buFont typeface="Arial" pitchFamily="34" charset="0"/>
+              <a:buNone/>
+              <a:defRPr sz="1200" kern="1200">
+                <a:solidFill>
+                  <a:schemeClr val="tx1"/>
+                </a:solidFill>
+                <a:latin typeface="+mn-lt"/>
+                <a:ea typeface="+mn-ea"/>
+                <a:cs typeface="+mn-cs"/>
+              </a:defRPr>
+            </a:lvl4pPr>
+            <a:lvl5pPr marL="1104900" indent="0" algn="l" defTabSz="914400" rtl="0" eaLnBrk="1" latinLnBrk="0" hangingPunct="1">
+              <a:spcBef>
+                <a:spcPts val="0"/>
+              </a:spcBef>
+              <a:spcAft>
+                <a:spcPts val="600"/>
+              </a:spcAft>
+              <a:buFont typeface="Arial" pitchFamily="34" charset="0"/>
+              <a:buNone/>
+              <a:defRPr sz="1200" b="0" kern="1200">
+                <a:solidFill>
+                  <a:schemeClr val="tx1"/>
+                </a:solidFill>
+                <a:latin typeface="+mn-lt"/>
+                <a:ea typeface="+mn-ea"/>
+                <a:cs typeface="+mn-cs"/>
+              </a:defRPr>
+            </a:lvl5pPr>
+            <a:lvl6pPr marL="1620000" indent="-270000" algn="l" defTabSz="914400" rtl="0" eaLnBrk="1" latinLnBrk="0" hangingPunct="1">
+              <a:spcBef>
+                <a:spcPts val="0"/>
+              </a:spcBef>
+              <a:spcAft>
+                <a:spcPts val="600"/>
+              </a:spcAft>
+              <a:buFont typeface="Arial" pitchFamily="34" charset="0"/>
+              <a:buChar char="–"/>
+              <a:defRPr sz="1200" kern="1200">
+                <a:solidFill>
+                  <a:schemeClr val="tx1"/>
+                </a:solidFill>
+                <a:latin typeface="+mn-lt"/>
+                <a:ea typeface="+mn-ea"/>
+                <a:cs typeface="+mn-cs"/>
+              </a:defRPr>
+            </a:lvl6pPr>
+            <a:lvl7pPr marL="1800000" indent="-270000" algn="l" defTabSz="914400" rtl="0" eaLnBrk="1" latinLnBrk="0" hangingPunct="1">
+              <a:spcBef>
+                <a:spcPts val="0"/>
+              </a:spcBef>
+              <a:spcAft>
+                <a:spcPts val="600"/>
+              </a:spcAft>
+              <a:buFont typeface="Arial" pitchFamily="34" charset="0"/>
+              <a:buChar char="–"/>
+              <a:defRPr sz="1200" kern="1200">
+                <a:solidFill>
+                  <a:schemeClr val="tx1"/>
+                </a:solidFill>
+                <a:latin typeface="+mn-lt"/>
+                <a:ea typeface="+mn-ea"/>
+                <a:cs typeface="+mn-cs"/>
+              </a:defRPr>
+            </a:lvl7pPr>
+            <a:lvl8pPr marL="2070000" indent="-270000" algn="l" defTabSz="914400" rtl="0" eaLnBrk="1" latinLnBrk="0" hangingPunct="1">
+              <a:spcBef>
+                <a:spcPts val="0"/>
+              </a:spcBef>
+              <a:spcAft>
+                <a:spcPts val="600"/>
+              </a:spcAft>
+              <a:buFont typeface="Arial" pitchFamily="34" charset="0"/>
+              <a:buChar char="–"/>
+              <a:defRPr sz="1200" kern="1200">
+                <a:solidFill>
+                  <a:schemeClr val="tx1"/>
+                </a:solidFill>
+                <a:latin typeface="+mn-lt"/>
+                <a:ea typeface="+mn-ea"/>
+                <a:cs typeface="+mn-cs"/>
+              </a:defRPr>
+            </a:lvl8pPr>
+            <a:lvl9pPr marL="2340000" indent="-270000" algn="l" defTabSz="914400" rtl="0" eaLnBrk="1" latinLnBrk="0" hangingPunct="1">
+              <a:spcBef>
+                <a:spcPts val="0"/>
+              </a:spcBef>
+              <a:spcAft>
+                <a:spcPts val="600"/>
+              </a:spcAft>
+              <a:buFont typeface="Arial" pitchFamily="34" charset="0"/>
+              <a:buChar char="–"/>
+              <a:defRPr sz="1200" kern="1200">
+                <a:solidFill>
+                  <a:schemeClr val="tx1"/>
+                </a:solidFill>
+                <a:latin typeface="+mn-lt"/>
+                <a:ea typeface="+mn-ea"/>
+                <a:cs typeface="+mn-cs"/>
+              </a:defRPr>
+            </a:lvl9pPr>
+          </a:lstStyle>
+          <a:p>
+            <a:r>
+              <a:rPr lang="en-US" dirty="0"/>
+              <a:t>Structures redrawn, design changed</a:t>
+            </a:r>
+          </a:p>
+          <a:p>
+            <a:r>
+              <a:rPr lang="en-US" dirty="0"/>
+              <a:t>Bookmark “3ring SI scafwalk3” in Spotfire file “chemblntd_gsk_TCAMS_RG_frames_eLNB_v2.dxp”  </a:t>
+            </a:r>
+          </a:p>
+        </p:txBody>
+      </p:sp>
+    </p:spTree>
+    <p:extLst>
+      <p:ext uri="{BB962C8B-B14F-4D97-AF65-F5344CB8AC3E}">
+        <p14:creationId xmlns:p14="http://schemas.microsoft.com/office/powerpoint/2010/main" val="4086508981"/>
+      </p:ext>
+    </p:extLst>
+  </p:cSld>
+  <p:clrMapOvr>
+    <a:masterClrMapping/>
+  </p:clrMapOvr>
+</p:sld>
+</file>
+
+<file path=ppt/slides/slide13.xml><?xml version="1.0" encoding="utf-8"?>
+<p:sld xmlns:a="http://schemas.openxmlformats.org/drawingml/2006/main" xmlns:r="http://schemas.openxmlformats.org/officeDocument/2006/relationships" xmlns:p="http://schemas.openxmlformats.org/presentationml/2006/main">
+  <p:cSld>
+    <p:spTree>
+      <p:nvGrpSpPr>
+        <p:cNvPr id="1" name=""/>
+        <p:cNvGrpSpPr/>
+        <p:nvPr/>
+      </p:nvGrpSpPr>
+      <p:grpSpPr>
+        <a:xfrm>
+          <a:off x="0" y="0"/>
+          <a:ext cx="0" cy="0"/>
+          <a:chOff x="0" y="0"/>
+          <a:chExt cx="0" cy="0"/>
+        </a:xfrm>
+      </p:grpSpPr>
+      <p:sp>
+        <p:nvSpPr>
+          <p:cNvPr id="2" name="Title 1">
+            <a:extLst>
+              <a:ext uri="{FF2B5EF4-FFF2-40B4-BE49-F238E27FC236}">
+                <a16:creationId xmlns:a16="http://schemas.microsoft.com/office/drawing/2014/main" id="{B5922C14-0D0E-4838-8996-98CF46135B70}"/>
+              </a:ext>
+            </a:extLst>
+          </p:cNvPr>
+          <p:cNvSpPr>
+            <a:spLocks noGrp="1"/>
+          </p:cNvSpPr>
+          <p:nvPr>
+            <p:ph type="title"/>
+          </p:nvPr>
+        </p:nvSpPr>
+        <p:spPr/>
+        <p:txBody>
+          <a:bodyPr/>
+          <a:lstStyle/>
+          <a:p>
+            <a:r>
+              <a:rPr lang="en-US" dirty="0"/>
+              <a:t>SI figure 3 – moved from main paper</a:t>
+            </a:r>
+          </a:p>
+        </p:txBody>
+      </p:sp>
+      <p:sp>
+        <p:nvSpPr>
+          <p:cNvPr id="3" name="Content Placeholder 2">
+            <a:extLst>
+              <a:ext uri="{FF2B5EF4-FFF2-40B4-BE49-F238E27FC236}">
+                <a16:creationId xmlns:a16="http://schemas.microsoft.com/office/drawing/2014/main" id="{1BA3BD2A-E8E7-4888-93E5-160672849501}"/>
+              </a:ext>
+            </a:extLst>
+          </p:cNvPr>
+          <p:cNvSpPr>
+            <a:spLocks noGrp="1"/>
+          </p:cNvSpPr>
+          <p:nvPr>
+            <p:ph sz="quarter" idx="12"/>
+          </p:nvPr>
+        </p:nvSpPr>
+        <p:spPr/>
+        <p:txBody>
+          <a:bodyPr/>
+          <a:lstStyle/>
+          <a:p>
+            <a:endParaRPr lang="en-US"/>
+          </a:p>
+        </p:txBody>
+      </p:sp>
+      <p:sp>
+        <p:nvSpPr>
+          <p:cNvPr id="4" name="Text Placeholder 3">
+            <a:extLst>
+              <a:ext uri="{FF2B5EF4-FFF2-40B4-BE49-F238E27FC236}">
+                <a16:creationId xmlns:a16="http://schemas.microsoft.com/office/drawing/2014/main" id="{5A0282DE-31FF-4FD7-BD78-1E7EA3E93210}"/>
+              </a:ext>
+            </a:extLst>
+          </p:cNvPr>
+          <p:cNvSpPr>
+            <a:spLocks noGrp="1"/>
+          </p:cNvSpPr>
+          <p:nvPr>
+            <p:ph type="body" sz="quarter" idx="14"/>
+          </p:nvPr>
+        </p:nvSpPr>
+        <p:spPr>
+          <a:xfrm>
+            <a:off x="6565899" y="1335647"/>
+            <a:ext cx="2222499" cy="2673643"/>
+          </a:xfrm>
+        </p:spPr>
+        <p:txBody>
+          <a:bodyPr/>
+          <a:lstStyle/>
+          <a:p>
+            <a:r>
+              <a:rPr lang="en-US" dirty="0"/>
+              <a:t>Structure rendering improved, figure simplified, cluster member exemplars and alignment may have changed slightly without affecting the message</a:t>
+            </a:r>
+          </a:p>
+        </p:txBody>
+      </p:sp>
+      <p:sp>
+        <p:nvSpPr>
+          <p:cNvPr id="5" name="Slide Number Placeholder 4">
+            <a:extLst>
+              <a:ext uri="{FF2B5EF4-FFF2-40B4-BE49-F238E27FC236}">
+                <a16:creationId xmlns:a16="http://schemas.microsoft.com/office/drawing/2014/main" id="{8C57C74F-D730-447C-B180-FEFD31F2BB40}"/>
+              </a:ext>
+            </a:extLst>
+          </p:cNvPr>
+          <p:cNvSpPr>
+            <a:spLocks noGrp="1"/>
+          </p:cNvSpPr>
+          <p:nvPr>
+            <p:ph type="sldNum" sz="quarter" idx="17"/>
+          </p:nvPr>
+        </p:nvSpPr>
+        <p:spPr/>
+        <p:txBody>
+          <a:bodyPr/>
+          <a:lstStyle/>
+          <a:p>
+            <a:fld id="{0A838F34-1B32-4019-A24D-EF473E6901BC}" type="slidenum">
+              <a:rPr lang="en-US" smtClean="0">
+                <a:solidFill>
+                  <a:srgbClr val="9A8B7D"/>
+                </a:solidFill>
+              </a:rPr>
+              <a:pPr/>
+              <a:t>13</a:t>
+            </a:fld>
+            <a:endParaRPr lang="en-US">
+              <a:solidFill>
+                <a:srgbClr val="9A8B7D"/>
+              </a:solidFill>
+            </a:endParaRPr>
+          </a:p>
+        </p:txBody>
+      </p:sp>
+      <p:sp>
+        <p:nvSpPr>
+          <p:cNvPr id="6" name="Text Placeholder 5">
+            <a:extLst>
+              <a:ext uri="{FF2B5EF4-FFF2-40B4-BE49-F238E27FC236}">
+                <a16:creationId xmlns:a16="http://schemas.microsoft.com/office/drawing/2014/main" id="{9759F64F-C100-44CF-A202-96C30E98ECE3}"/>
+              </a:ext>
+            </a:extLst>
+          </p:cNvPr>
+          <p:cNvSpPr>
+            <a:spLocks noGrp="1"/>
+          </p:cNvSpPr>
+          <p:nvPr>
+            <p:ph type="body" sz="quarter" idx="18"/>
+          </p:nvPr>
+        </p:nvSpPr>
+        <p:spPr/>
+        <p:txBody>
+          <a:bodyPr/>
+          <a:lstStyle/>
+          <a:p>
+            <a:endParaRPr lang="en-US"/>
+          </a:p>
+        </p:txBody>
+      </p:sp>
+      <p:pic>
+        <p:nvPicPr>
+          <p:cNvPr id="8" name="Picture 7">
+            <a:extLst>
+              <a:ext uri="{FF2B5EF4-FFF2-40B4-BE49-F238E27FC236}">
+                <a16:creationId xmlns:a16="http://schemas.microsoft.com/office/drawing/2014/main" id="{A77F387E-4AFB-4507-B9A6-61DDB3660BD2}"/>
+              </a:ext>
+            </a:extLst>
+          </p:cNvPr>
+          <p:cNvPicPr>
+            <a:picLocks noChangeAspect="1"/>
+          </p:cNvPicPr>
+          <p:nvPr/>
+        </p:nvPicPr>
+        <p:blipFill>
+          <a:blip r:embed="rId2"/>
+          <a:stretch>
+            <a:fillRect/>
+          </a:stretch>
+        </p:blipFill>
+        <p:spPr>
+          <a:xfrm>
+            <a:off x="235669" y="923925"/>
+            <a:ext cx="6200775" cy="5010150"/>
+          </a:xfrm>
+          <a:prstGeom prst="rect">
+            <a:avLst/>
+          </a:prstGeom>
+        </p:spPr>
+      </p:pic>
+    </p:spTree>
+    <p:extLst>
+      <p:ext uri="{BB962C8B-B14F-4D97-AF65-F5344CB8AC3E}">
+        <p14:creationId xmlns:p14="http://schemas.microsoft.com/office/powerpoint/2010/main" val="2438658657"/>
+      </p:ext>
+    </p:extLst>
+  </p:cSld>
+  <p:clrMapOvr>
+    <a:masterClrMapping/>
+  </p:clrMapOvr>
+</p:sld>
+</file>
+
+<file path=ppt/slides/slide14.xml><?xml version="1.0" encoding="utf-8"?>
+<p:sld xmlns:a="http://schemas.openxmlformats.org/drawingml/2006/main" xmlns:r="http://schemas.openxmlformats.org/officeDocument/2006/relationships" xmlns:p="http://schemas.openxmlformats.org/presentationml/2006/main">
+  <p:cSld>
+    <p:spTree>
+      <p:nvGrpSpPr>
+        <p:cNvPr id="1" name=""/>
+        <p:cNvGrpSpPr/>
+        <p:nvPr/>
+      </p:nvGrpSpPr>
+      <p:grpSpPr>
+        <a:xfrm>
+          <a:off x="0" y="0"/>
+          <a:ext cx="0" cy="0"/>
+          <a:chOff x="0" y="0"/>
+          <a:chExt cx="0" cy="0"/>
+        </a:xfrm>
+      </p:grpSpPr>
+      <p:sp>
+        <p:nvSpPr>
+          <p:cNvPr id="2" name="Title 1">
+            <a:extLst>
+              <a:ext uri="{FF2B5EF4-FFF2-40B4-BE49-F238E27FC236}">
+                <a16:creationId xmlns:a16="http://schemas.microsoft.com/office/drawing/2014/main" id="{5AD0E882-3E96-4277-8519-B135AF5AB8E7}"/>
+              </a:ext>
+            </a:extLst>
+          </p:cNvPr>
+          <p:cNvSpPr>
+            <a:spLocks noGrp="1"/>
+          </p:cNvSpPr>
+          <p:nvPr>
+            <p:ph type="title"/>
+          </p:nvPr>
+        </p:nvSpPr>
+        <p:spPr/>
+        <p:txBody>
+          <a:bodyPr/>
+          <a:lstStyle/>
+          <a:p>
+            <a:r>
+              <a:rPr lang="en-US" dirty="0"/>
+              <a:t>SI Figure 4</a:t>
+            </a:r>
+          </a:p>
+        </p:txBody>
+      </p:sp>
+      <p:sp>
+        <p:nvSpPr>
+          <p:cNvPr id="3" name="Content Placeholder 2">
+            <a:extLst>
+              <a:ext uri="{FF2B5EF4-FFF2-40B4-BE49-F238E27FC236}">
+                <a16:creationId xmlns:a16="http://schemas.microsoft.com/office/drawing/2014/main" id="{FEA87189-D7A1-483C-BD1C-13F3112C6444}"/>
+              </a:ext>
+            </a:extLst>
+          </p:cNvPr>
+          <p:cNvSpPr>
+            <a:spLocks noGrp="1"/>
+          </p:cNvSpPr>
+          <p:nvPr>
+            <p:ph sz="quarter" idx="12"/>
+          </p:nvPr>
+        </p:nvSpPr>
+        <p:spPr/>
+        <p:txBody>
+          <a:bodyPr/>
+          <a:lstStyle/>
+          <a:p>
+            <a:endParaRPr lang="en-US" dirty="0"/>
+          </a:p>
+        </p:txBody>
+      </p:sp>
+      <p:sp>
+        <p:nvSpPr>
+          <p:cNvPr id="4" name="Text Placeholder 3">
+            <a:extLst>
+              <a:ext uri="{FF2B5EF4-FFF2-40B4-BE49-F238E27FC236}">
+                <a16:creationId xmlns:a16="http://schemas.microsoft.com/office/drawing/2014/main" id="{41DD7737-6D48-4E12-8F2C-7436332B051B}"/>
+              </a:ext>
+            </a:extLst>
+          </p:cNvPr>
+          <p:cNvSpPr>
+            <a:spLocks noGrp="1"/>
+          </p:cNvSpPr>
+          <p:nvPr>
+            <p:ph type="body" sz="quarter" idx="14"/>
+          </p:nvPr>
+        </p:nvSpPr>
+        <p:spPr>
+          <a:xfrm>
+            <a:off x="365124" y="1516516"/>
+            <a:ext cx="2551620" cy="3407176"/>
+          </a:xfrm>
+        </p:spPr>
+        <p:txBody>
+          <a:bodyPr/>
+          <a:lstStyle/>
+          <a:p>
+            <a:r>
+              <a:rPr lang="en-US" dirty="0"/>
+              <a:t>Structure and framework rendering improved</a:t>
+            </a:r>
+          </a:p>
+          <a:p>
+            <a:r>
+              <a:rPr lang="en-US" dirty="0"/>
+              <a:t>Data otherwise the same</a:t>
+            </a:r>
+          </a:p>
+          <a:p>
+            <a:r>
+              <a:rPr lang="en-US" dirty="0"/>
+              <a:t>As previously approved</a:t>
+            </a:r>
+          </a:p>
+          <a:p>
+            <a:r>
+              <a:rPr lang="en-US" dirty="0"/>
+              <a:t>See bookmark “mol1_536182_frame_pies” in file “chemblntd_gsk_TCAMS_RG_frames_eLNB_v2.dxp”  </a:t>
+            </a:r>
+          </a:p>
+        </p:txBody>
+      </p:sp>
+      <p:sp>
+        <p:nvSpPr>
+          <p:cNvPr id="5" name="Slide Number Placeholder 4">
+            <a:extLst>
+              <a:ext uri="{FF2B5EF4-FFF2-40B4-BE49-F238E27FC236}">
+                <a16:creationId xmlns:a16="http://schemas.microsoft.com/office/drawing/2014/main" id="{113578BE-8A31-4556-92E8-B20ED3DDAC1D}"/>
+              </a:ext>
+            </a:extLst>
+          </p:cNvPr>
+          <p:cNvSpPr>
+            <a:spLocks noGrp="1"/>
+          </p:cNvSpPr>
+          <p:nvPr>
+            <p:ph type="sldNum" sz="quarter" idx="17"/>
+          </p:nvPr>
+        </p:nvSpPr>
+        <p:spPr/>
+        <p:txBody>
+          <a:bodyPr/>
+          <a:lstStyle/>
+          <a:p>
+            <a:fld id="{0A838F34-1B32-4019-A24D-EF473E6901BC}" type="slidenum">
+              <a:rPr lang="en-US" smtClean="0">
+                <a:solidFill>
+                  <a:srgbClr val="9A8B7D"/>
+                </a:solidFill>
+              </a:rPr>
+              <a:pPr/>
+              <a:t>14</a:t>
+            </a:fld>
+            <a:endParaRPr lang="en-US">
+              <a:solidFill>
+                <a:srgbClr val="9A8B7D"/>
+              </a:solidFill>
+            </a:endParaRPr>
+          </a:p>
+        </p:txBody>
+      </p:sp>
+      <p:sp>
+        <p:nvSpPr>
+          <p:cNvPr id="6" name="Text Placeholder 5">
+            <a:extLst>
+              <a:ext uri="{FF2B5EF4-FFF2-40B4-BE49-F238E27FC236}">
+                <a16:creationId xmlns:a16="http://schemas.microsoft.com/office/drawing/2014/main" id="{BAC48014-4308-479A-AAFB-C0B5FB8C2DFF}"/>
+              </a:ext>
+            </a:extLst>
+          </p:cNvPr>
+          <p:cNvSpPr>
+            <a:spLocks noGrp="1"/>
+          </p:cNvSpPr>
+          <p:nvPr>
+            <p:ph type="body" sz="quarter" idx="18"/>
+          </p:nvPr>
+        </p:nvSpPr>
+        <p:spPr/>
+        <p:txBody>
+          <a:bodyPr/>
+          <a:lstStyle/>
+          <a:p>
+            <a:endParaRPr lang="en-US"/>
+          </a:p>
+        </p:txBody>
+      </p:sp>
+      <p:pic>
+        <p:nvPicPr>
+          <p:cNvPr id="7" name="Picture 6">
+            <a:extLst>
+              <a:ext uri="{FF2B5EF4-FFF2-40B4-BE49-F238E27FC236}">
+                <a16:creationId xmlns:a16="http://schemas.microsoft.com/office/drawing/2014/main" id="{45FAA92D-D527-4F2D-9C95-D868159B8739}"/>
+              </a:ext>
+            </a:extLst>
+          </p:cNvPr>
+          <p:cNvPicPr>
+            <a:picLocks noChangeAspect="1"/>
+          </p:cNvPicPr>
+          <p:nvPr/>
+        </p:nvPicPr>
+        <p:blipFill>
+          <a:blip r:embed="rId2"/>
+          <a:stretch>
+            <a:fillRect/>
+          </a:stretch>
+        </p:blipFill>
+        <p:spPr>
+          <a:xfrm>
+            <a:off x="2916744" y="300753"/>
+            <a:ext cx="5219700" cy="5629275"/>
+          </a:xfrm>
+          <a:prstGeom prst="rect">
+            <a:avLst/>
+          </a:prstGeom>
+        </p:spPr>
+      </p:pic>
+    </p:spTree>
+    <p:extLst>
+      <p:ext uri="{BB962C8B-B14F-4D97-AF65-F5344CB8AC3E}">
+        <p14:creationId xmlns:p14="http://schemas.microsoft.com/office/powerpoint/2010/main" val="3533202626"/>
+      </p:ext>
+    </p:extLst>
+  </p:cSld>
+  <p:clrMapOvr>
+    <a:masterClrMapping/>
+  </p:clrMapOvr>
+</p:sld>
+</file>
+
+<file path=ppt/slides/slide15.xml><?xml version="1.0" encoding="utf-8"?>
+<p:sld xmlns:a="http://schemas.openxmlformats.org/drawingml/2006/main" xmlns:r="http://schemas.openxmlformats.org/officeDocument/2006/relationships" xmlns:p="http://schemas.openxmlformats.org/presentationml/2006/main">
+  <p:cSld>
+    <p:spTree>
+      <p:nvGrpSpPr>
+        <p:cNvPr id="1" name=""/>
+        <p:cNvGrpSpPr/>
+        <p:nvPr/>
+      </p:nvGrpSpPr>
+      <p:grpSpPr>
+        <a:xfrm>
+          <a:off x="0" y="0"/>
+          <a:ext cx="0" cy="0"/>
+          <a:chOff x="0" y="0"/>
+          <a:chExt cx="0" cy="0"/>
+        </a:xfrm>
+      </p:grpSpPr>
+      <p:sp>
+        <p:nvSpPr>
+          <p:cNvPr id="2" name="Title 1">
+            <a:extLst>
+              <a:ext uri="{FF2B5EF4-FFF2-40B4-BE49-F238E27FC236}">
+                <a16:creationId xmlns:a16="http://schemas.microsoft.com/office/drawing/2014/main" id="{2F9B1E29-ADDA-456C-90AB-5ED7C3698BAD}"/>
+              </a:ext>
+            </a:extLst>
+          </p:cNvPr>
+          <p:cNvSpPr>
+            <a:spLocks noGrp="1"/>
+          </p:cNvSpPr>
+          <p:nvPr>
+            <p:ph type="title"/>
+          </p:nvPr>
+        </p:nvSpPr>
+        <p:spPr/>
+        <p:txBody>
+          <a:bodyPr/>
+          <a:lstStyle/>
+          <a:p>
+            <a:r>
+              <a:rPr lang="en-US" dirty="0"/>
+              <a:t>SI Figure 5</a:t>
+            </a:r>
+          </a:p>
+        </p:txBody>
+      </p:sp>
+      <p:sp>
+        <p:nvSpPr>
+          <p:cNvPr id="3" name="Content Placeholder 2">
+            <a:extLst>
+              <a:ext uri="{FF2B5EF4-FFF2-40B4-BE49-F238E27FC236}">
+                <a16:creationId xmlns:a16="http://schemas.microsoft.com/office/drawing/2014/main" id="{84AB6F58-DAB2-46D9-8DD5-0E30D80A2B8C}"/>
+              </a:ext>
+            </a:extLst>
+          </p:cNvPr>
+          <p:cNvSpPr>
+            <a:spLocks noGrp="1"/>
+          </p:cNvSpPr>
+          <p:nvPr>
+            <p:ph sz="quarter" idx="12"/>
+          </p:nvPr>
+        </p:nvSpPr>
+        <p:spPr/>
+        <p:txBody>
+          <a:bodyPr/>
+          <a:lstStyle/>
+          <a:p>
+            <a:endParaRPr lang="en-US"/>
+          </a:p>
+        </p:txBody>
+      </p:sp>
+      <p:sp>
+        <p:nvSpPr>
+          <p:cNvPr id="4" name="Text Placeholder 3">
+            <a:extLst>
+              <a:ext uri="{FF2B5EF4-FFF2-40B4-BE49-F238E27FC236}">
+                <a16:creationId xmlns:a16="http://schemas.microsoft.com/office/drawing/2014/main" id="{EA378804-7906-4075-A1A4-C69CDB6CFB52}"/>
+              </a:ext>
+            </a:extLst>
+          </p:cNvPr>
+          <p:cNvSpPr>
+            <a:spLocks noGrp="1"/>
+          </p:cNvSpPr>
+          <p:nvPr>
+            <p:ph type="body" sz="quarter" idx="14"/>
+          </p:nvPr>
+        </p:nvSpPr>
+        <p:spPr>
+          <a:xfrm>
+            <a:off x="5537199" y="1436132"/>
+            <a:ext cx="2722546" cy="1698954"/>
+          </a:xfrm>
+        </p:spPr>
+        <p:txBody>
+          <a:bodyPr/>
+          <a:lstStyle/>
+          <a:p>
+            <a:r>
+              <a:rPr lang="en-US" dirty="0"/>
+              <a:t>Structure and substructure rendering only</a:t>
+            </a:r>
+          </a:p>
+          <a:p>
+            <a:r>
+              <a:rPr lang="en-US" dirty="0"/>
+              <a:t>Bookmark “3ring benzyl </a:t>
+            </a:r>
+            <a:r>
+              <a:rPr lang="en-US" dirty="0" err="1"/>
+              <a:t>scafpie</a:t>
+            </a:r>
+            <a:r>
+              <a:rPr lang="en-US" dirty="0"/>
+              <a:t> 2overlap” in file “chemblntd_gsk_TCAMS_RG_frames_eLNB_v2.dxp”</a:t>
+            </a:r>
+          </a:p>
+        </p:txBody>
+      </p:sp>
+      <p:sp>
+        <p:nvSpPr>
+          <p:cNvPr id="5" name="Slide Number Placeholder 4">
+            <a:extLst>
+              <a:ext uri="{FF2B5EF4-FFF2-40B4-BE49-F238E27FC236}">
+                <a16:creationId xmlns:a16="http://schemas.microsoft.com/office/drawing/2014/main" id="{FBF5B1E0-E550-4DF8-8118-FE9144B57FEA}"/>
+              </a:ext>
+            </a:extLst>
+          </p:cNvPr>
+          <p:cNvSpPr>
+            <a:spLocks noGrp="1"/>
+          </p:cNvSpPr>
+          <p:nvPr>
+            <p:ph type="sldNum" sz="quarter" idx="17"/>
+          </p:nvPr>
+        </p:nvSpPr>
+        <p:spPr/>
+        <p:txBody>
+          <a:bodyPr/>
+          <a:lstStyle/>
+          <a:p>
+            <a:fld id="{0A838F34-1B32-4019-A24D-EF473E6901BC}" type="slidenum">
+              <a:rPr lang="en-US" smtClean="0">
+                <a:solidFill>
+                  <a:srgbClr val="9A8B7D"/>
+                </a:solidFill>
+              </a:rPr>
+              <a:pPr/>
+              <a:t>15</a:t>
+            </a:fld>
+            <a:endParaRPr lang="en-US">
+              <a:solidFill>
+                <a:srgbClr val="9A8B7D"/>
+              </a:solidFill>
+            </a:endParaRPr>
+          </a:p>
+        </p:txBody>
+      </p:sp>
+      <p:sp>
+        <p:nvSpPr>
+          <p:cNvPr id="6" name="Text Placeholder 5">
+            <a:extLst>
+              <a:ext uri="{FF2B5EF4-FFF2-40B4-BE49-F238E27FC236}">
+                <a16:creationId xmlns:a16="http://schemas.microsoft.com/office/drawing/2014/main" id="{541F42A4-A15F-46BC-84B5-4E8303C0A36C}"/>
+              </a:ext>
+            </a:extLst>
+          </p:cNvPr>
+          <p:cNvSpPr>
+            <a:spLocks noGrp="1"/>
+          </p:cNvSpPr>
+          <p:nvPr>
+            <p:ph type="body" sz="quarter" idx="18"/>
+          </p:nvPr>
+        </p:nvSpPr>
+        <p:spPr/>
+        <p:txBody>
+          <a:bodyPr/>
+          <a:lstStyle/>
+          <a:p>
+            <a:endParaRPr lang="en-US"/>
+          </a:p>
+        </p:txBody>
+      </p:sp>
+      <p:pic>
+        <p:nvPicPr>
+          <p:cNvPr id="7" name="Picture 6">
+            <a:extLst>
+              <a:ext uri="{FF2B5EF4-FFF2-40B4-BE49-F238E27FC236}">
+                <a16:creationId xmlns:a16="http://schemas.microsoft.com/office/drawing/2014/main" id="{819D83F1-ABB4-4D83-8893-8014461A2332}"/>
+              </a:ext>
+            </a:extLst>
+          </p:cNvPr>
+          <p:cNvPicPr>
+            <a:picLocks noChangeAspect="1"/>
+          </p:cNvPicPr>
+          <p:nvPr/>
+        </p:nvPicPr>
+        <p:blipFill>
+          <a:blip r:embed="rId2"/>
+          <a:stretch>
+            <a:fillRect/>
+          </a:stretch>
+        </p:blipFill>
+        <p:spPr>
+          <a:xfrm>
+            <a:off x="187300" y="798477"/>
+            <a:ext cx="5172075" cy="5381625"/>
+          </a:xfrm>
+          <a:prstGeom prst="rect">
+            <a:avLst/>
+          </a:prstGeom>
+        </p:spPr>
+      </p:pic>
+    </p:spTree>
+    <p:extLst>
+      <p:ext uri="{BB962C8B-B14F-4D97-AF65-F5344CB8AC3E}">
+        <p14:creationId xmlns:p14="http://schemas.microsoft.com/office/powerpoint/2010/main" val="210050832"/>
+      </p:ext>
+    </p:extLst>
+  </p:cSld>
+  <p:clrMapOvr>
+    <a:masterClrMapping/>
+  </p:clrMapOvr>
+</p:sld>
+</file>
+
 <file path=ppt/slides/slide2.xml><?xml version="1.0" encoding="utf-8"?>
 <p:sld xmlns:a="http://schemas.openxmlformats.org/drawingml/2006/main" xmlns:r="http://schemas.openxmlformats.org/officeDocument/2006/relationships" xmlns:p="http://schemas.openxmlformats.org/presentationml/2006/main">
   <p:cSld>
@@ -22890,7 +24171,7 @@
           <p:cNvPr id="2" name="Title 1">
             <a:extLst>
               <a:ext uri="{FF2B5EF4-FFF2-40B4-BE49-F238E27FC236}">
-                <a16:creationId xmlns:a16="http://schemas.microsoft.com/office/drawing/2014/main" id="{1981DE1C-82BA-4632-A148-CFE53036A89E}"/>
+                <a16:creationId xmlns:a16="http://schemas.microsoft.com/office/drawing/2014/main" id="{EA693167-3AF8-45E2-BC9D-12AB4BC42D68}"/>
               </a:ext>
             </a:extLst>
           </p:cNvPr>
@@ -22908,17 +24189,137 @@
           <a:p>
             <a:r>
               <a:rPr lang="en-US" dirty="0"/>
-              <a:t>Fig 2a</a:t>
-            </a:r>
+              <a:t>Fig 2 – showing RG vs. FW fragments</a:t>
+            </a:r>
+          </a:p>
+        </p:txBody>
+      </p:sp>
+      <p:sp>
+        <p:nvSpPr>
+          <p:cNvPr id="4" name="Text Placeholder 3">
+            <a:extLst>
+              <a:ext uri="{FF2B5EF4-FFF2-40B4-BE49-F238E27FC236}">
+                <a16:creationId xmlns:a16="http://schemas.microsoft.com/office/drawing/2014/main" id="{5AE9F95B-FAC8-4A02-B75C-C13A1AF19348}"/>
+              </a:ext>
+            </a:extLst>
+          </p:cNvPr>
+          <p:cNvSpPr>
+            <a:spLocks noGrp="1"/>
+          </p:cNvSpPr>
+          <p:nvPr>
+            <p:ph type="body" sz="quarter" idx="14"/>
+          </p:nvPr>
+        </p:nvSpPr>
+        <p:spPr>
+          <a:xfrm>
+            <a:off x="4846689" y="1375842"/>
+            <a:ext cx="3694410" cy="3366980"/>
+          </a:xfrm>
+        </p:spPr>
+        <p:txBody>
+          <a:bodyPr/>
+          <a:lstStyle/>
+          <a:p>
+            <a:r>
+              <a:rPr lang="en-US" sz="1600" dirty="0"/>
+              <a:t>Rendering quality improvement, + in caption not mentioning RECAP as on careful examination of the dataset structures, all of them were Bemis-</a:t>
+            </a:r>
+            <a:r>
+              <a:rPr lang="en-US" sz="1600" dirty="0" err="1"/>
+              <a:t>Murcko</a:t>
+            </a:r>
+            <a:endParaRPr lang="en-US" sz="1600" dirty="0"/>
+          </a:p>
+          <a:p>
+            <a:endParaRPr lang="en-US" sz="1600" dirty="0"/>
+          </a:p>
+          <a:p>
+            <a:r>
+              <a:rPr lang="en-US" sz="1600" dirty="0"/>
+              <a:t>Try any of the Spotfire files to see the data, but especially the bookmarks saved in “chemblntd_gsk_cpd_search_hier_SNG_v4.dxp”</a:t>
+            </a:r>
+            <a:r>
+              <a:rPr lang="en-US" dirty="0"/>
+              <a:t> </a:t>
+            </a:r>
+          </a:p>
+          <a:p>
+            <a:r>
+              <a:rPr lang="en-US" dirty="0"/>
+              <a:t>Raw data is in the Datasets folder </a:t>
+            </a:r>
+          </a:p>
+        </p:txBody>
+      </p:sp>
+      <p:sp>
+        <p:nvSpPr>
+          <p:cNvPr id="5" name="Slide Number Placeholder 4">
+            <a:extLst>
+              <a:ext uri="{FF2B5EF4-FFF2-40B4-BE49-F238E27FC236}">
+                <a16:creationId xmlns:a16="http://schemas.microsoft.com/office/drawing/2014/main" id="{D94D65DF-5B34-4431-A309-46A183AAF810}"/>
+              </a:ext>
+            </a:extLst>
+          </p:cNvPr>
+          <p:cNvSpPr>
+            <a:spLocks noGrp="1"/>
+          </p:cNvSpPr>
+          <p:nvPr>
+            <p:ph type="sldNum" sz="quarter" idx="17"/>
+          </p:nvPr>
+        </p:nvSpPr>
+        <p:spPr/>
+        <p:txBody>
+          <a:bodyPr/>
+          <a:lstStyle/>
+          <a:p>
+            <a:fld id="{0A838F34-1B32-4019-A24D-EF473E6901BC}" type="slidenum">
+              <a:rPr lang="en-US" smtClean="0">
+                <a:solidFill>
+                  <a:srgbClr val="9A8B7D"/>
+                </a:solidFill>
+              </a:rPr>
+              <a:pPr/>
+              <a:t>2</a:t>
+            </a:fld>
+            <a:endParaRPr lang="en-US">
+              <a:solidFill>
+                <a:srgbClr val="9A8B7D"/>
+              </a:solidFill>
+            </a:endParaRPr>
+          </a:p>
+        </p:txBody>
+      </p:sp>
+      <p:sp>
+        <p:nvSpPr>
+          <p:cNvPr id="6" name="Text Placeholder 5">
+            <a:extLst>
+              <a:ext uri="{FF2B5EF4-FFF2-40B4-BE49-F238E27FC236}">
+                <a16:creationId xmlns:a16="http://schemas.microsoft.com/office/drawing/2014/main" id="{1A44A8B2-FFE5-4BBA-BC3B-C7DE76DE87B7}"/>
+              </a:ext>
+            </a:extLst>
+          </p:cNvPr>
+          <p:cNvSpPr>
+            <a:spLocks noGrp="1"/>
+          </p:cNvSpPr>
+          <p:nvPr>
+            <p:ph type="body" sz="quarter" idx="18"/>
+          </p:nvPr>
+        </p:nvSpPr>
+        <p:spPr/>
+        <p:txBody>
+          <a:bodyPr/>
+          <a:lstStyle/>
+          <a:p>
+            <a:endParaRPr lang="en-US"/>
           </a:p>
         </p:txBody>
       </p:sp>
       <p:pic>
         <p:nvPicPr>
-          <p:cNvPr id="3" name="Picture 2">
+          <p:cNvPr id="7" name="Picture 6">
             <a:extLst>
               <a:ext uri="{FF2B5EF4-FFF2-40B4-BE49-F238E27FC236}">
-                <a16:creationId xmlns:a16="http://schemas.microsoft.com/office/drawing/2014/main" id="{1F3EA8D8-731A-427D-B355-5EF709757ABF}"/>
+                <a16:creationId xmlns:a16="http://schemas.microsoft.com/office/drawing/2014/main" id="{544784CD-783B-47E5-A356-2D578FDB4FD0}"/>
               </a:ext>
             </a:extLst>
           </p:cNvPr>
@@ -22935,8 +24336,8 @@
         </p:blipFill>
         <p:spPr>
           <a:xfrm>
-            <a:off x="871537" y="2571750"/>
-            <a:ext cx="7400925" cy="1714500"/>
+            <a:off x="250991" y="647995"/>
+            <a:ext cx="4381500" cy="6191250"/>
           </a:xfrm>
           <a:prstGeom prst="rect">
             <a:avLst/>
@@ -22946,7 +24347,7 @@
     </p:spTree>
     <p:extLst>
       <p:ext uri="{BB962C8B-B14F-4D97-AF65-F5344CB8AC3E}">
-        <p14:creationId xmlns:p14="http://schemas.microsoft.com/office/powerpoint/2010/main" val="2519223533"/>
+        <p14:creationId xmlns:p14="http://schemas.microsoft.com/office/powerpoint/2010/main" val="1043770499"/>
       </p:ext>
     </p:extLst>
   </p:cSld>
@@ -22973,12 +24374,172 @@
           <a:chExt cx="0" cy="0"/>
         </a:xfrm>
       </p:grpSpPr>
+      <p:sp>
+        <p:nvSpPr>
+          <p:cNvPr id="2" name="Title 1">
+            <a:extLst>
+              <a:ext uri="{FF2B5EF4-FFF2-40B4-BE49-F238E27FC236}">
+                <a16:creationId xmlns:a16="http://schemas.microsoft.com/office/drawing/2014/main" id="{8074210A-A463-4FCE-A992-66D7FA5C954C}"/>
+              </a:ext>
+            </a:extLst>
+          </p:cNvPr>
+          <p:cNvSpPr>
+            <a:spLocks noGrp="1"/>
+          </p:cNvSpPr>
+          <p:nvPr>
+            <p:ph type="title"/>
+          </p:nvPr>
+        </p:nvSpPr>
+        <p:spPr>
+          <a:xfrm>
+            <a:off x="5265336" y="294810"/>
+            <a:ext cx="2676927" cy="677108"/>
+          </a:xfrm>
+        </p:spPr>
+        <p:txBody>
+          <a:bodyPr/>
+          <a:lstStyle/>
+          <a:p>
+            <a:r>
+              <a:rPr lang="en-US" dirty="0"/>
+              <a:t>Fig 4 – overhauled structure rendering</a:t>
+            </a:r>
+          </a:p>
+        </p:txBody>
+      </p:sp>
+      <p:sp>
+        <p:nvSpPr>
+          <p:cNvPr id="3" name="Content Placeholder 2">
+            <a:extLst>
+              <a:ext uri="{FF2B5EF4-FFF2-40B4-BE49-F238E27FC236}">
+                <a16:creationId xmlns:a16="http://schemas.microsoft.com/office/drawing/2014/main" id="{A4C9253B-41BA-4C04-8B14-E6F0439344BE}"/>
+              </a:ext>
+            </a:extLst>
+          </p:cNvPr>
+          <p:cNvSpPr>
+            <a:spLocks noGrp="1"/>
+          </p:cNvSpPr>
+          <p:nvPr>
+            <p:ph sz="quarter" idx="12"/>
+          </p:nvPr>
+        </p:nvSpPr>
+        <p:spPr/>
+        <p:txBody>
+          <a:bodyPr/>
+          <a:lstStyle/>
+          <a:p>
+            <a:endParaRPr lang="en-US" dirty="0"/>
+          </a:p>
+        </p:txBody>
+      </p:sp>
+      <p:sp>
+        <p:nvSpPr>
+          <p:cNvPr id="4" name="Text Placeholder 3">
+            <a:extLst>
+              <a:ext uri="{FF2B5EF4-FFF2-40B4-BE49-F238E27FC236}">
+                <a16:creationId xmlns:a16="http://schemas.microsoft.com/office/drawing/2014/main" id="{9BEA7344-F5C5-4867-BF1B-39928FF08C1E}"/>
+              </a:ext>
+            </a:extLst>
+          </p:cNvPr>
+          <p:cNvSpPr>
+            <a:spLocks noGrp="1"/>
+          </p:cNvSpPr>
+          <p:nvPr>
+            <p:ph type="body" sz="quarter" idx="14"/>
+          </p:nvPr>
+        </p:nvSpPr>
+        <p:spPr>
+          <a:xfrm>
+            <a:off x="5188483" y="1196151"/>
+            <a:ext cx="3599916" cy="3004060"/>
+          </a:xfrm>
+        </p:spPr>
+        <p:txBody>
+          <a:bodyPr/>
+          <a:lstStyle/>
+          <a:p>
+            <a:r>
+              <a:rPr lang="en-US" dirty="0"/>
+              <a:t>No changes to content</a:t>
+            </a:r>
+          </a:p>
+          <a:p>
+            <a:r>
+              <a:rPr lang="en-US" dirty="0"/>
+              <a:t>“two color SAR” bookmarks in Spotfire file “chemblntd_gsk_TCAMS_RG_frames_eLNB_v2.dxp”</a:t>
+            </a:r>
+          </a:p>
+        </p:txBody>
+      </p:sp>
+      <p:sp>
+        <p:nvSpPr>
+          <p:cNvPr id="5" name="Slide Number Placeholder 4">
+            <a:extLst>
+              <a:ext uri="{FF2B5EF4-FFF2-40B4-BE49-F238E27FC236}">
+                <a16:creationId xmlns:a16="http://schemas.microsoft.com/office/drawing/2014/main" id="{8EC5885B-F2F3-451F-AC0D-F2BF6D4C6D9E}"/>
+              </a:ext>
+            </a:extLst>
+          </p:cNvPr>
+          <p:cNvSpPr>
+            <a:spLocks noGrp="1"/>
+          </p:cNvSpPr>
+          <p:nvPr>
+            <p:ph type="sldNum" sz="quarter" idx="17"/>
+          </p:nvPr>
+        </p:nvSpPr>
+        <p:spPr/>
+        <p:txBody>
+          <a:bodyPr/>
+          <a:lstStyle/>
+          <a:p>
+            <a:fld id="{0A838F34-1B32-4019-A24D-EF473E6901BC}" type="slidenum">
+              <a:rPr lang="en-US" smtClean="0">
+                <a:solidFill>
+                  <a:srgbClr val="9A8B7D"/>
+                </a:solidFill>
+              </a:rPr>
+              <a:pPr/>
+              <a:t>3</a:t>
+            </a:fld>
+            <a:endParaRPr lang="en-US">
+              <a:solidFill>
+                <a:srgbClr val="9A8B7D"/>
+              </a:solidFill>
+            </a:endParaRPr>
+          </a:p>
+        </p:txBody>
+      </p:sp>
+      <p:sp>
+        <p:nvSpPr>
+          <p:cNvPr id="6" name="Text Placeholder 5">
+            <a:extLst>
+              <a:ext uri="{FF2B5EF4-FFF2-40B4-BE49-F238E27FC236}">
+                <a16:creationId xmlns:a16="http://schemas.microsoft.com/office/drawing/2014/main" id="{7CF9533A-D75F-4CEC-B3BE-C6F58516C0BA}"/>
+              </a:ext>
+            </a:extLst>
+          </p:cNvPr>
+          <p:cNvSpPr>
+            <a:spLocks noGrp="1"/>
+          </p:cNvSpPr>
+          <p:nvPr>
+            <p:ph type="body" sz="quarter" idx="18"/>
+          </p:nvPr>
+        </p:nvSpPr>
+        <p:spPr/>
+        <p:txBody>
+          <a:bodyPr/>
+          <a:lstStyle/>
+          <a:p>
+            <a:endParaRPr lang="en-US"/>
+          </a:p>
+        </p:txBody>
+      </p:sp>
       <p:pic>
         <p:nvPicPr>
-          <p:cNvPr id="3" name="Picture 2">
+          <p:cNvPr id="7" name="Picture 6">
             <a:extLst>
               <a:ext uri="{FF2B5EF4-FFF2-40B4-BE49-F238E27FC236}">
-                <a16:creationId xmlns:a16="http://schemas.microsoft.com/office/drawing/2014/main" id="{BF584303-4717-48BB-A4FD-62EF788DA2A1}"/>
+                <a16:creationId xmlns:a16="http://schemas.microsoft.com/office/drawing/2014/main" id="{155253C4-BBEA-4738-A91E-4239834B7D7A}"/>
               </a:ext>
             </a:extLst>
           </p:cNvPr>
@@ -22987,1537 +24548,32 @@
           </p:cNvPicPr>
           <p:nvPr/>
         </p:nvPicPr>
-        <p:blipFill rotWithShape="1">
-          <a:blip r:embed="rId3"/>
-          <a:srcRect l="7113" r="17100" b="4090"/>
-          <a:stretch/>
-        </p:blipFill>
-        <p:spPr>
-          <a:xfrm>
-            <a:off x="679873" y="1583533"/>
-            <a:ext cx="6929934" cy="4482974"/>
-          </a:xfrm>
-          <a:prstGeom prst="rect">
-            <a:avLst/>
-          </a:prstGeom>
-        </p:spPr>
-      </p:pic>
-      <p:sp>
-        <p:nvSpPr>
-          <p:cNvPr id="2" name="Title 1"/>
-          <p:cNvSpPr>
-            <a:spLocks noGrp="1"/>
-          </p:cNvSpPr>
-          <p:nvPr>
-            <p:ph type="title"/>
-          </p:nvPr>
-        </p:nvSpPr>
-        <p:spPr>
-          <a:xfrm>
-            <a:off x="365124" y="294810"/>
-            <a:ext cx="7577139" cy="677108"/>
-          </a:xfrm>
-        </p:spPr>
-        <p:txBody>
-          <a:bodyPr/>
-          <a:lstStyle/>
-          <a:p>
-            <a:r>
-              <a:rPr lang="en-US" dirty="0"/>
-              <a:t>Related Molecules from NCATS R-Group Tool: </a:t>
-            </a:r>
-            <a:br>
-              <a:rPr lang="en-US" dirty="0"/>
-            </a:br>
-            <a:r>
-              <a:rPr lang="en-US" dirty="0"/>
-              <a:t>Visualizing Scaffold Overlap and Activity</a:t>
-            </a:r>
-          </a:p>
-        </p:txBody>
-      </p:sp>
-      <p:pic>
-        <p:nvPicPr>
-          <p:cNvPr id="171011" name="Picture 3"/>
-          <p:cNvPicPr>
-            <a:picLocks noChangeAspect="1" noChangeArrowheads="1"/>
-          </p:cNvPicPr>
-          <p:nvPr/>
-        </p:nvPicPr>
-        <p:blipFill rotWithShape="1">
-          <a:blip r:embed="rId4" cstate="print"/>
-          <a:srcRect l="7121" r="-2643" b="5129"/>
-          <a:stretch/>
-        </p:blipFill>
-        <p:spPr bwMode="auto">
-          <a:xfrm>
-            <a:off x="4971607" y="1543351"/>
-            <a:ext cx="1259404" cy="2955568"/>
-          </a:xfrm>
-          <a:prstGeom prst="rect">
-            <a:avLst/>
-          </a:prstGeom>
-          <a:noFill/>
-          <a:ln w="9525">
-            <a:noFill/>
-            <a:miter lim="800000"/>
-            <a:headEnd/>
-            <a:tailEnd/>
-          </a:ln>
-        </p:spPr>
-      </p:pic>
-      <p:pic>
-        <p:nvPicPr>
-          <p:cNvPr id="171012" name="Picture 4"/>
-          <p:cNvPicPr>
-            <a:picLocks noChangeAspect="1" noChangeArrowheads="1"/>
-          </p:cNvPicPr>
-          <p:nvPr/>
-        </p:nvPicPr>
-        <p:blipFill rotWithShape="1">
-          <a:blip r:embed="rId5" cstate="print"/>
-          <a:srcRect l="6655" b="5804"/>
-          <a:stretch/>
-        </p:blipFill>
-        <p:spPr bwMode="auto">
-          <a:xfrm>
-            <a:off x="6211347" y="2115925"/>
-            <a:ext cx="1200920" cy="2994609"/>
-          </a:xfrm>
-          <a:prstGeom prst="rect">
-            <a:avLst/>
-          </a:prstGeom>
-          <a:noFill/>
-          <a:ln w="9525">
-            <a:noFill/>
-            <a:miter lim="800000"/>
-            <a:headEnd/>
-            <a:tailEnd/>
-          </a:ln>
-        </p:spPr>
-      </p:pic>
-      <p:sp>
-        <p:nvSpPr>
-          <p:cNvPr id="7" name="TextBox 6"/>
-          <p:cNvSpPr txBox="1"/>
-          <p:nvPr/>
-        </p:nvSpPr>
-        <p:spPr>
-          <a:xfrm>
-            <a:off x="7612912" y="1116419"/>
-            <a:ext cx="1329069" cy="461665"/>
-          </a:xfrm>
-          <a:prstGeom prst="rect">
-            <a:avLst/>
-          </a:prstGeom>
-          <a:noFill/>
-        </p:spPr>
-        <p:txBody>
-          <a:bodyPr wrap="square" rtlCol="0">
-            <a:spAutoFit/>
-          </a:bodyPr>
-          <a:lstStyle/>
-          <a:p>
-            <a:pPr marL="171450" indent="-171450">
-              <a:buClr>
-                <a:schemeClr val="tx1"/>
-              </a:buClr>
-            </a:pPr>
-            <a:r>
-              <a:rPr lang="en-US" sz="1200" dirty="0">
-                <a:solidFill>
-                  <a:srgbClr val="0070C0"/>
-                </a:solidFill>
-              </a:rPr>
-              <a:t>Co-</a:t>
-            </a:r>
-            <a:r>
-              <a:rPr lang="en-US" sz="1200" dirty="0">
-                <a:solidFill>
-                  <a:srgbClr val="D60093"/>
-                </a:solidFill>
-              </a:rPr>
-              <a:t>occurring</a:t>
-            </a:r>
-          </a:p>
-          <a:p>
-            <a:pPr marL="171450" indent="-171450">
-              <a:buClr>
-                <a:schemeClr val="tx1"/>
-              </a:buClr>
-            </a:pPr>
-            <a:r>
-              <a:rPr lang="en-US" sz="1200" dirty="0">
-                <a:solidFill>
-                  <a:srgbClr val="00B050"/>
-                </a:solidFill>
-              </a:rPr>
-              <a:t>active scaffolds</a:t>
-            </a:r>
-          </a:p>
-        </p:txBody>
-      </p:sp>
-      <p:sp>
-        <p:nvSpPr>
-          <p:cNvPr id="8" name="TextBox 7"/>
-          <p:cNvSpPr txBox="1"/>
-          <p:nvPr/>
-        </p:nvSpPr>
-        <p:spPr>
-          <a:xfrm>
-            <a:off x="6329916" y="1651591"/>
-            <a:ext cx="1329069" cy="461665"/>
-          </a:xfrm>
-          <a:prstGeom prst="rect">
-            <a:avLst/>
-          </a:prstGeom>
-          <a:noFill/>
-        </p:spPr>
-        <p:txBody>
-          <a:bodyPr wrap="square" rtlCol="0">
-            <a:spAutoFit/>
-          </a:bodyPr>
-          <a:lstStyle/>
-          <a:p>
-            <a:pPr marL="171450" indent="-171450">
-              <a:buClr>
-                <a:schemeClr val="tx1"/>
-              </a:buClr>
-            </a:pPr>
-            <a:r>
-              <a:rPr lang="en-US" sz="1200" dirty="0">
-                <a:solidFill>
-                  <a:srgbClr val="0070C0"/>
-                </a:solidFill>
-              </a:rPr>
-              <a:t>Scaffold 4719</a:t>
-            </a:r>
-            <a:endParaRPr lang="en-US" sz="1200" dirty="0">
-              <a:solidFill>
-                <a:schemeClr val="accent5">
-                  <a:lumMod val="60000"/>
-                  <a:lumOff val="40000"/>
-                </a:schemeClr>
-              </a:solidFill>
-            </a:endParaRPr>
-          </a:p>
-          <a:p>
-            <a:pPr marL="171450" indent="-171450">
-              <a:buClr>
-                <a:schemeClr val="tx1"/>
-              </a:buClr>
-            </a:pPr>
-            <a:r>
-              <a:rPr lang="en-US" sz="1200" dirty="0">
-                <a:solidFill>
-                  <a:srgbClr val="00B050"/>
-                </a:solidFill>
-              </a:rPr>
-              <a:t>active by itself</a:t>
-            </a:r>
-          </a:p>
-        </p:txBody>
-      </p:sp>
-      <p:sp>
-        <p:nvSpPr>
-          <p:cNvPr id="9" name="TextBox 8"/>
-          <p:cNvSpPr txBox="1"/>
-          <p:nvPr/>
-        </p:nvSpPr>
-        <p:spPr>
-          <a:xfrm>
-            <a:off x="5036288" y="1102243"/>
-            <a:ext cx="1598428" cy="461665"/>
-          </a:xfrm>
-          <a:prstGeom prst="rect">
-            <a:avLst/>
-          </a:prstGeom>
-          <a:noFill/>
-        </p:spPr>
-        <p:txBody>
-          <a:bodyPr wrap="square" rtlCol="0">
-            <a:spAutoFit/>
-          </a:bodyPr>
-          <a:lstStyle/>
-          <a:p>
-            <a:pPr marL="171450" indent="-171450">
-              <a:buClr>
-                <a:schemeClr val="tx1"/>
-              </a:buClr>
-            </a:pPr>
-            <a:r>
-              <a:rPr lang="en-US" sz="1200" dirty="0">
-                <a:solidFill>
-                  <a:srgbClr val="CCCC00"/>
-                </a:solidFill>
-              </a:rPr>
-              <a:t>Scaffold 978 alone</a:t>
-            </a:r>
-            <a:r>
-              <a:rPr lang="en-US" sz="1200" dirty="0">
-                <a:solidFill>
-                  <a:schemeClr val="accent4">
-                    <a:lumMod val="75000"/>
-                  </a:schemeClr>
-                </a:solidFill>
-              </a:rPr>
-              <a:t> </a:t>
-            </a:r>
-          </a:p>
-          <a:p>
-            <a:pPr marL="171450" indent="-171450">
-              <a:buClr>
-                <a:schemeClr val="tx1"/>
-              </a:buClr>
-            </a:pPr>
-            <a:r>
-              <a:rPr lang="en-US" sz="1200" dirty="0">
-                <a:solidFill>
-                  <a:schemeClr val="bg1">
-                    <a:lumMod val="50000"/>
-                  </a:schemeClr>
-                </a:solidFill>
-              </a:rPr>
-              <a:t>not highly active</a:t>
-            </a:r>
-          </a:p>
-        </p:txBody>
-      </p:sp>
-      <p:pic>
-        <p:nvPicPr>
-          <p:cNvPr id="10" name="Picture 5"/>
-          <p:cNvPicPr>
-            <a:picLocks noChangeAspect="1" noChangeArrowheads="1"/>
-          </p:cNvPicPr>
-          <p:nvPr/>
-        </p:nvPicPr>
         <p:blipFill>
-          <a:blip r:embed="rId6" cstate="print"/>
-          <a:srcRect/>
+          <a:blip r:embed="rId2"/>
           <a:stretch>
             <a:fillRect/>
           </a:stretch>
         </p:blipFill>
-        <p:spPr bwMode="auto">
-          <a:xfrm>
-            <a:off x="1080779" y="1623854"/>
-            <a:ext cx="2215314" cy="983556"/>
+        <p:spPr>
+          <a:xfrm>
+            <a:off x="217534" y="0"/>
+            <a:ext cx="4970949" cy="6858000"/>
           </a:xfrm>
           <a:prstGeom prst="rect">
             <a:avLst/>
           </a:prstGeom>
-          <a:solidFill>
-            <a:schemeClr val="bg1"/>
-          </a:solidFill>
-          <a:ln w="9525">
-            <a:noFill/>
-            <a:miter lim="800000"/>
-            <a:headEnd/>
-            <a:tailEnd/>
-          </a:ln>
-          <a:effectLst/>
         </p:spPr>
       </p:pic>
-      <p:sp>
-        <p:nvSpPr>
-          <p:cNvPr id="11" name="Slide Number Placeholder 10"/>
-          <p:cNvSpPr>
-            <a:spLocks noGrp="1"/>
-          </p:cNvSpPr>
-          <p:nvPr>
-            <p:ph type="sldNum" sz="quarter" idx="12"/>
-          </p:nvPr>
-        </p:nvSpPr>
-        <p:spPr/>
-        <p:txBody>
-          <a:bodyPr/>
-          <a:lstStyle/>
-          <a:p>
-            <a:fld id="{FDC40351-2EB1-4AB4-A6D0-AB8EF40E804F}" type="slidenum">
-              <a:rPr lang="en-US" smtClean="0"/>
-              <a:pPr/>
-              <a:t>3</a:t>
-            </a:fld>
-            <a:endParaRPr lang="en-US"/>
-          </a:p>
-        </p:txBody>
-      </p:sp>
-      <p:sp>
-        <p:nvSpPr>
-          <p:cNvPr id="12" name="Right Arrow 11"/>
-          <p:cNvSpPr/>
-          <p:nvPr/>
-        </p:nvSpPr>
-        <p:spPr bwMode="auto">
-          <a:xfrm rot="5400000">
-            <a:off x="1966378" y="2355174"/>
-            <a:ext cx="431568" cy="233838"/>
-          </a:xfrm>
-          <a:prstGeom prst="rightArrow">
-            <a:avLst/>
-          </a:prstGeom>
-          <a:solidFill>
-            <a:schemeClr val="bg2"/>
-          </a:solidFill>
-          <a:ln>
-            <a:noFill/>
-            <a:headEnd/>
-            <a:tailEnd/>
-          </a:ln>
-          <a:effectLst/>
-        </p:spPr>
-        <p:style>
-          <a:lnRef idx="1">
-            <a:schemeClr val="accent1"/>
-          </a:lnRef>
-          <a:fillRef idx="3">
-            <a:schemeClr val="accent1"/>
-          </a:fillRef>
-          <a:effectRef idx="2">
-            <a:schemeClr val="accent1"/>
-          </a:effectRef>
-          <a:fontRef idx="minor">
-            <a:schemeClr val="lt1"/>
-          </a:fontRef>
-        </p:style>
-        <p:txBody>
-          <a:bodyPr rot="0" spcFirstLastPara="0" vertOverflow="overflow" horzOverflow="overflow" vert="horz" wrap="square" lIns="72000" tIns="72000" rIns="72000" bIns="72000" numCol="1" spcCol="0" rtlCol="0" fromWordArt="0" anchor="t" anchorCtr="0" forceAA="0" compatLnSpc="1">
-            <a:prstTxWarp prst="textNoShape">
-              <a:avLst/>
-            </a:prstTxWarp>
-            <a:noAutofit/>
-          </a:bodyPr>
-          <a:lstStyle/>
-          <a:p>
-            <a:pPr marL="180975" indent="-180975" algn="ctr" eaLnBrk="0" fontAlgn="auto" hangingPunct="0">
-              <a:spcBef>
-                <a:spcPts val="0"/>
-              </a:spcBef>
-              <a:spcAft>
-                <a:spcPts val="0"/>
-              </a:spcAft>
-              <a:buClr>
-                <a:schemeClr val="bg1"/>
-              </a:buClr>
-              <a:buFont typeface="Arial" pitchFamily="34" charset="0"/>
-              <a:buChar char="–"/>
-            </a:pPr>
-            <a:endParaRPr lang="en-US" sz="1200" b="1" kern="0" dirty="0" err="1">
-              <a:solidFill>
-                <a:srgbClr val="FFFFFF"/>
-              </a:solidFill>
-              <a:latin typeface="Arial"/>
-            </a:endParaRPr>
-          </a:p>
-        </p:txBody>
-      </p:sp>
-      <p:sp>
-        <p:nvSpPr>
-          <p:cNvPr id="14" name="Oval 13"/>
-          <p:cNvSpPr/>
-          <p:nvPr/>
-        </p:nvSpPr>
-        <p:spPr bwMode="auto">
-          <a:xfrm rot="20240795">
-            <a:off x="1945879" y="1851532"/>
-            <a:ext cx="483510" cy="362685"/>
-          </a:xfrm>
-          <a:prstGeom prst="ellipse">
-            <a:avLst/>
-          </a:prstGeom>
-          <a:noFill/>
-          <a:ln w="19050">
-            <a:solidFill>
-              <a:srgbClr val="0070C0"/>
-            </a:solidFill>
-            <a:headEnd/>
-            <a:tailEnd/>
-          </a:ln>
-          <a:effectLst/>
-        </p:spPr>
-        <p:style>
-          <a:lnRef idx="1">
-            <a:schemeClr val="accent1"/>
-          </a:lnRef>
-          <a:fillRef idx="3">
-            <a:schemeClr val="accent1"/>
-          </a:fillRef>
-          <a:effectRef idx="2">
-            <a:schemeClr val="accent1"/>
-          </a:effectRef>
-          <a:fontRef idx="minor">
-            <a:schemeClr val="lt1"/>
-          </a:fontRef>
-        </p:style>
-        <p:txBody>
-          <a:bodyPr rot="0" spcFirstLastPara="0" vertOverflow="overflow" horzOverflow="overflow" vert="horz" wrap="square" lIns="72000" tIns="72000" rIns="72000" bIns="72000" numCol="1" spcCol="0" rtlCol="0" fromWordArt="0" anchor="t" anchorCtr="0" forceAA="0" compatLnSpc="1">
-            <a:prstTxWarp prst="textNoShape">
-              <a:avLst/>
-            </a:prstTxWarp>
-            <a:noAutofit/>
-          </a:bodyPr>
-          <a:lstStyle/>
-          <a:p>
-            <a:pPr marL="180975" indent="-180975" algn="ctr" eaLnBrk="0" fontAlgn="auto" hangingPunct="0">
-              <a:spcBef>
-                <a:spcPts val="0"/>
-              </a:spcBef>
-              <a:spcAft>
-                <a:spcPts val="0"/>
-              </a:spcAft>
-              <a:buClr>
-                <a:schemeClr val="bg1"/>
-              </a:buClr>
-              <a:buFont typeface="Arial" pitchFamily="34" charset="0"/>
-              <a:buChar char="–"/>
-            </a:pPr>
-            <a:endParaRPr lang="en-US" sz="1200" b="1" kern="0" dirty="0" err="1">
-              <a:solidFill>
-                <a:srgbClr val="FFFFFF"/>
-              </a:solidFill>
-              <a:latin typeface="Arial"/>
-            </a:endParaRPr>
-          </a:p>
-        </p:txBody>
-      </p:sp>
-      <p:sp>
-        <p:nvSpPr>
-          <p:cNvPr id="15" name="Oval 14"/>
-          <p:cNvSpPr/>
-          <p:nvPr/>
-        </p:nvSpPr>
-        <p:spPr bwMode="auto">
-          <a:xfrm>
-            <a:off x="2600326" y="1597742"/>
-            <a:ext cx="800100" cy="418304"/>
-          </a:xfrm>
-          <a:prstGeom prst="ellipse">
-            <a:avLst/>
-          </a:prstGeom>
-          <a:noFill/>
-          <a:ln w="19050">
-            <a:solidFill>
-              <a:schemeClr val="accent4">
-                <a:lumMod val="75000"/>
-              </a:schemeClr>
-            </a:solidFill>
-            <a:headEnd/>
-            <a:tailEnd/>
-          </a:ln>
-          <a:effectLst/>
-        </p:spPr>
-        <p:style>
-          <a:lnRef idx="1">
-            <a:schemeClr val="accent1"/>
-          </a:lnRef>
-          <a:fillRef idx="3">
-            <a:schemeClr val="accent1"/>
-          </a:fillRef>
-          <a:effectRef idx="2">
-            <a:schemeClr val="accent1"/>
-          </a:effectRef>
-          <a:fontRef idx="minor">
-            <a:schemeClr val="lt1"/>
-          </a:fontRef>
-        </p:style>
-        <p:txBody>
-          <a:bodyPr rot="0" spcFirstLastPara="0" vertOverflow="overflow" horzOverflow="overflow" vert="horz" wrap="square" lIns="72000" tIns="72000" rIns="72000" bIns="72000" numCol="1" spcCol="0" rtlCol="0" fromWordArt="0" anchor="t" anchorCtr="0" forceAA="0" compatLnSpc="1">
-            <a:prstTxWarp prst="textNoShape">
-              <a:avLst/>
-            </a:prstTxWarp>
-            <a:noAutofit/>
-          </a:bodyPr>
-          <a:lstStyle/>
-          <a:p>
-            <a:pPr marL="180975" indent="-180975" algn="ctr" eaLnBrk="0" fontAlgn="auto" hangingPunct="0">
-              <a:spcBef>
-                <a:spcPts val="0"/>
-              </a:spcBef>
-              <a:spcAft>
-                <a:spcPts val="0"/>
-              </a:spcAft>
-              <a:buClr>
-                <a:schemeClr val="bg1"/>
-              </a:buClr>
-              <a:buFont typeface="Arial" pitchFamily="34" charset="0"/>
-              <a:buChar char="–"/>
-            </a:pPr>
-            <a:endParaRPr lang="en-US" sz="1200" b="1" kern="0" dirty="0" err="1">
-              <a:solidFill>
-                <a:srgbClr val="FFC000"/>
-              </a:solidFill>
-              <a:latin typeface="Arial"/>
-            </a:endParaRPr>
-          </a:p>
-        </p:txBody>
-      </p:sp>
-      <p:sp>
-        <p:nvSpPr>
-          <p:cNvPr id="16" name="Oval 15"/>
-          <p:cNvSpPr/>
-          <p:nvPr/>
-        </p:nvSpPr>
-        <p:spPr bwMode="auto">
-          <a:xfrm rot="15203297">
-            <a:off x="2264476" y="1352354"/>
-            <a:ext cx="466560" cy="1128572"/>
-          </a:xfrm>
-          <a:prstGeom prst="ellipse">
-            <a:avLst/>
-          </a:prstGeom>
-          <a:noFill/>
-          <a:ln w="19050">
-            <a:solidFill>
-              <a:srgbClr val="FF0066"/>
-            </a:solidFill>
-            <a:headEnd/>
-            <a:tailEnd/>
-          </a:ln>
-          <a:effectLst/>
-        </p:spPr>
-        <p:style>
-          <a:lnRef idx="1">
-            <a:schemeClr val="accent1"/>
-          </a:lnRef>
-          <a:fillRef idx="3">
-            <a:schemeClr val="accent1"/>
-          </a:fillRef>
-          <a:effectRef idx="2">
-            <a:schemeClr val="accent1"/>
-          </a:effectRef>
-          <a:fontRef idx="minor">
-            <a:schemeClr val="lt1"/>
-          </a:fontRef>
-        </p:style>
-        <p:txBody>
-          <a:bodyPr rot="0" spcFirstLastPara="0" vertOverflow="overflow" horzOverflow="overflow" vert="horz" wrap="square" lIns="72000" tIns="72000" rIns="72000" bIns="72000" numCol="1" spcCol="0" rtlCol="0" fromWordArt="0" anchor="t" anchorCtr="0" forceAA="0" compatLnSpc="1">
-            <a:prstTxWarp prst="textNoShape">
-              <a:avLst/>
-            </a:prstTxWarp>
-            <a:noAutofit/>
-          </a:bodyPr>
-          <a:lstStyle/>
-          <a:p>
-            <a:pPr marL="180975" indent="-180975" algn="ctr" eaLnBrk="0" fontAlgn="auto" hangingPunct="0">
-              <a:spcBef>
-                <a:spcPts val="0"/>
-              </a:spcBef>
-              <a:spcAft>
-                <a:spcPts val="0"/>
-              </a:spcAft>
-              <a:buClr>
-                <a:schemeClr val="bg1"/>
-              </a:buClr>
-              <a:buFont typeface="Arial" pitchFamily="34" charset="0"/>
-              <a:buChar char="–"/>
-            </a:pPr>
-            <a:endParaRPr lang="en-US" sz="1200" b="1" kern="0" dirty="0" err="1">
-              <a:solidFill>
-                <a:srgbClr val="FFFFFF"/>
-              </a:solidFill>
-              <a:latin typeface="Arial"/>
-            </a:endParaRPr>
-          </a:p>
-        </p:txBody>
-      </p:sp>
-      <p:sp>
-        <p:nvSpPr>
-          <p:cNvPr id="17" name="Rectangle 16"/>
-          <p:cNvSpPr/>
-          <p:nvPr/>
-        </p:nvSpPr>
-        <p:spPr bwMode="auto">
-          <a:xfrm>
-            <a:off x="7762875" y="4486656"/>
-            <a:ext cx="1247775" cy="1209675"/>
-          </a:xfrm>
-          <a:prstGeom prst="rect">
-            <a:avLst/>
-          </a:prstGeom>
-          <a:solidFill>
-            <a:schemeClr val="bg1"/>
-          </a:solidFill>
-          <a:ln>
-            <a:noFill/>
-            <a:headEnd/>
-            <a:tailEnd/>
-          </a:ln>
-          <a:effectLst/>
-        </p:spPr>
-        <p:style>
-          <a:lnRef idx="1">
-            <a:schemeClr val="accent1"/>
-          </a:lnRef>
-          <a:fillRef idx="3">
-            <a:schemeClr val="accent1"/>
-          </a:fillRef>
-          <a:effectRef idx="2">
-            <a:schemeClr val="accent1"/>
-          </a:effectRef>
-          <a:fontRef idx="minor">
-            <a:schemeClr val="lt1"/>
-          </a:fontRef>
-        </p:style>
-        <p:txBody>
-          <a:bodyPr rot="0" spcFirstLastPara="0" vertOverflow="overflow" horzOverflow="overflow" vert="horz" wrap="square" lIns="72000" tIns="72000" rIns="72000" bIns="72000" numCol="1" spcCol="0" rtlCol="0" fromWordArt="0" anchor="t" anchorCtr="0" forceAA="0" compatLnSpc="1">
-            <a:prstTxWarp prst="textNoShape">
-              <a:avLst/>
-            </a:prstTxWarp>
-            <a:noAutofit/>
-          </a:bodyPr>
-          <a:lstStyle/>
-          <a:p>
-            <a:pPr marL="180975" indent="-180975" algn="ctr" eaLnBrk="0" fontAlgn="auto" hangingPunct="0">
-              <a:spcBef>
-                <a:spcPts val="0"/>
-              </a:spcBef>
-              <a:spcAft>
-                <a:spcPts val="0"/>
-              </a:spcAft>
-              <a:buClr>
-                <a:schemeClr val="bg1"/>
-              </a:buClr>
-              <a:buFont typeface="Arial" pitchFamily="34" charset="0"/>
-              <a:buChar char="–"/>
-            </a:pPr>
-            <a:endParaRPr lang="en-US" sz="1200" b="1" kern="0" dirty="0" err="1">
-              <a:solidFill>
-                <a:srgbClr val="FFFFFF"/>
-              </a:solidFill>
-              <a:latin typeface="Arial"/>
-            </a:endParaRPr>
-          </a:p>
-        </p:txBody>
-      </p:sp>
-      <p:sp>
-        <p:nvSpPr>
-          <p:cNvPr id="20" name="TextBox 19"/>
-          <p:cNvSpPr txBox="1"/>
-          <p:nvPr/>
-        </p:nvSpPr>
-        <p:spPr>
-          <a:xfrm>
-            <a:off x="2957885" y="5962650"/>
-            <a:ext cx="3776290" cy="338554"/>
-          </a:xfrm>
-          <a:prstGeom prst="rect">
-            <a:avLst/>
-          </a:prstGeom>
-          <a:noFill/>
-        </p:spPr>
-        <p:txBody>
-          <a:bodyPr wrap="square" rtlCol="0">
-            <a:spAutoFit/>
-          </a:bodyPr>
-          <a:lstStyle/>
-          <a:p>
-            <a:pPr marL="171450" indent="-171450">
-              <a:buClr>
-                <a:schemeClr val="tx1"/>
-              </a:buClr>
-            </a:pPr>
-            <a:r>
-              <a:rPr lang="en-US" sz="1600" b="1" dirty="0"/>
-              <a:t>pXC50 in 3D7 (PF susceptible strain)</a:t>
-            </a:r>
-          </a:p>
-        </p:txBody>
-      </p:sp>
-      <p:sp>
-        <p:nvSpPr>
-          <p:cNvPr id="21" name="TextBox 20"/>
-          <p:cNvSpPr txBox="1"/>
-          <p:nvPr/>
-        </p:nvSpPr>
-        <p:spPr>
-          <a:xfrm rot="16200000">
-            <a:off x="322810" y="3470233"/>
-            <a:ext cx="471874" cy="338554"/>
-          </a:xfrm>
-          <a:prstGeom prst="rect">
-            <a:avLst/>
-          </a:prstGeom>
-          <a:noFill/>
-        </p:spPr>
-        <p:txBody>
-          <a:bodyPr wrap="square" rtlCol="0">
-            <a:spAutoFit/>
-          </a:bodyPr>
-          <a:lstStyle/>
-          <a:p>
-            <a:pPr marL="171450" indent="-171450">
-              <a:buClr>
-                <a:schemeClr val="tx1"/>
-              </a:buClr>
-            </a:pPr>
-            <a:r>
-              <a:rPr lang="en-US" sz="1600" b="1" dirty="0"/>
-              <a:t>IFI</a:t>
-            </a:r>
-          </a:p>
-        </p:txBody>
-      </p:sp>
-      <p:grpSp>
-        <p:nvGrpSpPr>
-          <p:cNvPr id="22" name="Group 21"/>
-          <p:cNvGrpSpPr/>
-          <p:nvPr/>
-        </p:nvGrpSpPr>
-        <p:grpSpPr>
-          <a:xfrm>
-            <a:off x="6782305" y="28575"/>
-            <a:ext cx="1279517" cy="1005840"/>
-            <a:chOff x="7186234" y="1178022"/>
-            <a:chExt cx="1279517" cy="1000732"/>
-          </a:xfrm>
-        </p:grpSpPr>
-        <p:pic>
-          <p:nvPicPr>
-            <p:cNvPr id="23" name="Picture 5" descr="http://www.coetail.com/jeffreyg/files/2014/02/find-needle-haystack-22905126.jpg"/>
-            <p:cNvPicPr>
-              <a:picLocks noChangeAspect="1" noChangeArrowheads="1"/>
-            </p:cNvPicPr>
-            <p:nvPr/>
-          </p:nvPicPr>
-          <p:blipFill>
-            <a:blip r:embed="rId7" cstate="print"/>
-            <a:srcRect/>
-            <a:stretch>
-              <a:fillRect/>
-            </a:stretch>
-          </p:blipFill>
-          <p:spPr bwMode="auto">
-            <a:xfrm>
-              <a:off x="7213600" y="1178022"/>
-              <a:ext cx="1162756" cy="1000732"/>
-            </a:xfrm>
-            <a:prstGeom prst="rect">
-              <a:avLst/>
-            </a:prstGeom>
-            <a:noFill/>
-            <a:ln>
-              <a:solidFill>
-                <a:schemeClr val="bg2"/>
-              </a:solidFill>
-            </a:ln>
-          </p:spPr>
-        </p:pic>
-        <p:sp>
-          <p:nvSpPr>
-            <p:cNvPr id="24" name="TextBox 23"/>
-            <p:cNvSpPr txBox="1"/>
-            <p:nvPr/>
-          </p:nvSpPr>
-          <p:spPr>
-            <a:xfrm>
-              <a:off x="7186234" y="1260340"/>
-              <a:ext cx="1279517" cy="523220"/>
-            </a:xfrm>
-            <a:prstGeom prst="rect">
-              <a:avLst/>
-            </a:prstGeom>
-            <a:noFill/>
-          </p:spPr>
-          <p:txBody>
-            <a:bodyPr wrap="none" rtlCol="0">
-              <a:spAutoFit/>
-            </a:bodyPr>
-            <a:lstStyle/>
-            <a:p>
-              <a:pPr marL="171450" indent="-171450" algn="ctr">
-                <a:buClr>
-                  <a:schemeClr val="tx1"/>
-                </a:buClr>
-              </a:pPr>
-              <a:r>
-                <a:rPr lang="en-US" sz="1400" b="1" dirty="0">
-                  <a:solidFill>
-                    <a:srgbClr val="C84104"/>
-                  </a:solidFill>
-                </a:rPr>
-                <a:t>Hit </a:t>
-              </a:r>
-            </a:p>
-            <a:p>
-              <a:pPr marL="171450" indent="-171450" algn="ctr">
-                <a:buClr>
-                  <a:schemeClr val="tx1"/>
-                </a:buClr>
-              </a:pPr>
-              <a:r>
-                <a:rPr lang="en-US" sz="1400" b="1" dirty="0">
-                  <a:solidFill>
-                    <a:srgbClr val="C84104"/>
-                  </a:solidFill>
-                </a:rPr>
-                <a:t>Prioritization</a:t>
-              </a:r>
-            </a:p>
-          </p:txBody>
-        </p:sp>
-      </p:grpSp>
-      <p:sp>
-        <p:nvSpPr>
-          <p:cNvPr id="25" name="TextBox 24"/>
-          <p:cNvSpPr txBox="1"/>
-          <p:nvPr/>
-        </p:nvSpPr>
-        <p:spPr>
-          <a:xfrm>
-            <a:off x="297706" y="1084519"/>
-            <a:ext cx="3094074" cy="523220"/>
-          </a:xfrm>
-          <a:prstGeom prst="rect">
-            <a:avLst/>
-          </a:prstGeom>
-          <a:noFill/>
-        </p:spPr>
-        <p:txBody>
-          <a:bodyPr wrap="square" rtlCol="0">
-            <a:spAutoFit/>
-          </a:bodyPr>
-          <a:lstStyle/>
-          <a:p>
-            <a:pPr marL="171450" indent="-171450">
-              <a:buClr>
-                <a:schemeClr val="tx1"/>
-              </a:buClr>
-            </a:pPr>
-            <a:r>
-              <a:rPr lang="en-US" sz="1400" dirty="0"/>
-              <a:t>Each </a:t>
-            </a:r>
-            <a:r>
-              <a:rPr lang="en-US" sz="1400" u="sng" dirty="0"/>
-              <a:t>pie</a:t>
-            </a:r>
-            <a:r>
-              <a:rPr lang="en-US" sz="1400" dirty="0"/>
-              <a:t> is one </a:t>
-            </a:r>
-            <a:r>
-              <a:rPr lang="en-US" sz="1400" i="1" dirty="0"/>
-              <a:t>compound</a:t>
-            </a:r>
-          </a:p>
-          <a:p>
-            <a:pPr marL="171450" indent="-171450">
-              <a:buClr>
-                <a:schemeClr val="tx1"/>
-              </a:buClr>
-            </a:pPr>
-            <a:r>
-              <a:rPr lang="en-US" sz="1400" dirty="0"/>
-              <a:t>Each </a:t>
-            </a:r>
-            <a:r>
-              <a:rPr lang="en-US" sz="1400" u="sng" dirty="0"/>
-              <a:t>sector/color</a:t>
-            </a:r>
-            <a:r>
-              <a:rPr lang="en-US" sz="1400" dirty="0"/>
-              <a:t> is one </a:t>
-            </a:r>
-            <a:r>
-              <a:rPr lang="en-US" sz="1400" i="1" dirty="0"/>
-              <a:t>scaffold</a:t>
-            </a:r>
-            <a:endParaRPr lang="en-US" sz="1400" dirty="0"/>
-          </a:p>
-        </p:txBody>
-      </p:sp>
-      <p:pic>
-        <p:nvPicPr>
-          <p:cNvPr id="27" name="Picture 26">
-            <a:extLst>
-              <a:ext uri="{FF2B5EF4-FFF2-40B4-BE49-F238E27FC236}">
-                <a16:creationId xmlns:a16="http://schemas.microsoft.com/office/drawing/2014/main" id="{F192E7D6-0878-4FC2-83D3-02A1B3E4A4B1}"/>
-              </a:ext>
-            </a:extLst>
-          </p:cNvPr>
-          <p:cNvPicPr>
-            <a:picLocks noChangeAspect="1"/>
-          </p:cNvPicPr>
-          <p:nvPr/>
-        </p:nvPicPr>
-        <p:blipFill rotWithShape="1">
-          <a:blip r:embed="rId3"/>
-          <a:srcRect l="85931" t="37005" r="2232" b="13447"/>
-          <a:stretch/>
-        </p:blipFill>
-        <p:spPr>
-          <a:xfrm>
-            <a:off x="3634373" y="1169464"/>
-            <a:ext cx="1082441" cy="2315929"/>
-          </a:xfrm>
-          <a:prstGeom prst="rect">
-            <a:avLst/>
-          </a:prstGeom>
-          <a:ln>
-            <a:solidFill>
-              <a:schemeClr val="bg1">
-                <a:lumMod val="65000"/>
-              </a:schemeClr>
-            </a:solidFill>
-          </a:ln>
-        </p:spPr>
-      </p:pic>
-      <p:pic>
-        <p:nvPicPr>
-          <p:cNvPr id="28" name="Picture 2">
-            <a:extLst>
-              <a:ext uri="{FF2B5EF4-FFF2-40B4-BE49-F238E27FC236}">
-                <a16:creationId xmlns:a16="http://schemas.microsoft.com/office/drawing/2014/main" id="{2C7AB6AE-5241-4698-8711-4C5086C4DB38}"/>
-              </a:ext>
-            </a:extLst>
-          </p:cNvPr>
-          <p:cNvPicPr>
-            <a:picLocks noChangeAspect="1" noChangeArrowheads="1"/>
-          </p:cNvPicPr>
-          <p:nvPr/>
-        </p:nvPicPr>
-        <p:blipFill rotWithShape="1">
-          <a:blip r:embed="rId8" cstate="print"/>
-          <a:srcRect l="85141" b="33875"/>
-          <a:stretch/>
-        </p:blipFill>
-        <p:spPr bwMode="auto">
-          <a:xfrm>
-            <a:off x="7550787" y="1539039"/>
-            <a:ext cx="1207246" cy="2955568"/>
-          </a:xfrm>
-          <a:prstGeom prst="rect">
-            <a:avLst/>
-          </a:prstGeom>
-          <a:noFill/>
-          <a:ln w="9525">
-            <a:noFill/>
-            <a:miter lim="800000"/>
-            <a:headEnd/>
-            <a:tailEnd/>
-          </a:ln>
-        </p:spPr>
-      </p:pic>
-      <p:sp>
-        <p:nvSpPr>
-          <p:cNvPr id="4" name="Oval 3">
-            <a:extLst>
-              <a:ext uri="{FF2B5EF4-FFF2-40B4-BE49-F238E27FC236}">
-                <a16:creationId xmlns:a16="http://schemas.microsoft.com/office/drawing/2014/main" id="{3477CB14-8C3B-49D9-9840-566F8B36F630}"/>
-              </a:ext>
-            </a:extLst>
-          </p:cNvPr>
-          <p:cNvSpPr/>
-          <p:nvPr/>
-        </p:nvSpPr>
-        <p:spPr bwMode="auto">
-          <a:xfrm>
-            <a:off x="4871155" y="4532605"/>
-            <a:ext cx="146304" cy="146304"/>
-          </a:xfrm>
-          <a:prstGeom prst="ellipse">
-            <a:avLst/>
-          </a:prstGeom>
-          <a:noFill/>
-          <a:ln w="28575">
-            <a:solidFill>
-              <a:srgbClr val="002060"/>
-            </a:solidFill>
-            <a:headEnd/>
-            <a:tailEnd/>
-          </a:ln>
-          <a:effectLst/>
-        </p:spPr>
-        <p:style>
-          <a:lnRef idx="1">
-            <a:schemeClr val="accent1"/>
-          </a:lnRef>
-          <a:fillRef idx="3">
-            <a:schemeClr val="accent1"/>
-          </a:fillRef>
-          <a:effectRef idx="2">
-            <a:schemeClr val="accent1"/>
-          </a:effectRef>
-          <a:fontRef idx="minor">
-            <a:schemeClr val="lt1"/>
-          </a:fontRef>
-        </p:style>
-        <p:txBody>
-          <a:bodyPr rot="0" spcFirstLastPara="0" vertOverflow="overflow" horzOverflow="overflow" vert="horz" wrap="square" lIns="72000" tIns="72000" rIns="72000" bIns="72000" numCol="1" spcCol="0" rtlCol="0" fromWordArt="0" anchor="t" anchorCtr="0" forceAA="0" compatLnSpc="1">
-            <a:prstTxWarp prst="textNoShape">
-              <a:avLst/>
-            </a:prstTxWarp>
-            <a:noAutofit/>
-          </a:bodyPr>
-          <a:lstStyle/>
-          <a:p>
-            <a:pPr marL="180975" indent="-180975" algn="ctr" eaLnBrk="0" fontAlgn="auto" hangingPunct="0">
-              <a:spcBef>
-                <a:spcPts val="0"/>
-              </a:spcBef>
-              <a:spcAft>
-                <a:spcPts val="0"/>
-              </a:spcAft>
-              <a:buClr>
-                <a:schemeClr val="bg1"/>
-              </a:buClr>
-              <a:buFont typeface="Arial" pitchFamily="34" charset="0"/>
-              <a:buChar char="–"/>
-            </a:pPr>
-            <a:endParaRPr lang="en-US" sz="1200" b="1" kern="0" dirty="0" err="1">
-              <a:solidFill>
-                <a:srgbClr val="FFFFFF"/>
-              </a:solidFill>
-              <a:latin typeface="Arial"/>
-            </a:endParaRPr>
-          </a:p>
-        </p:txBody>
-      </p:sp>
-      <p:sp>
-        <p:nvSpPr>
-          <p:cNvPr id="29" name="Oval 28">
-            <a:extLst>
-              <a:ext uri="{FF2B5EF4-FFF2-40B4-BE49-F238E27FC236}">
-                <a16:creationId xmlns:a16="http://schemas.microsoft.com/office/drawing/2014/main" id="{12A3982C-5D38-4583-BC50-40DC654FD093}"/>
-              </a:ext>
-            </a:extLst>
-          </p:cNvPr>
-          <p:cNvSpPr/>
-          <p:nvPr/>
-        </p:nvSpPr>
-        <p:spPr bwMode="auto">
-          <a:xfrm>
-            <a:off x="6131566" y="5136542"/>
-            <a:ext cx="164592" cy="164592"/>
-          </a:xfrm>
-          <a:prstGeom prst="ellipse">
-            <a:avLst/>
-          </a:prstGeom>
-          <a:noFill/>
-          <a:ln w="28575">
-            <a:solidFill>
-              <a:srgbClr val="002060"/>
-            </a:solidFill>
-            <a:headEnd/>
-            <a:tailEnd/>
-          </a:ln>
-          <a:effectLst/>
-        </p:spPr>
-        <p:style>
-          <a:lnRef idx="1">
-            <a:schemeClr val="accent1"/>
-          </a:lnRef>
-          <a:fillRef idx="3">
-            <a:schemeClr val="accent1"/>
-          </a:fillRef>
-          <a:effectRef idx="2">
-            <a:schemeClr val="accent1"/>
-          </a:effectRef>
-          <a:fontRef idx="minor">
-            <a:schemeClr val="lt1"/>
-          </a:fontRef>
-        </p:style>
-        <p:txBody>
-          <a:bodyPr rot="0" spcFirstLastPara="0" vertOverflow="overflow" horzOverflow="overflow" vert="horz" wrap="square" lIns="72000" tIns="72000" rIns="72000" bIns="72000" numCol="1" spcCol="0" rtlCol="0" fromWordArt="0" anchor="t" anchorCtr="0" forceAA="0" compatLnSpc="1">
-            <a:prstTxWarp prst="textNoShape">
-              <a:avLst/>
-            </a:prstTxWarp>
-            <a:noAutofit/>
-          </a:bodyPr>
-          <a:lstStyle/>
-          <a:p>
-            <a:pPr marL="180975" indent="-180975" algn="ctr" eaLnBrk="0" fontAlgn="auto" hangingPunct="0">
-              <a:spcBef>
-                <a:spcPts val="0"/>
-              </a:spcBef>
-              <a:spcAft>
-                <a:spcPts val="0"/>
-              </a:spcAft>
-              <a:buClr>
-                <a:schemeClr val="bg1"/>
-              </a:buClr>
-              <a:buFont typeface="Arial" pitchFamily="34" charset="0"/>
-              <a:buChar char="–"/>
-            </a:pPr>
-            <a:endParaRPr lang="en-US" sz="1200" b="1" kern="0" dirty="0" err="1">
-              <a:solidFill>
-                <a:srgbClr val="FFFFFF"/>
-              </a:solidFill>
-              <a:latin typeface="Arial"/>
-            </a:endParaRPr>
-          </a:p>
-        </p:txBody>
-      </p:sp>
-      <p:sp>
-        <p:nvSpPr>
-          <p:cNvPr id="30" name="Oval 29">
-            <a:extLst>
-              <a:ext uri="{FF2B5EF4-FFF2-40B4-BE49-F238E27FC236}">
-                <a16:creationId xmlns:a16="http://schemas.microsoft.com/office/drawing/2014/main" id="{467304A6-828F-4451-BF8A-3127EC47ED43}"/>
-              </a:ext>
-            </a:extLst>
-          </p:cNvPr>
-          <p:cNvSpPr/>
-          <p:nvPr/>
-        </p:nvSpPr>
-        <p:spPr bwMode="auto">
-          <a:xfrm>
-            <a:off x="7397152" y="4462005"/>
-            <a:ext cx="146304" cy="146304"/>
-          </a:xfrm>
-          <a:prstGeom prst="ellipse">
-            <a:avLst/>
-          </a:prstGeom>
-          <a:noFill/>
-          <a:ln w="28575">
-            <a:solidFill>
-              <a:srgbClr val="002060"/>
-            </a:solidFill>
-            <a:headEnd/>
-            <a:tailEnd/>
-          </a:ln>
-          <a:effectLst/>
-        </p:spPr>
-        <p:style>
-          <a:lnRef idx="1">
-            <a:schemeClr val="accent1"/>
-          </a:lnRef>
-          <a:fillRef idx="3">
-            <a:schemeClr val="accent1"/>
-          </a:fillRef>
-          <a:effectRef idx="2">
-            <a:schemeClr val="accent1"/>
-          </a:effectRef>
-          <a:fontRef idx="minor">
-            <a:schemeClr val="lt1"/>
-          </a:fontRef>
-        </p:style>
-        <p:txBody>
-          <a:bodyPr rot="0" spcFirstLastPara="0" vertOverflow="overflow" horzOverflow="overflow" vert="horz" wrap="square" lIns="72000" tIns="72000" rIns="72000" bIns="72000" numCol="1" spcCol="0" rtlCol="0" fromWordArt="0" anchor="t" anchorCtr="0" forceAA="0" compatLnSpc="1">
-            <a:prstTxWarp prst="textNoShape">
-              <a:avLst/>
-            </a:prstTxWarp>
-            <a:noAutofit/>
-          </a:bodyPr>
-          <a:lstStyle/>
-          <a:p>
-            <a:pPr marL="180975" indent="-180975" algn="ctr" eaLnBrk="0" fontAlgn="auto" hangingPunct="0">
-              <a:spcBef>
-                <a:spcPts val="0"/>
-              </a:spcBef>
-              <a:spcAft>
-                <a:spcPts val="0"/>
-              </a:spcAft>
-              <a:buClr>
-                <a:schemeClr val="bg1"/>
-              </a:buClr>
-              <a:buFont typeface="Arial" pitchFamily="34" charset="0"/>
-              <a:buChar char="–"/>
-            </a:pPr>
-            <a:endParaRPr lang="en-US" sz="1200" b="1" kern="0" dirty="0" err="1">
-              <a:solidFill>
-                <a:srgbClr val="FFFFFF"/>
-              </a:solidFill>
-              <a:latin typeface="Arial"/>
-            </a:endParaRPr>
-          </a:p>
-        </p:txBody>
-      </p:sp>
     </p:spTree>
+    <p:extLst>
+      <p:ext uri="{BB962C8B-B14F-4D97-AF65-F5344CB8AC3E}">
+        <p14:creationId xmlns:p14="http://schemas.microsoft.com/office/powerpoint/2010/main" val="2580174408"/>
+      </p:ext>
+    </p:extLst>
   </p:cSld>
   <p:clrMapOvr>
     <a:masterClrMapping/>
   </p:clrMapOvr>
-  <p:timing>
-    <p:tnLst>
-      <p:par>
-        <p:cTn id="1" dur="indefinite" restart="never" nodeType="tmRoot">
-          <p:childTnLst>
-            <p:seq concurrent="1" nextAc="seek">
-              <p:cTn id="2" dur="indefinite" nodeType="mainSeq">
-                <p:childTnLst>
-                  <p:par>
-                    <p:cTn id="3" fill="hold">
-                      <p:stCondLst>
-                        <p:cond delay="indefinite"/>
-                      </p:stCondLst>
-                      <p:childTnLst>
-                        <p:par>
-                          <p:cTn id="4" fill="hold">
-                            <p:stCondLst>
-                              <p:cond delay="0"/>
-                            </p:stCondLst>
-                            <p:childTnLst>
-                              <p:par>
-                                <p:cTn id="5" presetID="1" presetClass="exit" presetSubtype="0" fill="hold" grpId="1" nodeType="clickEffect">
-                                  <p:stCondLst>
-                                    <p:cond delay="0"/>
-                                  </p:stCondLst>
-                                  <p:childTnLst>
-                                    <p:set>
-                                      <p:cBhvr>
-                                        <p:cTn id="6" dur="1" fill="hold">
-                                          <p:stCondLst>
-                                            <p:cond delay="0"/>
-                                          </p:stCondLst>
-                                        </p:cTn>
-                                        <p:tgtEl>
-                                          <p:spTgt spid="14"/>
-                                        </p:tgtEl>
-                                        <p:attrNameLst>
-                                          <p:attrName>style.visibility</p:attrName>
-                                        </p:attrNameLst>
-                                      </p:cBhvr>
-                                      <p:to>
-                                        <p:strVal val="hidden"/>
-                                      </p:to>
-                                    </p:set>
-                                  </p:childTnLst>
-                                </p:cTn>
-                              </p:par>
-                              <p:par>
-                                <p:cTn id="7" presetID="1" presetClass="entr" presetSubtype="0" fill="hold" nodeType="withEffect">
-                                  <p:stCondLst>
-                                    <p:cond delay="0"/>
-                                  </p:stCondLst>
-                                  <p:childTnLst>
-                                    <p:set>
-                                      <p:cBhvr>
-                                        <p:cTn id="8" dur="1" fill="hold">
-                                          <p:stCondLst>
-                                            <p:cond delay="0"/>
-                                          </p:stCondLst>
-                                        </p:cTn>
-                                        <p:tgtEl>
-                                          <p:spTgt spid="171012"/>
-                                        </p:tgtEl>
-                                        <p:attrNameLst>
-                                          <p:attrName>style.visibility</p:attrName>
-                                        </p:attrNameLst>
-                                      </p:cBhvr>
-                                      <p:to>
-                                        <p:strVal val="visible"/>
-                                      </p:to>
-                                    </p:set>
-                                  </p:childTnLst>
-                                </p:cTn>
-                              </p:par>
-                              <p:par>
-                                <p:cTn id="9" presetID="1" presetClass="entr" presetSubtype="0" fill="hold" grpId="0" nodeType="withEffect">
-                                  <p:stCondLst>
-                                    <p:cond delay="0"/>
-                                  </p:stCondLst>
-                                  <p:childTnLst>
-                                    <p:set>
-                                      <p:cBhvr>
-                                        <p:cTn id="10" dur="1" fill="hold">
-                                          <p:stCondLst>
-                                            <p:cond delay="0"/>
-                                          </p:stCondLst>
-                                        </p:cTn>
-                                        <p:tgtEl>
-                                          <p:spTgt spid="8"/>
-                                        </p:tgtEl>
-                                        <p:attrNameLst>
-                                          <p:attrName>style.visibility</p:attrName>
-                                        </p:attrNameLst>
-                                      </p:cBhvr>
-                                      <p:to>
-                                        <p:strVal val="visible"/>
-                                      </p:to>
-                                    </p:set>
-                                  </p:childTnLst>
-                                </p:cTn>
-                              </p:par>
-                              <p:par>
-                                <p:cTn id="11" presetID="1" presetClass="entr" presetSubtype="0" fill="hold" grpId="0" nodeType="withEffect">
-                                  <p:stCondLst>
-                                    <p:cond delay="0"/>
-                                  </p:stCondLst>
-                                  <p:childTnLst>
-                                    <p:set>
-                                      <p:cBhvr>
-                                        <p:cTn id="12" dur="1" fill="hold">
-                                          <p:stCondLst>
-                                            <p:cond delay="0"/>
-                                          </p:stCondLst>
-                                        </p:cTn>
-                                        <p:tgtEl>
-                                          <p:spTgt spid="14"/>
-                                        </p:tgtEl>
-                                        <p:attrNameLst>
-                                          <p:attrName>style.visibility</p:attrName>
-                                        </p:attrNameLst>
-                                      </p:cBhvr>
-                                      <p:to>
-                                        <p:strVal val="visible"/>
-                                      </p:to>
-                                    </p:set>
-                                  </p:childTnLst>
-                                </p:cTn>
-                              </p:par>
-                            </p:childTnLst>
-                          </p:cTn>
-                        </p:par>
-                      </p:childTnLst>
-                    </p:cTn>
-                  </p:par>
-                  <p:par>
-                    <p:cTn id="13" fill="hold">
-                      <p:stCondLst>
-                        <p:cond delay="indefinite"/>
-                      </p:stCondLst>
-                      <p:childTnLst>
-                        <p:par>
-                          <p:cTn id="14" fill="hold">
-                            <p:stCondLst>
-                              <p:cond delay="0"/>
-                            </p:stCondLst>
-                            <p:childTnLst>
-                              <p:par>
-                                <p:cTn id="15" presetID="1" presetClass="entr" presetSubtype="0" fill="hold" nodeType="clickEffect">
-                                  <p:stCondLst>
-                                    <p:cond delay="0"/>
-                                  </p:stCondLst>
-                                  <p:childTnLst>
-                                    <p:set>
-                                      <p:cBhvr>
-                                        <p:cTn id="16" dur="1" fill="hold">
-                                          <p:stCondLst>
-                                            <p:cond delay="0"/>
-                                          </p:stCondLst>
-                                        </p:cTn>
-                                        <p:tgtEl>
-                                          <p:spTgt spid="171011"/>
-                                        </p:tgtEl>
-                                        <p:attrNameLst>
-                                          <p:attrName>style.visibility</p:attrName>
-                                        </p:attrNameLst>
-                                      </p:cBhvr>
-                                      <p:to>
-                                        <p:strVal val="visible"/>
-                                      </p:to>
-                                    </p:set>
-                                  </p:childTnLst>
-                                </p:cTn>
-                              </p:par>
-                              <p:par>
-                                <p:cTn id="17" presetID="1" presetClass="entr" presetSubtype="0" fill="hold" grpId="0" nodeType="withEffect">
-                                  <p:stCondLst>
-                                    <p:cond delay="0"/>
-                                  </p:stCondLst>
-                                  <p:childTnLst>
-                                    <p:set>
-                                      <p:cBhvr>
-                                        <p:cTn id="18" dur="1" fill="hold">
-                                          <p:stCondLst>
-                                            <p:cond delay="0"/>
-                                          </p:stCondLst>
-                                        </p:cTn>
-                                        <p:tgtEl>
-                                          <p:spTgt spid="9"/>
-                                        </p:tgtEl>
-                                        <p:attrNameLst>
-                                          <p:attrName>style.visibility</p:attrName>
-                                        </p:attrNameLst>
-                                      </p:cBhvr>
-                                      <p:to>
-                                        <p:strVal val="visible"/>
-                                      </p:to>
-                                    </p:set>
-                                  </p:childTnLst>
-                                </p:cTn>
-                              </p:par>
-                              <p:par>
-                                <p:cTn id="19" presetID="1" presetClass="entr" presetSubtype="0" fill="hold" grpId="0" nodeType="withEffect">
-                                  <p:stCondLst>
-                                    <p:cond delay="0"/>
-                                  </p:stCondLst>
-                                  <p:childTnLst>
-                                    <p:set>
-                                      <p:cBhvr>
-                                        <p:cTn id="20" dur="1" fill="hold">
-                                          <p:stCondLst>
-                                            <p:cond delay="0"/>
-                                          </p:stCondLst>
-                                        </p:cTn>
-                                        <p:tgtEl>
-                                          <p:spTgt spid="15"/>
-                                        </p:tgtEl>
-                                        <p:attrNameLst>
-                                          <p:attrName>style.visibility</p:attrName>
-                                        </p:attrNameLst>
-                                      </p:cBhvr>
-                                      <p:to>
-                                        <p:strVal val="visible"/>
-                                      </p:to>
-                                    </p:set>
-                                  </p:childTnLst>
-                                </p:cTn>
-                              </p:par>
-                              <p:par>
-                                <p:cTn id="21" presetID="1" presetClass="exit" presetSubtype="0" fill="hold" grpId="0" nodeType="withEffect">
-                                  <p:stCondLst>
-                                    <p:cond delay="0"/>
-                                  </p:stCondLst>
-                                  <p:childTnLst>
-                                    <p:set>
-                                      <p:cBhvr>
-                                        <p:cTn id="22" dur="1" fill="hold">
-                                          <p:stCondLst>
-                                            <p:cond delay="0"/>
-                                          </p:stCondLst>
-                                        </p:cTn>
-                                        <p:tgtEl>
-                                          <p:spTgt spid="16"/>
-                                        </p:tgtEl>
-                                        <p:attrNameLst>
-                                          <p:attrName>style.visibility</p:attrName>
-                                        </p:attrNameLst>
-                                      </p:cBhvr>
-                                      <p:to>
-                                        <p:strVal val="hidden"/>
-                                      </p:to>
-                                    </p:set>
-                                  </p:childTnLst>
-                                </p:cTn>
-                              </p:par>
-                            </p:childTnLst>
-                          </p:cTn>
-                        </p:par>
-                      </p:childTnLst>
-                    </p:cTn>
-                  </p:par>
-                </p:childTnLst>
-              </p:cTn>
-              <p:prevCondLst>
-                <p:cond evt="onPrev" delay="0">
-                  <p:tgtEl>
-                    <p:sldTgt/>
-                  </p:tgtEl>
-                </p:cond>
-              </p:prevCondLst>
-              <p:nextCondLst>
-                <p:cond evt="onNext" delay="0">
-                  <p:tgtEl>
-                    <p:sldTgt/>
-                  </p:tgtEl>
-                </p:cond>
-              </p:nextCondLst>
-            </p:seq>
-          </p:childTnLst>
-        </p:cTn>
-      </p:par>
-    </p:tnLst>
-    <p:bldLst>
-      <p:bldP spid="8" grpId="0"/>
-      <p:bldP spid="9" grpId="0"/>
-      <p:bldP spid="14" grpId="0" animBg="1"/>
-      <p:bldP spid="14" grpId="1" animBg="1"/>
-      <p:bldP spid="15" grpId="0" animBg="1"/>
-      <p:bldP spid="16" grpId="0" animBg="1"/>
-    </p:bldLst>
-  </p:timing>
 </p:sld>
 </file>
 
@@ -24538,38 +24594,15 @@
           <a:chExt cx="0" cy="0"/>
         </a:xfrm>
       </p:grpSpPr>
-      <p:pic>
-        <p:nvPicPr>
-          <p:cNvPr id="10" name="Picture 9">
+      <p:sp>
+        <p:nvSpPr>
+          <p:cNvPr id="2" name="Title 1">
             <a:extLst>
               <a:ext uri="{FF2B5EF4-FFF2-40B4-BE49-F238E27FC236}">
-                <a16:creationId xmlns:a16="http://schemas.microsoft.com/office/drawing/2014/main" id="{497C74AC-CDDE-41D4-8E0C-47A736284F7C}"/>
+                <a16:creationId xmlns:a16="http://schemas.microsoft.com/office/drawing/2014/main" id="{996ECCB0-5591-4960-8CA3-B3F9FA6BDE88}"/>
               </a:ext>
             </a:extLst>
           </p:cNvPr>
-          <p:cNvPicPr>
-            <a:picLocks noChangeAspect="1"/>
-          </p:cNvPicPr>
-          <p:nvPr/>
-        </p:nvPicPr>
-        <p:blipFill rotWithShape="1">
-          <a:blip r:embed="rId3"/>
-          <a:srcRect l="7913" t="2901" r="33478"/>
-          <a:stretch/>
-        </p:blipFill>
-        <p:spPr>
-          <a:xfrm>
-            <a:off x="901082" y="1246195"/>
-            <a:ext cx="5359179" cy="4807093"/>
-          </a:xfrm>
-          <a:prstGeom prst="rect">
-            <a:avLst/>
-          </a:prstGeom>
-        </p:spPr>
-      </p:pic>
-      <p:sp>
-        <p:nvSpPr>
-          <p:cNvPr id="2" name="Title 1"/>
           <p:cNvSpPr>
             <a:spLocks noGrp="1"/>
           </p:cNvSpPr>
@@ -24577,26 +24610,77 @@
             <p:ph type="title"/>
           </p:nvPr>
         </p:nvSpPr>
-        <p:spPr>
-          <a:xfrm>
-            <a:off x="365123" y="294810"/>
-            <a:ext cx="7805099" cy="338554"/>
-          </a:xfrm>
-        </p:spPr>
+        <p:spPr/>
         <p:txBody>
           <a:bodyPr/>
           <a:lstStyle/>
           <a:p>
             <a:r>
               <a:rPr lang="en-US" dirty="0"/>
-              <a:t>Stats FW A vs RGT B</a:t>
-            </a:r>
-          </a:p>
-        </p:txBody>
-      </p:sp>
-      <p:sp>
-        <p:nvSpPr>
-          <p:cNvPr id="5" name="Slide Number Placeholder 4"/>
+              <a:t>Fig 5 – only structure rendering improvement</a:t>
+            </a:r>
+          </a:p>
+        </p:txBody>
+      </p:sp>
+      <p:sp>
+        <p:nvSpPr>
+          <p:cNvPr id="3" name="Content Placeholder 2">
+            <a:extLst>
+              <a:ext uri="{FF2B5EF4-FFF2-40B4-BE49-F238E27FC236}">
+                <a16:creationId xmlns:a16="http://schemas.microsoft.com/office/drawing/2014/main" id="{9187430B-47DB-41C1-9A4A-9B643413163A}"/>
+              </a:ext>
+            </a:extLst>
+          </p:cNvPr>
+          <p:cNvSpPr>
+            <a:spLocks noGrp="1"/>
+          </p:cNvSpPr>
+          <p:nvPr>
+            <p:ph sz="quarter" idx="12"/>
+          </p:nvPr>
+        </p:nvSpPr>
+        <p:spPr/>
+        <p:txBody>
+          <a:bodyPr/>
+          <a:lstStyle/>
+          <a:p>
+            <a:endParaRPr lang="en-US"/>
+          </a:p>
+        </p:txBody>
+      </p:sp>
+      <p:sp>
+        <p:nvSpPr>
+          <p:cNvPr id="4" name="Text Placeholder 3">
+            <a:extLst>
+              <a:ext uri="{FF2B5EF4-FFF2-40B4-BE49-F238E27FC236}">
+                <a16:creationId xmlns:a16="http://schemas.microsoft.com/office/drawing/2014/main" id="{DF780E39-15FA-461A-A3EA-42E5359DEDE9}"/>
+              </a:ext>
+            </a:extLst>
+          </p:cNvPr>
+          <p:cNvSpPr>
+            <a:spLocks noGrp="1"/>
+          </p:cNvSpPr>
+          <p:nvPr>
+            <p:ph type="body" sz="quarter" idx="14"/>
+          </p:nvPr>
+        </p:nvSpPr>
+        <p:spPr/>
+        <p:txBody>
+          <a:bodyPr/>
+          <a:lstStyle/>
+          <a:p>
+            <a:endParaRPr lang="en-US"/>
+          </a:p>
+        </p:txBody>
+      </p:sp>
+      <p:sp>
+        <p:nvSpPr>
+          <p:cNvPr id="5" name="Slide Number Placeholder 4">
+            <a:extLst>
+              <a:ext uri="{FF2B5EF4-FFF2-40B4-BE49-F238E27FC236}">
+                <a16:creationId xmlns:a16="http://schemas.microsoft.com/office/drawing/2014/main" id="{0CF74B6C-9839-4448-883F-ED4F4D457FDE}"/>
+              </a:ext>
+            </a:extLst>
+          </p:cNvPr>
           <p:cNvSpPr>
             <a:spLocks noGrp="1"/>
           </p:cNvSpPr>
@@ -24626,165 +24710,37 @@
           </a:p>
         </p:txBody>
       </p:sp>
-      <p:pic>
-        <p:nvPicPr>
-          <p:cNvPr id="174084" name="Picture 4"/>
-          <p:cNvPicPr>
-            <a:picLocks noChangeAspect="1" noChangeArrowheads="1"/>
-          </p:cNvPicPr>
-          <p:nvPr/>
-        </p:nvPicPr>
-        <p:blipFill rotWithShape="1">
-          <a:blip r:embed="rId4" cstate="print"/>
-          <a:srcRect l="18226" t="10722" r="71759" b="63639"/>
-          <a:stretch/>
-        </p:blipFill>
-        <p:spPr bwMode="auto">
-          <a:xfrm>
-            <a:off x="2920549" y="1257156"/>
-            <a:ext cx="925666" cy="1315103"/>
-          </a:xfrm>
-          <a:prstGeom prst="rect">
-            <a:avLst/>
-          </a:prstGeom>
-          <a:noFill/>
-          <a:ln w="9525">
-            <a:solidFill>
-              <a:schemeClr val="accent1"/>
-            </a:solidFill>
-            <a:miter lim="800000"/>
-            <a:headEnd/>
-            <a:tailEnd/>
-          </a:ln>
-        </p:spPr>
-      </p:pic>
-      <p:pic>
-        <p:nvPicPr>
-          <p:cNvPr id="18" name="Picture 4">
+      <p:sp>
+        <p:nvSpPr>
+          <p:cNvPr id="6" name="Text Placeholder 5">
             <a:extLst>
               <a:ext uri="{FF2B5EF4-FFF2-40B4-BE49-F238E27FC236}">
-                <a16:creationId xmlns:a16="http://schemas.microsoft.com/office/drawing/2014/main" id="{42D349C2-3236-4552-84C4-34157045CE46}"/>
+                <a16:creationId xmlns:a16="http://schemas.microsoft.com/office/drawing/2014/main" id="{236C3E6E-D1FF-42A7-AEFC-C61F66906DB0}"/>
               </a:ext>
             </a:extLst>
           </p:cNvPr>
-          <p:cNvPicPr>
-            <a:picLocks noChangeAspect="1" noChangeArrowheads="1"/>
-          </p:cNvPicPr>
-          <p:nvPr/>
-        </p:nvPicPr>
-        <p:blipFill rotWithShape="1">
-          <a:blip r:embed="rId4" cstate="print"/>
-          <a:srcRect l="18226" t="56657" r="71759" b="17710"/>
-          <a:stretch/>
-        </p:blipFill>
-        <p:spPr bwMode="auto">
-          <a:xfrm>
-            <a:off x="84281" y="3864057"/>
-            <a:ext cx="817399" cy="1350010"/>
-          </a:xfrm>
-          <a:prstGeom prst="rect">
-            <a:avLst/>
-          </a:prstGeom>
-          <a:noFill/>
-          <a:ln w="9525">
-            <a:solidFill>
-              <a:schemeClr val="tx1"/>
-            </a:solidFill>
-            <a:miter lim="800000"/>
-            <a:headEnd/>
-            <a:tailEnd/>
-          </a:ln>
-        </p:spPr>
-      </p:pic>
+          <p:cNvSpPr>
+            <a:spLocks noGrp="1"/>
+          </p:cNvSpPr>
+          <p:nvPr>
+            <p:ph type="body" sz="quarter" idx="18"/>
+          </p:nvPr>
+        </p:nvSpPr>
+        <p:spPr/>
+        <p:txBody>
+          <a:bodyPr/>
+          <a:lstStyle/>
+          <a:p>
+            <a:endParaRPr lang="en-US"/>
+          </a:p>
+        </p:txBody>
+      </p:sp>
       <p:pic>
         <p:nvPicPr>
-          <p:cNvPr id="19" name="Picture 4">
+          <p:cNvPr id="7" name="Picture 6">
             <a:extLst>
               <a:ext uri="{FF2B5EF4-FFF2-40B4-BE49-F238E27FC236}">
-                <a16:creationId xmlns:a16="http://schemas.microsoft.com/office/drawing/2014/main" id="{6AF02589-4E28-4B71-AF99-FCFC02DABF76}"/>
-              </a:ext>
-            </a:extLst>
-          </p:cNvPr>
-          <p:cNvPicPr>
-            <a:picLocks noChangeAspect="1" noChangeArrowheads="1"/>
-          </p:cNvPicPr>
-          <p:nvPr/>
-        </p:nvPicPr>
-        <p:blipFill rotWithShape="1">
-          <a:blip r:embed="rId4" cstate="print"/>
-          <a:srcRect l="57273" t="59678" r="34152" b="15389"/>
-          <a:stretch/>
-        </p:blipFill>
-        <p:spPr bwMode="auto">
-          <a:xfrm>
-            <a:off x="5536981" y="3498602"/>
-            <a:ext cx="699822" cy="1313122"/>
-          </a:xfrm>
-          <a:prstGeom prst="rect">
-            <a:avLst/>
-          </a:prstGeom>
-          <a:noFill/>
-          <a:ln w="9525">
-            <a:solidFill>
-              <a:srgbClr val="7030A0"/>
-            </a:solidFill>
-            <a:miter lim="800000"/>
-            <a:headEnd/>
-            <a:tailEnd/>
-          </a:ln>
-        </p:spPr>
-      </p:pic>
-      <p:cxnSp>
-        <p:nvCxnSpPr>
-          <p:cNvPr id="174081" name="Straight Connector 174080">
-            <a:extLst>
-              <a:ext uri="{FF2B5EF4-FFF2-40B4-BE49-F238E27FC236}">
-                <a16:creationId xmlns:a16="http://schemas.microsoft.com/office/drawing/2014/main" id="{21C181BB-6BFE-4304-98E5-36B39CF330BF}"/>
-              </a:ext>
-            </a:extLst>
-          </p:cNvPr>
-          <p:cNvCxnSpPr>
-            <a:cxnSpLocks/>
-          </p:cNvCxnSpPr>
-          <p:nvPr/>
-        </p:nvCxnSpPr>
-        <p:spPr>
-          <a:xfrm flipV="1">
-            <a:off x="1757238" y="1439187"/>
-            <a:ext cx="1143703" cy="2"/>
-          </a:xfrm>
-          <a:prstGeom prst="line">
-            <a:avLst/>
-          </a:prstGeom>
-          <a:ln>
-            <a:solidFill>
-              <a:schemeClr val="tx1">
-                <a:lumMod val="50000"/>
-              </a:schemeClr>
-            </a:solidFill>
-          </a:ln>
-        </p:spPr>
-        <p:style>
-          <a:lnRef idx="1">
-            <a:schemeClr val="accent1"/>
-          </a:lnRef>
-          <a:fillRef idx="0">
-            <a:schemeClr val="accent1"/>
-          </a:fillRef>
-          <a:effectRef idx="0">
-            <a:schemeClr val="accent1"/>
-          </a:effectRef>
-          <a:fontRef idx="minor">
-            <a:schemeClr val="tx1"/>
-          </a:fontRef>
-        </p:style>
-      </p:cxnSp>
-      <p:pic>
-        <p:nvPicPr>
-          <p:cNvPr id="41" name="Picture 40">
-            <a:extLst>
-              <a:ext uri="{FF2B5EF4-FFF2-40B4-BE49-F238E27FC236}">
-                <a16:creationId xmlns:a16="http://schemas.microsoft.com/office/drawing/2014/main" id="{268AAA76-884A-4E25-B277-C0EEACC4AAA7}"/>
+                <a16:creationId xmlns:a16="http://schemas.microsoft.com/office/drawing/2014/main" id="{75A13718-148F-4272-99F1-72125A7D9E90}"/>
               </a:ext>
             </a:extLst>
           </p:cNvPr>
@@ -24793,157 +24749,240 @@
           </p:cNvPicPr>
           <p:nvPr/>
         </p:nvPicPr>
-        <p:blipFill rotWithShape="1">
-          <a:blip r:embed="rId5"/>
-          <a:srcRect l="-376" t="45325" r="97854" b="47342"/>
-          <a:stretch/>
+        <p:blipFill>
+          <a:blip r:embed="rId2"/>
+          <a:stretch>
+            <a:fillRect/>
+          </a:stretch>
         </p:blipFill>
         <p:spPr>
           <a:xfrm>
-            <a:off x="333956" y="2432585"/>
-            <a:ext cx="408101" cy="652959"/>
+            <a:off x="268323" y="1028172"/>
+            <a:ext cx="6629400" cy="5153025"/>
           </a:xfrm>
           <a:prstGeom prst="rect">
             <a:avLst/>
           </a:prstGeom>
         </p:spPr>
       </p:pic>
-      <p:cxnSp>
-        <p:nvCxnSpPr>
-          <p:cNvPr id="42" name="Straight Connector 41">
+      <p:sp>
+        <p:nvSpPr>
+          <p:cNvPr id="8" name="Text Placeholder 3">
             <a:extLst>
               <a:ext uri="{FF2B5EF4-FFF2-40B4-BE49-F238E27FC236}">
-                <a16:creationId xmlns:a16="http://schemas.microsoft.com/office/drawing/2014/main" id="{4AB7C522-5718-4E5B-B0B6-0F575E7B572B}"/>
+                <a16:creationId xmlns:a16="http://schemas.microsoft.com/office/drawing/2014/main" id="{DD053C0E-7BED-48F2-9FB5-24E2C873D22D}"/>
               </a:ext>
             </a:extLst>
           </p:cNvPr>
-          <p:cNvCxnSpPr>
-            <a:cxnSpLocks/>
-          </p:cNvCxnSpPr>
+          <p:cNvSpPr txBox="1">
+            <a:spLocks/>
+          </p:cNvSpPr>
           <p:nvPr/>
-        </p:nvCxnSpPr>
-        <p:spPr>
-          <a:xfrm>
-            <a:off x="901082" y="5214067"/>
-            <a:ext cx="681229" cy="89453"/>
-          </a:xfrm>
-          <a:prstGeom prst="line">
-            <a:avLst/>
-          </a:prstGeom>
-          <a:ln>
-            <a:solidFill>
-              <a:schemeClr val="tx1">
-                <a:lumMod val="50000"/>
-              </a:schemeClr>
-            </a:solidFill>
-          </a:ln>
-        </p:spPr>
-        <p:style>
-          <a:lnRef idx="1">
-            <a:schemeClr val="accent1"/>
-          </a:lnRef>
-          <a:fillRef idx="0">
-            <a:schemeClr val="accent1"/>
-          </a:fillRef>
-          <a:effectRef idx="0">
-            <a:schemeClr val="accent1"/>
-          </a:effectRef>
-          <a:fontRef idx="minor">
-            <a:schemeClr val="tx1"/>
-          </a:fontRef>
-        </p:style>
-      </p:cxnSp>
-      <p:cxnSp>
-        <p:nvCxnSpPr>
-          <p:cNvPr id="51" name="Straight Connector 50">
-            <a:extLst>
-              <a:ext uri="{FF2B5EF4-FFF2-40B4-BE49-F238E27FC236}">
-                <a16:creationId xmlns:a16="http://schemas.microsoft.com/office/drawing/2014/main" id="{289D2DB0-E3D0-4761-AE8A-0E92CD1C25D0}"/>
-              </a:ext>
-            </a:extLst>
-          </p:cNvPr>
-          <p:cNvCxnSpPr>
-            <a:cxnSpLocks/>
-            <a:stCxn id="19" idx="2"/>
-          </p:cNvCxnSpPr>
-          <p:nvPr/>
-        </p:nvCxnSpPr>
-        <p:spPr>
-          <a:xfrm>
-            <a:off x="5886892" y="4811724"/>
-            <a:ext cx="104439" cy="346503"/>
-          </a:xfrm>
-          <a:prstGeom prst="line">
-            <a:avLst/>
-          </a:prstGeom>
-          <a:ln>
-            <a:solidFill>
-              <a:schemeClr val="tx1">
-                <a:lumMod val="50000"/>
-              </a:schemeClr>
-            </a:solidFill>
-          </a:ln>
-        </p:spPr>
-        <p:style>
-          <a:lnRef idx="1">
-            <a:schemeClr val="accent1"/>
-          </a:lnRef>
-          <a:fillRef idx="0">
-            <a:schemeClr val="accent1"/>
-          </a:fillRef>
-          <a:effectRef idx="0">
-            <a:schemeClr val="accent1"/>
-          </a:effectRef>
-          <a:fontRef idx="minor">
-            <a:schemeClr val="tx1"/>
-          </a:fontRef>
-        </p:style>
-      </p:cxnSp>
-      <p:pic>
-        <p:nvPicPr>
-          <p:cNvPr id="7" name="Picture 6">
-            <a:extLst>
-              <a:ext uri="{FF2B5EF4-FFF2-40B4-BE49-F238E27FC236}">
-                <a16:creationId xmlns:a16="http://schemas.microsoft.com/office/drawing/2014/main" id="{080E286B-AF01-4BC2-955C-F2C011ED12A1}"/>
-              </a:ext>
-            </a:extLst>
-          </p:cNvPr>
-          <p:cNvPicPr>
-            <a:picLocks noChangeAspect="1"/>
-          </p:cNvPicPr>
-          <p:nvPr/>
-        </p:nvPicPr>
-        <p:blipFill rotWithShape="1">
-          <a:blip r:embed="rId6"/>
-          <a:srcRect l="58850" t="22815" r="6941" b="14132"/>
-          <a:stretch/>
-        </p:blipFill>
-        <p:spPr>
-          <a:xfrm>
-            <a:off x="3987249" y="1233927"/>
-            <a:ext cx="2253404" cy="2248773"/>
+        </p:nvSpPr>
+        <p:spPr>
+          <a:xfrm>
+            <a:off x="6270171" y="1196151"/>
+            <a:ext cx="2518228" cy="3004060"/>
           </a:xfrm>
           <a:prstGeom prst="rect">
             <a:avLst/>
           </a:prstGeom>
-          <a:ln>
-            <a:solidFill>
-              <a:schemeClr val="tx2"/>
-            </a:solidFill>
-          </a:ln>
-        </p:spPr>
-      </p:pic>
+        </p:spPr>
+        <p:txBody>
+          <a:bodyPr vert="horz" lIns="0" tIns="0" rIns="0" bIns="0" rtlCol="0" anchor="t" anchorCtr="0">
+            <a:noAutofit/>
+          </a:bodyPr>
+          <a:lstStyle>
+            <a:lvl1pPr marL="0" indent="0" algn="l" defTabSz="914400" rtl="0" eaLnBrk="1" latinLnBrk="0" hangingPunct="1">
+              <a:spcBef>
+                <a:spcPts val="0"/>
+              </a:spcBef>
+              <a:spcAft>
+                <a:spcPts val="0"/>
+              </a:spcAft>
+              <a:buClr>
+                <a:schemeClr val="tx1"/>
+              </a:buClr>
+              <a:buFont typeface="Arial" pitchFamily="34" charset="0"/>
+              <a:buNone/>
+              <a:defRPr sz="1800" kern="1200">
+                <a:solidFill>
+                  <a:schemeClr val="tx1"/>
+                </a:solidFill>
+                <a:latin typeface="+mn-lt"/>
+                <a:ea typeface="+mn-ea"/>
+                <a:cs typeface="+mn-cs"/>
+              </a:defRPr>
+            </a:lvl1pPr>
+            <a:lvl2pPr marL="271463" indent="0" algn="l" defTabSz="914400" rtl="0" eaLnBrk="1" latinLnBrk="0" hangingPunct="1">
+              <a:spcBef>
+                <a:spcPts val="0"/>
+              </a:spcBef>
+              <a:spcAft>
+                <a:spcPts val="600"/>
+              </a:spcAft>
+              <a:buFont typeface="Arial" pitchFamily="34" charset="0"/>
+              <a:buNone/>
+              <a:defRPr sz="1400" kern="1200">
+                <a:solidFill>
+                  <a:schemeClr val="tx1"/>
+                </a:solidFill>
+                <a:latin typeface="+mn-lt"/>
+                <a:ea typeface="+mn-ea"/>
+                <a:cs typeface="+mn-cs"/>
+              </a:defRPr>
+            </a:lvl2pPr>
+            <a:lvl3pPr marL="533400" indent="0" algn="l" defTabSz="914400" rtl="0" eaLnBrk="1" latinLnBrk="0" hangingPunct="1">
+              <a:spcBef>
+                <a:spcPts val="0"/>
+              </a:spcBef>
+              <a:spcAft>
+                <a:spcPts val="600"/>
+              </a:spcAft>
+              <a:buFont typeface="Arial" pitchFamily="34" charset="0"/>
+              <a:buNone/>
+              <a:defRPr sz="1200" kern="1200">
+                <a:solidFill>
+                  <a:schemeClr val="tx1"/>
+                </a:solidFill>
+                <a:latin typeface="+mn-lt"/>
+                <a:ea typeface="+mn-ea"/>
+                <a:cs typeface="+mn-cs"/>
+              </a:defRPr>
+            </a:lvl3pPr>
+            <a:lvl4pPr marL="815975" indent="0" algn="l" defTabSz="914400" rtl="0" eaLnBrk="1" latinLnBrk="0" hangingPunct="1">
+              <a:spcBef>
+                <a:spcPts val="0"/>
+              </a:spcBef>
+              <a:spcAft>
+                <a:spcPts val="600"/>
+              </a:spcAft>
+              <a:buFont typeface="Arial" pitchFamily="34" charset="0"/>
+              <a:buNone/>
+              <a:defRPr sz="1200" kern="1200">
+                <a:solidFill>
+                  <a:schemeClr val="tx1"/>
+                </a:solidFill>
+                <a:latin typeface="+mn-lt"/>
+                <a:ea typeface="+mn-ea"/>
+                <a:cs typeface="+mn-cs"/>
+              </a:defRPr>
+            </a:lvl4pPr>
+            <a:lvl5pPr marL="1104900" indent="0" algn="l" defTabSz="914400" rtl="0" eaLnBrk="1" latinLnBrk="0" hangingPunct="1">
+              <a:spcBef>
+                <a:spcPts val="0"/>
+              </a:spcBef>
+              <a:spcAft>
+                <a:spcPts val="600"/>
+              </a:spcAft>
+              <a:buFont typeface="Arial" pitchFamily="34" charset="0"/>
+              <a:buNone/>
+              <a:defRPr sz="1200" b="0" kern="1200">
+                <a:solidFill>
+                  <a:schemeClr val="tx1"/>
+                </a:solidFill>
+                <a:latin typeface="+mn-lt"/>
+                <a:ea typeface="+mn-ea"/>
+                <a:cs typeface="+mn-cs"/>
+              </a:defRPr>
+            </a:lvl5pPr>
+            <a:lvl6pPr marL="1620000" indent="-270000" algn="l" defTabSz="914400" rtl="0" eaLnBrk="1" latinLnBrk="0" hangingPunct="1">
+              <a:spcBef>
+                <a:spcPts val="0"/>
+              </a:spcBef>
+              <a:spcAft>
+                <a:spcPts val="600"/>
+              </a:spcAft>
+              <a:buFont typeface="Arial" pitchFamily="34" charset="0"/>
+              <a:buChar char="–"/>
+              <a:defRPr sz="1200" kern="1200">
+                <a:solidFill>
+                  <a:schemeClr val="tx1"/>
+                </a:solidFill>
+                <a:latin typeface="+mn-lt"/>
+                <a:ea typeface="+mn-ea"/>
+                <a:cs typeface="+mn-cs"/>
+              </a:defRPr>
+            </a:lvl6pPr>
+            <a:lvl7pPr marL="1800000" indent="-270000" algn="l" defTabSz="914400" rtl="0" eaLnBrk="1" latinLnBrk="0" hangingPunct="1">
+              <a:spcBef>
+                <a:spcPts val="0"/>
+              </a:spcBef>
+              <a:spcAft>
+                <a:spcPts val="600"/>
+              </a:spcAft>
+              <a:buFont typeface="Arial" pitchFamily="34" charset="0"/>
+              <a:buChar char="–"/>
+              <a:defRPr sz="1200" kern="1200">
+                <a:solidFill>
+                  <a:schemeClr val="tx1"/>
+                </a:solidFill>
+                <a:latin typeface="+mn-lt"/>
+                <a:ea typeface="+mn-ea"/>
+                <a:cs typeface="+mn-cs"/>
+              </a:defRPr>
+            </a:lvl7pPr>
+            <a:lvl8pPr marL="2070000" indent="-270000" algn="l" defTabSz="914400" rtl="0" eaLnBrk="1" latinLnBrk="0" hangingPunct="1">
+              <a:spcBef>
+                <a:spcPts val="0"/>
+              </a:spcBef>
+              <a:spcAft>
+                <a:spcPts val="600"/>
+              </a:spcAft>
+              <a:buFont typeface="Arial" pitchFamily="34" charset="0"/>
+              <a:buChar char="–"/>
+              <a:defRPr sz="1200" kern="1200">
+                <a:solidFill>
+                  <a:schemeClr val="tx1"/>
+                </a:solidFill>
+                <a:latin typeface="+mn-lt"/>
+                <a:ea typeface="+mn-ea"/>
+                <a:cs typeface="+mn-cs"/>
+              </a:defRPr>
+            </a:lvl8pPr>
+            <a:lvl9pPr marL="2340000" indent="-270000" algn="l" defTabSz="914400" rtl="0" eaLnBrk="1" latinLnBrk="0" hangingPunct="1">
+              <a:spcBef>
+                <a:spcPts val="0"/>
+              </a:spcBef>
+              <a:spcAft>
+                <a:spcPts val="600"/>
+              </a:spcAft>
+              <a:buFont typeface="Arial" pitchFamily="34" charset="0"/>
+              <a:buChar char="–"/>
+              <a:defRPr sz="1200" kern="1200">
+                <a:solidFill>
+                  <a:schemeClr val="tx1"/>
+                </a:solidFill>
+                <a:latin typeface="+mn-lt"/>
+                <a:ea typeface="+mn-ea"/>
+                <a:cs typeface="+mn-cs"/>
+              </a:defRPr>
+            </a:lvl9pPr>
+          </a:lstStyle>
+          <a:p>
+            <a:r>
+              <a:rPr lang="en-US" dirty="0"/>
+              <a:t>No changes to content</a:t>
+            </a:r>
+          </a:p>
+          <a:p>
+            <a:r>
+              <a:rPr lang="en-US" dirty="0"/>
+              <a:t>“3ring_scaf_aggr_pose_hires” bookmark in Spotfire file “chemblntd_gsk_TCAMS_RG_frames_eLNB_v2.dxp”</a:t>
+            </a:r>
+          </a:p>
+        </p:txBody>
+      </p:sp>
     </p:spTree>
     <p:extLst>
       <p:ext uri="{BB962C8B-B14F-4D97-AF65-F5344CB8AC3E}">
-        <p14:creationId xmlns:p14="http://schemas.microsoft.com/office/powerpoint/2010/main" val="819711690"/>
+        <p14:creationId xmlns:p14="http://schemas.microsoft.com/office/powerpoint/2010/main" val="3714637668"/>
       </p:ext>
     </p:extLst>
   </p:cSld>
   <p:clrMapOvr>
     <a:masterClrMapping/>
   </p:clrMapOvr>
-  <p:transition/>
 </p:sld>
 </file>
 
@@ -24966,7 +25005,13 @@
       </p:grpSpPr>
       <p:sp>
         <p:nvSpPr>
-          <p:cNvPr id="2" name="Title 1"/>
+          <p:cNvPr id="2" name="Title 1">
+            <a:extLst>
+              <a:ext uri="{FF2B5EF4-FFF2-40B4-BE49-F238E27FC236}">
+                <a16:creationId xmlns:a16="http://schemas.microsoft.com/office/drawing/2014/main" id="{6107A4DD-45C3-4949-B423-161EBAACCD0C}"/>
+              </a:ext>
+            </a:extLst>
+          </p:cNvPr>
           <p:cNvSpPr>
             <a:spLocks noGrp="1"/>
           </p:cNvSpPr>
@@ -24974,26 +25019,52 @@
             <p:ph type="title"/>
           </p:nvPr>
         </p:nvSpPr>
-        <p:spPr>
-          <a:xfrm>
-            <a:off x="365123" y="294810"/>
-            <a:ext cx="7805099" cy="338554"/>
-          </a:xfrm>
-        </p:spPr>
+        <p:spPr/>
         <p:txBody>
           <a:bodyPr/>
           <a:lstStyle/>
           <a:p>
             <a:r>
               <a:rPr lang="en-US" dirty="0"/>
-              <a:t>Stats Cluster D vs. RGT B</a:t>
-            </a:r>
-          </a:p>
-        </p:txBody>
-      </p:sp>
-      <p:sp>
-        <p:nvSpPr>
-          <p:cNvPr id="5" name="Slide Number Placeholder 4"/>
+              <a:t>Fig 7 – only structure rendering improvement</a:t>
+            </a:r>
+          </a:p>
+        </p:txBody>
+      </p:sp>
+      <p:sp>
+        <p:nvSpPr>
+          <p:cNvPr id="3" name="Content Placeholder 2">
+            <a:extLst>
+              <a:ext uri="{FF2B5EF4-FFF2-40B4-BE49-F238E27FC236}">
+                <a16:creationId xmlns:a16="http://schemas.microsoft.com/office/drawing/2014/main" id="{C56ABDAD-1E2E-4C6C-BB5C-4DDE5D79C650}"/>
+              </a:ext>
+            </a:extLst>
+          </p:cNvPr>
+          <p:cNvSpPr>
+            <a:spLocks noGrp="1"/>
+          </p:cNvSpPr>
+          <p:nvPr>
+            <p:ph sz="quarter" idx="12"/>
+          </p:nvPr>
+        </p:nvSpPr>
+        <p:spPr/>
+        <p:txBody>
+          <a:bodyPr/>
+          <a:lstStyle/>
+          <a:p>
+            <a:endParaRPr lang="en-US" dirty="0"/>
+          </a:p>
+        </p:txBody>
+      </p:sp>
+      <p:sp>
+        <p:nvSpPr>
+          <p:cNvPr id="5" name="Slide Number Placeholder 4">
+            <a:extLst>
+              <a:ext uri="{FF2B5EF4-FFF2-40B4-BE49-F238E27FC236}">
+                <a16:creationId xmlns:a16="http://schemas.microsoft.com/office/drawing/2014/main" id="{819CE067-85B4-4886-9FE5-FF7F039C121D}"/>
+              </a:ext>
+            </a:extLst>
+          </p:cNvPr>
           <p:cNvSpPr>
             <a:spLocks noGrp="1"/>
           </p:cNvSpPr>
@@ -25023,205 +25094,37 @@
           </a:p>
         </p:txBody>
       </p:sp>
-      <p:cxnSp>
-        <p:nvCxnSpPr>
-          <p:cNvPr id="174081" name="Straight Connector 174080">
+      <p:sp>
+        <p:nvSpPr>
+          <p:cNvPr id="6" name="Text Placeholder 5">
             <a:extLst>
               <a:ext uri="{FF2B5EF4-FFF2-40B4-BE49-F238E27FC236}">
-                <a16:creationId xmlns:a16="http://schemas.microsoft.com/office/drawing/2014/main" id="{21C181BB-6BFE-4304-98E5-36B39CF330BF}"/>
+                <a16:creationId xmlns:a16="http://schemas.microsoft.com/office/drawing/2014/main" id="{315C2B2D-4099-42A0-957A-001A6713381D}"/>
               </a:ext>
             </a:extLst>
           </p:cNvPr>
-          <p:cNvCxnSpPr>
-            <a:cxnSpLocks/>
-          </p:cNvCxnSpPr>
-          <p:nvPr/>
-        </p:nvCxnSpPr>
-        <p:spPr>
-          <a:xfrm flipV="1">
-            <a:off x="1757238" y="1439187"/>
-            <a:ext cx="1143703" cy="2"/>
-          </a:xfrm>
-          <a:prstGeom prst="line">
-            <a:avLst/>
-          </a:prstGeom>
-          <a:ln>
-            <a:solidFill>
-              <a:schemeClr val="tx1">
-                <a:lumMod val="50000"/>
-              </a:schemeClr>
-            </a:solidFill>
-          </a:ln>
-        </p:spPr>
-        <p:style>
-          <a:lnRef idx="1">
-            <a:schemeClr val="accent1"/>
-          </a:lnRef>
-          <a:fillRef idx="0">
-            <a:schemeClr val="accent1"/>
-          </a:fillRef>
-          <a:effectRef idx="0">
-            <a:schemeClr val="accent1"/>
-          </a:effectRef>
-          <a:fontRef idx="minor">
-            <a:schemeClr val="tx1"/>
-          </a:fontRef>
-        </p:style>
-      </p:cxnSp>
+          <p:cNvSpPr>
+            <a:spLocks noGrp="1"/>
+          </p:cNvSpPr>
+          <p:nvPr>
+            <p:ph type="body" sz="quarter" idx="18"/>
+          </p:nvPr>
+        </p:nvSpPr>
+        <p:spPr/>
+        <p:txBody>
+          <a:bodyPr/>
+          <a:lstStyle/>
+          <a:p>
+            <a:endParaRPr lang="en-US"/>
+          </a:p>
+        </p:txBody>
+      </p:sp>
       <p:pic>
         <p:nvPicPr>
-          <p:cNvPr id="41" name="Picture 40">
+          <p:cNvPr id="7" name="Picture 6">
             <a:extLst>
               <a:ext uri="{FF2B5EF4-FFF2-40B4-BE49-F238E27FC236}">
-                <a16:creationId xmlns:a16="http://schemas.microsoft.com/office/drawing/2014/main" id="{268AAA76-884A-4E25-B277-C0EEACC4AAA7}"/>
-              </a:ext>
-            </a:extLst>
-          </p:cNvPr>
-          <p:cNvPicPr>
-            <a:picLocks noChangeAspect="1"/>
-          </p:cNvPicPr>
-          <p:nvPr/>
-        </p:nvPicPr>
-        <p:blipFill rotWithShape="1">
-          <a:blip r:embed="rId3"/>
-          <a:srcRect l="-376" t="45325" r="97854" b="47342"/>
-          <a:stretch/>
-        </p:blipFill>
-        <p:spPr>
-          <a:xfrm>
-            <a:off x="636106" y="2432585"/>
-            <a:ext cx="408101" cy="652959"/>
-          </a:xfrm>
-          <a:prstGeom prst="rect">
-            <a:avLst/>
-          </a:prstGeom>
-        </p:spPr>
-      </p:pic>
-      <p:cxnSp>
-        <p:nvCxnSpPr>
-          <p:cNvPr id="42" name="Straight Connector 41">
-            <a:extLst>
-              <a:ext uri="{FF2B5EF4-FFF2-40B4-BE49-F238E27FC236}">
-                <a16:creationId xmlns:a16="http://schemas.microsoft.com/office/drawing/2014/main" id="{4AB7C522-5718-4E5B-B0B6-0F575E7B572B}"/>
-              </a:ext>
-            </a:extLst>
-          </p:cNvPr>
-          <p:cNvCxnSpPr>
-            <a:cxnSpLocks/>
-          </p:cNvCxnSpPr>
-          <p:nvPr/>
-        </p:nvCxnSpPr>
-        <p:spPr>
-          <a:xfrm>
-            <a:off x="901082" y="5214067"/>
-            <a:ext cx="681229" cy="89453"/>
-          </a:xfrm>
-          <a:prstGeom prst="line">
-            <a:avLst/>
-          </a:prstGeom>
-          <a:ln>
-            <a:solidFill>
-              <a:schemeClr val="tx1">
-                <a:lumMod val="50000"/>
-              </a:schemeClr>
-            </a:solidFill>
-          </a:ln>
-        </p:spPr>
-        <p:style>
-          <a:lnRef idx="1">
-            <a:schemeClr val="accent1"/>
-          </a:lnRef>
-          <a:fillRef idx="0">
-            <a:schemeClr val="accent1"/>
-          </a:fillRef>
-          <a:effectRef idx="0">
-            <a:schemeClr val="accent1"/>
-          </a:effectRef>
-          <a:fontRef idx="minor">
-            <a:schemeClr val="tx1"/>
-          </a:fontRef>
-        </p:style>
-      </p:cxnSp>
-      <p:cxnSp>
-        <p:nvCxnSpPr>
-          <p:cNvPr id="51" name="Straight Connector 50">
-            <a:extLst>
-              <a:ext uri="{FF2B5EF4-FFF2-40B4-BE49-F238E27FC236}">
-                <a16:creationId xmlns:a16="http://schemas.microsoft.com/office/drawing/2014/main" id="{289D2DB0-E3D0-4761-AE8A-0E92CD1C25D0}"/>
-              </a:ext>
-            </a:extLst>
-          </p:cNvPr>
-          <p:cNvCxnSpPr>
-            <a:cxnSpLocks/>
-          </p:cNvCxnSpPr>
-          <p:nvPr/>
-        </p:nvCxnSpPr>
-        <p:spPr>
-          <a:xfrm>
-            <a:off x="5886892" y="4811724"/>
-            <a:ext cx="104439" cy="346503"/>
-          </a:xfrm>
-          <a:prstGeom prst="line">
-            <a:avLst/>
-          </a:prstGeom>
-          <a:ln>
-            <a:solidFill>
-              <a:schemeClr val="tx1">
-                <a:lumMod val="50000"/>
-              </a:schemeClr>
-            </a:solidFill>
-          </a:ln>
-        </p:spPr>
-        <p:style>
-          <a:lnRef idx="1">
-            <a:schemeClr val="accent1"/>
-          </a:lnRef>
-          <a:fillRef idx="0">
-            <a:schemeClr val="accent1"/>
-          </a:fillRef>
-          <a:effectRef idx="0">
-            <a:schemeClr val="accent1"/>
-          </a:effectRef>
-          <a:fontRef idx="minor">
-            <a:schemeClr val="tx1"/>
-          </a:fontRef>
-        </p:style>
-      </p:cxnSp>
-      <p:pic>
-        <p:nvPicPr>
-          <p:cNvPr id="4" name="Picture 3">
-            <a:extLst>
-              <a:ext uri="{FF2B5EF4-FFF2-40B4-BE49-F238E27FC236}">
-                <a16:creationId xmlns:a16="http://schemas.microsoft.com/office/drawing/2014/main" id="{84182BDC-7D22-4CA4-8E88-790148E61CFA}"/>
-              </a:ext>
-            </a:extLst>
-          </p:cNvPr>
-          <p:cNvPicPr>
-            <a:picLocks noChangeAspect="1"/>
-          </p:cNvPicPr>
-          <p:nvPr/>
-        </p:nvPicPr>
-        <p:blipFill rotWithShape="1">
-          <a:blip r:embed="rId4"/>
-          <a:srcRect l="9177" r="27005"/>
-          <a:stretch/>
-        </p:blipFill>
-        <p:spPr>
-          <a:xfrm>
-            <a:off x="1152939" y="1226198"/>
-            <a:ext cx="4838392" cy="4817414"/>
-          </a:xfrm>
-          <a:prstGeom prst="rect">
-            <a:avLst/>
-          </a:prstGeom>
-        </p:spPr>
-      </p:pic>
-      <p:pic>
-        <p:nvPicPr>
-          <p:cNvPr id="6" name="Picture 5">
-            <a:extLst>
-              <a:ext uri="{FF2B5EF4-FFF2-40B4-BE49-F238E27FC236}">
-                <a16:creationId xmlns:a16="http://schemas.microsoft.com/office/drawing/2014/main" id="{D67B6504-7FA2-47EE-9CAB-7D0861AA2E08}"/>
+                <a16:creationId xmlns:a16="http://schemas.microsoft.com/office/drawing/2014/main" id="{C1E8B70D-8594-4266-852C-0630786F3695}"/>
               </a:ext>
             </a:extLst>
           </p:cNvPr>
@@ -25231,195 +25134,71 @@
           <p:nvPr/>
         </p:nvPicPr>
         <p:blipFill>
-          <a:blip r:embed="rId5"/>
+          <a:blip r:embed="rId2"/>
           <a:stretch>
             <a:fillRect/>
           </a:stretch>
         </p:blipFill>
         <p:spPr>
           <a:xfrm>
-            <a:off x="2526864" y="1557396"/>
-            <a:ext cx="3289541" cy="818906"/>
+            <a:off x="365124" y="692554"/>
+            <a:ext cx="6629400" cy="5810250"/>
           </a:xfrm>
           <a:prstGeom prst="rect">
             <a:avLst/>
           </a:prstGeom>
-          <a:ln>
-            <a:solidFill>
-              <a:srgbClr val="7030A0"/>
-            </a:solidFill>
-          </a:ln>
         </p:spPr>
       </p:pic>
-      <p:pic>
-        <p:nvPicPr>
-          <p:cNvPr id="8" name="Picture 7">
+      <p:sp>
+        <p:nvSpPr>
+          <p:cNvPr id="4" name="Text Placeholder 3">
             <a:extLst>
               <a:ext uri="{FF2B5EF4-FFF2-40B4-BE49-F238E27FC236}">
-                <a16:creationId xmlns:a16="http://schemas.microsoft.com/office/drawing/2014/main" id="{2CD9FC39-6AF5-47F1-9766-23D3CA40AF69}"/>
+                <a16:creationId xmlns:a16="http://schemas.microsoft.com/office/drawing/2014/main" id="{EB204F5F-2584-48B9-9E43-FBA9E5DD06E6}"/>
               </a:ext>
             </a:extLst>
           </p:cNvPr>
-          <p:cNvPicPr>
-            <a:picLocks noChangeAspect="1"/>
-          </p:cNvPicPr>
-          <p:nvPr/>
-        </p:nvPicPr>
-        <p:blipFill rotWithShape="1">
-          <a:blip r:embed="rId6"/>
-          <a:srcRect t="14375"/>
-          <a:stretch/>
-        </p:blipFill>
-        <p:spPr>
-          <a:xfrm>
-            <a:off x="2299233" y="2593748"/>
-            <a:ext cx="1841120" cy="627485"/>
-          </a:xfrm>
-          <a:prstGeom prst="rect">
-            <a:avLst/>
-          </a:prstGeom>
-          <a:ln>
-            <a:solidFill>
-              <a:schemeClr val="accent1"/>
-            </a:solidFill>
-          </a:ln>
-        </p:spPr>
-      </p:pic>
-      <p:cxnSp>
-        <p:nvCxnSpPr>
-          <p:cNvPr id="17" name="Straight Connector 16">
-            <a:extLst>
-              <a:ext uri="{FF2B5EF4-FFF2-40B4-BE49-F238E27FC236}">
-                <a16:creationId xmlns:a16="http://schemas.microsoft.com/office/drawing/2014/main" id="{C8AD04C9-8949-43A4-8071-2A666ED25B79}"/>
-              </a:ext>
-            </a:extLst>
-          </p:cNvPr>
-          <p:cNvCxnSpPr>
-            <a:cxnSpLocks/>
-          </p:cNvCxnSpPr>
-          <p:nvPr/>
-        </p:nvCxnSpPr>
-        <p:spPr>
-          <a:xfrm>
-            <a:off x="2011680" y="1542553"/>
-            <a:ext cx="287553" cy="1051195"/>
-          </a:xfrm>
-          <a:prstGeom prst="line">
-            <a:avLst/>
-          </a:prstGeom>
-          <a:ln>
-            <a:solidFill>
-              <a:schemeClr val="tx1">
-                <a:lumMod val="50000"/>
-              </a:schemeClr>
-            </a:solidFill>
-          </a:ln>
-        </p:spPr>
-        <p:style>
-          <a:lnRef idx="1">
-            <a:schemeClr val="accent1"/>
-          </a:lnRef>
-          <a:fillRef idx="0">
-            <a:schemeClr val="accent1"/>
-          </a:fillRef>
-          <a:effectRef idx="0">
-            <a:schemeClr val="accent1"/>
-          </a:effectRef>
-          <a:fontRef idx="minor">
-            <a:schemeClr val="tx1"/>
-          </a:fontRef>
-        </p:style>
-      </p:cxnSp>
-      <p:cxnSp>
-        <p:nvCxnSpPr>
-          <p:cNvPr id="21" name="Straight Connector 20">
-            <a:extLst>
-              <a:ext uri="{FF2B5EF4-FFF2-40B4-BE49-F238E27FC236}">
-                <a16:creationId xmlns:a16="http://schemas.microsoft.com/office/drawing/2014/main" id="{092BF7F5-27D1-4BEE-B0FE-B5DBEDF907F4}"/>
-              </a:ext>
-            </a:extLst>
-          </p:cNvPr>
-          <p:cNvCxnSpPr>
-            <a:cxnSpLocks/>
-          </p:cNvCxnSpPr>
-          <p:nvPr/>
-        </p:nvCxnSpPr>
-        <p:spPr>
-          <a:xfrm>
-            <a:off x="5756744" y="2376302"/>
-            <a:ext cx="0" cy="2781925"/>
-          </a:xfrm>
-          <a:prstGeom prst="line">
-            <a:avLst/>
-          </a:prstGeom>
-          <a:ln>
-            <a:solidFill>
-              <a:schemeClr val="tx1">
-                <a:lumMod val="50000"/>
-              </a:schemeClr>
-            </a:solidFill>
-          </a:ln>
-        </p:spPr>
-        <p:style>
-          <a:lnRef idx="1">
-            <a:schemeClr val="accent1"/>
-          </a:lnRef>
-          <a:fillRef idx="0">
-            <a:schemeClr val="accent1"/>
-          </a:fillRef>
-          <a:effectRef idx="0">
-            <a:schemeClr val="accent1"/>
-          </a:effectRef>
-          <a:fontRef idx="minor">
-            <a:schemeClr val="tx1"/>
-          </a:fontRef>
-        </p:style>
-      </p:cxnSp>
-      <p:pic>
-        <p:nvPicPr>
-          <p:cNvPr id="15" name="Picture 14">
-            <a:extLst>
-              <a:ext uri="{FF2B5EF4-FFF2-40B4-BE49-F238E27FC236}">
-                <a16:creationId xmlns:a16="http://schemas.microsoft.com/office/drawing/2014/main" id="{7418DA26-4815-491E-9DA6-B52878ECA62B}"/>
-              </a:ext>
-            </a:extLst>
-          </p:cNvPr>
-          <p:cNvPicPr>
-            <a:picLocks noChangeAspect="1"/>
-          </p:cNvPicPr>
-          <p:nvPr/>
-        </p:nvPicPr>
-        <p:blipFill rotWithShape="1">
-          <a:blip r:embed="rId4"/>
-          <a:srcRect l="73570" t="23049" b="14152"/>
-          <a:stretch/>
-        </p:blipFill>
-        <p:spPr>
-          <a:xfrm>
-            <a:off x="4197296" y="2609650"/>
-            <a:ext cx="1469056" cy="2217976"/>
-          </a:xfrm>
-          <a:prstGeom prst="rect">
-            <a:avLst/>
-          </a:prstGeom>
-          <a:ln>
-            <a:solidFill>
-              <a:schemeClr val="tx2"/>
-            </a:solidFill>
-          </a:ln>
-        </p:spPr>
-      </p:pic>
+          <p:cNvSpPr>
+            <a:spLocks noGrp="1"/>
+          </p:cNvSpPr>
+          <p:nvPr>
+            <p:ph type="body" sz="quarter" idx="14"/>
+          </p:nvPr>
+        </p:nvSpPr>
+        <p:spPr>
+          <a:xfrm>
+            <a:off x="6782637" y="1196151"/>
+            <a:ext cx="2210638" cy="3747638"/>
+          </a:xfrm>
+        </p:spPr>
+        <p:txBody>
+          <a:bodyPr/>
+          <a:lstStyle/>
+          <a:p>
+            <a:r>
+              <a:rPr lang="en-US" dirty="0"/>
+              <a:t>GSK Kinase X </a:t>
+            </a:r>
+            <a:br>
+              <a:rPr lang="en-US" dirty="0"/>
+            </a:br>
+            <a:r>
+              <a:rPr lang="en-US" dirty="0"/>
+              <a:t>data – plot below structures not changed.</a:t>
+            </a:r>
+          </a:p>
+        </p:txBody>
+      </p:sp>
     </p:spTree>
     <p:extLst>
       <p:ext uri="{BB962C8B-B14F-4D97-AF65-F5344CB8AC3E}">
-        <p14:creationId xmlns:p14="http://schemas.microsoft.com/office/powerpoint/2010/main" val="1947705364"/>
+        <p14:creationId xmlns:p14="http://schemas.microsoft.com/office/powerpoint/2010/main" val="4165648151"/>
       </p:ext>
     </p:extLst>
   </p:cSld>
   <p:clrMapOvr>
     <a:masterClrMapping/>
   </p:clrMapOvr>
-  <p:transition/>
 </p:sld>
 </file>
 
@@ -25442,10 +25221,10 @@
       </p:grpSpPr>
       <p:sp>
         <p:nvSpPr>
-          <p:cNvPr id="2" name="Title 1">
+          <p:cNvPr id="3" name="Content Placeholder 2">
             <a:extLst>
               <a:ext uri="{FF2B5EF4-FFF2-40B4-BE49-F238E27FC236}">
-                <a16:creationId xmlns:a16="http://schemas.microsoft.com/office/drawing/2014/main" id="{A82C809E-055D-4E26-A5A7-2A1E00CE0C8E}"/>
+                <a16:creationId xmlns:a16="http://schemas.microsoft.com/office/drawing/2014/main" id="{6F0C412D-95A5-4CB3-900C-BDC8CDF1ACEF}"/>
               </a:ext>
             </a:extLst>
           </p:cNvPr>
@@ -25453,7 +25232,7 @@
             <a:spLocks noGrp="1"/>
           </p:cNvSpPr>
           <p:nvPr>
-            <p:ph type="title"/>
+            <p:ph sz="quarter" idx="12"/>
           </p:nvPr>
         </p:nvSpPr>
         <p:spPr/>
@@ -25461,10 +25240,7 @@
           <a:bodyPr/>
           <a:lstStyle/>
           <a:p>
-            <a:r>
-              <a:rPr lang="en-US" dirty="0"/>
-              <a:t>Stats bar charts</a:t>
-            </a:r>
+            <a:endParaRPr lang="en-US"/>
           </a:p>
         </p:txBody>
       </p:sp>
@@ -25473,7 +25249,7 @@
           <p:cNvPr id="4" name="Text Placeholder 3">
             <a:extLst>
               <a:ext uri="{FF2B5EF4-FFF2-40B4-BE49-F238E27FC236}">
-                <a16:creationId xmlns:a16="http://schemas.microsoft.com/office/drawing/2014/main" id="{4E852665-AB70-4696-993E-2D749D674B4D}"/>
+                <a16:creationId xmlns:a16="http://schemas.microsoft.com/office/drawing/2014/main" id="{D89406B4-560F-4A7B-9D0D-DC5DBD305253}"/>
               </a:ext>
             </a:extLst>
           </p:cNvPr>
@@ -25484,12 +25260,40 @@
             <p:ph type="body" sz="quarter" idx="14"/>
           </p:nvPr>
         </p:nvSpPr>
-        <p:spPr/>
-        <p:txBody>
-          <a:bodyPr/>
-          <a:lstStyle/>
-          <a:p>
-            <a:endParaRPr lang="en-US"/>
+        <p:spPr>
+          <a:xfrm>
+            <a:off x="5765500" y="1399536"/>
+            <a:ext cx="3049888" cy="3172463"/>
+          </a:xfrm>
+        </p:spPr>
+        <p:txBody>
+          <a:bodyPr/>
+          <a:lstStyle/>
+          <a:p>
+            <a:r>
+              <a:rPr lang="en-US" dirty="0"/>
+              <a:t>Yellow instead of blue for scaffold 978 for contrast </a:t>
+            </a:r>
+          </a:p>
+          <a:p>
+            <a:r>
+              <a:rPr lang="en-US" dirty="0"/>
+              <a:t>Structure images pulled out of tooltips and re-rendered</a:t>
+            </a:r>
+          </a:p>
+          <a:p>
+            <a:r>
+              <a:rPr lang="en-US" dirty="0"/>
+              <a:t>Bookmark “mol1 </a:t>
+            </a:r>
+            <a:r>
+              <a:rPr lang="en-US" dirty="0" err="1"/>
+              <a:t>scafwalk</a:t>
+            </a:r>
+            <a:r>
+              <a:rPr lang="en-US" dirty="0"/>
+              <a:t>*” in file “chemblntd_gsk_cpd_search_hier_SNG_v4.dxp” </a:t>
+            </a:r>
           </a:p>
         </p:txBody>
       </p:sp>
@@ -25498,7 +25302,7 @@
           <p:cNvPr id="5" name="Slide Number Placeholder 4">
             <a:extLst>
               <a:ext uri="{FF2B5EF4-FFF2-40B4-BE49-F238E27FC236}">
-                <a16:creationId xmlns:a16="http://schemas.microsoft.com/office/drawing/2014/main" id="{439173BD-33EA-42B3-B778-ADD631ABB78A}"/>
+                <a16:creationId xmlns:a16="http://schemas.microsoft.com/office/drawing/2014/main" id="{2A3DD783-454F-48DD-BE69-4669F0CDC2FB}"/>
               </a:ext>
             </a:extLst>
           </p:cNvPr>
@@ -25531,12 +25335,693 @@
           </a:p>
         </p:txBody>
       </p:sp>
+      <p:sp>
+        <p:nvSpPr>
+          <p:cNvPr id="6" name="Text Placeholder 5">
+            <a:extLst>
+              <a:ext uri="{FF2B5EF4-FFF2-40B4-BE49-F238E27FC236}">
+                <a16:creationId xmlns:a16="http://schemas.microsoft.com/office/drawing/2014/main" id="{D2C3103F-C108-4EA8-8B81-1A015E32931F}"/>
+              </a:ext>
+            </a:extLst>
+          </p:cNvPr>
+          <p:cNvSpPr>
+            <a:spLocks noGrp="1"/>
+          </p:cNvSpPr>
+          <p:nvPr>
+            <p:ph type="body" sz="quarter" idx="18"/>
+          </p:nvPr>
+        </p:nvSpPr>
+        <p:spPr/>
+        <p:txBody>
+          <a:bodyPr/>
+          <a:lstStyle/>
+          <a:p>
+            <a:endParaRPr lang="en-US"/>
+          </a:p>
+        </p:txBody>
+      </p:sp>
       <p:pic>
         <p:nvPicPr>
           <p:cNvPr id="7" name="Picture 6">
             <a:extLst>
               <a:ext uri="{FF2B5EF4-FFF2-40B4-BE49-F238E27FC236}">
-                <a16:creationId xmlns:a16="http://schemas.microsoft.com/office/drawing/2014/main" id="{5D071394-E259-4091-BEB8-D965BBEF15C2}"/>
+                <a16:creationId xmlns:a16="http://schemas.microsoft.com/office/drawing/2014/main" id="{370827F3-2553-43E3-9B7D-146D63AC1230}"/>
+              </a:ext>
+            </a:extLst>
+          </p:cNvPr>
+          <p:cNvPicPr>
+            <a:picLocks noChangeAspect="1"/>
+          </p:cNvPicPr>
+          <p:nvPr/>
+        </p:nvPicPr>
+        <p:blipFill>
+          <a:blip r:embed="rId2"/>
+          <a:stretch>
+            <a:fillRect/>
+          </a:stretch>
+        </p:blipFill>
+        <p:spPr>
+          <a:xfrm>
+            <a:off x="153548" y="0"/>
+            <a:ext cx="5400376" cy="6858000"/>
+          </a:xfrm>
+          <a:prstGeom prst="rect">
+            <a:avLst/>
+          </a:prstGeom>
+        </p:spPr>
+      </p:pic>
+      <p:sp>
+        <p:nvSpPr>
+          <p:cNvPr id="2" name="Title 1">
+            <a:extLst>
+              <a:ext uri="{FF2B5EF4-FFF2-40B4-BE49-F238E27FC236}">
+                <a16:creationId xmlns:a16="http://schemas.microsoft.com/office/drawing/2014/main" id="{7D4D0782-5FFC-4BE4-8B31-61962F4D5D1B}"/>
+              </a:ext>
+            </a:extLst>
+          </p:cNvPr>
+          <p:cNvSpPr>
+            <a:spLocks noGrp="1"/>
+          </p:cNvSpPr>
+          <p:nvPr>
+            <p:ph type="title"/>
+          </p:nvPr>
+        </p:nvSpPr>
+        <p:spPr>
+          <a:xfrm>
+            <a:off x="5365820" y="15751"/>
+            <a:ext cx="2914022" cy="1180400"/>
+          </a:xfrm>
+        </p:spPr>
+        <p:txBody>
+          <a:bodyPr/>
+          <a:lstStyle/>
+          <a:p>
+            <a:r>
+              <a:rPr lang="en-US" dirty="0"/>
+              <a:t>Fig 8 – structure rendering and stylistic improvement</a:t>
+            </a:r>
+          </a:p>
+        </p:txBody>
+      </p:sp>
+    </p:spTree>
+    <p:extLst>
+      <p:ext uri="{BB962C8B-B14F-4D97-AF65-F5344CB8AC3E}">
+        <p14:creationId xmlns:p14="http://schemas.microsoft.com/office/powerpoint/2010/main" val="325778730"/>
+      </p:ext>
+    </p:extLst>
+  </p:cSld>
+  <p:clrMapOvr>
+    <a:masterClrMapping/>
+  </p:clrMapOvr>
+</p:sld>
+</file>
+
+<file path=ppt/slides/slide7.xml><?xml version="1.0" encoding="utf-8"?>
+<p:sld xmlns:a="http://schemas.openxmlformats.org/drawingml/2006/main" xmlns:r="http://schemas.openxmlformats.org/officeDocument/2006/relationships" xmlns:p="http://schemas.openxmlformats.org/presentationml/2006/main">
+  <p:cSld>
+    <p:spTree>
+      <p:nvGrpSpPr>
+        <p:cNvPr id="1" name=""/>
+        <p:cNvGrpSpPr/>
+        <p:nvPr/>
+      </p:nvGrpSpPr>
+      <p:grpSpPr>
+        <a:xfrm>
+          <a:off x="0" y="0"/>
+          <a:ext cx="0" cy="0"/>
+          <a:chOff x="0" y="0"/>
+          <a:chExt cx="0" cy="0"/>
+        </a:xfrm>
+      </p:grpSpPr>
+      <p:sp>
+        <p:nvSpPr>
+          <p:cNvPr id="2" name="Title 1"/>
+          <p:cNvSpPr>
+            <a:spLocks noGrp="1"/>
+          </p:cNvSpPr>
+          <p:nvPr>
+            <p:ph type="title"/>
+          </p:nvPr>
+        </p:nvSpPr>
+        <p:spPr>
+          <a:xfrm>
+            <a:off x="365123" y="294810"/>
+            <a:ext cx="7805099" cy="338554"/>
+          </a:xfrm>
+        </p:spPr>
+        <p:txBody>
+          <a:bodyPr/>
+          <a:lstStyle/>
+          <a:p>
+            <a:r>
+              <a:rPr lang="en-US" dirty="0"/>
+              <a:t>Stat table/</a:t>
+            </a:r>
+            <a:r>
+              <a:rPr lang="en-US" dirty="0" err="1"/>
+              <a:t>histo</a:t>
+            </a:r>
+            <a:r>
+              <a:rPr lang="en-US" dirty="0"/>
+              <a:t> (a) FW A vs RGT B (b) Clink D vs RGT B</a:t>
+            </a:r>
+          </a:p>
+        </p:txBody>
+      </p:sp>
+      <p:sp>
+        <p:nvSpPr>
+          <p:cNvPr id="5" name="Slide Number Placeholder 4"/>
+          <p:cNvSpPr>
+            <a:spLocks noGrp="1"/>
+          </p:cNvSpPr>
+          <p:nvPr>
+            <p:ph type="sldNum" sz="quarter" idx="17"/>
+          </p:nvPr>
+        </p:nvSpPr>
+        <p:spPr/>
+        <p:txBody>
+          <a:bodyPr/>
+          <a:lstStyle/>
+          <a:p>
+            <a:fld id="{0A838F34-1B32-4019-A24D-EF473E6901BC}" type="slidenum">
+              <a:rPr lang="en-US" smtClean="0">
+                <a:solidFill>
+                  <a:srgbClr val="9A8B7D"/>
+                </a:solidFill>
+              </a:rPr>
+              <a:pPr/>
+              <a:t>7</a:t>
+            </a:fld>
+            <a:endParaRPr lang="en-US">
+              <a:solidFill>
+                <a:srgbClr val="9A8B7D"/>
+              </a:solidFill>
+            </a:endParaRPr>
+          </a:p>
+        </p:txBody>
+      </p:sp>
+      <p:sp>
+        <p:nvSpPr>
+          <p:cNvPr id="4" name="TextBox 3">
+            <a:extLst>
+              <a:ext uri="{FF2B5EF4-FFF2-40B4-BE49-F238E27FC236}">
+                <a16:creationId xmlns:a16="http://schemas.microsoft.com/office/drawing/2014/main" id="{12A07697-5253-4473-AE4A-6E05F017BF59}"/>
+              </a:ext>
+            </a:extLst>
+          </p:cNvPr>
+          <p:cNvSpPr txBox="1"/>
+          <p:nvPr/>
+        </p:nvSpPr>
+        <p:spPr>
+          <a:xfrm>
+            <a:off x="80386" y="5536643"/>
+            <a:ext cx="8963129" cy="738664"/>
+          </a:xfrm>
+          <a:prstGeom prst="rect">
+            <a:avLst/>
+          </a:prstGeom>
+          <a:noFill/>
+          <a:ln>
+            <a:solidFill>
+              <a:schemeClr val="tx1"/>
+            </a:solidFill>
+          </a:ln>
+        </p:spPr>
+        <p:txBody>
+          <a:bodyPr wrap="square" rtlCol="0">
+            <a:spAutoFit/>
+          </a:bodyPr>
+          <a:lstStyle/>
+          <a:p>
+            <a:pPr>
+              <a:buClr>
+                <a:schemeClr val="tx1"/>
+              </a:buClr>
+            </a:pPr>
+            <a:r>
+              <a:rPr lang="en-US" sz="1400" dirty="0"/>
+              <a:t>RHS tables and figures are new, LHS already verified</a:t>
+            </a:r>
+          </a:p>
+          <a:p>
+            <a:pPr>
+              <a:buClr>
+                <a:schemeClr val="tx1"/>
+              </a:buClr>
+            </a:pPr>
+            <a:r>
+              <a:rPr lang="en-US" sz="1400" dirty="0"/>
+              <a:t>Table (b) calculations are based on R Code in SI and code/data needed to reproduce are in stats folder of repo </a:t>
+            </a:r>
+          </a:p>
+          <a:p>
+            <a:pPr>
+              <a:buClr>
+                <a:schemeClr val="tx1"/>
+              </a:buClr>
+            </a:pPr>
+            <a:r>
+              <a:rPr lang="en-US" sz="1400" dirty="0"/>
+              <a:t>Histogram (d) in file “</a:t>
+            </a:r>
+            <a:r>
+              <a:rPr lang="en-US" sz="1400" dirty="0" err="1"/>
+              <a:t>chemblntd_gsk_TCAMS_Stats_PropByCompd_DD_RG_CLink_eLNB.dxp</a:t>
+            </a:r>
+            <a:r>
+              <a:rPr lang="en-US" sz="1400" dirty="0"/>
+              <a:t>” Tab </a:t>
+            </a:r>
+            <a:r>
+              <a:rPr lang="en-US" sz="1400" dirty="0" err="1"/>
+              <a:t>HistCP</a:t>
+            </a:r>
+            <a:r>
+              <a:rPr lang="en-US" sz="1400" dirty="0"/>
+              <a:t> (D)</a:t>
+            </a:r>
+          </a:p>
+        </p:txBody>
+      </p:sp>
+      <p:pic>
+        <p:nvPicPr>
+          <p:cNvPr id="6" name="Picture 5">
+            <a:extLst>
+              <a:ext uri="{FF2B5EF4-FFF2-40B4-BE49-F238E27FC236}">
+                <a16:creationId xmlns:a16="http://schemas.microsoft.com/office/drawing/2014/main" id="{B44F0A8F-D8D8-4787-8FDD-2C81FB66F4F4}"/>
+              </a:ext>
+            </a:extLst>
+          </p:cNvPr>
+          <p:cNvPicPr>
+            <a:picLocks noChangeAspect="1"/>
+          </p:cNvPicPr>
+          <p:nvPr/>
+        </p:nvPicPr>
+        <p:blipFill>
+          <a:blip r:embed="rId3"/>
+          <a:stretch>
+            <a:fillRect/>
+          </a:stretch>
+        </p:blipFill>
+        <p:spPr>
+          <a:xfrm>
+            <a:off x="1256044" y="1091498"/>
+            <a:ext cx="6781678" cy="4410740"/>
+          </a:xfrm>
+          <a:prstGeom prst="rect">
+            <a:avLst/>
+          </a:prstGeom>
+        </p:spPr>
+      </p:pic>
+    </p:spTree>
+    <p:extLst>
+      <p:ext uri="{BB962C8B-B14F-4D97-AF65-F5344CB8AC3E}">
+        <p14:creationId xmlns:p14="http://schemas.microsoft.com/office/powerpoint/2010/main" val="819711690"/>
+      </p:ext>
+    </p:extLst>
+  </p:cSld>
+  <p:clrMapOvr>
+    <a:masterClrMapping/>
+  </p:clrMapOvr>
+  <p:transition/>
+</p:sld>
+</file>
+
+<file path=ppt/slides/slide8.xml><?xml version="1.0" encoding="utf-8"?>
+<p:sld xmlns:a="http://schemas.openxmlformats.org/drawingml/2006/main" xmlns:r="http://schemas.openxmlformats.org/officeDocument/2006/relationships" xmlns:p="http://schemas.openxmlformats.org/presentationml/2006/main">
+  <p:cSld>
+    <p:spTree>
+      <p:nvGrpSpPr>
+        <p:cNvPr id="1" name=""/>
+        <p:cNvGrpSpPr/>
+        <p:nvPr/>
+      </p:nvGrpSpPr>
+      <p:grpSpPr>
+        <a:xfrm>
+          <a:off x="0" y="0"/>
+          <a:ext cx="0" cy="0"/>
+          <a:chOff x="0" y="0"/>
+          <a:chExt cx="0" cy="0"/>
+        </a:xfrm>
+      </p:grpSpPr>
+      <p:sp>
+        <p:nvSpPr>
+          <p:cNvPr id="2" name="Title 1"/>
+          <p:cNvSpPr>
+            <a:spLocks noGrp="1"/>
+          </p:cNvSpPr>
+          <p:nvPr>
+            <p:ph type="title"/>
+          </p:nvPr>
+        </p:nvSpPr>
+        <p:spPr>
+          <a:xfrm>
+            <a:off x="365123" y="294810"/>
+            <a:ext cx="7805099" cy="338554"/>
+          </a:xfrm>
+        </p:spPr>
+        <p:txBody>
+          <a:bodyPr/>
+          <a:lstStyle/>
+          <a:p>
+            <a:r>
+              <a:rPr lang="en-US" dirty="0"/>
+              <a:t>Stat plot (a) FW A vs. RGT B, (b) Cluster D vs. RGT B</a:t>
+            </a:r>
+          </a:p>
+        </p:txBody>
+      </p:sp>
+      <p:sp>
+        <p:nvSpPr>
+          <p:cNvPr id="5" name="Slide Number Placeholder 4"/>
+          <p:cNvSpPr>
+            <a:spLocks noGrp="1"/>
+          </p:cNvSpPr>
+          <p:nvPr>
+            <p:ph type="sldNum" sz="quarter" idx="17"/>
+          </p:nvPr>
+        </p:nvSpPr>
+        <p:spPr/>
+        <p:txBody>
+          <a:bodyPr/>
+          <a:lstStyle/>
+          <a:p>
+            <a:fld id="{0A838F34-1B32-4019-A24D-EF473E6901BC}" type="slidenum">
+              <a:rPr lang="en-US" smtClean="0">
+                <a:solidFill>
+                  <a:srgbClr val="9A8B7D"/>
+                </a:solidFill>
+              </a:rPr>
+              <a:pPr/>
+              <a:t>8</a:t>
+            </a:fld>
+            <a:endParaRPr lang="en-US">
+              <a:solidFill>
+                <a:srgbClr val="9A8B7D"/>
+              </a:solidFill>
+            </a:endParaRPr>
+          </a:p>
+        </p:txBody>
+      </p:sp>
+      <p:pic>
+        <p:nvPicPr>
+          <p:cNvPr id="7" name="Picture 6">
+            <a:extLst>
+              <a:ext uri="{FF2B5EF4-FFF2-40B4-BE49-F238E27FC236}">
+                <a16:creationId xmlns:a16="http://schemas.microsoft.com/office/drawing/2014/main" id="{592C76E4-C180-46BB-9717-A2249195FCBC}"/>
+              </a:ext>
+            </a:extLst>
+          </p:cNvPr>
+          <p:cNvPicPr>
+            <a:picLocks noChangeAspect="1"/>
+          </p:cNvPicPr>
+          <p:nvPr/>
+        </p:nvPicPr>
+        <p:blipFill>
+          <a:blip r:embed="rId3"/>
+          <a:stretch>
+            <a:fillRect/>
+          </a:stretch>
+        </p:blipFill>
+        <p:spPr>
+          <a:xfrm>
+            <a:off x="572756" y="1078069"/>
+            <a:ext cx="8320035" cy="4440605"/>
+          </a:xfrm>
+          <a:prstGeom prst="rect">
+            <a:avLst/>
+          </a:prstGeom>
+        </p:spPr>
+      </p:pic>
+      <p:sp>
+        <p:nvSpPr>
+          <p:cNvPr id="9" name="Rectangle 8">
+            <a:extLst>
+              <a:ext uri="{FF2B5EF4-FFF2-40B4-BE49-F238E27FC236}">
+                <a16:creationId xmlns:a16="http://schemas.microsoft.com/office/drawing/2014/main" id="{22BF5563-C5FA-4F12-B131-66FCDC6CD800}"/>
+              </a:ext>
+            </a:extLst>
+          </p:cNvPr>
+          <p:cNvSpPr/>
+          <p:nvPr/>
+        </p:nvSpPr>
+        <p:spPr>
+          <a:xfrm>
+            <a:off x="365123" y="5537092"/>
+            <a:ext cx="8527668" cy="830997"/>
+          </a:xfrm>
+          <a:prstGeom prst="rect">
+            <a:avLst/>
+          </a:prstGeom>
+          <a:ln>
+            <a:solidFill>
+              <a:schemeClr val="tx1"/>
+            </a:solidFill>
+          </a:ln>
+        </p:spPr>
+        <p:txBody>
+          <a:bodyPr wrap="square">
+            <a:spAutoFit/>
+          </a:bodyPr>
+          <a:lstStyle/>
+          <a:p>
+            <a:pPr>
+              <a:buClr>
+                <a:schemeClr val="tx1"/>
+              </a:buClr>
+            </a:pPr>
+            <a:r>
+              <a:rPr lang="en-US" sz="1600" dirty="0"/>
+              <a:t>Plot (b) in file “</a:t>
+            </a:r>
+            <a:r>
+              <a:rPr lang="en-US" sz="1600" dirty="0" err="1"/>
+              <a:t>chemblntd_gsk_TCAMS_Stats_PropByCompd_DD_RG_CLink_eLNB.dxp</a:t>
+            </a:r>
+            <a:r>
+              <a:rPr lang="en-US" sz="1600" dirty="0"/>
+              <a:t>” Tab “Compare </a:t>
+            </a:r>
+            <a:r>
+              <a:rPr lang="en-US" sz="1600" dirty="0" err="1"/>
+              <a:t>CLinkClus</a:t>
+            </a:r>
+            <a:r>
+              <a:rPr lang="en-US" sz="1600" dirty="0"/>
+              <a:t>(D) and </a:t>
+            </a:r>
+            <a:r>
+              <a:rPr lang="en-US" sz="1600" dirty="0" err="1"/>
+              <a:t>RGdecomp</a:t>
+            </a:r>
+            <a:r>
+              <a:rPr lang="en-US" sz="1600" dirty="0"/>
+              <a:t>(B)”. </a:t>
+            </a:r>
+            <a:br>
+              <a:rPr lang="en-US" sz="1600" dirty="0"/>
+            </a:br>
+            <a:r>
+              <a:rPr lang="en-US" sz="1600" dirty="0"/>
+              <a:t>Dataset built with code &amp; data in stats folder in repo – same as previous figure</a:t>
+            </a:r>
+          </a:p>
+        </p:txBody>
+      </p:sp>
+    </p:spTree>
+    <p:extLst>
+      <p:ext uri="{BB962C8B-B14F-4D97-AF65-F5344CB8AC3E}">
+        <p14:creationId xmlns:p14="http://schemas.microsoft.com/office/powerpoint/2010/main" val="1947705364"/>
+      </p:ext>
+    </p:extLst>
+  </p:cSld>
+  <p:clrMapOvr>
+    <a:masterClrMapping/>
+  </p:clrMapOvr>
+  <p:transition/>
+</p:sld>
+</file>
+
+<file path=ppt/slides/slide9.xml><?xml version="1.0" encoding="utf-8"?>
+<p:sld xmlns:a="http://schemas.openxmlformats.org/drawingml/2006/main" xmlns:r="http://schemas.openxmlformats.org/officeDocument/2006/relationships" xmlns:p="http://schemas.openxmlformats.org/presentationml/2006/main">
+  <p:cSld>
+    <p:spTree>
+      <p:nvGrpSpPr>
+        <p:cNvPr id="1" name=""/>
+        <p:cNvGrpSpPr/>
+        <p:nvPr/>
+      </p:nvGrpSpPr>
+      <p:grpSpPr>
+        <a:xfrm>
+          <a:off x="0" y="0"/>
+          <a:ext cx="0" cy="0"/>
+          <a:chOff x="0" y="0"/>
+          <a:chExt cx="0" cy="0"/>
+        </a:xfrm>
+      </p:grpSpPr>
+      <p:sp>
+        <p:nvSpPr>
+          <p:cNvPr id="2" name="Title 1">
+            <a:extLst>
+              <a:ext uri="{FF2B5EF4-FFF2-40B4-BE49-F238E27FC236}">
+                <a16:creationId xmlns:a16="http://schemas.microsoft.com/office/drawing/2014/main" id="{F3AC6449-79E7-4EB9-BED4-6A0F0E9D29BB}"/>
+              </a:ext>
+            </a:extLst>
+          </p:cNvPr>
+          <p:cNvSpPr>
+            <a:spLocks noGrp="1"/>
+          </p:cNvSpPr>
+          <p:nvPr>
+            <p:ph type="title"/>
+          </p:nvPr>
+        </p:nvSpPr>
+        <p:spPr/>
+        <p:txBody>
+          <a:bodyPr/>
+          <a:lstStyle/>
+          <a:p>
+            <a:r>
+              <a:rPr lang="en-US" dirty="0"/>
+              <a:t>Fig 11 (c)-(e) – only structure rendering changed </a:t>
+            </a:r>
+          </a:p>
+        </p:txBody>
+      </p:sp>
+      <p:sp>
+        <p:nvSpPr>
+          <p:cNvPr id="3" name="Content Placeholder 2">
+            <a:extLst>
+              <a:ext uri="{FF2B5EF4-FFF2-40B4-BE49-F238E27FC236}">
+                <a16:creationId xmlns:a16="http://schemas.microsoft.com/office/drawing/2014/main" id="{0A6FC185-4120-426B-9E27-4A7EC3DC905B}"/>
+              </a:ext>
+            </a:extLst>
+          </p:cNvPr>
+          <p:cNvSpPr>
+            <a:spLocks noGrp="1"/>
+          </p:cNvSpPr>
+          <p:nvPr>
+            <p:ph sz="quarter" idx="12"/>
+          </p:nvPr>
+        </p:nvSpPr>
+        <p:spPr/>
+        <p:txBody>
+          <a:bodyPr/>
+          <a:lstStyle/>
+          <a:p>
+            <a:endParaRPr lang="en-US" dirty="0"/>
+          </a:p>
+        </p:txBody>
+      </p:sp>
+      <p:sp>
+        <p:nvSpPr>
+          <p:cNvPr id="4" name="Text Placeholder 3">
+            <a:extLst>
+              <a:ext uri="{FF2B5EF4-FFF2-40B4-BE49-F238E27FC236}">
+                <a16:creationId xmlns:a16="http://schemas.microsoft.com/office/drawing/2014/main" id="{481F0A76-455E-4AFC-A65E-56B589DECB7C}"/>
+              </a:ext>
+            </a:extLst>
+          </p:cNvPr>
+          <p:cNvSpPr>
+            <a:spLocks noGrp="1"/>
+          </p:cNvSpPr>
+          <p:nvPr>
+            <p:ph type="body" sz="quarter" idx="14"/>
+          </p:nvPr>
+        </p:nvSpPr>
+        <p:spPr>
+          <a:xfrm>
+            <a:off x="365125" y="1677291"/>
+            <a:ext cx="1805320" cy="2432485"/>
+          </a:xfrm>
+        </p:spPr>
+        <p:txBody>
+          <a:bodyPr/>
+          <a:lstStyle/>
+          <a:p>
+            <a:r>
+              <a:rPr lang="en-US" dirty="0"/>
+              <a:t>Structures rendered directly from SMILES – Spotfire file “</a:t>
+            </a:r>
+            <a:r>
+              <a:rPr lang="en-US" dirty="0" err="1"/>
+              <a:t>DDDtable</a:t>
+            </a:r>
+            <a:r>
+              <a:rPr lang="en-US" dirty="0"/>
+              <a:t>” not updated</a:t>
+            </a:r>
+          </a:p>
+        </p:txBody>
+      </p:sp>
+      <p:sp>
+        <p:nvSpPr>
+          <p:cNvPr id="5" name="Slide Number Placeholder 4">
+            <a:extLst>
+              <a:ext uri="{FF2B5EF4-FFF2-40B4-BE49-F238E27FC236}">
+                <a16:creationId xmlns:a16="http://schemas.microsoft.com/office/drawing/2014/main" id="{4103CB8F-5FD2-47D3-A3B6-03B780E9AE7D}"/>
+              </a:ext>
+            </a:extLst>
+          </p:cNvPr>
+          <p:cNvSpPr>
+            <a:spLocks noGrp="1"/>
+          </p:cNvSpPr>
+          <p:nvPr>
+            <p:ph type="sldNum" sz="quarter" idx="17"/>
+          </p:nvPr>
+        </p:nvSpPr>
+        <p:spPr/>
+        <p:txBody>
+          <a:bodyPr/>
+          <a:lstStyle/>
+          <a:p>
+            <a:fld id="{0A838F34-1B32-4019-A24D-EF473E6901BC}" type="slidenum">
+              <a:rPr lang="en-US" smtClean="0">
+                <a:solidFill>
+                  <a:srgbClr val="9A8B7D"/>
+                </a:solidFill>
+              </a:rPr>
+              <a:pPr/>
+              <a:t>9</a:t>
+            </a:fld>
+            <a:endParaRPr lang="en-US">
+              <a:solidFill>
+                <a:srgbClr val="9A8B7D"/>
+              </a:solidFill>
+            </a:endParaRPr>
+          </a:p>
+        </p:txBody>
+      </p:sp>
+      <p:sp>
+        <p:nvSpPr>
+          <p:cNvPr id="6" name="Text Placeholder 5">
+            <a:extLst>
+              <a:ext uri="{FF2B5EF4-FFF2-40B4-BE49-F238E27FC236}">
+                <a16:creationId xmlns:a16="http://schemas.microsoft.com/office/drawing/2014/main" id="{433F1C5E-B0BA-4396-9AF6-DAEAD6BA5327}"/>
+              </a:ext>
+            </a:extLst>
+          </p:cNvPr>
+          <p:cNvSpPr>
+            <a:spLocks noGrp="1"/>
+          </p:cNvSpPr>
+          <p:nvPr>
+            <p:ph type="body" sz="quarter" idx="18"/>
+          </p:nvPr>
+        </p:nvSpPr>
+        <p:spPr/>
+        <p:txBody>
+          <a:bodyPr/>
+          <a:lstStyle/>
+          <a:p>
+            <a:endParaRPr lang="en-US"/>
+          </a:p>
+        </p:txBody>
+      </p:sp>
+      <p:pic>
+        <p:nvPicPr>
+          <p:cNvPr id="7" name="Picture 6">
+            <a:extLst>
+              <a:ext uri="{FF2B5EF4-FFF2-40B4-BE49-F238E27FC236}">
+                <a16:creationId xmlns:a16="http://schemas.microsoft.com/office/drawing/2014/main" id="{0D335A9D-C62B-4CB4-8631-5E7DD04939AD}"/>
               </a:ext>
             </a:extLst>
           </p:cNvPr>
@@ -25547,122 +26032,13 @@
         </p:nvPicPr>
         <p:blipFill rotWithShape="1">
           <a:blip r:embed="rId2"/>
-          <a:srcRect l="9581" r="24510"/>
+          <a:srcRect t="33401"/>
           <a:stretch/>
         </p:blipFill>
         <p:spPr>
           <a:xfrm>
-            <a:off x="2206156" y="1100738"/>
-            <a:ext cx="5649734" cy="2561336"/>
-          </a:xfrm>
-          <a:prstGeom prst="rect">
-            <a:avLst/>
-          </a:prstGeom>
-        </p:spPr>
-      </p:pic>
-      <p:sp>
-        <p:nvSpPr>
-          <p:cNvPr id="9" name="TextBox 8">
-            <a:extLst>
-              <a:ext uri="{FF2B5EF4-FFF2-40B4-BE49-F238E27FC236}">
-                <a16:creationId xmlns:a16="http://schemas.microsoft.com/office/drawing/2014/main" id="{C065B58C-CD0D-4B7A-9D42-D31593D6933C}"/>
-              </a:ext>
-            </a:extLst>
-          </p:cNvPr>
-          <p:cNvSpPr txBox="1"/>
-          <p:nvPr/>
-        </p:nvSpPr>
-        <p:spPr>
-          <a:xfrm rot="16200000">
-            <a:off x="904018" y="1684148"/>
-            <a:ext cx="2154804" cy="400110"/>
-          </a:xfrm>
-          <a:prstGeom prst="rect">
-            <a:avLst/>
-          </a:prstGeom>
-          <a:noFill/>
-        </p:spPr>
-        <p:txBody>
-          <a:bodyPr wrap="square" rtlCol="0">
-            <a:spAutoFit/>
-          </a:bodyPr>
-          <a:lstStyle/>
-          <a:p>
-            <a:pPr>
-              <a:buClr>
-                <a:schemeClr val="tx1"/>
-              </a:buClr>
-            </a:pPr>
-            <a:r>
-              <a:rPr lang="en-US" sz="2000" dirty="0"/>
-              <a:t># molecules</a:t>
-            </a:r>
-          </a:p>
-        </p:txBody>
-      </p:sp>
-      <p:sp>
-        <p:nvSpPr>
-          <p:cNvPr id="10" name="TextBox 9">
-            <a:extLst>
-              <a:ext uri="{FF2B5EF4-FFF2-40B4-BE49-F238E27FC236}">
-                <a16:creationId xmlns:a16="http://schemas.microsoft.com/office/drawing/2014/main" id="{7E9563D7-FD9C-447C-93BB-F90D4739C30A}"/>
-              </a:ext>
-            </a:extLst>
-          </p:cNvPr>
-          <p:cNvSpPr txBox="1"/>
-          <p:nvPr/>
-        </p:nvSpPr>
-        <p:spPr>
-          <a:xfrm rot="16200000">
-            <a:off x="904018" y="4204712"/>
-            <a:ext cx="2154804" cy="400110"/>
-          </a:xfrm>
-          <a:prstGeom prst="rect">
-            <a:avLst/>
-          </a:prstGeom>
-          <a:noFill/>
-        </p:spPr>
-        <p:txBody>
-          <a:bodyPr wrap="square" rtlCol="0">
-            <a:spAutoFit/>
-          </a:bodyPr>
-          <a:lstStyle/>
-          <a:p>
-            <a:pPr>
-              <a:buClr>
-                <a:schemeClr val="tx1"/>
-              </a:buClr>
-            </a:pPr>
-            <a:r>
-              <a:rPr lang="en-US" sz="2000" dirty="0"/>
-              <a:t># molecules</a:t>
-            </a:r>
-          </a:p>
-        </p:txBody>
-      </p:sp>
-      <p:pic>
-        <p:nvPicPr>
-          <p:cNvPr id="12" name="Picture 11">
-            <a:extLst>
-              <a:ext uri="{FF2B5EF4-FFF2-40B4-BE49-F238E27FC236}">
-                <a16:creationId xmlns:a16="http://schemas.microsoft.com/office/drawing/2014/main" id="{54DBEF6F-BEBF-4888-BE5E-712455B600BE}"/>
-              </a:ext>
-            </a:extLst>
-          </p:cNvPr>
-          <p:cNvPicPr>
-            <a:picLocks noChangeAspect="1"/>
-          </p:cNvPicPr>
-          <p:nvPr/>
-        </p:nvPicPr>
-        <p:blipFill rotWithShape="1">
-          <a:blip r:embed="rId3"/>
-          <a:srcRect l="10006" r="25193"/>
-          <a:stretch/>
-        </p:blipFill>
-        <p:spPr>
-          <a:xfrm>
-            <a:off x="2183845" y="3646173"/>
-            <a:ext cx="5462547" cy="2600325"/>
+            <a:off x="2465492" y="1225899"/>
+            <a:ext cx="6289606" cy="4567373"/>
           </a:xfrm>
           <a:prstGeom prst="rect">
             <a:avLst/>
@@ -25672,7 +26048,7 @@
     </p:spTree>
     <p:extLst>
       <p:ext uri="{BB962C8B-B14F-4D97-AF65-F5344CB8AC3E}">
-        <p14:creationId xmlns:p14="http://schemas.microsoft.com/office/powerpoint/2010/main" val="892661274"/>
+        <p14:creationId xmlns:p14="http://schemas.microsoft.com/office/powerpoint/2010/main" val="3996322943"/>
       </p:ext>
     </p:extLst>
   </p:cSld>
